--- a/SE202526/Management/Sprint3/Scrum_Board_Sprint 3.pptx
+++ b/SE202526/Management/Sprint3/Scrum_Board_Sprint 3.pptx
@@ -5,13 +5,15 @@
     <p:sldMasterId id="2147483659" r:id="rId1"/>
   </p:sldMasterIdLst>
   <p:notesMasterIdLst>
-    <p:notesMasterId r:id="rId6"/>
+    <p:notesMasterId r:id="rId8"/>
   </p:notesMasterIdLst>
   <p:sldIdLst>
     <p:sldId id="256" r:id="rId2"/>
     <p:sldId id="257" r:id="rId3"/>
-    <p:sldId id="264" r:id="rId4"/>
-    <p:sldId id="263" r:id="rId5"/>
+    <p:sldId id="266" r:id="rId4"/>
+    <p:sldId id="265" r:id="rId5"/>
+    <p:sldId id="264" r:id="rId6"/>
+    <p:sldId id="263" r:id="rId7"/>
   </p:sldIdLst>
   <p:sldSz cx="21599525" cy="10799763"/>
   <p:notesSz cx="6858000" cy="9144000"/>
@@ -920,6 +922,260 @@
         <p:cNvPr id="1" name="Shape 62">
           <a:extLst>
             <a:ext uri="{FF2B5EF4-FFF2-40B4-BE49-F238E27FC236}">
+              <a16:creationId xmlns:a16="http://schemas.microsoft.com/office/drawing/2014/main" id="{7B4749A3-56B1-E607-DB76-0864AB0B0CA4}"/>
+            </a:ext>
+          </a:extLst>
+        </p:cNvPr>
+        <p:cNvGrpSpPr/>
+        <p:nvPr/>
+      </p:nvGrpSpPr>
+      <p:grpSpPr>
+        <a:xfrm>
+          <a:off x="0" y="0"/>
+          <a:ext cx="0" cy="0"/>
+          <a:chOff x="0" y="0"/>
+          <a:chExt cx="0" cy="0"/>
+        </a:xfrm>
+      </p:grpSpPr>
+      <p:sp>
+        <p:nvSpPr>
+          <p:cNvPr id="63" name="Google Shape;63;g3850b307b58_0_0:notes">
+            <a:extLst>
+              <a:ext uri="{FF2B5EF4-FFF2-40B4-BE49-F238E27FC236}">
+                <a16:creationId xmlns:a16="http://schemas.microsoft.com/office/drawing/2014/main" id="{4E610C75-9320-80A0-5315-D09A59B3EA9D}"/>
+              </a:ext>
+            </a:extLst>
+          </p:cNvPr>
+          <p:cNvSpPr>
+            <a:spLocks noGrp="1" noRot="1" noChangeAspect="1"/>
+          </p:cNvSpPr>
+          <p:nvPr>
+            <p:ph type="sldImg" idx="2"/>
+          </p:nvPr>
+        </p:nvSpPr>
+        <p:spPr>
+          <a:xfrm>
+            <a:off x="0" y="685800"/>
+            <a:ext cx="6858000" cy="3429000"/>
+          </a:xfrm>
+          <a:custGeom>
+            <a:avLst/>
+            <a:gdLst/>
+            <a:ahLst/>
+            <a:cxnLst/>
+            <a:rect l="l" t="t" r="r" b="b"/>
+            <a:pathLst>
+              <a:path w="120000" h="120000" extrusionOk="0">
+                <a:moveTo>
+                  <a:pt x="0" y="0"/>
+                </a:moveTo>
+                <a:lnTo>
+                  <a:pt x="120000" y="0"/>
+                </a:lnTo>
+                <a:lnTo>
+                  <a:pt x="120000" y="120000"/>
+                </a:lnTo>
+                <a:lnTo>
+                  <a:pt x="0" y="120000"/>
+                </a:lnTo>
+                <a:close/>
+              </a:path>
+            </a:pathLst>
+          </a:custGeom>
+        </p:spPr>
+      </p:sp>
+      <p:sp>
+        <p:nvSpPr>
+          <p:cNvPr id="64" name="Google Shape;64;g3850b307b58_0_0:notes">
+            <a:extLst>
+              <a:ext uri="{FF2B5EF4-FFF2-40B4-BE49-F238E27FC236}">
+                <a16:creationId xmlns:a16="http://schemas.microsoft.com/office/drawing/2014/main" id="{2B19EEA1-68BD-A9B9-C4F5-7F3A1BEAC418}"/>
+              </a:ext>
+            </a:extLst>
+          </p:cNvPr>
+          <p:cNvSpPr txBox="1">
+            <a:spLocks noGrp="1"/>
+          </p:cNvSpPr>
+          <p:nvPr>
+            <p:ph type="body" idx="1"/>
+          </p:nvPr>
+        </p:nvSpPr>
+        <p:spPr>
+          <a:xfrm>
+            <a:off x="685800" y="4343400"/>
+            <a:ext cx="5486400" cy="4114800"/>
+          </a:xfrm>
+          <a:prstGeom prst="rect">
+            <a:avLst/>
+          </a:prstGeom>
+        </p:spPr>
+        <p:txBody>
+          <a:bodyPr spcFirstLastPara="1" wrap="square" lIns="91425" tIns="91425" rIns="91425" bIns="91425" anchor="t" anchorCtr="0">
+            <a:noAutofit/>
+          </a:bodyPr>
+          <a:lstStyle/>
+          <a:p>
+            <a:pPr marL="0" lvl="0" indent="0" algn="l" rtl="0">
+              <a:spcBef>
+                <a:spcPts val="0"/>
+              </a:spcBef>
+              <a:spcAft>
+                <a:spcPts val="0"/>
+              </a:spcAft>
+              <a:buNone/>
+            </a:pPr>
+            <a:endParaRPr/>
+          </a:p>
+        </p:txBody>
+      </p:sp>
+    </p:spTree>
+    <p:extLst>
+      <p:ext uri="{BB962C8B-B14F-4D97-AF65-F5344CB8AC3E}">
+        <p14:creationId xmlns:p14="http://schemas.microsoft.com/office/powerpoint/2010/main" val="3737155662"/>
+      </p:ext>
+    </p:extLst>
+  </p:cSld>
+  <p:clrMapOvr>
+    <a:masterClrMapping/>
+  </p:clrMapOvr>
+</p:notes>
+</file>
+
+<file path=ppt/notesSlides/notesSlide4.xml><?xml version="1.0" encoding="utf-8"?>
+<p:notes xmlns:a="http://schemas.openxmlformats.org/drawingml/2006/main" xmlns:r="http://schemas.openxmlformats.org/officeDocument/2006/relationships" xmlns:p="http://schemas.openxmlformats.org/presentationml/2006/main" showMasterSp="0" showMasterPhAnim="0">
+  <p:cSld>
+    <p:spTree>
+      <p:nvGrpSpPr>
+        <p:cNvPr id="1" name="Shape 62">
+          <a:extLst>
+            <a:ext uri="{FF2B5EF4-FFF2-40B4-BE49-F238E27FC236}">
+              <a16:creationId xmlns:a16="http://schemas.microsoft.com/office/drawing/2014/main" id="{7B4749A3-56B1-E607-DB76-0864AB0B0CA4}"/>
+            </a:ext>
+          </a:extLst>
+        </p:cNvPr>
+        <p:cNvGrpSpPr/>
+        <p:nvPr/>
+      </p:nvGrpSpPr>
+      <p:grpSpPr>
+        <a:xfrm>
+          <a:off x="0" y="0"/>
+          <a:ext cx="0" cy="0"/>
+          <a:chOff x="0" y="0"/>
+          <a:chExt cx="0" cy="0"/>
+        </a:xfrm>
+      </p:grpSpPr>
+      <p:sp>
+        <p:nvSpPr>
+          <p:cNvPr id="63" name="Google Shape;63;g3850b307b58_0_0:notes">
+            <a:extLst>
+              <a:ext uri="{FF2B5EF4-FFF2-40B4-BE49-F238E27FC236}">
+                <a16:creationId xmlns:a16="http://schemas.microsoft.com/office/drawing/2014/main" id="{4E610C75-9320-80A0-5315-D09A59B3EA9D}"/>
+              </a:ext>
+            </a:extLst>
+          </p:cNvPr>
+          <p:cNvSpPr>
+            <a:spLocks noGrp="1" noRot="1" noChangeAspect="1"/>
+          </p:cNvSpPr>
+          <p:nvPr>
+            <p:ph type="sldImg" idx="2"/>
+          </p:nvPr>
+        </p:nvSpPr>
+        <p:spPr>
+          <a:xfrm>
+            <a:off x="0" y="685800"/>
+            <a:ext cx="6858000" cy="3429000"/>
+          </a:xfrm>
+          <a:custGeom>
+            <a:avLst/>
+            <a:gdLst/>
+            <a:ahLst/>
+            <a:cxnLst/>
+            <a:rect l="l" t="t" r="r" b="b"/>
+            <a:pathLst>
+              <a:path w="120000" h="120000" extrusionOk="0">
+                <a:moveTo>
+                  <a:pt x="0" y="0"/>
+                </a:moveTo>
+                <a:lnTo>
+                  <a:pt x="120000" y="0"/>
+                </a:lnTo>
+                <a:lnTo>
+                  <a:pt x="120000" y="120000"/>
+                </a:lnTo>
+                <a:lnTo>
+                  <a:pt x="0" y="120000"/>
+                </a:lnTo>
+                <a:close/>
+              </a:path>
+            </a:pathLst>
+          </a:custGeom>
+        </p:spPr>
+      </p:sp>
+      <p:sp>
+        <p:nvSpPr>
+          <p:cNvPr id="64" name="Google Shape;64;g3850b307b58_0_0:notes">
+            <a:extLst>
+              <a:ext uri="{FF2B5EF4-FFF2-40B4-BE49-F238E27FC236}">
+                <a16:creationId xmlns:a16="http://schemas.microsoft.com/office/drawing/2014/main" id="{2B19EEA1-68BD-A9B9-C4F5-7F3A1BEAC418}"/>
+              </a:ext>
+            </a:extLst>
+          </p:cNvPr>
+          <p:cNvSpPr txBox="1">
+            <a:spLocks noGrp="1"/>
+          </p:cNvSpPr>
+          <p:nvPr>
+            <p:ph type="body" idx="1"/>
+          </p:nvPr>
+        </p:nvSpPr>
+        <p:spPr>
+          <a:xfrm>
+            <a:off x="685800" y="4343400"/>
+            <a:ext cx="5486400" cy="4114800"/>
+          </a:xfrm>
+          <a:prstGeom prst="rect">
+            <a:avLst/>
+          </a:prstGeom>
+        </p:spPr>
+        <p:txBody>
+          <a:bodyPr spcFirstLastPara="1" wrap="square" lIns="91425" tIns="91425" rIns="91425" bIns="91425" anchor="t" anchorCtr="0">
+            <a:noAutofit/>
+          </a:bodyPr>
+          <a:lstStyle/>
+          <a:p>
+            <a:pPr marL="0" lvl="0" indent="0" algn="l" rtl="0">
+              <a:spcBef>
+                <a:spcPts val="0"/>
+              </a:spcBef>
+              <a:spcAft>
+                <a:spcPts val="0"/>
+              </a:spcAft>
+              <a:buNone/>
+            </a:pPr>
+            <a:endParaRPr/>
+          </a:p>
+        </p:txBody>
+      </p:sp>
+    </p:spTree>
+    <p:extLst>
+      <p:ext uri="{BB962C8B-B14F-4D97-AF65-F5344CB8AC3E}">
+        <p14:creationId xmlns:p14="http://schemas.microsoft.com/office/powerpoint/2010/main" val="2123003090"/>
+      </p:ext>
+    </p:extLst>
+  </p:cSld>
+  <p:clrMapOvr>
+    <a:masterClrMapping/>
+  </p:clrMapOvr>
+</p:notes>
+</file>
+
+<file path=ppt/notesSlides/notesSlide5.xml><?xml version="1.0" encoding="utf-8"?>
+<p:notes xmlns:a="http://schemas.openxmlformats.org/drawingml/2006/main" xmlns:r="http://schemas.openxmlformats.org/officeDocument/2006/relationships" xmlns:p="http://schemas.openxmlformats.org/presentationml/2006/main" showMasterSp="0" showMasterPhAnim="0">
+  <p:cSld>
+    <p:spTree>
+      <p:nvGrpSpPr>
+        <p:cNvPr id="1" name="Shape 62">
+          <a:extLst>
+            <a:ext uri="{FF2B5EF4-FFF2-40B4-BE49-F238E27FC236}">
               <a16:creationId xmlns:a16="http://schemas.microsoft.com/office/drawing/2014/main" id="{26B0C9F3-30BD-9812-462E-4AA20D29B1A3}"/>
             </a:ext>
           </a:extLst>
@@ -1039,7 +1295,7 @@
 </p:notes>
 </file>
 
-<file path=ppt/notesSlides/notesSlide4.xml><?xml version="1.0" encoding="utf-8"?>
+<file path=ppt/notesSlides/notesSlide6.xml><?xml version="1.0" encoding="utf-8"?>
 <p:notes xmlns:a="http://schemas.openxmlformats.org/drawingml/2006/main" xmlns:r="http://schemas.openxmlformats.org/officeDocument/2006/relationships" xmlns:p="http://schemas.openxmlformats.org/presentationml/2006/main" showMasterSp="0" showMasterPhAnim="0">
   <p:cSld>
     <p:spTree>
@@ -6112,6 +6368,2219 @@
         <p:cNvPr id="1" name="Shape 65">
           <a:extLst>
             <a:ext uri="{FF2B5EF4-FFF2-40B4-BE49-F238E27FC236}">
+              <a16:creationId xmlns:a16="http://schemas.microsoft.com/office/drawing/2014/main" id="{C18DBC82-D3B9-F6B6-CFC3-60D01F6482E5}"/>
+            </a:ext>
+          </a:extLst>
+        </p:cNvPr>
+        <p:cNvGrpSpPr/>
+        <p:nvPr/>
+      </p:nvGrpSpPr>
+      <p:grpSpPr>
+        <a:xfrm>
+          <a:off x="0" y="0"/>
+          <a:ext cx="0" cy="0"/>
+          <a:chOff x="0" y="0"/>
+          <a:chExt cx="0" cy="0"/>
+        </a:xfrm>
+      </p:grpSpPr>
+      <p:cxnSp>
+        <p:nvCxnSpPr>
+          <p:cNvPr id="66" name="Google Shape;66;p15">
+            <a:extLst>
+              <a:ext uri="{FF2B5EF4-FFF2-40B4-BE49-F238E27FC236}">
+                <a16:creationId xmlns:a16="http://schemas.microsoft.com/office/drawing/2014/main" id="{0F16DA7C-9924-187E-9709-0F9EE8F85CEF}"/>
+              </a:ext>
+            </a:extLst>
+          </p:cNvPr>
+          <p:cNvCxnSpPr/>
+          <p:nvPr/>
+        </p:nvCxnSpPr>
+        <p:spPr>
+          <a:xfrm>
+            <a:off x="5944724" y="-31500"/>
+            <a:ext cx="0" cy="10857000"/>
+          </a:xfrm>
+          <a:prstGeom prst="straightConnector1">
+            <a:avLst/>
+          </a:prstGeom>
+          <a:noFill/>
+          <a:ln w="38100" cap="flat" cmpd="sng">
+            <a:solidFill>
+              <a:srgbClr val="5B0F00"/>
+            </a:solidFill>
+            <a:prstDash val="solid"/>
+            <a:round/>
+            <a:headEnd type="none" w="med" len="med"/>
+            <a:tailEnd type="none" w="med" len="med"/>
+          </a:ln>
+        </p:spPr>
+      </p:cxnSp>
+      <p:sp>
+        <p:nvSpPr>
+          <p:cNvPr id="67" name="Google Shape;67;p15">
+            <a:extLst>
+              <a:ext uri="{FF2B5EF4-FFF2-40B4-BE49-F238E27FC236}">
+                <a16:creationId xmlns:a16="http://schemas.microsoft.com/office/drawing/2014/main" id="{18BD1EA4-2EE3-92BA-7360-891EF4E7E7FC}"/>
+              </a:ext>
+            </a:extLst>
+          </p:cNvPr>
+          <p:cNvSpPr/>
+          <p:nvPr/>
+        </p:nvSpPr>
+        <p:spPr>
+          <a:xfrm>
+            <a:off x="3197186" y="84312"/>
+            <a:ext cx="2410800" cy="480900"/>
+          </a:xfrm>
+          <a:prstGeom prst="roundRect">
+            <a:avLst>
+              <a:gd name="adj" fmla="val 16667"/>
+            </a:avLst>
+          </a:prstGeom>
+          <a:solidFill>
+            <a:srgbClr val="F9CB9C"/>
+          </a:solidFill>
+          <a:ln w="28575" cap="flat" cmpd="sng">
+            <a:solidFill>
+              <a:srgbClr val="B45F06"/>
+            </a:solidFill>
+            <a:prstDash val="solid"/>
+            <a:round/>
+            <a:headEnd type="none" w="sm" len="sm"/>
+            <a:tailEnd type="none" w="sm" len="sm"/>
+          </a:ln>
+        </p:spPr>
+        <p:txBody>
+          <a:bodyPr spcFirstLastPara="1" wrap="square" lIns="91425" tIns="91425" rIns="91425" bIns="91425" anchor="ctr" anchorCtr="0">
+            <a:noAutofit/>
+          </a:bodyPr>
+          <a:lstStyle/>
+          <a:p>
+            <a:pPr marL="0" lvl="0" indent="0" algn="ctr" rtl="0">
+              <a:spcBef>
+                <a:spcPts val="0"/>
+              </a:spcBef>
+              <a:spcAft>
+                <a:spcPts val="0"/>
+              </a:spcAft>
+              <a:buNone/>
+            </a:pPr>
+            <a:r>
+              <a:rPr lang="en-GB" sz="1800" b="1">
+                <a:latin typeface="Consolas"/>
+                <a:ea typeface="Consolas"/>
+                <a:cs typeface="Consolas"/>
+                <a:sym typeface="Consolas"/>
+              </a:rPr>
+              <a:t>Student ID</a:t>
+            </a:r>
+            <a:endParaRPr sz="1800" b="1">
+              <a:latin typeface="Consolas"/>
+              <a:ea typeface="Consolas"/>
+              <a:cs typeface="Consolas"/>
+              <a:sym typeface="Consolas"/>
+            </a:endParaRPr>
+          </a:p>
+        </p:txBody>
+      </p:sp>
+      <p:sp>
+        <p:nvSpPr>
+          <p:cNvPr id="68" name="Google Shape;68;p15">
+            <a:extLst>
+              <a:ext uri="{FF2B5EF4-FFF2-40B4-BE49-F238E27FC236}">
+                <a16:creationId xmlns:a16="http://schemas.microsoft.com/office/drawing/2014/main" id="{7D098676-C5D4-A2CF-568A-12036DE186D5}"/>
+              </a:ext>
+            </a:extLst>
+          </p:cNvPr>
+          <p:cNvSpPr/>
+          <p:nvPr/>
+        </p:nvSpPr>
+        <p:spPr>
+          <a:xfrm>
+            <a:off x="6281636" y="84312"/>
+            <a:ext cx="2410800" cy="480900"/>
+          </a:xfrm>
+          <a:prstGeom prst="roundRect">
+            <a:avLst>
+              <a:gd name="adj" fmla="val 16667"/>
+            </a:avLst>
+          </a:prstGeom>
+          <a:solidFill>
+            <a:srgbClr val="F9CB9C"/>
+          </a:solidFill>
+          <a:ln w="28575" cap="flat" cmpd="sng">
+            <a:solidFill>
+              <a:srgbClr val="B45F06"/>
+            </a:solidFill>
+            <a:prstDash val="solid"/>
+            <a:round/>
+            <a:headEnd type="none" w="sm" len="sm"/>
+            <a:tailEnd type="none" w="sm" len="sm"/>
+          </a:ln>
+        </p:spPr>
+        <p:txBody>
+          <a:bodyPr spcFirstLastPara="1" wrap="square" lIns="91425" tIns="91425" rIns="91425" bIns="91425" anchor="ctr" anchorCtr="0">
+            <a:noAutofit/>
+          </a:bodyPr>
+          <a:lstStyle/>
+          <a:p>
+            <a:pPr marL="0" lvl="0" indent="0" algn="ctr" rtl="0">
+              <a:spcBef>
+                <a:spcPts val="0"/>
+              </a:spcBef>
+              <a:spcAft>
+                <a:spcPts val="0"/>
+              </a:spcAft>
+              <a:buNone/>
+            </a:pPr>
+            <a:r>
+              <a:rPr lang="en-GB" sz="1800" b="1">
+                <a:latin typeface="Consolas"/>
+                <a:ea typeface="Consolas"/>
+                <a:cs typeface="Consolas"/>
+                <a:sym typeface="Consolas"/>
+              </a:rPr>
+              <a:t>Story</a:t>
+            </a:r>
+            <a:endParaRPr sz="1800" b="1">
+              <a:latin typeface="Consolas"/>
+              <a:ea typeface="Consolas"/>
+              <a:cs typeface="Consolas"/>
+              <a:sym typeface="Consolas"/>
+            </a:endParaRPr>
+          </a:p>
+        </p:txBody>
+      </p:sp>
+      <p:sp>
+        <p:nvSpPr>
+          <p:cNvPr id="69" name="Google Shape;69;p15">
+            <a:extLst>
+              <a:ext uri="{FF2B5EF4-FFF2-40B4-BE49-F238E27FC236}">
+                <a16:creationId xmlns:a16="http://schemas.microsoft.com/office/drawing/2014/main" id="{31F09A4B-4906-F7E4-93AA-2A61D98ECA82}"/>
+              </a:ext>
+            </a:extLst>
+          </p:cNvPr>
+          <p:cNvSpPr/>
+          <p:nvPr/>
+        </p:nvSpPr>
+        <p:spPr>
+          <a:xfrm>
+            <a:off x="9366071" y="84312"/>
+            <a:ext cx="2410800" cy="480900"/>
+          </a:xfrm>
+          <a:prstGeom prst="roundRect">
+            <a:avLst>
+              <a:gd name="adj" fmla="val 16667"/>
+            </a:avLst>
+          </a:prstGeom>
+          <a:solidFill>
+            <a:srgbClr val="F9CB9C"/>
+          </a:solidFill>
+          <a:ln w="28575" cap="flat" cmpd="sng">
+            <a:solidFill>
+              <a:srgbClr val="B45F06"/>
+            </a:solidFill>
+            <a:prstDash val="solid"/>
+            <a:round/>
+            <a:headEnd type="none" w="sm" len="sm"/>
+            <a:tailEnd type="none" w="sm" len="sm"/>
+          </a:ln>
+        </p:spPr>
+        <p:txBody>
+          <a:bodyPr spcFirstLastPara="1" wrap="square" lIns="91425" tIns="91425" rIns="91425" bIns="91425" anchor="ctr" anchorCtr="0">
+            <a:noAutofit/>
+          </a:bodyPr>
+          <a:lstStyle/>
+          <a:p>
+            <a:pPr marL="0" lvl="0" indent="0" algn="ctr" rtl="0">
+              <a:spcBef>
+                <a:spcPts val="0"/>
+              </a:spcBef>
+              <a:spcAft>
+                <a:spcPts val="0"/>
+              </a:spcAft>
+              <a:buNone/>
+            </a:pPr>
+            <a:r>
+              <a:rPr lang="en-GB" sz="1800" b="1">
+                <a:latin typeface="Consolas"/>
+                <a:ea typeface="Consolas"/>
+                <a:cs typeface="Consolas"/>
+                <a:sym typeface="Consolas"/>
+              </a:rPr>
+              <a:t>To Do</a:t>
+            </a:r>
+            <a:endParaRPr sz="1800" b="1">
+              <a:latin typeface="Consolas"/>
+              <a:ea typeface="Consolas"/>
+              <a:cs typeface="Consolas"/>
+              <a:sym typeface="Consolas"/>
+            </a:endParaRPr>
+          </a:p>
+        </p:txBody>
+      </p:sp>
+      <p:sp>
+        <p:nvSpPr>
+          <p:cNvPr id="70" name="Google Shape;70;p15">
+            <a:extLst>
+              <a:ext uri="{FF2B5EF4-FFF2-40B4-BE49-F238E27FC236}">
+                <a16:creationId xmlns:a16="http://schemas.microsoft.com/office/drawing/2014/main" id="{38616EC9-6AEA-3781-D975-A5BB998FD711}"/>
+              </a:ext>
+            </a:extLst>
+          </p:cNvPr>
+          <p:cNvSpPr/>
+          <p:nvPr/>
+        </p:nvSpPr>
+        <p:spPr>
+          <a:xfrm>
+            <a:off x="12395940" y="84312"/>
+            <a:ext cx="2410800" cy="480900"/>
+          </a:xfrm>
+          <a:prstGeom prst="roundRect">
+            <a:avLst>
+              <a:gd name="adj" fmla="val 16667"/>
+            </a:avLst>
+          </a:prstGeom>
+          <a:solidFill>
+            <a:srgbClr val="F9CB9C"/>
+          </a:solidFill>
+          <a:ln w="28575" cap="flat" cmpd="sng">
+            <a:solidFill>
+              <a:srgbClr val="B45F06"/>
+            </a:solidFill>
+            <a:prstDash val="solid"/>
+            <a:round/>
+            <a:headEnd type="none" w="sm" len="sm"/>
+            <a:tailEnd type="none" w="sm" len="sm"/>
+          </a:ln>
+        </p:spPr>
+        <p:txBody>
+          <a:bodyPr spcFirstLastPara="1" wrap="square" lIns="91425" tIns="91425" rIns="91425" bIns="91425" anchor="ctr" anchorCtr="0">
+            <a:noAutofit/>
+          </a:bodyPr>
+          <a:lstStyle/>
+          <a:p>
+            <a:pPr marL="0" lvl="0" indent="0" algn="ctr" rtl="0">
+              <a:spcBef>
+                <a:spcPts val="0"/>
+              </a:spcBef>
+              <a:spcAft>
+                <a:spcPts val="0"/>
+              </a:spcAft>
+              <a:buNone/>
+            </a:pPr>
+            <a:r>
+              <a:rPr lang="en-GB" sz="1800" b="1">
+                <a:latin typeface="Consolas"/>
+                <a:ea typeface="Consolas"/>
+                <a:cs typeface="Consolas"/>
+                <a:sym typeface="Consolas"/>
+              </a:rPr>
+              <a:t>Doing</a:t>
+            </a:r>
+            <a:endParaRPr sz="1800" b="1">
+              <a:latin typeface="Consolas"/>
+              <a:ea typeface="Consolas"/>
+              <a:cs typeface="Consolas"/>
+              <a:sym typeface="Consolas"/>
+            </a:endParaRPr>
+          </a:p>
+        </p:txBody>
+      </p:sp>
+      <p:sp>
+        <p:nvSpPr>
+          <p:cNvPr id="71" name="Google Shape;71;p15">
+            <a:extLst>
+              <a:ext uri="{FF2B5EF4-FFF2-40B4-BE49-F238E27FC236}">
+                <a16:creationId xmlns:a16="http://schemas.microsoft.com/office/drawing/2014/main" id="{2C8ACDA0-5773-093B-70AE-B37C4EECA171}"/>
+              </a:ext>
+            </a:extLst>
+          </p:cNvPr>
+          <p:cNvSpPr/>
+          <p:nvPr/>
+        </p:nvSpPr>
+        <p:spPr>
+          <a:xfrm>
+            <a:off x="15532407" y="84312"/>
+            <a:ext cx="2410800" cy="480900"/>
+          </a:xfrm>
+          <a:prstGeom prst="roundRect">
+            <a:avLst>
+              <a:gd name="adj" fmla="val 16667"/>
+            </a:avLst>
+          </a:prstGeom>
+          <a:solidFill>
+            <a:srgbClr val="F9CB9C"/>
+          </a:solidFill>
+          <a:ln w="28575" cap="flat" cmpd="sng">
+            <a:solidFill>
+              <a:srgbClr val="B45F06"/>
+            </a:solidFill>
+            <a:prstDash val="solid"/>
+            <a:round/>
+            <a:headEnd type="none" w="sm" len="sm"/>
+            <a:tailEnd type="none" w="sm" len="sm"/>
+          </a:ln>
+        </p:spPr>
+        <p:txBody>
+          <a:bodyPr spcFirstLastPara="1" wrap="square" lIns="91425" tIns="91425" rIns="91425" bIns="91425" anchor="ctr" anchorCtr="0">
+            <a:noAutofit/>
+          </a:bodyPr>
+          <a:lstStyle/>
+          <a:p>
+            <a:pPr marL="0" lvl="0" indent="0" algn="ctr" rtl="0">
+              <a:spcBef>
+                <a:spcPts val="0"/>
+              </a:spcBef>
+              <a:spcAft>
+                <a:spcPts val="0"/>
+              </a:spcAft>
+              <a:buNone/>
+            </a:pPr>
+            <a:r>
+              <a:rPr lang="en-GB" sz="1800" b="1">
+                <a:latin typeface="Consolas"/>
+                <a:ea typeface="Consolas"/>
+                <a:cs typeface="Consolas"/>
+                <a:sym typeface="Consolas"/>
+              </a:rPr>
+              <a:t>Review</a:t>
+            </a:r>
+            <a:endParaRPr sz="1800" b="1">
+              <a:latin typeface="Consolas"/>
+              <a:ea typeface="Consolas"/>
+              <a:cs typeface="Consolas"/>
+              <a:sym typeface="Consolas"/>
+            </a:endParaRPr>
+          </a:p>
+        </p:txBody>
+      </p:sp>
+      <p:sp>
+        <p:nvSpPr>
+          <p:cNvPr id="72" name="Google Shape;72;p15">
+            <a:extLst>
+              <a:ext uri="{FF2B5EF4-FFF2-40B4-BE49-F238E27FC236}">
+                <a16:creationId xmlns:a16="http://schemas.microsoft.com/office/drawing/2014/main" id="{380EDF97-7F3D-E3BC-9F1B-D0F47955E57C}"/>
+              </a:ext>
+            </a:extLst>
+          </p:cNvPr>
+          <p:cNvSpPr/>
+          <p:nvPr/>
+        </p:nvSpPr>
+        <p:spPr>
+          <a:xfrm>
+            <a:off x="18668888" y="84312"/>
+            <a:ext cx="2410800" cy="480900"/>
+          </a:xfrm>
+          <a:prstGeom prst="roundRect">
+            <a:avLst>
+              <a:gd name="adj" fmla="val 16667"/>
+            </a:avLst>
+          </a:prstGeom>
+          <a:solidFill>
+            <a:srgbClr val="F9CB9C"/>
+          </a:solidFill>
+          <a:ln w="28575" cap="flat" cmpd="sng">
+            <a:solidFill>
+              <a:srgbClr val="B45F06"/>
+            </a:solidFill>
+            <a:prstDash val="solid"/>
+            <a:round/>
+            <a:headEnd type="none" w="sm" len="sm"/>
+            <a:tailEnd type="none" w="sm" len="sm"/>
+          </a:ln>
+        </p:spPr>
+        <p:txBody>
+          <a:bodyPr spcFirstLastPara="1" wrap="square" lIns="91425" tIns="91425" rIns="91425" bIns="91425" anchor="ctr" anchorCtr="0">
+            <a:noAutofit/>
+          </a:bodyPr>
+          <a:lstStyle/>
+          <a:p>
+            <a:pPr marL="0" lvl="0" indent="0" algn="ctr" rtl="0">
+              <a:spcBef>
+                <a:spcPts val="0"/>
+              </a:spcBef>
+              <a:spcAft>
+                <a:spcPts val="0"/>
+              </a:spcAft>
+              <a:buNone/>
+            </a:pPr>
+            <a:r>
+              <a:rPr lang="en-GB" sz="1800" b="1">
+                <a:latin typeface="Consolas"/>
+                <a:ea typeface="Consolas"/>
+                <a:cs typeface="Consolas"/>
+                <a:sym typeface="Consolas"/>
+              </a:rPr>
+              <a:t>Done</a:t>
+            </a:r>
+            <a:endParaRPr sz="1800" b="1">
+              <a:latin typeface="Consolas"/>
+              <a:ea typeface="Consolas"/>
+              <a:cs typeface="Consolas"/>
+              <a:sym typeface="Consolas"/>
+            </a:endParaRPr>
+          </a:p>
+        </p:txBody>
+      </p:sp>
+      <p:sp>
+        <p:nvSpPr>
+          <p:cNvPr id="73" name="Google Shape;73;p15">
+            <a:extLst>
+              <a:ext uri="{FF2B5EF4-FFF2-40B4-BE49-F238E27FC236}">
+                <a16:creationId xmlns:a16="http://schemas.microsoft.com/office/drawing/2014/main" id="{20E5A4DC-D1F7-1E09-4136-AF263E5BA6F2}"/>
+              </a:ext>
+            </a:extLst>
+          </p:cNvPr>
+          <p:cNvSpPr/>
+          <p:nvPr/>
+        </p:nvSpPr>
+        <p:spPr>
+          <a:xfrm>
+            <a:off x="167288" y="84312"/>
+            <a:ext cx="2410800" cy="480900"/>
+          </a:xfrm>
+          <a:prstGeom prst="roundRect">
+            <a:avLst>
+              <a:gd name="adj" fmla="val 16667"/>
+            </a:avLst>
+          </a:prstGeom>
+          <a:solidFill>
+            <a:srgbClr val="F9CB9C"/>
+          </a:solidFill>
+          <a:ln w="28575" cap="flat" cmpd="sng">
+            <a:solidFill>
+              <a:srgbClr val="B45F06"/>
+            </a:solidFill>
+            <a:prstDash val="solid"/>
+            <a:round/>
+            <a:headEnd type="none" w="sm" len="sm"/>
+            <a:tailEnd type="none" w="sm" len="sm"/>
+          </a:ln>
+        </p:spPr>
+        <p:txBody>
+          <a:bodyPr spcFirstLastPara="1" wrap="square" lIns="91425" tIns="91425" rIns="91425" bIns="91425" anchor="ctr" anchorCtr="0">
+            <a:noAutofit/>
+          </a:bodyPr>
+          <a:lstStyle/>
+          <a:p>
+            <a:pPr marL="0" lvl="0" indent="0" algn="ctr" rtl="0">
+              <a:spcBef>
+                <a:spcPts val="0"/>
+              </a:spcBef>
+              <a:spcAft>
+                <a:spcPts val="0"/>
+              </a:spcAft>
+              <a:buNone/>
+            </a:pPr>
+            <a:r>
+              <a:rPr lang="en-GB" sz="1800" b="1">
+                <a:latin typeface="Consolas"/>
+                <a:ea typeface="Consolas"/>
+                <a:cs typeface="Consolas"/>
+                <a:sym typeface="Consolas"/>
+              </a:rPr>
+              <a:t>Backlog</a:t>
+            </a:r>
+            <a:endParaRPr sz="1800" b="1">
+              <a:latin typeface="Consolas"/>
+              <a:ea typeface="Consolas"/>
+              <a:cs typeface="Consolas"/>
+              <a:sym typeface="Consolas"/>
+            </a:endParaRPr>
+          </a:p>
+        </p:txBody>
+      </p:sp>
+      <p:sp>
+        <p:nvSpPr>
+          <p:cNvPr id="74" name="Google Shape;74;p15">
+            <a:extLst>
+              <a:ext uri="{FF2B5EF4-FFF2-40B4-BE49-F238E27FC236}">
+                <a16:creationId xmlns:a16="http://schemas.microsoft.com/office/drawing/2014/main" id="{1ACF4A3B-D575-530F-1519-350A41CA1689}"/>
+              </a:ext>
+            </a:extLst>
+          </p:cNvPr>
+          <p:cNvSpPr/>
+          <p:nvPr/>
+        </p:nvSpPr>
+        <p:spPr>
+          <a:xfrm>
+            <a:off x="3211113" y="5397000"/>
+            <a:ext cx="2410800" cy="480900"/>
+          </a:xfrm>
+          <a:prstGeom prst="roundRect">
+            <a:avLst>
+              <a:gd name="adj" fmla="val 16667"/>
+            </a:avLst>
+          </a:prstGeom>
+          <a:solidFill>
+            <a:srgbClr val="E6B8AF"/>
+          </a:solidFill>
+          <a:ln w="28575" cap="flat" cmpd="sng">
+            <a:solidFill>
+              <a:srgbClr val="5B0F00"/>
+            </a:solidFill>
+            <a:prstDash val="solid"/>
+            <a:round/>
+            <a:headEnd type="none" w="sm" len="sm"/>
+            <a:tailEnd type="none" w="sm" len="sm"/>
+          </a:ln>
+        </p:spPr>
+        <p:txBody>
+          <a:bodyPr spcFirstLastPara="1" wrap="square" lIns="91425" tIns="91425" rIns="91425" bIns="91425" anchor="ctr" anchorCtr="0">
+            <a:noAutofit/>
+          </a:bodyPr>
+          <a:lstStyle/>
+          <a:p>
+            <a:pPr marL="0" lvl="0" indent="0" algn="ctr" rtl="0">
+              <a:spcBef>
+                <a:spcPts val="0"/>
+              </a:spcBef>
+              <a:spcAft>
+                <a:spcPts val="0"/>
+              </a:spcAft>
+              <a:buNone/>
+            </a:pPr>
+            <a:r>
+              <a:rPr lang="pt-PT" sz="1800" b="1" dirty="0">
+                <a:latin typeface="Consolas"/>
+                <a:ea typeface="Consolas"/>
+                <a:cs typeface="Consolas"/>
+                <a:sym typeface="Consolas"/>
+              </a:rPr>
+              <a:t>Everyone</a:t>
+            </a:r>
+            <a:endParaRPr sz="1800" b="1" dirty="0">
+              <a:latin typeface="Consolas"/>
+              <a:ea typeface="Consolas"/>
+              <a:cs typeface="Consolas"/>
+              <a:sym typeface="Consolas"/>
+            </a:endParaRPr>
+          </a:p>
+        </p:txBody>
+      </p:sp>
+      <p:cxnSp>
+        <p:nvCxnSpPr>
+          <p:cNvPr id="91" name="Google Shape;91;p15">
+            <a:extLst>
+              <a:ext uri="{FF2B5EF4-FFF2-40B4-BE49-F238E27FC236}">
+                <a16:creationId xmlns:a16="http://schemas.microsoft.com/office/drawing/2014/main" id="{D2CF3F6E-8E38-E497-0569-C60CF8497DEE}"/>
+              </a:ext>
+            </a:extLst>
+          </p:cNvPr>
+          <p:cNvCxnSpPr/>
+          <p:nvPr/>
+        </p:nvCxnSpPr>
+        <p:spPr>
+          <a:xfrm>
+            <a:off x="2874374" y="-28500"/>
+            <a:ext cx="0" cy="10857000"/>
+          </a:xfrm>
+          <a:prstGeom prst="straightConnector1">
+            <a:avLst/>
+          </a:prstGeom>
+          <a:noFill/>
+          <a:ln w="38100" cap="flat" cmpd="sng">
+            <a:solidFill>
+              <a:srgbClr val="5B0F00"/>
+            </a:solidFill>
+            <a:prstDash val="solid"/>
+            <a:round/>
+            <a:headEnd type="none" w="med" len="med"/>
+            <a:tailEnd type="none" w="med" len="med"/>
+          </a:ln>
+        </p:spPr>
+      </p:cxnSp>
+      <p:sp>
+        <p:nvSpPr>
+          <p:cNvPr id="2" name="Google Shape;88;p15">
+            <a:extLst>
+              <a:ext uri="{FF2B5EF4-FFF2-40B4-BE49-F238E27FC236}">
+                <a16:creationId xmlns:a16="http://schemas.microsoft.com/office/drawing/2014/main" id="{751D2581-7CE1-F919-2CBF-5D1FACC356AA}"/>
+              </a:ext>
+            </a:extLst>
+          </p:cNvPr>
+          <p:cNvSpPr/>
+          <p:nvPr/>
+        </p:nvSpPr>
+        <p:spPr>
+          <a:xfrm>
+            <a:off x="18668888" y="2497919"/>
+            <a:ext cx="2410800" cy="1648500"/>
+          </a:xfrm>
+          <a:prstGeom prst="roundRect">
+            <a:avLst>
+              <a:gd name="adj" fmla="val 16667"/>
+            </a:avLst>
+          </a:prstGeom>
+          <a:solidFill>
+            <a:srgbClr val="D9EAD3"/>
+          </a:solidFill>
+          <a:ln w="28575" cap="flat" cmpd="sng">
+            <a:solidFill>
+              <a:srgbClr val="274E13"/>
+            </a:solidFill>
+            <a:prstDash val="solid"/>
+            <a:round/>
+            <a:headEnd type="none" w="sm" len="sm"/>
+            <a:tailEnd type="none" w="sm" len="sm"/>
+          </a:ln>
+        </p:spPr>
+        <p:txBody>
+          <a:bodyPr spcFirstLastPara="1" wrap="square" lIns="91425" tIns="91425" rIns="91425" bIns="91425" anchor="t" anchorCtr="0">
+            <a:noAutofit/>
+          </a:bodyPr>
+          <a:lstStyle/>
+          <a:p>
+            <a:pPr marL="0" lvl="0" indent="0" algn="l" rtl="0">
+              <a:spcBef>
+                <a:spcPts val="0"/>
+              </a:spcBef>
+              <a:spcAft>
+                <a:spcPts val="0"/>
+              </a:spcAft>
+              <a:buNone/>
+            </a:pPr>
+            <a:r>
+              <a:rPr lang="en-GB" dirty="0">
+                <a:latin typeface="Consolas"/>
+                <a:ea typeface="Consolas"/>
+                <a:cs typeface="Consolas"/>
+                <a:sym typeface="Consolas"/>
+              </a:rPr>
+              <a:t>T1: Make 3 User Stories</a:t>
+            </a:r>
+            <a:endParaRPr dirty="0">
+              <a:latin typeface="Consolas"/>
+              <a:ea typeface="Consolas"/>
+              <a:cs typeface="Consolas"/>
+              <a:sym typeface="Consolas"/>
+            </a:endParaRPr>
+          </a:p>
+        </p:txBody>
+      </p:sp>
+      <p:sp>
+        <p:nvSpPr>
+          <p:cNvPr id="3" name="Google Shape;90;p15">
+            <a:extLst>
+              <a:ext uri="{FF2B5EF4-FFF2-40B4-BE49-F238E27FC236}">
+                <a16:creationId xmlns:a16="http://schemas.microsoft.com/office/drawing/2014/main" id="{1783E29B-3D15-5902-5FDF-80E60183B5CB}"/>
+              </a:ext>
+            </a:extLst>
+          </p:cNvPr>
+          <p:cNvSpPr/>
+          <p:nvPr/>
+        </p:nvSpPr>
+        <p:spPr>
+          <a:xfrm>
+            <a:off x="18668888" y="849419"/>
+            <a:ext cx="2410800" cy="1648500"/>
+          </a:xfrm>
+          <a:prstGeom prst="roundRect">
+            <a:avLst>
+              <a:gd name="adj" fmla="val 16667"/>
+            </a:avLst>
+          </a:prstGeom>
+          <a:solidFill>
+            <a:srgbClr val="D0E0E3"/>
+          </a:solidFill>
+          <a:ln w="28575" cap="flat" cmpd="sng">
+            <a:solidFill>
+              <a:srgbClr val="134F5C"/>
+            </a:solidFill>
+            <a:prstDash val="solid"/>
+            <a:round/>
+            <a:headEnd type="none" w="sm" len="sm"/>
+            <a:tailEnd type="none" w="sm" len="sm"/>
+          </a:ln>
+        </p:spPr>
+        <p:txBody>
+          <a:bodyPr spcFirstLastPara="1" wrap="square" lIns="91425" tIns="91425" rIns="91425" bIns="91425" anchor="t" anchorCtr="0">
+            <a:noAutofit/>
+          </a:bodyPr>
+          <a:lstStyle/>
+          <a:p>
+            <a:pPr marL="0" lvl="0" indent="0" algn="l" rtl="0">
+              <a:spcBef>
+                <a:spcPts val="0"/>
+              </a:spcBef>
+              <a:spcAft>
+                <a:spcPts val="0"/>
+              </a:spcAft>
+              <a:buNone/>
+            </a:pPr>
+            <a:r>
+              <a:rPr lang="en-GB" dirty="0">
+                <a:latin typeface="Consolas"/>
+                <a:ea typeface="Consolas"/>
+                <a:cs typeface="Consolas"/>
+                <a:sym typeface="Consolas"/>
+              </a:rPr>
+              <a:t>T2: Everyone: Playing the game so we can experience the user’s needs.</a:t>
+            </a:r>
+            <a:endParaRPr dirty="0">
+              <a:latin typeface="Consolas"/>
+              <a:ea typeface="Consolas"/>
+              <a:cs typeface="Consolas"/>
+              <a:sym typeface="Consolas"/>
+            </a:endParaRPr>
+          </a:p>
+        </p:txBody>
+      </p:sp>
+      <p:sp>
+        <p:nvSpPr>
+          <p:cNvPr id="4" name="Google Shape;88;p15">
+            <a:extLst>
+              <a:ext uri="{FF2B5EF4-FFF2-40B4-BE49-F238E27FC236}">
+                <a16:creationId xmlns:a16="http://schemas.microsoft.com/office/drawing/2014/main" id="{F4ECFFE2-0B29-548F-5D13-90F75573D8B4}"/>
+              </a:ext>
+            </a:extLst>
+          </p:cNvPr>
+          <p:cNvSpPr/>
+          <p:nvPr/>
+        </p:nvSpPr>
+        <p:spPr>
+          <a:xfrm>
+            <a:off x="405410" y="694221"/>
+            <a:ext cx="1867580" cy="3160613"/>
+          </a:xfrm>
+          <a:prstGeom prst="roundRect">
+            <a:avLst>
+              <a:gd name="adj" fmla="val 16667"/>
+            </a:avLst>
+          </a:prstGeom>
+          <a:solidFill>
+            <a:srgbClr val="D9EAD3"/>
+          </a:solidFill>
+          <a:ln w="28575" cap="flat" cmpd="sng">
+            <a:solidFill>
+              <a:srgbClr val="274E13"/>
+            </a:solidFill>
+            <a:prstDash val="solid"/>
+            <a:round/>
+            <a:headEnd type="none" w="sm" len="sm"/>
+            <a:tailEnd type="none" w="sm" len="sm"/>
+          </a:ln>
+        </p:spPr>
+        <p:txBody>
+          <a:bodyPr spcFirstLastPara="1" wrap="square" lIns="91425" tIns="91425" rIns="91425" bIns="91425" anchor="t" anchorCtr="0">
+            <a:noAutofit/>
+          </a:bodyPr>
+          <a:lstStyle/>
+          <a:p>
+            <a:pPr lvl="0"/>
+            <a:r>
+              <a:rPr lang="en-GB" dirty="0">
+                <a:latin typeface="Consolas" panose="020B0609020204030204" pitchFamily="49" charset="0"/>
+                <a:ea typeface="Consolas"/>
+                <a:cs typeface="Consolas"/>
+                <a:sym typeface="Consolas"/>
+              </a:rPr>
+              <a:t>US 3:</a:t>
+            </a:r>
+            <a:r>
+              <a:rPr lang="en-GB" dirty="0">
+                <a:latin typeface="Consolas" panose="020B0609020204030204" pitchFamily="49" charset="0"/>
+              </a:rPr>
+              <a:t>As a player brand new to </a:t>
+            </a:r>
+            <a:r>
+              <a:rPr lang="en-GB" dirty="0" err="1">
+                <a:latin typeface="Consolas" panose="020B0609020204030204" pitchFamily="49" charset="0"/>
+              </a:rPr>
+              <a:t>Mindustry</a:t>
+            </a:r>
+            <a:r>
+              <a:rPr lang="en-GB" dirty="0">
+                <a:latin typeface="Consolas" panose="020B0609020204030204" pitchFamily="49" charset="0"/>
+              </a:rPr>
+              <a:t>, I want a more intuitive game tutorial so that I don't get lost and demotivated</a:t>
+            </a:r>
+            <a:r>
+              <a:rPr lang="en-GB" dirty="0"/>
+              <a:t>.</a:t>
+            </a:r>
+            <a:endParaRPr dirty="0">
+              <a:latin typeface="Consolas"/>
+              <a:ea typeface="Consolas"/>
+              <a:cs typeface="Consolas"/>
+              <a:sym typeface="Consolas"/>
+            </a:endParaRPr>
+          </a:p>
+        </p:txBody>
+      </p:sp>
+      <p:sp>
+        <p:nvSpPr>
+          <p:cNvPr id="5" name="Google Shape;88;p15">
+            <a:extLst>
+              <a:ext uri="{FF2B5EF4-FFF2-40B4-BE49-F238E27FC236}">
+                <a16:creationId xmlns:a16="http://schemas.microsoft.com/office/drawing/2014/main" id="{3F08F2E4-5C0A-6429-E570-05BF8E056CCD}"/>
+              </a:ext>
+            </a:extLst>
+          </p:cNvPr>
+          <p:cNvSpPr/>
+          <p:nvPr/>
+        </p:nvSpPr>
+        <p:spPr>
+          <a:xfrm>
+            <a:off x="438912" y="4038458"/>
+            <a:ext cx="1867552" cy="2826314"/>
+          </a:xfrm>
+          <a:prstGeom prst="roundRect">
+            <a:avLst>
+              <a:gd name="adj" fmla="val 16667"/>
+            </a:avLst>
+          </a:prstGeom>
+          <a:solidFill>
+            <a:srgbClr val="D9EAD3"/>
+          </a:solidFill>
+          <a:ln w="28575" cap="flat" cmpd="sng">
+            <a:solidFill>
+              <a:srgbClr val="274E13"/>
+            </a:solidFill>
+            <a:prstDash val="solid"/>
+            <a:round/>
+            <a:headEnd type="none" w="sm" len="sm"/>
+            <a:tailEnd type="none" w="sm" len="sm"/>
+          </a:ln>
+        </p:spPr>
+        <p:txBody>
+          <a:bodyPr spcFirstLastPara="1" wrap="square" lIns="91425" tIns="91425" rIns="91425" bIns="91425" anchor="t" anchorCtr="0">
+            <a:noAutofit/>
+          </a:bodyPr>
+          <a:lstStyle/>
+          <a:p>
+            <a:pPr marL="0" lvl="0" indent="0" algn="l" rtl="0">
+              <a:spcBef>
+                <a:spcPts val="0"/>
+              </a:spcBef>
+              <a:spcAft>
+                <a:spcPts val="0"/>
+              </a:spcAft>
+              <a:buNone/>
+            </a:pPr>
+            <a:r>
+              <a:rPr lang="en-GB" dirty="0">
+                <a:latin typeface="Consolas"/>
+                <a:ea typeface="Consolas"/>
+                <a:cs typeface="Consolas"/>
+                <a:sym typeface="Consolas"/>
+              </a:rPr>
+              <a:t>US 2: As an experienced player I think we should have a greater diversity of towers that can help us automate the way we defend order</a:t>
+            </a:r>
+            <a:endParaRPr dirty="0">
+              <a:latin typeface="Consolas"/>
+              <a:ea typeface="Consolas"/>
+              <a:cs typeface="Consolas"/>
+              <a:sym typeface="Consolas"/>
+            </a:endParaRPr>
+          </a:p>
+        </p:txBody>
+      </p:sp>
+      <p:sp>
+        <p:nvSpPr>
+          <p:cNvPr id="6" name="Google Shape;88;p15">
+            <a:extLst>
+              <a:ext uri="{FF2B5EF4-FFF2-40B4-BE49-F238E27FC236}">
+                <a16:creationId xmlns:a16="http://schemas.microsoft.com/office/drawing/2014/main" id="{9682B54A-BD00-BA0D-52F5-F1C2429C4452}"/>
+              </a:ext>
+            </a:extLst>
+          </p:cNvPr>
+          <p:cNvSpPr/>
+          <p:nvPr/>
+        </p:nvSpPr>
+        <p:spPr>
+          <a:xfrm>
+            <a:off x="405410" y="6982925"/>
+            <a:ext cx="1867580" cy="3160613"/>
+          </a:xfrm>
+          <a:prstGeom prst="roundRect">
+            <a:avLst>
+              <a:gd name="adj" fmla="val 16667"/>
+            </a:avLst>
+          </a:prstGeom>
+          <a:solidFill>
+            <a:srgbClr val="D9EAD3"/>
+          </a:solidFill>
+          <a:ln w="28575" cap="flat" cmpd="sng">
+            <a:solidFill>
+              <a:srgbClr val="274E13"/>
+            </a:solidFill>
+            <a:prstDash val="solid"/>
+            <a:round/>
+            <a:headEnd type="none" w="sm" len="sm"/>
+            <a:tailEnd type="none" w="sm" len="sm"/>
+          </a:ln>
+        </p:spPr>
+        <p:txBody>
+          <a:bodyPr spcFirstLastPara="1" wrap="square" lIns="91425" tIns="91425" rIns="91425" bIns="91425" anchor="t" anchorCtr="0">
+            <a:noAutofit/>
+          </a:bodyPr>
+          <a:lstStyle/>
+          <a:p>
+            <a:pPr marL="0" lvl="0" indent="0" algn="l" rtl="0">
+              <a:spcBef>
+                <a:spcPts val="0"/>
+              </a:spcBef>
+              <a:spcAft>
+                <a:spcPts val="0"/>
+              </a:spcAft>
+              <a:buNone/>
+            </a:pPr>
+            <a:r>
+              <a:rPr lang="en-GB" dirty="0">
+                <a:latin typeface="Consolas"/>
+                <a:ea typeface="Consolas"/>
+                <a:cs typeface="Consolas"/>
+                <a:sym typeface="Consolas"/>
+              </a:rPr>
+              <a:t>US 1: As Player, I want to have access to a sandbox (free play) so that I can freely experiment with different constructions and strategies without enemies or attack waves.</a:t>
+            </a:r>
+            <a:endParaRPr dirty="0">
+              <a:latin typeface="Consolas"/>
+              <a:ea typeface="Consolas"/>
+              <a:cs typeface="Consolas"/>
+              <a:sym typeface="Consolas"/>
+            </a:endParaRPr>
+          </a:p>
+        </p:txBody>
+      </p:sp>
+    </p:spTree>
+    <p:extLst>
+      <p:ext uri="{BB962C8B-B14F-4D97-AF65-F5344CB8AC3E}">
+        <p14:creationId xmlns:p14="http://schemas.microsoft.com/office/powerpoint/2010/main" val="413465665"/>
+      </p:ext>
+    </p:extLst>
+  </p:cSld>
+  <p:clrMapOvr>
+    <a:masterClrMapping/>
+  </p:clrMapOvr>
+</p:sld>
+</file>
+
+<file path=ppt/slides/slide4.xml><?xml version="1.0" encoding="utf-8"?>
+<p:sld xmlns:a="http://schemas.openxmlformats.org/drawingml/2006/main" xmlns:r="http://schemas.openxmlformats.org/officeDocument/2006/relationships" xmlns:p="http://schemas.openxmlformats.org/presentationml/2006/main">
+  <p:cSld>
+    <p:spTree>
+      <p:nvGrpSpPr>
+        <p:cNvPr id="1" name="Shape 65">
+          <a:extLst>
+            <a:ext uri="{FF2B5EF4-FFF2-40B4-BE49-F238E27FC236}">
+              <a16:creationId xmlns:a16="http://schemas.microsoft.com/office/drawing/2014/main" id="{C18DBC82-D3B9-F6B6-CFC3-60D01F6482E5}"/>
+            </a:ext>
+          </a:extLst>
+        </p:cNvPr>
+        <p:cNvGrpSpPr/>
+        <p:nvPr/>
+      </p:nvGrpSpPr>
+      <p:grpSpPr>
+        <a:xfrm>
+          <a:off x="0" y="0"/>
+          <a:ext cx="0" cy="0"/>
+          <a:chOff x="0" y="0"/>
+          <a:chExt cx="0" cy="0"/>
+        </a:xfrm>
+      </p:grpSpPr>
+      <p:cxnSp>
+        <p:nvCxnSpPr>
+          <p:cNvPr id="66" name="Google Shape;66;p15">
+            <a:extLst>
+              <a:ext uri="{FF2B5EF4-FFF2-40B4-BE49-F238E27FC236}">
+                <a16:creationId xmlns:a16="http://schemas.microsoft.com/office/drawing/2014/main" id="{0F16DA7C-9924-187E-9709-0F9EE8F85CEF}"/>
+              </a:ext>
+            </a:extLst>
+          </p:cNvPr>
+          <p:cNvCxnSpPr/>
+          <p:nvPr/>
+        </p:nvCxnSpPr>
+        <p:spPr>
+          <a:xfrm>
+            <a:off x="5944724" y="-31500"/>
+            <a:ext cx="0" cy="10857000"/>
+          </a:xfrm>
+          <a:prstGeom prst="straightConnector1">
+            <a:avLst/>
+          </a:prstGeom>
+          <a:noFill/>
+          <a:ln w="38100" cap="flat" cmpd="sng">
+            <a:solidFill>
+              <a:srgbClr val="5B0F00"/>
+            </a:solidFill>
+            <a:prstDash val="solid"/>
+            <a:round/>
+            <a:headEnd type="none" w="med" len="med"/>
+            <a:tailEnd type="none" w="med" len="med"/>
+          </a:ln>
+        </p:spPr>
+      </p:cxnSp>
+      <p:sp>
+        <p:nvSpPr>
+          <p:cNvPr id="67" name="Google Shape;67;p15">
+            <a:extLst>
+              <a:ext uri="{FF2B5EF4-FFF2-40B4-BE49-F238E27FC236}">
+                <a16:creationId xmlns:a16="http://schemas.microsoft.com/office/drawing/2014/main" id="{18BD1EA4-2EE3-92BA-7360-891EF4E7E7FC}"/>
+              </a:ext>
+            </a:extLst>
+          </p:cNvPr>
+          <p:cNvSpPr/>
+          <p:nvPr/>
+        </p:nvSpPr>
+        <p:spPr>
+          <a:xfrm>
+            <a:off x="3197186" y="84312"/>
+            <a:ext cx="2410800" cy="480900"/>
+          </a:xfrm>
+          <a:prstGeom prst="roundRect">
+            <a:avLst>
+              <a:gd name="adj" fmla="val 16667"/>
+            </a:avLst>
+          </a:prstGeom>
+          <a:solidFill>
+            <a:srgbClr val="F9CB9C"/>
+          </a:solidFill>
+          <a:ln w="28575" cap="flat" cmpd="sng">
+            <a:solidFill>
+              <a:srgbClr val="B45F06"/>
+            </a:solidFill>
+            <a:prstDash val="solid"/>
+            <a:round/>
+            <a:headEnd type="none" w="sm" len="sm"/>
+            <a:tailEnd type="none" w="sm" len="sm"/>
+          </a:ln>
+        </p:spPr>
+        <p:txBody>
+          <a:bodyPr spcFirstLastPara="1" wrap="square" lIns="91425" tIns="91425" rIns="91425" bIns="91425" anchor="ctr" anchorCtr="0">
+            <a:noAutofit/>
+          </a:bodyPr>
+          <a:lstStyle/>
+          <a:p>
+            <a:pPr marL="0" lvl="0" indent="0" algn="ctr" rtl="0">
+              <a:spcBef>
+                <a:spcPts val="0"/>
+              </a:spcBef>
+              <a:spcAft>
+                <a:spcPts val="0"/>
+              </a:spcAft>
+              <a:buNone/>
+            </a:pPr>
+            <a:r>
+              <a:rPr lang="en-GB" sz="1800" b="1">
+                <a:latin typeface="Consolas"/>
+                <a:ea typeface="Consolas"/>
+                <a:cs typeface="Consolas"/>
+                <a:sym typeface="Consolas"/>
+              </a:rPr>
+              <a:t>Student ID</a:t>
+            </a:r>
+            <a:endParaRPr sz="1800" b="1">
+              <a:latin typeface="Consolas"/>
+              <a:ea typeface="Consolas"/>
+              <a:cs typeface="Consolas"/>
+              <a:sym typeface="Consolas"/>
+            </a:endParaRPr>
+          </a:p>
+        </p:txBody>
+      </p:sp>
+      <p:sp>
+        <p:nvSpPr>
+          <p:cNvPr id="68" name="Google Shape;68;p15">
+            <a:extLst>
+              <a:ext uri="{FF2B5EF4-FFF2-40B4-BE49-F238E27FC236}">
+                <a16:creationId xmlns:a16="http://schemas.microsoft.com/office/drawing/2014/main" id="{7D098676-C5D4-A2CF-568A-12036DE186D5}"/>
+              </a:ext>
+            </a:extLst>
+          </p:cNvPr>
+          <p:cNvSpPr/>
+          <p:nvPr/>
+        </p:nvSpPr>
+        <p:spPr>
+          <a:xfrm>
+            <a:off x="6281636" y="84312"/>
+            <a:ext cx="2410800" cy="480900"/>
+          </a:xfrm>
+          <a:prstGeom prst="roundRect">
+            <a:avLst>
+              <a:gd name="adj" fmla="val 16667"/>
+            </a:avLst>
+          </a:prstGeom>
+          <a:solidFill>
+            <a:srgbClr val="F9CB9C"/>
+          </a:solidFill>
+          <a:ln w="28575" cap="flat" cmpd="sng">
+            <a:solidFill>
+              <a:srgbClr val="B45F06"/>
+            </a:solidFill>
+            <a:prstDash val="solid"/>
+            <a:round/>
+            <a:headEnd type="none" w="sm" len="sm"/>
+            <a:tailEnd type="none" w="sm" len="sm"/>
+          </a:ln>
+        </p:spPr>
+        <p:txBody>
+          <a:bodyPr spcFirstLastPara="1" wrap="square" lIns="91425" tIns="91425" rIns="91425" bIns="91425" anchor="ctr" anchorCtr="0">
+            <a:noAutofit/>
+          </a:bodyPr>
+          <a:lstStyle/>
+          <a:p>
+            <a:pPr marL="0" lvl="0" indent="0" algn="ctr" rtl="0">
+              <a:spcBef>
+                <a:spcPts val="0"/>
+              </a:spcBef>
+              <a:spcAft>
+                <a:spcPts val="0"/>
+              </a:spcAft>
+              <a:buNone/>
+            </a:pPr>
+            <a:r>
+              <a:rPr lang="en-GB" sz="1800" b="1">
+                <a:latin typeface="Consolas"/>
+                <a:ea typeface="Consolas"/>
+                <a:cs typeface="Consolas"/>
+                <a:sym typeface="Consolas"/>
+              </a:rPr>
+              <a:t>Story</a:t>
+            </a:r>
+            <a:endParaRPr sz="1800" b="1">
+              <a:latin typeface="Consolas"/>
+              <a:ea typeface="Consolas"/>
+              <a:cs typeface="Consolas"/>
+              <a:sym typeface="Consolas"/>
+            </a:endParaRPr>
+          </a:p>
+        </p:txBody>
+      </p:sp>
+      <p:sp>
+        <p:nvSpPr>
+          <p:cNvPr id="69" name="Google Shape;69;p15">
+            <a:extLst>
+              <a:ext uri="{FF2B5EF4-FFF2-40B4-BE49-F238E27FC236}">
+                <a16:creationId xmlns:a16="http://schemas.microsoft.com/office/drawing/2014/main" id="{31F09A4B-4906-F7E4-93AA-2A61D98ECA82}"/>
+              </a:ext>
+            </a:extLst>
+          </p:cNvPr>
+          <p:cNvSpPr/>
+          <p:nvPr/>
+        </p:nvSpPr>
+        <p:spPr>
+          <a:xfrm>
+            <a:off x="9366071" y="84312"/>
+            <a:ext cx="2410800" cy="480900"/>
+          </a:xfrm>
+          <a:prstGeom prst="roundRect">
+            <a:avLst>
+              <a:gd name="adj" fmla="val 16667"/>
+            </a:avLst>
+          </a:prstGeom>
+          <a:solidFill>
+            <a:srgbClr val="F9CB9C"/>
+          </a:solidFill>
+          <a:ln w="28575" cap="flat" cmpd="sng">
+            <a:solidFill>
+              <a:srgbClr val="B45F06"/>
+            </a:solidFill>
+            <a:prstDash val="solid"/>
+            <a:round/>
+            <a:headEnd type="none" w="sm" len="sm"/>
+            <a:tailEnd type="none" w="sm" len="sm"/>
+          </a:ln>
+        </p:spPr>
+        <p:txBody>
+          <a:bodyPr spcFirstLastPara="1" wrap="square" lIns="91425" tIns="91425" rIns="91425" bIns="91425" anchor="ctr" anchorCtr="0">
+            <a:noAutofit/>
+          </a:bodyPr>
+          <a:lstStyle/>
+          <a:p>
+            <a:pPr marL="0" lvl="0" indent="0" algn="ctr" rtl="0">
+              <a:spcBef>
+                <a:spcPts val="0"/>
+              </a:spcBef>
+              <a:spcAft>
+                <a:spcPts val="0"/>
+              </a:spcAft>
+              <a:buNone/>
+            </a:pPr>
+            <a:r>
+              <a:rPr lang="en-GB" sz="1800" b="1">
+                <a:latin typeface="Consolas"/>
+                <a:ea typeface="Consolas"/>
+                <a:cs typeface="Consolas"/>
+                <a:sym typeface="Consolas"/>
+              </a:rPr>
+              <a:t>To Do</a:t>
+            </a:r>
+            <a:endParaRPr sz="1800" b="1">
+              <a:latin typeface="Consolas"/>
+              <a:ea typeface="Consolas"/>
+              <a:cs typeface="Consolas"/>
+              <a:sym typeface="Consolas"/>
+            </a:endParaRPr>
+          </a:p>
+        </p:txBody>
+      </p:sp>
+      <p:sp>
+        <p:nvSpPr>
+          <p:cNvPr id="70" name="Google Shape;70;p15">
+            <a:extLst>
+              <a:ext uri="{FF2B5EF4-FFF2-40B4-BE49-F238E27FC236}">
+                <a16:creationId xmlns:a16="http://schemas.microsoft.com/office/drawing/2014/main" id="{38616EC9-6AEA-3781-D975-A5BB998FD711}"/>
+              </a:ext>
+            </a:extLst>
+          </p:cNvPr>
+          <p:cNvSpPr/>
+          <p:nvPr/>
+        </p:nvSpPr>
+        <p:spPr>
+          <a:xfrm>
+            <a:off x="12395940" y="84312"/>
+            <a:ext cx="2410800" cy="480900"/>
+          </a:xfrm>
+          <a:prstGeom prst="roundRect">
+            <a:avLst>
+              <a:gd name="adj" fmla="val 16667"/>
+            </a:avLst>
+          </a:prstGeom>
+          <a:solidFill>
+            <a:srgbClr val="F9CB9C"/>
+          </a:solidFill>
+          <a:ln w="28575" cap="flat" cmpd="sng">
+            <a:solidFill>
+              <a:srgbClr val="B45F06"/>
+            </a:solidFill>
+            <a:prstDash val="solid"/>
+            <a:round/>
+            <a:headEnd type="none" w="sm" len="sm"/>
+            <a:tailEnd type="none" w="sm" len="sm"/>
+          </a:ln>
+        </p:spPr>
+        <p:txBody>
+          <a:bodyPr spcFirstLastPara="1" wrap="square" lIns="91425" tIns="91425" rIns="91425" bIns="91425" anchor="ctr" anchorCtr="0">
+            <a:noAutofit/>
+          </a:bodyPr>
+          <a:lstStyle/>
+          <a:p>
+            <a:pPr marL="0" lvl="0" indent="0" algn="ctr" rtl="0">
+              <a:spcBef>
+                <a:spcPts val="0"/>
+              </a:spcBef>
+              <a:spcAft>
+                <a:spcPts val="0"/>
+              </a:spcAft>
+              <a:buNone/>
+            </a:pPr>
+            <a:r>
+              <a:rPr lang="en-GB" sz="1800" b="1">
+                <a:latin typeface="Consolas"/>
+                <a:ea typeface="Consolas"/>
+                <a:cs typeface="Consolas"/>
+                <a:sym typeface="Consolas"/>
+              </a:rPr>
+              <a:t>Doing</a:t>
+            </a:r>
+            <a:endParaRPr sz="1800" b="1">
+              <a:latin typeface="Consolas"/>
+              <a:ea typeface="Consolas"/>
+              <a:cs typeface="Consolas"/>
+              <a:sym typeface="Consolas"/>
+            </a:endParaRPr>
+          </a:p>
+        </p:txBody>
+      </p:sp>
+      <p:sp>
+        <p:nvSpPr>
+          <p:cNvPr id="71" name="Google Shape;71;p15">
+            <a:extLst>
+              <a:ext uri="{FF2B5EF4-FFF2-40B4-BE49-F238E27FC236}">
+                <a16:creationId xmlns:a16="http://schemas.microsoft.com/office/drawing/2014/main" id="{2C8ACDA0-5773-093B-70AE-B37C4EECA171}"/>
+              </a:ext>
+            </a:extLst>
+          </p:cNvPr>
+          <p:cNvSpPr/>
+          <p:nvPr/>
+        </p:nvSpPr>
+        <p:spPr>
+          <a:xfrm>
+            <a:off x="15532407" y="84312"/>
+            <a:ext cx="2410800" cy="480900"/>
+          </a:xfrm>
+          <a:prstGeom prst="roundRect">
+            <a:avLst>
+              <a:gd name="adj" fmla="val 16667"/>
+            </a:avLst>
+          </a:prstGeom>
+          <a:solidFill>
+            <a:srgbClr val="F9CB9C"/>
+          </a:solidFill>
+          <a:ln w="28575" cap="flat" cmpd="sng">
+            <a:solidFill>
+              <a:srgbClr val="B45F06"/>
+            </a:solidFill>
+            <a:prstDash val="solid"/>
+            <a:round/>
+            <a:headEnd type="none" w="sm" len="sm"/>
+            <a:tailEnd type="none" w="sm" len="sm"/>
+          </a:ln>
+        </p:spPr>
+        <p:txBody>
+          <a:bodyPr spcFirstLastPara="1" wrap="square" lIns="91425" tIns="91425" rIns="91425" bIns="91425" anchor="ctr" anchorCtr="0">
+            <a:noAutofit/>
+          </a:bodyPr>
+          <a:lstStyle/>
+          <a:p>
+            <a:pPr marL="0" lvl="0" indent="0" algn="ctr" rtl="0">
+              <a:spcBef>
+                <a:spcPts val="0"/>
+              </a:spcBef>
+              <a:spcAft>
+                <a:spcPts val="0"/>
+              </a:spcAft>
+              <a:buNone/>
+            </a:pPr>
+            <a:r>
+              <a:rPr lang="en-GB" sz="1800" b="1">
+                <a:latin typeface="Consolas"/>
+                <a:ea typeface="Consolas"/>
+                <a:cs typeface="Consolas"/>
+                <a:sym typeface="Consolas"/>
+              </a:rPr>
+              <a:t>Review</a:t>
+            </a:r>
+            <a:endParaRPr sz="1800" b="1">
+              <a:latin typeface="Consolas"/>
+              <a:ea typeface="Consolas"/>
+              <a:cs typeface="Consolas"/>
+              <a:sym typeface="Consolas"/>
+            </a:endParaRPr>
+          </a:p>
+        </p:txBody>
+      </p:sp>
+      <p:sp>
+        <p:nvSpPr>
+          <p:cNvPr id="72" name="Google Shape;72;p15">
+            <a:extLst>
+              <a:ext uri="{FF2B5EF4-FFF2-40B4-BE49-F238E27FC236}">
+                <a16:creationId xmlns:a16="http://schemas.microsoft.com/office/drawing/2014/main" id="{380EDF97-7F3D-E3BC-9F1B-D0F47955E57C}"/>
+              </a:ext>
+            </a:extLst>
+          </p:cNvPr>
+          <p:cNvSpPr/>
+          <p:nvPr/>
+        </p:nvSpPr>
+        <p:spPr>
+          <a:xfrm>
+            <a:off x="18668888" y="84312"/>
+            <a:ext cx="2410800" cy="480900"/>
+          </a:xfrm>
+          <a:prstGeom prst="roundRect">
+            <a:avLst>
+              <a:gd name="adj" fmla="val 16667"/>
+            </a:avLst>
+          </a:prstGeom>
+          <a:solidFill>
+            <a:srgbClr val="F9CB9C"/>
+          </a:solidFill>
+          <a:ln w="28575" cap="flat" cmpd="sng">
+            <a:solidFill>
+              <a:srgbClr val="B45F06"/>
+            </a:solidFill>
+            <a:prstDash val="solid"/>
+            <a:round/>
+            <a:headEnd type="none" w="sm" len="sm"/>
+            <a:tailEnd type="none" w="sm" len="sm"/>
+          </a:ln>
+        </p:spPr>
+        <p:txBody>
+          <a:bodyPr spcFirstLastPara="1" wrap="square" lIns="91425" tIns="91425" rIns="91425" bIns="91425" anchor="ctr" anchorCtr="0">
+            <a:noAutofit/>
+          </a:bodyPr>
+          <a:lstStyle/>
+          <a:p>
+            <a:pPr marL="0" lvl="0" indent="0" algn="ctr" rtl="0">
+              <a:spcBef>
+                <a:spcPts val="0"/>
+              </a:spcBef>
+              <a:spcAft>
+                <a:spcPts val="0"/>
+              </a:spcAft>
+              <a:buNone/>
+            </a:pPr>
+            <a:r>
+              <a:rPr lang="en-GB" sz="1800" b="1">
+                <a:latin typeface="Consolas"/>
+                <a:ea typeface="Consolas"/>
+                <a:cs typeface="Consolas"/>
+                <a:sym typeface="Consolas"/>
+              </a:rPr>
+              <a:t>Done</a:t>
+            </a:r>
+            <a:endParaRPr sz="1800" b="1">
+              <a:latin typeface="Consolas"/>
+              <a:ea typeface="Consolas"/>
+              <a:cs typeface="Consolas"/>
+              <a:sym typeface="Consolas"/>
+            </a:endParaRPr>
+          </a:p>
+        </p:txBody>
+      </p:sp>
+      <p:sp>
+        <p:nvSpPr>
+          <p:cNvPr id="73" name="Google Shape;73;p15">
+            <a:extLst>
+              <a:ext uri="{FF2B5EF4-FFF2-40B4-BE49-F238E27FC236}">
+                <a16:creationId xmlns:a16="http://schemas.microsoft.com/office/drawing/2014/main" id="{20E5A4DC-D1F7-1E09-4136-AF263E5BA6F2}"/>
+              </a:ext>
+            </a:extLst>
+          </p:cNvPr>
+          <p:cNvSpPr/>
+          <p:nvPr/>
+        </p:nvSpPr>
+        <p:spPr>
+          <a:xfrm>
+            <a:off x="167288" y="84312"/>
+            <a:ext cx="2410800" cy="480900"/>
+          </a:xfrm>
+          <a:prstGeom prst="roundRect">
+            <a:avLst>
+              <a:gd name="adj" fmla="val 16667"/>
+            </a:avLst>
+          </a:prstGeom>
+          <a:solidFill>
+            <a:srgbClr val="F9CB9C"/>
+          </a:solidFill>
+          <a:ln w="28575" cap="flat" cmpd="sng">
+            <a:solidFill>
+              <a:srgbClr val="B45F06"/>
+            </a:solidFill>
+            <a:prstDash val="solid"/>
+            <a:round/>
+            <a:headEnd type="none" w="sm" len="sm"/>
+            <a:tailEnd type="none" w="sm" len="sm"/>
+          </a:ln>
+        </p:spPr>
+        <p:txBody>
+          <a:bodyPr spcFirstLastPara="1" wrap="square" lIns="91425" tIns="91425" rIns="91425" bIns="91425" anchor="ctr" anchorCtr="0">
+            <a:noAutofit/>
+          </a:bodyPr>
+          <a:lstStyle/>
+          <a:p>
+            <a:pPr marL="0" lvl="0" indent="0" algn="ctr" rtl="0">
+              <a:spcBef>
+                <a:spcPts val="0"/>
+              </a:spcBef>
+              <a:spcAft>
+                <a:spcPts val="0"/>
+              </a:spcAft>
+              <a:buNone/>
+            </a:pPr>
+            <a:r>
+              <a:rPr lang="en-GB" sz="1800" b="1">
+                <a:latin typeface="Consolas"/>
+                <a:ea typeface="Consolas"/>
+                <a:cs typeface="Consolas"/>
+                <a:sym typeface="Consolas"/>
+              </a:rPr>
+              <a:t>Backlog</a:t>
+            </a:r>
+            <a:endParaRPr sz="1800" b="1">
+              <a:latin typeface="Consolas"/>
+              <a:ea typeface="Consolas"/>
+              <a:cs typeface="Consolas"/>
+              <a:sym typeface="Consolas"/>
+            </a:endParaRPr>
+          </a:p>
+        </p:txBody>
+      </p:sp>
+      <p:sp>
+        <p:nvSpPr>
+          <p:cNvPr id="74" name="Google Shape;74;p15">
+            <a:extLst>
+              <a:ext uri="{FF2B5EF4-FFF2-40B4-BE49-F238E27FC236}">
+                <a16:creationId xmlns:a16="http://schemas.microsoft.com/office/drawing/2014/main" id="{1ACF4A3B-D575-530F-1519-350A41CA1689}"/>
+              </a:ext>
+            </a:extLst>
+          </p:cNvPr>
+          <p:cNvSpPr/>
+          <p:nvPr/>
+        </p:nvSpPr>
+        <p:spPr>
+          <a:xfrm>
+            <a:off x="3211113" y="5397000"/>
+            <a:ext cx="2410800" cy="480900"/>
+          </a:xfrm>
+          <a:prstGeom prst="roundRect">
+            <a:avLst>
+              <a:gd name="adj" fmla="val 16667"/>
+            </a:avLst>
+          </a:prstGeom>
+          <a:solidFill>
+            <a:srgbClr val="E6B8AF"/>
+          </a:solidFill>
+          <a:ln w="28575" cap="flat" cmpd="sng">
+            <a:solidFill>
+              <a:srgbClr val="5B0F00"/>
+            </a:solidFill>
+            <a:prstDash val="solid"/>
+            <a:round/>
+            <a:headEnd type="none" w="sm" len="sm"/>
+            <a:tailEnd type="none" w="sm" len="sm"/>
+          </a:ln>
+        </p:spPr>
+        <p:txBody>
+          <a:bodyPr spcFirstLastPara="1" wrap="square" lIns="91425" tIns="91425" rIns="91425" bIns="91425" anchor="ctr" anchorCtr="0">
+            <a:noAutofit/>
+          </a:bodyPr>
+          <a:lstStyle/>
+          <a:p>
+            <a:pPr marL="0" lvl="0" indent="0" algn="ctr" rtl="0">
+              <a:spcBef>
+                <a:spcPts val="0"/>
+              </a:spcBef>
+              <a:spcAft>
+                <a:spcPts val="0"/>
+              </a:spcAft>
+              <a:buNone/>
+            </a:pPr>
+            <a:r>
+              <a:rPr lang="pt-PT" sz="1800" b="1" dirty="0">
+                <a:latin typeface="Consolas"/>
+                <a:ea typeface="Consolas"/>
+                <a:cs typeface="Consolas"/>
+                <a:sym typeface="Consolas"/>
+              </a:rPr>
+              <a:t>Everyone</a:t>
+            </a:r>
+            <a:endParaRPr sz="1800" b="1" dirty="0">
+              <a:latin typeface="Consolas"/>
+              <a:ea typeface="Consolas"/>
+              <a:cs typeface="Consolas"/>
+              <a:sym typeface="Consolas"/>
+            </a:endParaRPr>
+          </a:p>
+        </p:txBody>
+      </p:sp>
+      <p:sp>
+        <p:nvSpPr>
+          <p:cNvPr id="88" name="Google Shape;88;p15">
+            <a:extLst>
+              <a:ext uri="{FF2B5EF4-FFF2-40B4-BE49-F238E27FC236}">
+                <a16:creationId xmlns:a16="http://schemas.microsoft.com/office/drawing/2014/main" id="{FF5EBA4F-5AE3-D872-15DA-15671D02B94A}"/>
+              </a:ext>
+            </a:extLst>
+          </p:cNvPr>
+          <p:cNvSpPr/>
+          <p:nvPr/>
+        </p:nvSpPr>
+        <p:spPr>
+          <a:xfrm>
+            <a:off x="9365775" y="801800"/>
+            <a:ext cx="2410800" cy="1648500"/>
+          </a:xfrm>
+          <a:prstGeom prst="roundRect">
+            <a:avLst>
+              <a:gd name="adj" fmla="val 16667"/>
+            </a:avLst>
+          </a:prstGeom>
+          <a:solidFill>
+            <a:srgbClr val="D9EAD3"/>
+          </a:solidFill>
+          <a:ln w="28575" cap="flat" cmpd="sng">
+            <a:solidFill>
+              <a:srgbClr val="274E13"/>
+            </a:solidFill>
+            <a:prstDash val="solid"/>
+            <a:round/>
+            <a:headEnd type="none" w="sm" len="sm"/>
+            <a:tailEnd type="none" w="sm" len="sm"/>
+          </a:ln>
+        </p:spPr>
+        <p:txBody>
+          <a:bodyPr spcFirstLastPara="1" wrap="square" lIns="91425" tIns="91425" rIns="91425" bIns="91425" anchor="t" anchorCtr="0">
+            <a:noAutofit/>
+          </a:bodyPr>
+          <a:lstStyle/>
+          <a:p>
+            <a:pPr marL="0" lvl="0" indent="0" algn="l" rtl="0">
+              <a:spcBef>
+                <a:spcPts val="0"/>
+              </a:spcBef>
+              <a:spcAft>
+                <a:spcPts val="0"/>
+              </a:spcAft>
+              <a:buNone/>
+            </a:pPr>
+            <a:r>
+              <a:rPr lang="pt-PT" sz="2000" dirty="0">
+                <a:latin typeface="Consolas"/>
+                <a:ea typeface="Consolas"/>
+                <a:cs typeface="Consolas"/>
+                <a:sym typeface="Consolas"/>
+              </a:rPr>
+              <a:t>Find </a:t>
+            </a:r>
+            <a:r>
+              <a:rPr lang="pt-PT" sz="2000" dirty="0" err="1">
+                <a:latin typeface="Consolas"/>
+                <a:ea typeface="Consolas"/>
+                <a:cs typeface="Consolas"/>
+                <a:sym typeface="Consolas"/>
+              </a:rPr>
+              <a:t>code</a:t>
+            </a:r>
+            <a:r>
+              <a:rPr lang="pt-PT" sz="2000" dirty="0">
+                <a:latin typeface="Consolas"/>
+                <a:ea typeface="Consolas"/>
+                <a:cs typeface="Consolas"/>
+                <a:sym typeface="Consolas"/>
+              </a:rPr>
+              <a:t> </a:t>
+            </a:r>
+            <a:r>
+              <a:rPr lang="pt-PT" sz="2000" dirty="0" err="1">
+                <a:latin typeface="Consolas"/>
+                <a:ea typeface="Consolas"/>
+                <a:cs typeface="Consolas"/>
+                <a:sym typeface="Consolas"/>
+              </a:rPr>
+              <a:t>smells</a:t>
+            </a:r>
+            <a:endParaRPr sz="2000" dirty="0">
+              <a:latin typeface="Consolas"/>
+              <a:ea typeface="Consolas"/>
+              <a:cs typeface="Consolas"/>
+              <a:sym typeface="Consolas"/>
+            </a:endParaRPr>
+          </a:p>
+        </p:txBody>
+      </p:sp>
+      <p:sp>
+        <p:nvSpPr>
+          <p:cNvPr id="90" name="Google Shape;90;p15">
+            <a:extLst>
+              <a:ext uri="{FF2B5EF4-FFF2-40B4-BE49-F238E27FC236}">
+                <a16:creationId xmlns:a16="http://schemas.microsoft.com/office/drawing/2014/main" id="{510FD173-F7C9-E02E-0CA7-C2A3ADC6C413}"/>
+              </a:ext>
+            </a:extLst>
+          </p:cNvPr>
+          <p:cNvSpPr/>
+          <p:nvPr/>
+        </p:nvSpPr>
+        <p:spPr>
+          <a:xfrm>
+            <a:off x="9365775" y="2686865"/>
+            <a:ext cx="2410800" cy="1648500"/>
+          </a:xfrm>
+          <a:prstGeom prst="roundRect">
+            <a:avLst>
+              <a:gd name="adj" fmla="val 16667"/>
+            </a:avLst>
+          </a:prstGeom>
+          <a:solidFill>
+            <a:srgbClr val="D0E0E3"/>
+          </a:solidFill>
+          <a:ln w="28575" cap="flat" cmpd="sng">
+            <a:solidFill>
+              <a:srgbClr val="134F5C"/>
+            </a:solidFill>
+            <a:prstDash val="solid"/>
+            <a:round/>
+            <a:headEnd type="none" w="sm" len="sm"/>
+            <a:tailEnd type="none" w="sm" len="sm"/>
+          </a:ln>
+        </p:spPr>
+        <p:txBody>
+          <a:bodyPr spcFirstLastPara="1" wrap="square" lIns="91425" tIns="91425" rIns="91425" bIns="91425" anchor="t" anchorCtr="0">
+            <a:noAutofit/>
+          </a:bodyPr>
+          <a:lstStyle/>
+          <a:p>
+            <a:pPr marL="0" lvl="0" indent="0" algn="l" rtl="0">
+              <a:spcBef>
+                <a:spcPts val="0"/>
+              </a:spcBef>
+              <a:spcAft>
+                <a:spcPts val="0"/>
+              </a:spcAft>
+              <a:buNone/>
+            </a:pPr>
+            <a:r>
+              <a:rPr lang="pt-PT" sz="2000" dirty="0" err="1">
+                <a:latin typeface="Consolas"/>
+                <a:ea typeface="Consolas"/>
+                <a:cs typeface="Consolas"/>
+                <a:sym typeface="Consolas"/>
+              </a:rPr>
+              <a:t>Review</a:t>
+            </a:r>
+            <a:r>
+              <a:rPr lang="pt-PT" sz="2000" dirty="0">
+                <a:latin typeface="Consolas"/>
+                <a:ea typeface="Consolas"/>
+                <a:cs typeface="Consolas"/>
+                <a:sym typeface="Consolas"/>
+              </a:rPr>
+              <a:t> </a:t>
+            </a:r>
+            <a:r>
+              <a:rPr lang="pt-PT" sz="2000" dirty="0" err="1">
+                <a:latin typeface="Consolas"/>
+                <a:ea typeface="Consolas"/>
+                <a:cs typeface="Consolas"/>
+                <a:sym typeface="Consolas"/>
+              </a:rPr>
+              <a:t>other’s</a:t>
+            </a:r>
+            <a:r>
+              <a:rPr lang="pt-PT" sz="2000" dirty="0">
+                <a:latin typeface="Consolas"/>
+                <a:ea typeface="Consolas"/>
+                <a:cs typeface="Consolas"/>
+                <a:sym typeface="Consolas"/>
+              </a:rPr>
+              <a:t>  </a:t>
+            </a:r>
+            <a:r>
+              <a:rPr lang="pt-PT" sz="2000" dirty="0" err="1">
+                <a:latin typeface="Consolas"/>
+                <a:ea typeface="Consolas"/>
+                <a:cs typeface="Consolas"/>
+                <a:sym typeface="Consolas"/>
+              </a:rPr>
+              <a:t>code</a:t>
+            </a:r>
+            <a:r>
+              <a:rPr lang="pt-PT" sz="2000" dirty="0">
+                <a:latin typeface="Consolas"/>
+                <a:ea typeface="Consolas"/>
+                <a:cs typeface="Consolas"/>
+                <a:sym typeface="Consolas"/>
+              </a:rPr>
+              <a:t> </a:t>
+            </a:r>
+            <a:r>
+              <a:rPr lang="pt-PT" sz="2000" dirty="0" err="1">
+                <a:latin typeface="Consolas"/>
+                <a:ea typeface="Consolas"/>
+                <a:cs typeface="Consolas"/>
+                <a:sym typeface="Consolas"/>
+              </a:rPr>
+              <a:t>smells</a:t>
+            </a:r>
+            <a:endParaRPr sz="2000" dirty="0">
+              <a:latin typeface="Consolas"/>
+              <a:ea typeface="Consolas"/>
+              <a:cs typeface="Consolas"/>
+              <a:sym typeface="Consolas"/>
+            </a:endParaRPr>
+          </a:p>
+        </p:txBody>
+      </p:sp>
+      <p:cxnSp>
+        <p:nvCxnSpPr>
+          <p:cNvPr id="91" name="Google Shape;91;p15">
+            <a:extLst>
+              <a:ext uri="{FF2B5EF4-FFF2-40B4-BE49-F238E27FC236}">
+                <a16:creationId xmlns:a16="http://schemas.microsoft.com/office/drawing/2014/main" id="{D2CF3F6E-8E38-E497-0569-C60CF8497DEE}"/>
+              </a:ext>
+            </a:extLst>
+          </p:cNvPr>
+          <p:cNvCxnSpPr/>
+          <p:nvPr/>
+        </p:nvCxnSpPr>
+        <p:spPr>
+          <a:xfrm>
+            <a:off x="2874374" y="-28500"/>
+            <a:ext cx="0" cy="10857000"/>
+          </a:xfrm>
+          <a:prstGeom prst="straightConnector1">
+            <a:avLst/>
+          </a:prstGeom>
+          <a:noFill/>
+          <a:ln w="38100" cap="flat" cmpd="sng">
+            <a:solidFill>
+              <a:srgbClr val="5B0F00"/>
+            </a:solidFill>
+            <a:prstDash val="solid"/>
+            <a:round/>
+            <a:headEnd type="none" w="med" len="med"/>
+            <a:tailEnd type="none" w="med" len="med"/>
+          </a:ln>
+        </p:spPr>
+      </p:cxnSp>
+      <p:sp>
+        <p:nvSpPr>
+          <p:cNvPr id="2" name="Google Shape;88;p15">
+            <a:extLst>
+              <a:ext uri="{FF2B5EF4-FFF2-40B4-BE49-F238E27FC236}">
+                <a16:creationId xmlns:a16="http://schemas.microsoft.com/office/drawing/2014/main" id="{751D2581-7CE1-F919-2CBF-5D1FACC356AA}"/>
+              </a:ext>
+            </a:extLst>
+          </p:cNvPr>
+          <p:cNvSpPr/>
+          <p:nvPr/>
+        </p:nvSpPr>
+        <p:spPr>
+          <a:xfrm>
+            <a:off x="18668888" y="2497919"/>
+            <a:ext cx="2410800" cy="1648500"/>
+          </a:xfrm>
+          <a:prstGeom prst="roundRect">
+            <a:avLst>
+              <a:gd name="adj" fmla="val 16667"/>
+            </a:avLst>
+          </a:prstGeom>
+          <a:solidFill>
+            <a:srgbClr val="D9EAD3"/>
+          </a:solidFill>
+          <a:ln w="28575" cap="flat" cmpd="sng">
+            <a:solidFill>
+              <a:srgbClr val="274E13"/>
+            </a:solidFill>
+            <a:prstDash val="solid"/>
+            <a:round/>
+            <a:headEnd type="none" w="sm" len="sm"/>
+            <a:tailEnd type="none" w="sm" len="sm"/>
+          </a:ln>
+        </p:spPr>
+        <p:txBody>
+          <a:bodyPr spcFirstLastPara="1" wrap="square" lIns="91425" tIns="91425" rIns="91425" bIns="91425" anchor="t" anchorCtr="0">
+            <a:noAutofit/>
+          </a:bodyPr>
+          <a:lstStyle/>
+          <a:p>
+            <a:pPr marL="0" lvl="0" indent="0" algn="l" rtl="0">
+              <a:spcBef>
+                <a:spcPts val="0"/>
+              </a:spcBef>
+              <a:spcAft>
+                <a:spcPts val="0"/>
+              </a:spcAft>
+              <a:buNone/>
+            </a:pPr>
+            <a:r>
+              <a:rPr lang="en-GB" dirty="0">
+                <a:latin typeface="Consolas"/>
+                <a:ea typeface="Consolas"/>
+                <a:cs typeface="Consolas"/>
+                <a:sym typeface="Consolas"/>
+              </a:rPr>
+              <a:t>T1: Make 3 User Stories</a:t>
+            </a:r>
+            <a:endParaRPr dirty="0">
+              <a:latin typeface="Consolas"/>
+              <a:ea typeface="Consolas"/>
+              <a:cs typeface="Consolas"/>
+              <a:sym typeface="Consolas"/>
+            </a:endParaRPr>
+          </a:p>
+        </p:txBody>
+      </p:sp>
+      <p:sp>
+        <p:nvSpPr>
+          <p:cNvPr id="3" name="Google Shape;90;p15">
+            <a:extLst>
+              <a:ext uri="{FF2B5EF4-FFF2-40B4-BE49-F238E27FC236}">
+                <a16:creationId xmlns:a16="http://schemas.microsoft.com/office/drawing/2014/main" id="{1783E29B-3D15-5902-5FDF-80E60183B5CB}"/>
+              </a:ext>
+            </a:extLst>
+          </p:cNvPr>
+          <p:cNvSpPr/>
+          <p:nvPr/>
+        </p:nvSpPr>
+        <p:spPr>
+          <a:xfrm>
+            <a:off x="18668888" y="849419"/>
+            <a:ext cx="2410800" cy="1648500"/>
+          </a:xfrm>
+          <a:prstGeom prst="roundRect">
+            <a:avLst>
+              <a:gd name="adj" fmla="val 16667"/>
+            </a:avLst>
+          </a:prstGeom>
+          <a:solidFill>
+            <a:srgbClr val="D0E0E3"/>
+          </a:solidFill>
+          <a:ln w="28575" cap="flat" cmpd="sng">
+            <a:solidFill>
+              <a:srgbClr val="134F5C"/>
+            </a:solidFill>
+            <a:prstDash val="solid"/>
+            <a:round/>
+            <a:headEnd type="none" w="sm" len="sm"/>
+            <a:tailEnd type="none" w="sm" len="sm"/>
+          </a:ln>
+        </p:spPr>
+        <p:txBody>
+          <a:bodyPr spcFirstLastPara="1" wrap="square" lIns="91425" tIns="91425" rIns="91425" bIns="91425" anchor="t" anchorCtr="0">
+            <a:noAutofit/>
+          </a:bodyPr>
+          <a:lstStyle/>
+          <a:p>
+            <a:pPr marL="0" lvl="0" indent="0" algn="l" rtl="0">
+              <a:spcBef>
+                <a:spcPts val="0"/>
+              </a:spcBef>
+              <a:spcAft>
+                <a:spcPts val="0"/>
+              </a:spcAft>
+              <a:buNone/>
+            </a:pPr>
+            <a:r>
+              <a:rPr lang="en-GB" dirty="0">
+                <a:latin typeface="Consolas"/>
+                <a:ea typeface="Consolas"/>
+                <a:cs typeface="Consolas"/>
+                <a:sym typeface="Consolas"/>
+              </a:rPr>
+              <a:t>T2: Everyone: Playing the game so we can experience the user’s needs.</a:t>
+            </a:r>
+            <a:endParaRPr dirty="0">
+              <a:latin typeface="Consolas"/>
+              <a:ea typeface="Consolas"/>
+              <a:cs typeface="Consolas"/>
+              <a:sym typeface="Consolas"/>
+            </a:endParaRPr>
+          </a:p>
+        </p:txBody>
+      </p:sp>
+      <p:sp>
+        <p:nvSpPr>
+          <p:cNvPr id="4" name="Google Shape;88;p15">
+            <a:extLst>
+              <a:ext uri="{FF2B5EF4-FFF2-40B4-BE49-F238E27FC236}">
+                <a16:creationId xmlns:a16="http://schemas.microsoft.com/office/drawing/2014/main" id="{F4ECFFE2-0B29-548F-5D13-90F75573D8B4}"/>
+              </a:ext>
+            </a:extLst>
+          </p:cNvPr>
+          <p:cNvSpPr/>
+          <p:nvPr/>
+        </p:nvSpPr>
+        <p:spPr>
+          <a:xfrm>
+            <a:off x="405410" y="694221"/>
+            <a:ext cx="1867580" cy="3160613"/>
+          </a:xfrm>
+          <a:prstGeom prst="roundRect">
+            <a:avLst>
+              <a:gd name="adj" fmla="val 16667"/>
+            </a:avLst>
+          </a:prstGeom>
+          <a:solidFill>
+            <a:srgbClr val="D9EAD3"/>
+          </a:solidFill>
+          <a:ln w="28575" cap="flat" cmpd="sng">
+            <a:solidFill>
+              <a:srgbClr val="274E13"/>
+            </a:solidFill>
+            <a:prstDash val="solid"/>
+            <a:round/>
+            <a:headEnd type="none" w="sm" len="sm"/>
+            <a:tailEnd type="none" w="sm" len="sm"/>
+          </a:ln>
+        </p:spPr>
+        <p:txBody>
+          <a:bodyPr spcFirstLastPara="1" wrap="square" lIns="91425" tIns="91425" rIns="91425" bIns="91425" anchor="t" anchorCtr="0">
+            <a:noAutofit/>
+          </a:bodyPr>
+          <a:lstStyle/>
+          <a:p>
+            <a:pPr lvl="0"/>
+            <a:r>
+              <a:rPr lang="en-GB" dirty="0">
+                <a:latin typeface="Consolas" panose="020B0609020204030204" pitchFamily="49" charset="0"/>
+                <a:ea typeface="Consolas"/>
+                <a:cs typeface="Consolas"/>
+                <a:sym typeface="Consolas"/>
+              </a:rPr>
+              <a:t>US 3:</a:t>
+            </a:r>
+            <a:r>
+              <a:rPr lang="en-GB" dirty="0">
+                <a:latin typeface="Consolas" panose="020B0609020204030204" pitchFamily="49" charset="0"/>
+              </a:rPr>
+              <a:t>As a player brand new to </a:t>
+            </a:r>
+            <a:r>
+              <a:rPr lang="en-GB" dirty="0" err="1">
+                <a:latin typeface="Consolas" panose="020B0609020204030204" pitchFamily="49" charset="0"/>
+              </a:rPr>
+              <a:t>Mindustry</a:t>
+            </a:r>
+            <a:r>
+              <a:rPr lang="en-GB" dirty="0">
+                <a:latin typeface="Consolas" panose="020B0609020204030204" pitchFamily="49" charset="0"/>
+              </a:rPr>
+              <a:t>, I want a more intuitive game tutorial so that I don't get lost and demotivated</a:t>
+            </a:r>
+            <a:r>
+              <a:rPr lang="en-GB" dirty="0"/>
+              <a:t>.</a:t>
+            </a:r>
+            <a:endParaRPr dirty="0">
+              <a:latin typeface="Consolas"/>
+              <a:ea typeface="Consolas"/>
+              <a:cs typeface="Consolas"/>
+              <a:sym typeface="Consolas"/>
+            </a:endParaRPr>
+          </a:p>
+        </p:txBody>
+      </p:sp>
+      <p:sp>
+        <p:nvSpPr>
+          <p:cNvPr id="5" name="Google Shape;88;p15">
+            <a:extLst>
+              <a:ext uri="{FF2B5EF4-FFF2-40B4-BE49-F238E27FC236}">
+                <a16:creationId xmlns:a16="http://schemas.microsoft.com/office/drawing/2014/main" id="{3F08F2E4-5C0A-6429-E570-05BF8E056CCD}"/>
+              </a:ext>
+            </a:extLst>
+          </p:cNvPr>
+          <p:cNvSpPr/>
+          <p:nvPr/>
+        </p:nvSpPr>
+        <p:spPr>
+          <a:xfrm>
+            <a:off x="438912" y="4038458"/>
+            <a:ext cx="1867552" cy="2826314"/>
+          </a:xfrm>
+          <a:prstGeom prst="roundRect">
+            <a:avLst>
+              <a:gd name="adj" fmla="val 16667"/>
+            </a:avLst>
+          </a:prstGeom>
+          <a:solidFill>
+            <a:srgbClr val="D9EAD3"/>
+          </a:solidFill>
+          <a:ln w="28575" cap="flat" cmpd="sng">
+            <a:solidFill>
+              <a:srgbClr val="274E13"/>
+            </a:solidFill>
+            <a:prstDash val="solid"/>
+            <a:round/>
+            <a:headEnd type="none" w="sm" len="sm"/>
+            <a:tailEnd type="none" w="sm" len="sm"/>
+          </a:ln>
+        </p:spPr>
+        <p:txBody>
+          <a:bodyPr spcFirstLastPara="1" wrap="square" lIns="91425" tIns="91425" rIns="91425" bIns="91425" anchor="t" anchorCtr="0">
+            <a:noAutofit/>
+          </a:bodyPr>
+          <a:lstStyle/>
+          <a:p>
+            <a:pPr marL="0" lvl="0" indent="0" algn="l" rtl="0">
+              <a:spcBef>
+                <a:spcPts val="0"/>
+              </a:spcBef>
+              <a:spcAft>
+                <a:spcPts val="0"/>
+              </a:spcAft>
+              <a:buNone/>
+            </a:pPr>
+            <a:r>
+              <a:rPr lang="en-GB" dirty="0">
+                <a:latin typeface="Consolas"/>
+                <a:ea typeface="Consolas"/>
+                <a:cs typeface="Consolas"/>
+                <a:sym typeface="Consolas"/>
+              </a:rPr>
+              <a:t>US 2: As an experienced player I think we should have a greater diversity of towers that can help us automate the way we defend order</a:t>
+            </a:r>
+            <a:endParaRPr dirty="0">
+              <a:latin typeface="Consolas"/>
+              <a:ea typeface="Consolas"/>
+              <a:cs typeface="Consolas"/>
+              <a:sym typeface="Consolas"/>
+            </a:endParaRPr>
+          </a:p>
+        </p:txBody>
+      </p:sp>
+      <p:sp>
+        <p:nvSpPr>
+          <p:cNvPr id="6" name="Google Shape;88;p15">
+            <a:extLst>
+              <a:ext uri="{FF2B5EF4-FFF2-40B4-BE49-F238E27FC236}">
+                <a16:creationId xmlns:a16="http://schemas.microsoft.com/office/drawing/2014/main" id="{9682B54A-BD00-BA0D-52F5-F1C2429C4452}"/>
+              </a:ext>
+            </a:extLst>
+          </p:cNvPr>
+          <p:cNvSpPr/>
+          <p:nvPr/>
+        </p:nvSpPr>
+        <p:spPr>
+          <a:xfrm>
+            <a:off x="405410" y="6982925"/>
+            <a:ext cx="1867580" cy="3160613"/>
+          </a:xfrm>
+          <a:prstGeom prst="roundRect">
+            <a:avLst>
+              <a:gd name="adj" fmla="val 16667"/>
+            </a:avLst>
+          </a:prstGeom>
+          <a:solidFill>
+            <a:srgbClr val="D9EAD3"/>
+          </a:solidFill>
+          <a:ln w="28575" cap="flat" cmpd="sng">
+            <a:solidFill>
+              <a:srgbClr val="274E13"/>
+            </a:solidFill>
+            <a:prstDash val="solid"/>
+            <a:round/>
+            <a:headEnd type="none" w="sm" len="sm"/>
+            <a:tailEnd type="none" w="sm" len="sm"/>
+          </a:ln>
+        </p:spPr>
+        <p:txBody>
+          <a:bodyPr spcFirstLastPara="1" wrap="square" lIns="91425" tIns="91425" rIns="91425" bIns="91425" anchor="t" anchorCtr="0">
+            <a:noAutofit/>
+          </a:bodyPr>
+          <a:lstStyle/>
+          <a:p>
+            <a:pPr marL="0" lvl="0" indent="0" algn="l" rtl="0">
+              <a:spcBef>
+                <a:spcPts val="0"/>
+              </a:spcBef>
+              <a:spcAft>
+                <a:spcPts val="0"/>
+              </a:spcAft>
+              <a:buNone/>
+            </a:pPr>
+            <a:r>
+              <a:rPr lang="en-GB" dirty="0">
+                <a:latin typeface="Consolas"/>
+                <a:ea typeface="Consolas"/>
+                <a:cs typeface="Consolas"/>
+                <a:sym typeface="Consolas"/>
+              </a:rPr>
+              <a:t>US 1: As Player, I want to have access to a sandbox (free play) so that I can freely experiment with different constructions and strategies without enemies or attack waves.</a:t>
+            </a:r>
+            <a:endParaRPr dirty="0">
+              <a:latin typeface="Consolas"/>
+              <a:ea typeface="Consolas"/>
+              <a:cs typeface="Consolas"/>
+              <a:sym typeface="Consolas"/>
+            </a:endParaRPr>
+          </a:p>
+        </p:txBody>
+      </p:sp>
+    </p:spTree>
+    <p:extLst>
+      <p:ext uri="{BB962C8B-B14F-4D97-AF65-F5344CB8AC3E}">
+        <p14:creationId xmlns:p14="http://schemas.microsoft.com/office/powerpoint/2010/main" val="1880726609"/>
+      </p:ext>
+    </p:extLst>
+  </p:cSld>
+  <p:clrMapOvr>
+    <a:masterClrMapping/>
+  </p:clrMapOvr>
+</p:sld>
+</file>
+
+<file path=ppt/slides/slide5.xml><?xml version="1.0" encoding="utf-8"?>
+<p:sld xmlns:a="http://schemas.openxmlformats.org/drawingml/2006/main" xmlns:r="http://schemas.openxmlformats.org/officeDocument/2006/relationships" xmlns:p="http://schemas.openxmlformats.org/presentationml/2006/main">
+  <p:cSld>
+    <p:spTree>
+      <p:nvGrpSpPr>
+        <p:cNvPr id="1" name="Shape 65">
+          <a:extLst>
+            <a:ext uri="{FF2B5EF4-FFF2-40B4-BE49-F238E27FC236}">
               <a16:creationId xmlns:a16="http://schemas.microsoft.com/office/drawing/2014/main" id="{94A15492-BB6D-6EDD-3E0F-613AFA3FB4BB}"/>
             </a:ext>
           </a:extLst>
@@ -6717,7 +9186,7 @@
         </p:nvSpPr>
         <p:spPr>
           <a:xfrm>
-            <a:off x="9365775" y="801800"/>
+            <a:off x="12395940" y="849419"/>
             <a:ext cx="2410800" cy="1648500"/>
           </a:xfrm>
           <a:prstGeom prst="roundRect">
@@ -6760,7 +9229,7 @@
                 <a:cs typeface="Consolas"/>
                 <a:sym typeface="Consolas"/>
               </a:rPr>
-              <a:t>Find 3 </a:t>
+              <a:t>Find </a:t>
             </a:r>
             <a:r>
               <a:rPr lang="pt-PT" sz="2000" dirty="0" err="1">
@@ -6812,7 +9281,7 @@
         </p:nvSpPr>
         <p:spPr>
           <a:xfrm>
-            <a:off x="9365775" y="2686865"/>
+            <a:off x="12395940" y="2827704"/>
             <a:ext cx="2410800" cy="1648500"/>
           </a:xfrm>
           <a:prstGeom prst="roundRect">
@@ -6882,7 +9351,7 @@
                 <a:cs typeface="Consolas"/>
                 <a:sym typeface="Consolas"/>
               </a:rPr>
-              <a:t> 3 </a:t>
+              <a:t> </a:t>
             </a:r>
             <a:r>
               <a:rPr lang="pt-PT" sz="2000" dirty="0" err="1">
@@ -7319,7 +9788,7 @@
 </p:sld>
 </file>
 
-<file path=ppt/slides/slide4.xml><?xml version="1.0" encoding="utf-8"?>
+<file path=ppt/slides/slide6.xml><?xml version="1.0" encoding="utf-8"?>
 <p:sld xmlns:a="http://schemas.openxmlformats.org/drawingml/2006/main" xmlns:r="http://schemas.openxmlformats.org/officeDocument/2006/relationships" xmlns:p="http://schemas.openxmlformats.org/presentationml/2006/main">
   <p:cSld>
     <p:spTree>

--- a/SE202526/Management/Sprint3/Scrum_Board_Sprint 3.pptx
+++ b/SE202526/Management/Sprint3/Scrum_Board_Sprint 3.pptx
@@ -5,15 +5,18 @@
     <p:sldMasterId id="2147483659" r:id="rId1"/>
   </p:sldMasterIdLst>
   <p:notesMasterIdLst>
-    <p:notesMasterId r:id="rId8"/>
+    <p:notesMasterId r:id="rId11"/>
   </p:notesMasterIdLst>
   <p:sldIdLst>
     <p:sldId id="256" r:id="rId2"/>
     <p:sldId id="257" r:id="rId3"/>
     <p:sldId id="266" r:id="rId4"/>
     <p:sldId id="265" r:id="rId5"/>
-    <p:sldId id="264" r:id="rId6"/>
-    <p:sldId id="263" r:id="rId7"/>
+    <p:sldId id="267" r:id="rId6"/>
+    <p:sldId id="268" r:id="rId7"/>
+    <p:sldId id="269" r:id="rId8"/>
+    <p:sldId id="270" r:id="rId9"/>
+    <p:sldId id="263" r:id="rId10"/>
   </p:sldIdLst>
   <p:sldSz cx="21599525" cy="10799763"/>
   <p:notesSz cx="6858000" cy="9144000"/>
@@ -1176,7 +1179,7 @@
         <p:cNvPr id="1" name="Shape 62">
           <a:extLst>
             <a:ext uri="{FF2B5EF4-FFF2-40B4-BE49-F238E27FC236}">
-              <a16:creationId xmlns:a16="http://schemas.microsoft.com/office/drawing/2014/main" id="{26B0C9F3-30BD-9812-462E-4AA20D29B1A3}"/>
+              <a16:creationId xmlns:a16="http://schemas.microsoft.com/office/drawing/2014/main" id="{8190817D-E0B4-4C4C-F6D6-2493329B939D}"/>
             </a:ext>
           </a:extLst>
         </p:cNvPr>
@@ -1196,7 +1199,7 @@
           <p:cNvPr id="63" name="Google Shape;63;g3850b307b58_0_0:notes">
             <a:extLst>
               <a:ext uri="{FF2B5EF4-FFF2-40B4-BE49-F238E27FC236}">
-                <a16:creationId xmlns:a16="http://schemas.microsoft.com/office/drawing/2014/main" id="{3C59B85E-343F-5489-3940-A06EC3A439DD}"/>
+                <a16:creationId xmlns:a16="http://schemas.microsoft.com/office/drawing/2014/main" id="{4FBC7919-CD5E-A7D8-360D-5E0C20F30F89}"/>
               </a:ext>
             </a:extLst>
           </p:cNvPr>
@@ -1243,7 +1246,7 @@
           <p:cNvPr id="64" name="Google Shape;64;g3850b307b58_0_0:notes">
             <a:extLst>
               <a:ext uri="{FF2B5EF4-FFF2-40B4-BE49-F238E27FC236}">
-                <a16:creationId xmlns:a16="http://schemas.microsoft.com/office/drawing/2014/main" id="{CA367FC2-FE75-43A8-1D69-937E6B4F04D5}"/>
+                <a16:creationId xmlns:a16="http://schemas.microsoft.com/office/drawing/2014/main" id="{182A9448-B567-EC36-2DCA-7BBB415AB3A5}"/>
               </a:ext>
             </a:extLst>
           </p:cNvPr>
@@ -1285,7 +1288,7 @@
     </p:spTree>
     <p:extLst>
       <p:ext uri="{BB962C8B-B14F-4D97-AF65-F5344CB8AC3E}">
-        <p14:creationId xmlns:p14="http://schemas.microsoft.com/office/powerpoint/2010/main" val="3131590574"/>
+        <p14:creationId xmlns:p14="http://schemas.microsoft.com/office/powerpoint/2010/main" val="1039939735"/>
       </p:ext>
     </p:extLst>
   </p:cSld>
@@ -1296,6 +1299,387 @@
 </file>
 
 <file path=ppt/notesSlides/notesSlide6.xml><?xml version="1.0" encoding="utf-8"?>
+<p:notes xmlns:a="http://schemas.openxmlformats.org/drawingml/2006/main" xmlns:r="http://schemas.openxmlformats.org/officeDocument/2006/relationships" xmlns:p="http://schemas.openxmlformats.org/presentationml/2006/main" showMasterSp="0" showMasterPhAnim="0">
+  <p:cSld>
+    <p:spTree>
+      <p:nvGrpSpPr>
+        <p:cNvPr id="1" name="Shape 62">
+          <a:extLst>
+            <a:ext uri="{FF2B5EF4-FFF2-40B4-BE49-F238E27FC236}">
+              <a16:creationId xmlns:a16="http://schemas.microsoft.com/office/drawing/2014/main" id="{396F4EED-CC3D-3B27-E96C-A1942B0B09F1}"/>
+            </a:ext>
+          </a:extLst>
+        </p:cNvPr>
+        <p:cNvGrpSpPr/>
+        <p:nvPr/>
+      </p:nvGrpSpPr>
+      <p:grpSpPr>
+        <a:xfrm>
+          <a:off x="0" y="0"/>
+          <a:ext cx="0" cy="0"/>
+          <a:chOff x="0" y="0"/>
+          <a:chExt cx="0" cy="0"/>
+        </a:xfrm>
+      </p:grpSpPr>
+      <p:sp>
+        <p:nvSpPr>
+          <p:cNvPr id="63" name="Google Shape;63;g3850b307b58_0_0:notes">
+            <a:extLst>
+              <a:ext uri="{FF2B5EF4-FFF2-40B4-BE49-F238E27FC236}">
+                <a16:creationId xmlns:a16="http://schemas.microsoft.com/office/drawing/2014/main" id="{BBECE975-7C57-8F29-B2D6-58AF776341CB}"/>
+              </a:ext>
+            </a:extLst>
+          </p:cNvPr>
+          <p:cNvSpPr>
+            <a:spLocks noGrp="1" noRot="1" noChangeAspect="1"/>
+          </p:cNvSpPr>
+          <p:nvPr>
+            <p:ph type="sldImg" idx="2"/>
+          </p:nvPr>
+        </p:nvSpPr>
+        <p:spPr>
+          <a:xfrm>
+            <a:off x="0" y="685800"/>
+            <a:ext cx="6858000" cy="3429000"/>
+          </a:xfrm>
+          <a:custGeom>
+            <a:avLst/>
+            <a:gdLst/>
+            <a:ahLst/>
+            <a:cxnLst/>
+            <a:rect l="l" t="t" r="r" b="b"/>
+            <a:pathLst>
+              <a:path w="120000" h="120000" extrusionOk="0">
+                <a:moveTo>
+                  <a:pt x="0" y="0"/>
+                </a:moveTo>
+                <a:lnTo>
+                  <a:pt x="120000" y="0"/>
+                </a:lnTo>
+                <a:lnTo>
+                  <a:pt x="120000" y="120000"/>
+                </a:lnTo>
+                <a:lnTo>
+                  <a:pt x="0" y="120000"/>
+                </a:lnTo>
+                <a:close/>
+              </a:path>
+            </a:pathLst>
+          </a:custGeom>
+        </p:spPr>
+      </p:sp>
+      <p:sp>
+        <p:nvSpPr>
+          <p:cNvPr id="64" name="Google Shape;64;g3850b307b58_0_0:notes">
+            <a:extLst>
+              <a:ext uri="{FF2B5EF4-FFF2-40B4-BE49-F238E27FC236}">
+                <a16:creationId xmlns:a16="http://schemas.microsoft.com/office/drawing/2014/main" id="{5695D4D5-CEAC-4F02-87F0-352604714A08}"/>
+              </a:ext>
+            </a:extLst>
+          </p:cNvPr>
+          <p:cNvSpPr txBox="1">
+            <a:spLocks noGrp="1"/>
+          </p:cNvSpPr>
+          <p:nvPr>
+            <p:ph type="body" idx="1"/>
+          </p:nvPr>
+        </p:nvSpPr>
+        <p:spPr>
+          <a:xfrm>
+            <a:off x="685800" y="4343400"/>
+            <a:ext cx="5486400" cy="4114800"/>
+          </a:xfrm>
+          <a:prstGeom prst="rect">
+            <a:avLst/>
+          </a:prstGeom>
+        </p:spPr>
+        <p:txBody>
+          <a:bodyPr spcFirstLastPara="1" wrap="square" lIns="91425" tIns="91425" rIns="91425" bIns="91425" anchor="t" anchorCtr="0">
+            <a:noAutofit/>
+          </a:bodyPr>
+          <a:lstStyle/>
+          <a:p>
+            <a:pPr marL="0" lvl="0" indent="0" algn="l" rtl="0">
+              <a:spcBef>
+                <a:spcPts val="0"/>
+              </a:spcBef>
+              <a:spcAft>
+                <a:spcPts val="0"/>
+              </a:spcAft>
+              <a:buNone/>
+            </a:pPr>
+            <a:endParaRPr/>
+          </a:p>
+        </p:txBody>
+      </p:sp>
+    </p:spTree>
+    <p:extLst>
+      <p:ext uri="{BB962C8B-B14F-4D97-AF65-F5344CB8AC3E}">
+        <p14:creationId xmlns:p14="http://schemas.microsoft.com/office/powerpoint/2010/main" val="4240154772"/>
+      </p:ext>
+    </p:extLst>
+  </p:cSld>
+  <p:clrMapOvr>
+    <a:masterClrMapping/>
+  </p:clrMapOvr>
+</p:notes>
+</file>
+
+<file path=ppt/notesSlides/notesSlide7.xml><?xml version="1.0" encoding="utf-8"?>
+<p:notes xmlns:a="http://schemas.openxmlformats.org/drawingml/2006/main" xmlns:r="http://schemas.openxmlformats.org/officeDocument/2006/relationships" xmlns:p="http://schemas.openxmlformats.org/presentationml/2006/main" showMasterSp="0" showMasterPhAnim="0">
+  <p:cSld>
+    <p:spTree>
+      <p:nvGrpSpPr>
+        <p:cNvPr id="1" name="Shape 62">
+          <a:extLst>
+            <a:ext uri="{FF2B5EF4-FFF2-40B4-BE49-F238E27FC236}">
+              <a16:creationId xmlns:a16="http://schemas.microsoft.com/office/drawing/2014/main" id="{ACF8B8EF-816C-3CE4-FACA-CA9C5D9B8F03}"/>
+            </a:ext>
+          </a:extLst>
+        </p:cNvPr>
+        <p:cNvGrpSpPr/>
+        <p:nvPr/>
+      </p:nvGrpSpPr>
+      <p:grpSpPr>
+        <a:xfrm>
+          <a:off x="0" y="0"/>
+          <a:ext cx="0" cy="0"/>
+          <a:chOff x="0" y="0"/>
+          <a:chExt cx="0" cy="0"/>
+        </a:xfrm>
+      </p:grpSpPr>
+      <p:sp>
+        <p:nvSpPr>
+          <p:cNvPr id="63" name="Google Shape;63;g3850b307b58_0_0:notes">
+            <a:extLst>
+              <a:ext uri="{FF2B5EF4-FFF2-40B4-BE49-F238E27FC236}">
+                <a16:creationId xmlns:a16="http://schemas.microsoft.com/office/drawing/2014/main" id="{93201C2B-75BD-0246-45D8-C3B1D38A91EE}"/>
+              </a:ext>
+            </a:extLst>
+          </p:cNvPr>
+          <p:cNvSpPr>
+            <a:spLocks noGrp="1" noRot="1" noChangeAspect="1"/>
+          </p:cNvSpPr>
+          <p:nvPr>
+            <p:ph type="sldImg" idx="2"/>
+          </p:nvPr>
+        </p:nvSpPr>
+        <p:spPr>
+          <a:xfrm>
+            <a:off x="0" y="685800"/>
+            <a:ext cx="6858000" cy="3429000"/>
+          </a:xfrm>
+          <a:custGeom>
+            <a:avLst/>
+            <a:gdLst/>
+            <a:ahLst/>
+            <a:cxnLst/>
+            <a:rect l="l" t="t" r="r" b="b"/>
+            <a:pathLst>
+              <a:path w="120000" h="120000" extrusionOk="0">
+                <a:moveTo>
+                  <a:pt x="0" y="0"/>
+                </a:moveTo>
+                <a:lnTo>
+                  <a:pt x="120000" y="0"/>
+                </a:lnTo>
+                <a:lnTo>
+                  <a:pt x="120000" y="120000"/>
+                </a:lnTo>
+                <a:lnTo>
+                  <a:pt x="0" y="120000"/>
+                </a:lnTo>
+                <a:close/>
+              </a:path>
+            </a:pathLst>
+          </a:custGeom>
+        </p:spPr>
+      </p:sp>
+      <p:sp>
+        <p:nvSpPr>
+          <p:cNvPr id="64" name="Google Shape;64;g3850b307b58_0_0:notes">
+            <a:extLst>
+              <a:ext uri="{FF2B5EF4-FFF2-40B4-BE49-F238E27FC236}">
+                <a16:creationId xmlns:a16="http://schemas.microsoft.com/office/drawing/2014/main" id="{2722A361-C9D3-2F12-A9A2-AF98AADF0C32}"/>
+              </a:ext>
+            </a:extLst>
+          </p:cNvPr>
+          <p:cNvSpPr txBox="1">
+            <a:spLocks noGrp="1"/>
+          </p:cNvSpPr>
+          <p:nvPr>
+            <p:ph type="body" idx="1"/>
+          </p:nvPr>
+        </p:nvSpPr>
+        <p:spPr>
+          <a:xfrm>
+            <a:off x="685800" y="4343400"/>
+            <a:ext cx="5486400" cy="4114800"/>
+          </a:xfrm>
+          <a:prstGeom prst="rect">
+            <a:avLst/>
+          </a:prstGeom>
+        </p:spPr>
+        <p:txBody>
+          <a:bodyPr spcFirstLastPara="1" wrap="square" lIns="91425" tIns="91425" rIns="91425" bIns="91425" anchor="t" anchorCtr="0">
+            <a:noAutofit/>
+          </a:bodyPr>
+          <a:lstStyle/>
+          <a:p>
+            <a:pPr marL="0" lvl="0" indent="0" algn="l" rtl="0">
+              <a:spcBef>
+                <a:spcPts val="0"/>
+              </a:spcBef>
+              <a:spcAft>
+                <a:spcPts val="0"/>
+              </a:spcAft>
+              <a:buNone/>
+            </a:pPr>
+            <a:endParaRPr/>
+          </a:p>
+        </p:txBody>
+      </p:sp>
+    </p:spTree>
+    <p:extLst>
+      <p:ext uri="{BB962C8B-B14F-4D97-AF65-F5344CB8AC3E}">
+        <p14:creationId xmlns:p14="http://schemas.microsoft.com/office/powerpoint/2010/main" val="3808186627"/>
+      </p:ext>
+    </p:extLst>
+  </p:cSld>
+  <p:clrMapOvr>
+    <a:masterClrMapping/>
+  </p:clrMapOvr>
+</p:notes>
+</file>
+
+<file path=ppt/notesSlides/notesSlide8.xml><?xml version="1.0" encoding="utf-8"?>
+<p:notes xmlns:a="http://schemas.openxmlformats.org/drawingml/2006/main" xmlns:r="http://schemas.openxmlformats.org/officeDocument/2006/relationships" xmlns:p="http://schemas.openxmlformats.org/presentationml/2006/main" showMasterSp="0" showMasterPhAnim="0">
+  <p:cSld>
+    <p:spTree>
+      <p:nvGrpSpPr>
+        <p:cNvPr id="1" name="Shape 62">
+          <a:extLst>
+            <a:ext uri="{FF2B5EF4-FFF2-40B4-BE49-F238E27FC236}">
+              <a16:creationId xmlns:a16="http://schemas.microsoft.com/office/drawing/2014/main" id="{26AFA900-96C0-441A-6D9B-59FAE834A1A5}"/>
+            </a:ext>
+          </a:extLst>
+        </p:cNvPr>
+        <p:cNvGrpSpPr/>
+        <p:nvPr/>
+      </p:nvGrpSpPr>
+      <p:grpSpPr>
+        <a:xfrm>
+          <a:off x="0" y="0"/>
+          <a:ext cx="0" cy="0"/>
+          <a:chOff x="0" y="0"/>
+          <a:chExt cx="0" cy="0"/>
+        </a:xfrm>
+      </p:grpSpPr>
+      <p:sp>
+        <p:nvSpPr>
+          <p:cNvPr id="63" name="Google Shape;63;g3850b307b58_0_0:notes">
+            <a:extLst>
+              <a:ext uri="{FF2B5EF4-FFF2-40B4-BE49-F238E27FC236}">
+                <a16:creationId xmlns:a16="http://schemas.microsoft.com/office/drawing/2014/main" id="{466B7296-55F7-530C-A40C-6B99E58E6DB6}"/>
+              </a:ext>
+            </a:extLst>
+          </p:cNvPr>
+          <p:cNvSpPr>
+            <a:spLocks noGrp="1" noRot="1" noChangeAspect="1"/>
+          </p:cNvSpPr>
+          <p:nvPr>
+            <p:ph type="sldImg" idx="2"/>
+          </p:nvPr>
+        </p:nvSpPr>
+        <p:spPr>
+          <a:xfrm>
+            <a:off x="0" y="685800"/>
+            <a:ext cx="6858000" cy="3429000"/>
+          </a:xfrm>
+          <a:custGeom>
+            <a:avLst/>
+            <a:gdLst/>
+            <a:ahLst/>
+            <a:cxnLst/>
+            <a:rect l="l" t="t" r="r" b="b"/>
+            <a:pathLst>
+              <a:path w="120000" h="120000" extrusionOk="0">
+                <a:moveTo>
+                  <a:pt x="0" y="0"/>
+                </a:moveTo>
+                <a:lnTo>
+                  <a:pt x="120000" y="0"/>
+                </a:lnTo>
+                <a:lnTo>
+                  <a:pt x="120000" y="120000"/>
+                </a:lnTo>
+                <a:lnTo>
+                  <a:pt x="0" y="120000"/>
+                </a:lnTo>
+                <a:close/>
+              </a:path>
+            </a:pathLst>
+          </a:custGeom>
+        </p:spPr>
+      </p:sp>
+      <p:sp>
+        <p:nvSpPr>
+          <p:cNvPr id="64" name="Google Shape;64;g3850b307b58_0_0:notes">
+            <a:extLst>
+              <a:ext uri="{FF2B5EF4-FFF2-40B4-BE49-F238E27FC236}">
+                <a16:creationId xmlns:a16="http://schemas.microsoft.com/office/drawing/2014/main" id="{4EEDFAB6-34F4-D48E-D1C8-5FF4FCD02B8C}"/>
+              </a:ext>
+            </a:extLst>
+          </p:cNvPr>
+          <p:cNvSpPr txBox="1">
+            <a:spLocks noGrp="1"/>
+          </p:cNvSpPr>
+          <p:nvPr>
+            <p:ph type="body" idx="1"/>
+          </p:nvPr>
+        </p:nvSpPr>
+        <p:spPr>
+          <a:xfrm>
+            <a:off x="685800" y="4343400"/>
+            <a:ext cx="5486400" cy="4114800"/>
+          </a:xfrm>
+          <a:prstGeom prst="rect">
+            <a:avLst/>
+          </a:prstGeom>
+        </p:spPr>
+        <p:txBody>
+          <a:bodyPr spcFirstLastPara="1" wrap="square" lIns="91425" tIns="91425" rIns="91425" bIns="91425" anchor="t" anchorCtr="0">
+            <a:noAutofit/>
+          </a:bodyPr>
+          <a:lstStyle/>
+          <a:p>
+            <a:pPr marL="0" lvl="0" indent="0" algn="l" rtl="0">
+              <a:spcBef>
+                <a:spcPts val="0"/>
+              </a:spcBef>
+              <a:spcAft>
+                <a:spcPts val="0"/>
+              </a:spcAft>
+              <a:buNone/>
+            </a:pPr>
+            <a:endParaRPr/>
+          </a:p>
+        </p:txBody>
+      </p:sp>
+    </p:spTree>
+    <p:extLst>
+      <p:ext uri="{BB962C8B-B14F-4D97-AF65-F5344CB8AC3E}">
+        <p14:creationId xmlns:p14="http://schemas.microsoft.com/office/powerpoint/2010/main" val="1058279364"/>
+      </p:ext>
+    </p:extLst>
+  </p:cSld>
+  <p:clrMapOvr>
+    <a:masterClrMapping/>
+  </p:clrMapOvr>
+</p:notes>
+</file>
+
+<file path=ppt/notesSlides/notesSlide9.xml><?xml version="1.0" encoding="utf-8"?>
 <p:notes xmlns:a="http://schemas.openxmlformats.org/drawingml/2006/main" xmlns:r="http://schemas.openxmlformats.org/officeDocument/2006/relationships" xmlns:p="http://schemas.openxmlformats.org/presentationml/2006/main" showMasterSp="0" showMasterPhAnim="0">
   <p:cSld>
     <p:spTree>
@@ -7464,7 +7848,7 @@
               <a:buNone/>
             </a:pPr>
             <a:r>
-              <a:rPr lang="en-GB" sz="1800" b="1">
+              <a:rPr lang="en-US" sz="1800" b="1" noProof="0" dirty="0">
                 <a:latin typeface="Consolas"/>
                 <a:ea typeface="Consolas"/>
                 <a:cs typeface="Consolas"/>
@@ -7472,12 +7856,6 @@
               </a:rPr>
               <a:t>Student ID</a:t>
             </a:r>
-            <a:endParaRPr sz="1800" b="1">
-              <a:latin typeface="Consolas"/>
-              <a:ea typeface="Consolas"/>
-              <a:cs typeface="Consolas"/>
-              <a:sym typeface="Consolas"/>
-            </a:endParaRPr>
           </a:p>
         </p:txBody>
       </p:sp>
@@ -7532,7 +7910,7 @@
               <a:buNone/>
             </a:pPr>
             <a:r>
-              <a:rPr lang="en-GB" sz="1800" b="1">
+              <a:rPr lang="en-US" sz="1800" b="1" noProof="0" dirty="0">
                 <a:latin typeface="Consolas"/>
                 <a:ea typeface="Consolas"/>
                 <a:cs typeface="Consolas"/>
@@ -7540,12 +7918,6 @@
               </a:rPr>
               <a:t>Story</a:t>
             </a:r>
-            <a:endParaRPr sz="1800" b="1">
-              <a:latin typeface="Consolas"/>
-              <a:ea typeface="Consolas"/>
-              <a:cs typeface="Consolas"/>
-              <a:sym typeface="Consolas"/>
-            </a:endParaRPr>
           </a:p>
         </p:txBody>
       </p:sp>
@@ -7600,7 +7972,7 @@
               <a:buNone/>
             </a:pPr>
             <a:r>
-              <a:rPr lang="en-GB" sz="1800" b="1">
+              <a:rPr lang="en-US" sz="1800" b="1" noProof="0" dirty="0">
                 <a:latin typeface="Consolas"/>
                 <a:ea typeface="Consolas"/>
                 <a:cs typeface="Consolas"/>
@@ -7608,12 +7980,6 @@
               </a:rPr>
               <a:t>To Do</a:t>
             </a:r>
-            <a:endParaRPr sz="1800" b="1">
-              <a:latin typeface="Consolas"/>
-              <a:ea typeface="Consolas"/>
-              <a:cs typeface="Consolas"/>
-              <a:sym typeface="Consolas"/>
-            </a:endParaRPr>
           </a:p>
         </p:txBody>
       </p:sp>
@@ -7668,7 +8034,7 @@
               <a:buNone/>
             </a:pPr>
             <a:r>
-              <a:rPr lang="en-GB" sz="1800" b="1">
+              <a:rPr lang="en-US" sz="1800" b="1" noProof="0" dirty="0">
                 <a:latin typeface="Consolas"/>
                 <a:ea typeface="Consolas"/>
                 <a:cs typeface="Consolas"/>
@@ -7676,12 +8042,6 @@
               </a:rPr>
               <a:t>Doing</a:t>
             </a:r>
-            <a:endParaRPr sz="1800" b="1">
-              <a:latin typeface="Consolas"/>
-              <a:ea typeface="Consolas"/>
-              <a:cs typeface="Consolas"/>
-              <a:sym typeface="Consolas"/>
-            </a:endParaRPr>
           </a:p>
         </p:txBody>
       </p:sp>
@@ -7736,7 +8096,7 @@
               <a:buNone/>
             </a:pPr>
             <a:r>
-              <a:rPr lang="en-GB" sz="1800" b="1">
+              <a:rPr lang="en-US" sz="1800" b="1" noProof="0" dirty="0">
                 <a:latin typeface="Consolas"/>
                 <a:ea typeface="Consolas"/>
                 <a:cs typeface="Consolas"/>
@@ -7744,12 +8104,6 @@
               </a:rPr>
               <a:t>Review</a:t>
             </a:r>
-            <a:endParaRPr sz="1800" b="1">
-              <a:latin typeface="Consolas"/>
-              <a:ea typeface="Consolas"/>
-              <a:cs typeface="Consolas"/>
-              <a:sym typeface="Consolas"/>
-            </a:endParaRPr>
           </a:p>
         </p:txBody>
       </p:sp>
@@ -7804,7 +8158,7 @@
               <a:buNone/>
             </a:pPr>
             <a:r>
-              <a:rPr lang="en-GB" sz="1800" b="1">
+              <a:rPr lang="en-US" sz="1800" b="1" noProof="0" dirty="0">
                 <a:latin typeface="Consolas"/>
                 <a:ea typeface="Consolas"/>
                 <a:cs typeface="Consolas"/>
@@ -7812,12 +8166,6 @@
               </a:rPr>
               <a:t>Done</a:t>
             </a:r>
-            <a:endParaRPr sz="1800" b="1">
-              <a:latin typeface="Consolas"/>
-              <a:ea typeface="Consolas"/>
-              <a:cs typeface="Consolas"/>
-              <a:sym typeface="Consolas"/>
-            </a:endParaRPr>
           </a:p>
         </p:txBody>
       </p:sp>
@@ -7872,7 +8220,7 @@
               <a:buNone/>
             </a:pPr>
             <a:r>
-              <a:rPr lang="en-GB" sz="1800" b="1">
+              <a:rPr lang="en-US" sz="1800" b="1" noProof="0" dirty="0">
                 <a:latin typeface="Consolas"/>
                 <a:ea typeface="Consolas"/>
                 <a:cs typeface="Consolas"/>
@@ -7880,12 +8228,6 @@
               </a:rPr>
               <a:t>Backlog</a:t>
             </a:r>
-            <a:endParaRPr sz="1800" b="1">
-              <a:latin typeface="Consolas"/>
-              <a:ea typeface="Consolas"/>
-              <a:cs typeface="Consolas"/>
-              <a:sym typeface="Consolas"/>
-            </a:endParaRPr>
           </a:p>
         </p:txBody>
       </p:sp>
@@ -7940,7 +8282,7 @@
               <a:buNone/>
             </a:pPr>
             <a:r>
-              <a:rPr lang="pt-PT" sz="1800" b="1" dirty="0">
+              <a:rPr lang="en-US" sz="1800" b="1" noProof="0" dirty="0">
                 <a:latin typeface="Consolas"/>
                 <a:ea typeface="Consolas"/>
                 <a:cs typeface="Consolas"/>
@@ -7948,12 +8290,6 @@
               </a:rPr>
               <a:t>Everyone</a:t>
             </a:r>
-            <a:endParaRPr sz="1800" b="1" dirty="0">
-              <a:latin typeface="Consolas"/>
-              <a:ea typeface="Consolas"/>
-              <a:cs typeface="Consolas"/>
-              <a:sym typeface="Consolas"/>
-            </a:endParaRPr>
           </a:p>
         </p:txBody>
       </p:sp>
@@ -8008,47 +8344,14 @@
               <a:buNone/>
             </a:pPr>
             <a:r>
-              <a:rPr lang="pt-PT" sz="2000" dirty="0">
+              <a:rPr lang="en-US" sz="2000" noProof="0" dirty="0">
                 <a:latin typeface="Consolas"/>
                 <a:ea typeface="Consolas"/>
                 <a:cs typeface="Consolas"/>
                 <a:sym typeface="Consolas"/>
               </a:rPr>
-              <a:t>Find </a:t>
+              <a:t>Find code smells</a:t>
             </a:r>
-            <a:r>
-              <a:rPr lang="pt-PT" sz="2000" dirty="0" err="1">
-                <a:latin typeface="Consolas"/>
-                <a:ea typeface="Consolas"/>
-                <a:cs typeface="Consolas"/>
-                <a:sym typeface="Consolas"/>
-              </a:rPr>
-              <a:t>code</a:t>
-            </a:r>
-            <a:r>
-              <a:rPr lang="pt-PT" sz="2000" dirty="0">
-                <a:latin typeface="Consolas"/>
-                <a:ea typeface="Consolas"/>
-                <a:cs typeface="Consolas"/>
-                <a:sym typeface="Consolas"/>
-              </a:rPr>
-              <a:t> </a:t>
-            </a:r>
-            <a:r>
-              <a:rPr lang="pt-PT" sz="2000" dirty="0" err="1">
-                <a:latin typeface="Consolas"/>
-                <a:ea typeface="Consolas"/>
-                <a:cs typeface="Consolas"/>
-                <a:sym typeface="Consolas"/>
-              </a:rPr>
-              <a:t>smells</a:t>
-            </a:r>
-            <a:endParaRPr sz="2000" dirty="0">
-              <a:latin typeface="Consolas"/>
-              <a:ea typeface="Consolas"/>
-              <a:cs typeface="Consolas"/>
-              <a:sym typeface="Consolas"/>
-            </a:endParaRPr>
           </a:p>
         </p:txBody>
       </p:sp>
@@ -8066,7 +8369,7 @@
         </p:nvSpPr>
         <p:spPr>
           <a:xfrm>
-            <a:off x="9365775" y="2686865"/>
+            <a:off x="9365775" y="1673669"/>
             <a:ext cx="2410800" cy="1648500"/>
           </a:xfrm>
           <a:prstGeom prst="roundRect">
@@ -8103,74 +8406,14 @@
               <a:buNone/>
             </a:pPr>
             <a:r>
-              <a:rPr lang="pt-PT" sz="2000" dirty="0" err="1">
+              <a:rPr lang="en-US" sz="2000" noProof="0" dirty="0">
                 <a:latin typeface="Consolas"/>
                 <a:ea typeface="Consolas"/>
                 <a:cs typeface="Consolas"/>
                 <a:sym typeface="Consolas"/>
               </a:rPr>
-              <a:t>Review</a:t>
+              <a:t>Review other’s  code smells</a:t>
             </a:r>
-            <a:r>
-              <a:rPr lang="pt-PT" sz="2000" dirty="0">
-                <a:latin typeface="Consolas"/>
-                <a:ea typeface="Consolas"/>
-                <a:cs typeface="Consolas"/>
-                <a:sym typeface="Consolas"/>
-              </a:rPr>
-              <a:t> </a:t>
-            </a:r>
-            <a:r>
-              <a:rPr lang="pt-PT" sz="2000" dirty="0" err="1">
-                <a:latin typeface="Consolas"/>
-                <a:ea typeface="Consolas"/>
-                <a:cs typeface="Consolas"/>
-                <a:sym typeface="Consolas"/>
-              </a:rPr>
-              <a:t>other’s</a:t>
-            </a:r>
-            <a:r>
-              <a:rPr lang="pt-PT" sz="2000" dirty="0">
-                <a:latin typeface="Consolas"/>
-                <a:ea typeface="Consolas"/>
-                <a:cs typeface="Consolas"/>
-                <a:sym typeface="Consolas"/>
-              </a:rPr>
-              <a:t>  </a:t>
-            </a:r>
-            <a:r>
-              <a:rPr lang="pt-PT" sz="2000" dirty="0" err="1">
-                <a:latin typeface="Consolas"/>
-                <a:ea typeface="Consolas"/>
-                <a:cs typeface="Consolas"/>
-                <a:sym typeface="Consolas"/>
-              </a:rPr>
-              <a:t>code</a:t>
-            </a:r>
-            <a:r>
-              <a:rPr lang="pt-PT" sz="2000" dirty="0">
-                <a:latin typeface="Consolas"/>
-                <a:ea typeface="Consolas"/>
-                <a:cs typeface="Consolas"/>
-                <a:sym typeface="Consolas"/>
-              </a:rPr>
-              <a:t> </a:t>
-            </a:r>
-            <a:r>
-              <a:rPr lang="pt-PT" sz="2000" dirty="0" err="1">
-                <a:latin typeface="Consolas"/>
-                <a:ea typeface="Consolas"/>
-                <a:cs typeface="Consolas"/>
-                <a:sym typeface="Consolas"/>
-              </a:rPr>
-              <a:t>smells</a:t>
-            </a:r>
-            <a:endParaRPr sz="2000" dirty="0">
-              <a:latin typeface="Consolas"/>
-              <a:ea typeface="Consolas"/>
-              <a:cs typeface="Consolas"/>
-              <a:sym typeface="Consolas"/>
-            </a:endParaRPr>
           </a:p>
         </p:txBody>
       </p:sp>
@@ -8257,7 +8500,7 @@
               <a:buNone/>
             </a:pPr>
             <a:r>
-              <a:rPr lang="en-GB" dirty="0">
+              <a:rPr lang="en-US" noProof="0" dirty="0">
                 <a:latin typeface="Consolas"/>
                 <a:ea typeface="Consolas"/>
                 <a:cs typeface="Consolas"/>
@@ -8265,12 +8508,6 @@
               </a:rPr>
               <a:t>T1: Make 3 User Stories</a:t>
             </a:r>
-            <a:endParaRPr dirty="0">
-              <a:latin typeface="Consolas"/>
-              <a:ea typeface="Consolas"/>
-              <a:cs typeface="Consolas"/>
-              <a:sym typeface="Consolas"/>
-            </a:endParaRPr>
           </a:p>
         </p:txBody>
       </p:sp>
@@ -8325,7 +8562,7 @@
               <a:buNone/>
             </a:pPr>
             <a:r>
-              <a:rPr lang="en-GB" dirty="0">
+              <a:rPr lang="en-US" noProof="0" dirty="0">
                 <a:latin typeface="Consolas"/>
                 <a:ea typeface="Consolas"/>
                 <a:cs typeface="Consolas"/>
@@ -8333,12 +8570,6 @@
               </a:rPr>
               <a:t>T2: Everyone: Playing the game so we can experience the user’s needs.</a:t>
             </a:r>
-            <a:endParaRPr dirty="0">
-              <a:latin typeface="Consolas"/>
-              <a:ea typeface="Consolas"/>
-              <a:cs typeface="Consolas"/>
-              <a:sym typeface="Consolas"/>
-            </a:endParaRPr>
           </a:p>
         </p:txBody>
       </p:sp>
@@ -8385,7 +8616,7 @@
           <a:p>
             <a:pPr lvl="0"/>
             <a:r>
-              <a:rPr lang="en-GB" dirty="0">
+              <a:rPr lang="en-US" noProof="0" dirty="0">
                 <a:latin typeface="Consolas" panose="020B0609020204030204" pitchFamily="49" charset="0"/>
                 <a:ea typeface="Consolas"/>
                 <a:cs typeface="Consolas"/>
@@ -8394,28 +8625,28 @@
               <a:t>US 3:</a:t>
             </a:r>
             <a:r>
-              <a:rPr lang="en-GB" dirty="0">
+              <a:rPr lang="en-US" noProof="0" dirty="0">
                 <a:latin typeface="Consolas" panose="020B0609020204030204" pitchFamily="49" charset="0"/>
               </a:rPr>
               <a:t>As a player brand new to </a:t>
             </a:r>
             <a:r>
-              <a:rPr lang="en-GB" dirty="0" err="1">
+              <a:rPr lang="en-US" noProof="0" dirty="0" err="1">
                 <a:latin typeface="Consolas" panose="020B0609020204030204" pitchFamily="49" charset="0"/>
               </a:rPr>
               <a:t>Mindustry</a:t>
             </a:r>
             <a:r>
-              <a:rPr lang="en-GB" dirty="0">
+              <a:rPr lang="en-US" noProof="0" dirty="0">
                 <a:latin typeface="Consolas" panose="020B0609020204030204" pitchFamily="49" charset="0"/>
               </a:rPr>
               <a:t>, I want a more intuitive game tutorial so that I don't get lost and demotivated</a:t>
             </a:r>
             <a:r>
-              <a:rPr lang="en-GB" dirty="0"/>
+              <a:rPr lang="en-US" noProof="0" dirty="0"/>
               <a:t>.</a:t>
             </a:r>
-            <a:endParaRPr dirty="0">
+            <a:endParaRPr lang="en-US" noProof="0" dirty="0">
               <a:latin typeface="Consolas"/>
               <a:ea typeface="Consolas"/>
               <a:cs typeface="Consolas"/>
@@ -8475,7 +8706,7 @@
               <a:buNone/>
             </a:pPr>
             <a:r>
-              <a:rPr lang="en-GB" dirty="0">
+              <a:rPr lang="en-US" noProof="0" dirty="0">
                 <a:latin typeface="Consolas"/>
                 <a:ea typeface="Consolas"/>
                 <a:cs typeface="Consolas"/>
@@ -8483,12 +8714,6 @@
               </a:rPr>
               <a:t>US 2: As an experienced player I think we should have a greater diversity of towers that can help us automate the way we defend order</a:t>
             </a:r>
-            <a:endParaRPr dirty="0">
-              <a:latin typeface="Consolas"/>
-              <a:ea typeface="Consolas"/>
-              <a:cs typeface="Consolas"/>
-              <a:sym typeface="Consolas"/>
-            </a:endParaRPr>
           </a:p>
         </p:txBody>
       </p:sp>
@@ -8543,7 +8768,7 @@
               <a:buNone/>
             </a:pPr>
             <a:r>
-              <a:rPr lang="en-GB" dirty="0">
+              <a:rPr lang="en-US" noProof="0" dirty="0">
                 <a:latin typeface="Consolas"/>
                 <a:ea typeface="Consolas"/>
                 <a:cs typeface="Consolas"/>
@@ -8551,12 +8776,333 @@
               </a:rPr>
               <a:t>US 1: As Player, I want to have access to a sandbox (free play) so that I can freely experiment with different constructions and strategies without enemies or attack waves.</a:t>
             </a:r>
-            <a:endParaRPr dirty="0">
+          </a:p>
+        </p:txBody>
+      </p:sp>
+      <p:sp>
+        <p:nvSpPr>
+          <p:cNvPr id="7" name="Google Shape;88;p15">
+            <a:extLst>
+              <a:ext uri="{FF2B5EF4-FFF2-40B4-BE49-F238E27FC236}">
+                <a16:creationId xmlns:a16="http://schemas.microsoft.com/office/drawing/2014/main" id="{9660687E-FAB6-DB3E-0986-4F121E636690}"/>
+              </a:ext>
+            </a:extLst>
+          </p:cNvPr>
+          <p:cNvSpPr/>
+          <p:nvPr/>
+        </p:nvSpPr>
+        <p:spPr>
+          <a:xfrm>
+            <a:off x="9365775" y="2545538"/>
+            <a:ext cx="2410800" cy="1648500"/>
+          </a:xfrm>
+          <a:prstGeom prst="roundRect">
+            <a:avLst>
+              <a:gd name="adj" fmla="val 16667"/>
+            </a:avLst>
+          </a:prstGeom>
+          <a:solidFill>
+            <a:srgbClr val="D9EAD3"/>
+          </a:solidFill>
+          <a:ln w="28575" cap="flat" cmpd="sng">
+            <a:solidFill>
+              <a:srgbClr val="274E13"/>
+            </a:solidFill>
+            <a:prstDash val="solid"/>
+            <a:round/>
+            <a:headEnd type="none" w="sm" len="sm"/>
+            <a:tailEnd type="none" w="sm" len="sm"/>
+          </a:ln>
+        </p:spPr>
+        <p:txBody>
+          <a:bodyPr spcFirstLastPara="1" wrap="square" lIns="91425" tIns="91425" rIns="91425" bIns="91425" anchor="t" anchorCtr="0">
+            <a:noAutofit/>
+          </a:bodyPr>
+          <a:lstStyle/>
+          <a:p>
+            <a:pPr marL="0" lvl="0" indent="0" algn="l" rtl="0">
+              <a:spcBef>
+                <a:spcPts val="0"/>
+              </a:spcBef>
+              <a:spcAft>
+                <a:spcPts val="0"/>
+              </a:spcAft>
+              <a:buNone/>
+            </a:pPr>
+            <a:r>
+              <a:rPr lang="en-US" sz="2000" noProof="0" dirty="0">
+                <a:latin typeface="Consolas"/>
+                <a:ea typeface="Consolas"/>
+                <a:cs typeface="Consolas"/>
+                <a:sym typeface="Consolas"/>
+              </a:rPr>
+              <a:t>Create Use Case Diagrams</a:t>
+            </a:r>
+          </a:p>
+        </p:txBody>
+      </p:sp>
+      <p:sp>
+        <p:nvSpPr>
+          <p:cNvPr id="8" name="Google Shape;88;p15">
+            <a:extLst>
+              <a:ext uri="{FF2B5EF4-FFF2-40B4-BE49-F238E27FC236}">
+                <a16:creationId xmlns:a16="http://schemas.microsoft.com/office/drawing/2014/main" id="{956B6E49-D1D1-B1A8-21AC-60CAFD72023D}"/>
+              </a:ext>
+            </a:extLst>
+          </p:cNvPr>
+          <p:cNvSpPr/>
+          <p:nvPr/>
+        </p:nvSpPr>
+        <p:spPr>
+          <a:xfrm>
+            <a:off x="9365775" y="3465026"/>
+            <a:ext cx="2410800" cy="1648500"/>
+          </a:xfrm>
+          <a:prstGeom prst="roundRect">
+            <a:avLst>
+              <a:gd name="adj" fmla="val 16667"/>
+            </a:avLst>
+          </a:prstGeom>
+          <a:solidFill>
+            <a:srgbClr val="D9EAD3"/>
+          </a:solidFill>
+          <a:ln w="28575" cap="flat" cmpd="sng">
+            <a:solidFill>
+              <a:srgbClr val="274E13"/>
+            </a:solidFill>
+            <a:prstDash val="solid"/>
+            <a:round/>
+            <a:headEnd type="none" w="sm" len="sm"/>
+            <a:tailEnd type="none" w="sm" len="sm"/>
+          </a:ln>
+        </p:spPr>
+        <p:txBody>
+          <a:bodyPr spcFirstLastPara="1" wrap="square" lIns="91425" tIns="91425" rIns="91425" bIns="91425" anchor="t" anchorCtr="0">
+            <a:noAutofit/>
+          </a:bodyPr>
+          <a:lstStyle/>
+          <a:p>
+            <a:pPr marL="0" lvl="0" indent="0" algn="l" rtl="0">
+              <a:spcBef>
+                <a:spcPts val="0"/>
+              </a:spcBef>
+              <a:spcAft>
+                <a:spcPts val="0"/>
+              </a:spcAft>
+              <a:buNone/>
+            </a:pPr>
+            <a:r>
+              <a:rPr lang="en-US" sz="2000" noProof="0" dirty="0">
+                <a:latin typeface="Consolas"/>
+                <a:ea typeface="Consolas"/>
+                <a:cs typeface="Consolas"/>
+                <a:sym typeface="Consolas"/>
+              </a:rPr>
+              <a:t>Review Use Case Diagrams</a:t>
+            </a:r>
+          </a:p>
+        </p:txBody>
+      </p:sp>
+      <p:sp>
+        <p:nvSpPr>
+          <p:cNvPr id="9" name="Google Shape;88;p15">
+            <a:extLst>
+              <a:ext uri="{FF2B5EF4-FFF2-40B4-BE49-F238E27FC236}">
+                <a16:creationId xmlns:a16="http://schemas.microsoft.com/office/drawing/2014/main" id="{568AAC41-2E38-03F1-92DD-DF1B0AD90F5A}"/>
+              </a:ext>
+            </a:extLst>
+          </p:cNvPr>
+          <p:cNvSpPr/>
+          <p:nvPr/>
+        </p:nvSpPr>
+        <p:spPr>
+          <a:xfrm>
+            <a:off x="9365775" y="4336895"/>
+            <a:ext cx="2410800" cy="1648500"/>
+          </a:xfrm>
+          <a:prstGeom prst="roundRect">
+            <a:avLst>
+              <a:gd name="adj" fmla="val 16667"/>
+            </a:avLst>
+          </a:prstGeom>
+          <a:solidFill>
+            <a:srgbClr val="D9EAD3"/>
+          </a:solidFill>
+          <a:ln w="28575" cap="flat" cmpd="sng">
+            <a:solidFill>
+              <a:srgbClr val="274E13"/>
+            </a:solidFill>
+            <a:prstDash val="solid"/>
+            <a:round/>
+            <a:headEnd type="none" w="sm" len="sm"/>
+            <a:tailEnd type="none" w="sm" len="sm"/>
+          </a:ln>
+        </p:spPr>
+        <p:txBody>
+          <a:bodyPr spcFirstLastPara="1" wrap="square" lIns="91425" tIns="91425" rIns="91425" bIns="91425" anchor="t" anchorCtr="0">
+            <a:noAutofit/>
+          </a:bodyPr>
+          <a:lstStyle/>
+          <a:p>
+            <a:pPr marL="0" lvl="0" indent="0" algn="l" rtl="0">
+              <a:spcBef>
+                <a:spcPts val="0"/>
+              </a:spcBef>
+              <a:spcAft>
+                <a:spcPts val="0"/>
+              </a:spcAft>
+              <a:buNone/>
+            </a:pPr>
+            <a:r>
+              <a:rPr lang="en-US" sz="2000" noProof="0" dirty="0">
+                <a:latin typeface="Consolas"/>
+                <a:ea typeface="Consolas"/>
+                <a:cs typeface="Consolas"/>
+                <a:sym typeface="Consolas"/>
+              </a:rPr>
+              <a:t>Identify Design Patterns</a:t>
+            </a:r>
+          </a:p>
+        </p:txBody>
+      </p:sp>
+      <p:sp>
+        <p:nvSpPr>
+          <p:cNvPr id="11" name="Google Shape;90;p15">
+            <a:extLst>
+              <a:ext uri="{FF2B5EF4-FFF2-40B4-BE49-F238E27FC236}">
+                <a16:creationId xmlns:a16="http://schemas.microsoft.com/office/drawing/2014/main" id="{78361148-EFB6-EE69-E2A5-4657CA67E39D}"/>
+              </a:ext>
+            </a:extLst>
+          </p:cNvPr>
+          <p:cNvSpPr/>
+          <p:nvPr/>
+        </p:nvSpPr>
+        <p:spPr>
+          <a:xfrm>
+            <a:off x="9365775" y="5637450"/>
+            <a:ext cx="2410800" cy="1648500"/>
+          </a:xfrm>
+          <a:prstGeom prst="roundRect">
+            <a:avLst>
+              <a:gd name="adj" fmla="val 16667"/>
+            </a:avLst>
+          </a:prstGeom>
+          <a:solidFill>
+            <a:srgbClr val="D0E0E3"/>
+          </a:solidFill>
+          <a:ln w="28575" cap="flat" cmpd="sng">
+            <a:solidFill>
+              <a:srgbClr val="134F5C"/>
+            </a:solidFill>
+            <a:prstDash val="solid"/>
+            <a:round/>
+            <a:headEnd type="none" w="sm" len="sm"/>
+            <a:tailEnd type="none" w="sm" len="sm"/>
+          </a:ln>
+        </p:spPr>
+        <p:txBody>
+          <a:bodyPr spcFirstLastPara="1" wrap="square" lIns="91425" tIns="91425" rIns="91425" bIns="91425" anchor="t" anchorCtr="0">
+            <a:noAutofit/>
+          </a:bodyPr>
+          <a:lstStyle/>
+          <a:p>
+            <a:pPr marL="0" lvl="0" indent="0" algn="l" rtl="0">
+              <a:spcBef>
+                <a:spcPts val="0"/>
+              </a:spcBef>
+              <a:spcAft>
+                <a:spcPts val="0"/>
+              </a:spcAft>
+              <a:buNone/>
+            </a:pPr>
+            <a:r>
+              <a:rPr lang="en-US" sz="2000" noProof="0" dirty="0">
+                <a:latin typeface="Consolas"/>
+                <a:ea typeface="Consolas"/>
+                <a:cs typeface="Consolas"/>
+                <a:sym typeface="Consolas"/>
+              </a:rPr>
+              <a:t>Review Design Patterns</a:t>
+            </a:r>
+          </a:p>
+          <a:p>
+            <a:pPr marL="0" lvl="0" indent="0" algn="l" rtl="0">
+              <a:spcBef>
+                <a:spcPts val="0"/>
+              </a:spcBef>
+              <a:spcAft>
+                <a:spcPts val="0"/>
+              </a:spcAft>
+              <a:buNone/>
+            </a:pPr>
+            <a:endParaRPr lang="en-US" sz="2000" noProof="0" dirty="0">
               <a:latin typeface="Consolas"/>
               <a:ea typeface="Consolas"/>
               <a:cs typeface="Consolas"/>
               <a:sym typeface="Consolas"/>
             </a:endParaRPr>
+          </a:p>
+        </p:txBody>
+      </p:sp>
+      <p:sp>
+        <p:nvSpPr>
+          <p:cNvPr id="12" name="Google Shape;90;p15">
+            <a:extLst>
+              <a:ext uri="{FF2B5EF4-FFF2-40B4-BE49-F238E27FC236}">
+                <a16:creationId xmlns:a16="http://schemas.microsoft.com/office/drawing/2014/main" id="{61707730-278A-3111-9490-E6092FAD10A5}"/>
+              </a:ext>
+            </a:extLst>
+          </p:cNvPr>
+          <p:cNvSpPr/>
+          <p:nvPr/>
+        </p:nvSpPr>
+        <p:spPr>
+          <a:xfrm>
+            <a:off x="9365775" y="6509319"/>
+            <a:ext cx="2410800" cy="2184131"/>
+          </a:xfrm>
+          <a:prstGeom prst="roundRect">
+            <a:avLst>
+              <a:gd name="adj" fmla="val 16667"/>
+            </a:avLst>
+          </a:prstGeom>
+          <a:solidFill>
+            <a:srgbClr val="D0E0E3"/>
+          </a:solidFill>
+          <a:ln w="28575" cap="flat" cmpd="sng">
+            <a:solidFill>
+              <a:srgbClr val="134F5C"/>
+            </a:solidFill>
+            <a:prstDash val="solid"/>
+            <a:round/>
+            <a:headEnd type="none" w="sm" len="sm"/>
+            <a:tailEnd type="none" w="sm" len="sm"/>
+          </a:ln>
+        </p:spPr>
+        <p:txBody>
+          <a:bodyPr spcFirstLastPara="1" wrap="square" lIns="91425" tIns="91425" rIns="91425" bIns="91425" anchor="t" anchorCtr="0">
+            <a:noAutofit/>
+          </a:bodyPr>
+          <a:lstStyle/>
+          <a:p>
+            <a:pPr marL="0" lvl="0" indent="0" algn="l" rtl="0">
+              <a:spcBef>
+                <a:spcPts val="0"/>
+              </a:spcBef>
+              <a:spcAft>
+                <a:spcPts val="0"/>
+              </a:spcAft>
+              <a:buNone/>
+            </a:pPr>
+            <a:r>
+              <a:rPr lang="en-US" sz="2000" noProof="0" dirty="0">
+                <a:latin typeface="Consolas"/>
+                <a:ea typeface="Consolas"/>
+                <a:cs typeface="Consolas"/>
+                <a:sym typeface="Consolas"/>
+              </a:rPr>
+              <a:t>Produce a report with the metrics – based overview of the code base</a:t>
+            </a:r>
           </a:p>
         </p:txBody>
       </p:sp>
@@ -8581,7 +9127,7 @@
         <p:cNvPr id="1" name="Shape 65">
           <a:extLst>
             <a:ext uri="{FF2B5EF4-FFF2-40B4-BE49-F238E27FC236}">
-              <a16:creationId xmlns:a16="http://schemas.microsoft.com/office/drawing/2014/main" id="{94A15492-BB6D-6EDD-3E0F-613AFA3FB4BB}"/>
+              <a16:creationId xmlns:a16="http://schemas.microsoft.com/office/drawing/2014/main" id="{449A1357-C94B-3607-D9E8-F4F705B4CED5}"/>
             </a:ext>
           </a:extLst>
         </p:cNvPr>
@@ -8601,7 +9147,7 @@
           <p:cNvPr id="66" name="Google Shape;66;p15">
             <a:extLst>
               <a:ext uri="{FF2B5EF4-FFF2-40B4-BE49-F238E27FC236}">
-                <a16:creationId xmlns:a16="http://schemas.microsoft.com/office/drawing/2014/main" id="{5C325581-318E-7C60-4414-25A738B1F62D}"/>
+                <a16:creationId xmlns:a16="http://schemas.microsoft.com/office/drawing/2014/main" id="{9C8A398B-868D-BDBD-1E24-8A107A75B1DC}"/>
               </a:ext>
             </a:extLst>
           </p:cNvPr>
@@ -8633,7 +9179,7 @@
           <p:cNvPr id="67" name="Google Shape;67;p15">
             <a:extLst>
               <a:ext uri="{FF2B5EF4-FFF2-40B4-BE49-F238E27FC236}">
-                <a16:creationId xmlns:a16="http://schemas.microsoft.com/office/drawing/2014/main" id="{0A9F6BCA-F1EA-03A0-83F6-8E741D955654}"/>
+                <a16:creationId xmlns:a16="http://schemas.microsoft.com/office/drawing/2014/main" id="{B5134AE8-AA0F-1A46-FF5A-572008229904}"/>
               </a:ext>
             </a:extLst>
           </p:cNvPr>
@@ -8679,7 +9225,7 @@
               <a:buNone/>
             </a:pPr>
             <a:r>
-              <a:rPr lang="en-GB" sz="1800" b="1">
+              <a:rPr lang="en-US" sz="1800" b="1" noProof="0" dirty="0">
                 <a:latin typeface="Consolas"/>
                 <a:ea typeface="Consolas"/>
                 <a:cs typeface="Consolas"/>
@@ -8687,12 +9233,6 @@
               </a:rPr>
               <a:t>Student ID</a:t>
             </a:r>
-            <a:endParaRPr sz="1800" b="1">
-              <a:latin typeface="Consolas"/>
-              <a:ea typeface="Consolas"/>
-              <a:cs typeface="Consolas"/>
-              <a:sym typeface="Consolas"/>
-            </a:endParaRPr>
           </a:p>
         </p:txBody>
       </p:sp>
@@ -8701,7 +9241,7 @@
           <p:cNvPr id="68" name="Google Shape;68;p15">
             <a:extLst>
               <a:ext uri="{FF2B5EF4-FFF2-40B4-BE49-F238E27FC236}">
-                <a16:creationId xmlns:a16="http://schemas.microsoft.com/office/drawing/2014/main" id="{8CAAC3E4-D095-5205-3175-51E505B61B70}"/>
+                <a16:creationId xmlns:a16="http://schemas.microsoft.com/office/drawing/2014/main" id="{9A4A5277-17F0-C2C1-3E4D-5A2F4758EE41}"/>
               </a:ext>
             </a:extLst>
           </p:cNvPr>
@@ -8747,7 +9287,7 @@
               <a:buNone/>
             </a:pPr>
             <a:r>
-              <a:rPr lang="en-GB" sz="1800" b="1">
+              <a:rPr lang="en-US" sz="1800" b="1" noProof="0" dirty="0">
                 <a:latin typeface="Consolas"/>
                 <a:ea typeface="Consolas"/>
                 <a:cs typeface="Consolas"/>
@@ -8755,12 +9295,6 @@
               </a:rPr>
               <a:t>Story</a:t>
             </a:r>
-            <a:endParaRPr sz="1800" b="1">
-              <a:latin typeface="Consolas"/>
-              <a:ea typeface="Consolas"/>
-              <a:cs typeface="Consolas"/>
-              <a:sym typeface="Consolas"/>
-            </a:endParaRPr>
           </a:p>
         </p:txBody>
       </p:sp>
@@ -8769,7 +9303,7 @@
           <p:cNvPr id="69" name="Google Shape;69;p15">
             <a:extLst>
               <a:ext uri="{FF2B5EF4-FFF2-40B4-BE49-F238E27FC236}">
-                <a16:creationId xmlns:a16="http://schemas.microsoft.com/office/drawing/2014/main" id="{8AA58BE0-86E5-9DB3-6413-A2770A18E8AB}"/>
+                <a16:creationId xmlns:a16="http://schemas.microsoft.com/office/drawing/2014/main" id="{00E5A3D5-55F4-ED83-B0ED-52BB8B596CD1}"/>
               </a:ext>
             </a:extLst>
           </p:cNvPr>
@@ -8815,7 +9349,7 @@
               <a:buNone/>
             </a:pPr>
             <a:r>
-              <a:rPr lang="en-GB" sz="1800" b="1">
+              <a:rPr lang="en-US" sz="1800" b="1" noProof="0" dirty="0">
                 <a:latin typeface="Consolas"/>
                 <a:ea typeface="Consolas"/>
                 <a:cs typeface="Consolas"/>
@@ -8823,12 +9357,6 @@
               </a:rPr>
               <a:t>To Do</a:t>
             </a:r>
-            <a:endParaRPr sz="1800" b="1">
-              <a:latin typeface="Consolas"/>
-              <a:ea typeface="Consolas"/>
-              <a:cs typeface="Consolas"/>
-              <a:sym typeface="Consolas"/>
-            </a:endParaRPr>
           </a:p>
         </p:txBody>
       </p:sp>
@@ -8837,7 +9365,7 @@
           <p:cNvPr id="70" name="Google Shape;70;p15">
             <a:extLst>
               <a:ext uri="{FF2B5EF4-FFF2-40B4-BE49-F238E27FC236}">
-                <a16:creationId xmlns:a16="http://schemas.microsoft.com/office/drawing/2014/main" id="{3AB320CA-0493-0D65-AFD5-17EB953027D5}"/>
+                <a16:creationId xmlns:a16="http://schemas.microsoft.com/office/drawing/2014/main" id="{E8AF67E7-0040-1D88-7278-FAF3BB629595}"/>
               </a:ext>
             </a:extLst>
           </p:cNvPr>
@@ -8883,7 +9411,7 @@
               <a:buNone/>
             </a:pPr>
             <a:r>
-              <a:rPr lang="en-GB" sz="1800" b="1">
+              <a:rPr lang="en-US" sz="1800" b="1" noProof="0" dirty="0">
                 <a:latin typeface="Consolas"/>
                 <a:ea typeface="Consolas"/>
                 <a:cs typeface="Consolas"/>
@@ -8891,12 +9419,6 @@
               </a:rPr>
               <a:t>Doing</a:t>
             </a:r>
-            <a:endParaRPr sz="1800" b="1">
-              <a:latin typeface="Consolas"/>
-              <a:ea typeface="Consolas"/>
-              <a:cs typeface="Consolas"/>
-              <a:sym typeface="Consolas"/>
-            </a:endParaRPr>
           </a:p>
         </p:txBody>
       </p:sp>
@@ -8905,7 +9427,7 @@
           <p:cNvPr id="71" name="Google Shape;71;p15">
             <a:extLst>
               <a:ext uri="{FF2B5EF4-FFF2-40B4-BE49-F238E27FC236}">
-                <a16:creationId xmlns:a16="http://schemas.microsoft.com/office/drawing/2014/main" id="{07B39276-9AD9-67C0-2C1F-34D62026ED7F}"/>
+                <a16:creationId xmlns:a16="http://schemas.microsoft.com/office/drawing/2014/main" id="{3FEFE9C4-ED6E-68ED-F07F-21F0D8F80314}"/>
               </a:ext>
             </a:extLst>
           </p:cNvPr>
@@ -8951,7 +9473,7 @@
               <a:buNone/>
             </a:pPr>
             <a:r>
-              <a:rPr lang="en-GB" sz="1800" b="1">
+              <a:rPr lang="en-US" sz="1800" b="1" noProof="0" dirty="0">
                 <a:latin typeface="Consolas"/>
                 <a:ea typeface="Consolas"/>
                 <a:cs typeface="Consolas"/>
@@ -8959,12 +9481,6 @@
               </a:rPr>
               <a:t>Review</a:t>
             </a:r>
-            <a:endParaRPr sz="1800" b="1">
-              <a:latin typeface="Consolas"/>
-              <a:ea typeface="Consolas"/>
-              <a:cs typeface="Consolas"/>
-              <a:sym typeface="Consolas"/>
-            </a:endParaRPr>
           </a:p>
         </p:txBody>
       </p:sp>
@@ -8973,7 +9489,7 @@
           <p:cNvPr id="72" name="Google Shape;72;p15">
             <a:extLst>
               <a:ext uri="{FF2B5EF4-FFF2-40B4-BE49-F238E27FC236}">
-                <a16:creationId xmlns:a16="http://schemas.microsoft.com/office/drawing/2014/main" id="{B0560FFA-D4F6-E49E-FD02-E60FD8EBD009}"/>
+                <a16:creationId xmlns:a16="http://schemas.microsoft.com/office/drawing/2014/main" id="{643552D3-CA78-B3EB-3211-83F24F7680E2}"/>
               </a:ext>
             </a:extLst>
           </p:cNvPr>
@@ -9019,7 +9535,7 @@
               <a:buNone/>
             </a:pPr>
             <a:r>
-              <a:rPr lang="en-GB" sz="1800" b="1">
+              <a:rPr lang="en-US" sz="1800" b="1" noProof="0" dirty="0">
                 <a:latin typeface="Consolas"/>
                 <a:ea typeface="Consolas"/>
                 <a:cs typeface="Consolas"/>
@@ -9027,12 +9543,6 @@
               </a:rPr>
               <a:t>Done</a:t>
             </a:r>
-            <a:endParaRPr sz="1800" b="1">
-              <a:latin typeface="Consolas"/>
-              <a:ea typeface="Consolas"/>
-              <a:cs typeface="Consolas"/>
-              <a:sym typeface="Consolas"/>
-            </a:endParaRPr>
           </a:p>
         </p:txBody>
       </p:sp>
@@ -9041,7 +9551,7 @@
           <p:cNvPr id="73" name="Google Shape;73;p15">
             <a:extLst>
               <a:ext uri="{FF2B5EF4-FFF2-40B4-BE49-F238E27FC236}">
-                <a16:creationId xmlns:a16="http://schemas.microsoft.com/office/drawing/2014/main" id="{FFCB1D51-2D8E-F225-4241-FD30842395B7}"/>
+                <a16:creationId xmlns:a16="http://schemas.microsoft.com/office/drawing/2014/main" id="{96B05A37-FFEE-6B9F-EF95-64398F90C724}"/>
               </a:ext>
             </a:extLst>
           </p:cNvPr>
@@ -9087,7 +9597,7 @@
               <a:buNone/>
             </a:pPr>
             <a:r>
-              <a:rPr lang="en-GB" sz="1800" b="1">
+              <a:rPr lang="en-US" sz="1800" b="1" noProof="0" dirty="0">
                 <a:latin typeface="Consolas"/>
                 <a:ea typeface="Consolas"/>
                 <a:cs typeface="Consolas"/>
@@ -9095,12 +9605,6 @@
               </a:rPr>
               <a:t>Backlog</a:t>
             </a:r>
-            <a:endParaRPr sz="1800" b="1">
-              <a:latin typeface="Consolas"/>
-              <a:ea typeface="Consolas"/>
-              <a:cs typeface="Consolas"/>
-              <a:sym typeface="Consolas"/>
-            </a:endParaRPr>
           </a:p>
         </p:txBody>
       </p:sp>
@@ -9109,7 +9613,7 @@
           <p:cNvPr id="74" name="Google Shape;74;p15">
             <a:extLst>
               <a:ext uri="{FF2B5EF4-FFF2-40B4-BE49-F238E27FC236}">
-                <a16:creationId xmlns:a16="http://schemas.microsoft.com/office/drawing/2014/main" id="{336F24EC-533B-0B81-0960-48E61050505F}"/>
+                <a16:creationId xmlns:a16="http://schemas.microsoft.com/office/drawing/2014/main" id="{0400671E-6F01-DA27-B6E8-872CE536900D}"/>
               </a:ext>
             </a:extLst>
           </p:cNvPr>
@@ -9155,7 +9659,7 @@
               <a:buNone/>
             </a:pPr>
             <a:r>
-              <a:rPr lang="pt-PT" sz="1800" b="1" dirty="0">
+              <a:rPr lang="en-US" sz="1800" b="1" noProof="0" dirty="0">
                 <a:latin typeface="Consolas"/>
                 <a:ea typeface="Consolas"/>
                 <a:cs typeface="Consolas"/>
@@ -9163,12 +9667,6 @@
               </a:rPr>
               <a:t>Everyone</a:t>
             </a:r>
-            <a:endParaRPr sz="1800" b="1" dirty="0">
-              <a:latin typeface="Consolas"/>
-              <a:ea typeface="Consolas"/>
-              <a:cs typeface="Consolas"/>
-              <a:sym typeface="Consolas"/>
-            </a:endParaRPr>
           </a:p>
         </p:txBody>
       </p:sp>
@@ -9177,7 +9675,7 @@
           <p:cNvPr id="88" name="Google Shape;88;p15">
             <a:extLst>
               <a:ext uri="{FF2B5EF4-FFF2-40B4-BE49-F238E27FC236}">
-                <a16:creationId xmlns:a16="http://schemas.microsoft.com/office/drawing/2014/main" id="{76FC83AC-D357-D683-0AFD-6391125A141C}"/>
+                <a16:creationId xmlns:a16="http://schemas.microsoft.com/office/drawing/2014/main" id="{9EA5A2F3-F918-9849-94B5-02A9E092B1C1}"/>
               </a:ext>
             </a:extLst>
           </p:cNvPr>
@@ -9223,47 +9721,14 @@
               <a:buNone/>
             </a:pPr>
             <a:r>
-              <a:rPr lang="pt-PT" sz="2000" dirty="0">
+              <a:rPr lang="en-US" sz="2000" noProof="0" dirty="0">
                 <a:latin typeface="Consolas"/>
                 <a:ea typeface="Consolas"/>
                 <a:cs typeface="Consolas"/>
                 <a:sym typeface="Consolas"/>
               </a:rPr>
-              <a:t>Find </a:t>
+              <a:t>Find code smells</a:t>
             </a:r>
-            <a:r>
-              <a:rPr lang="pt-PT" sz="2000" dirty="0" err="1">
-                <a:latin typeface="Consolas"/>
-                <a:ea typeface="Consolas"/>
-                <a:cs typeface="Consolas"/>
-                <a:sym typeface="Consolas"/>
-              </a:rPr>
-              <a:t>code</a:t>
-            </a:r>
-            <a:r>
-              <a:rPr lang="pt-PT" sz="2000" dirty="0">
-                <a:latin typeface="Consolas"/>
-                <a:ea typeface="Consolas"/>
-                <a:cs typeface="Consolas"/>
-                <a:sym typeface="Consolas"/>
-              </a:rPr>
-              <a:t> </a:t>
-            </a:r>
-            <a:r>
-              <a:rPr lang="pt-PT" sz="2000" dirty="0" err="1">
-                <a:latin typeface="Consolas"/>
-                <a:ea typeface="Consolas"/>
-                <a:cs typeface="Consolas"/>
-                <a:sym typeface="Consolas"/>
-              </a:rPr>
-              <a:t>smells</a:t>
-            </a:r>
-            <a:endParaRPr sz="2000" dirty="0">
-              <a:latin typeface="Consolas"/>
-              <a:ea typeface="Consolas"/>
-              <a:cs typeface="Consolas"/>
-              <a:sym typeface="Consolas"/>
-            </a:endParaRPr>
           </a:p>
         </p:txBody>
       </p:sp>
@@ -9272,7 +9737,7 @@
           <p:cNvPr id="90" name="Google Shape;90;p15">
             <a:extLst>
               <a:ext uri="{FF2B5EF4-FFF2-40B4-BE49-F238E27FC236}">
-                <a16:creationId xmlns:a16="http://schemas.microsoft.com/office/drawing/2014/main" id="{711F6AF6-DAC4-0CE8-964D-D1D5FB7F2355}"/>
+                <a16:creationId xmlns:a16="http://schemas.microsoft.com/office/drawing/2014/main" id="{11B53453-76E8-9669-3269-6B2E9E0A83C3}"/>
               </a:ext>
             </a:extLst>
           </p:cNvPr>
@@ -9281,7 +9746,7 @@
         </p:nvSpPr>
         <p:spPr>
           <a:xfrm>
-            <a:off x="12395940" y="2827704"/>
+            <a:off x="12395940" y="1673669"/>
             <a:ext cx="2410800" cy="1648500"/>
           </a:xfrm>
           <a:prstGeom prst="roundRect">
@@ -9318,74 +9783,14 @@
               <a:buNone/>
             </a:pPr>
             <a:r>
-              <a:rPr lang="pt-PT" sz="2000" dirty="0" err="1">
+              <a:rPr lang="en-US" sz="2000" noProof="0" dirty="0">
                 <a:latin typeface="Consolas"/>
                 <a:ea typeface="Consolas"/>
                 <a:cs typeface="Consolas"/>
                 <a:sym typeface="Consolas"/>
               </a:rPr>
-              <a:t>Review</a:t>
+              <a:t>Review other’s  code smells</a:t>
             </a:r>
-            <a:r>
-              <a:rPr lang="pt-PT" sz="2000" dirty="0">
-                <a:latin typeface="Consolas"/>
-                <a:ea typeface="Consolas"/>
-                <a:cs typeface="Consolas"/>
-                <a:sym typeface="Consolas"/>
-              </a:rPr>
-              <a:t> </a:t>
-            </a:r>
-            <a:r>
-              <a:rPr lang="pt-PT" sz="2000" dirty="0" err="1">
-                <a:latin typeface="Consolas"/>
-                <a:ea typeface="Consolas"/>
-                <a:cs typeface="Consolas"/>
-                <a:sym typeface="Consolas"/>
-              </a:rPr>
-              <a:t>other’s</a:t>
-            </a:r>
-            <a:r>
-              <a:rPr lang="pt-PT" sz="2000" dirty="0">
-                <a:latin typeface="Consolas"/>
-                <a:ea typeface="Consolas"/>
-                <a:cs typeface="Consolas"/>
-                <a:sym typeface="Consolas"/>
-              </a:rPr>
-              <a:t> </a:t>
-            </a:r>
-            <a:r>
-              <a:rPr lang="pt-PT" sz="2000" dirty="0" err="1">
-                <a:latin typeface="Consolas"/>
-                <a:ea typeface="Consolas"/>
-                <a:cs typeface="Consolas"/>
-                <a:sym typeface="Consolas"/>
-              </a:rPr>
-              <a:t>code</a:t>
-            </a:r>
-            <a:r>
-              <a:rPr lang="pt-PT" sz="2000" dirty="0">
-                <a:latin typeface="Consolas"/>
-                <a:ea typeface="Consolas"/>
-                <a:cs typeface="Consolas"/>
-                <a:sym typeface="Consolas"/>
-              </a:rPr>
-              <a:t> </a:t>
-            </a:r>
-            <a:r>
-              <a:rPr lang="pt-PT" sz="2000" dirty="0" err="1">
-                <a:latin typeface="Consolas"/>
-                <a:ea typeface="Consolas"/>
-                <a:cs typeface="Consolas"/>
-                <a:sym typeface="Consolas"/>
-              </a:rPr>
-              <a:t>smells</a:t>
-            </a:r>
-            <a:endParaRPr sz="2000" dirty="0">
-              <a:latin typeface="Consolas"/>
-              <a:ea typeface="Consolas"/>
-              <a:cs typeface="Consolas"/>
-              <a:sym typeface="Consolas"/>
-            </a:endParaRPr>
           </a:p>
         </p:txBody>
       </p:sp>
@@ -9394,7 +9799,7 @@
           <p:cNvPr id="91" name="Google Shape;91;p15">
             <a:extLst>
               <a:ext uri="{FF2B5EF4-FFF2-40B4-BE49-F238E27FC236}">
-                <a16:creationId xmlns:a16="http://schemas.microsoft.com/office/drawing/2014/main" id="{82C67DC8-6EE3-758E-1B7D-B02DC38A28DF}"/>
+                <a16:creationId xmlns:a16="http://schemas.microsoft.com/office/drawing/2014/main" id="{6FBDC452-10E4-78CA-44C7-6F0AA8A4D111}"/>
               </a:ext>
             </a:extLst>
           </p:cNvPr>
@@ -9426,7 +9831,7 @@
           <p:cNvPr id="2" name="Google Shape;88;p15">
             <a:extLst>
               <a:ext uri="{FF2B5EF4-FFF2-40B4-BE49-F238E27FC236}">
-                <a16:creationId xmlns:a16="http://schemas.microsoft.com/office/drawing/2014/main" id="{75B12E97-696A-549F-0B49-DAA02A47AF1F}"/>
+                <a16:creationId xmlns:a16="http://schemas.microsoft.com/office/drawing/2014/main" id="{BCF628CB-2D5E-9072-450E-4A823A0E8293}"/>
               </a:ext>
             </a:extLst>
           </p:cNvPr>
@@ -9472,7 +9877,7 @@
               <a:buNone/>
             </a:pPr>
             <a:r>
-              <a:rPr lang="en-GB" dirty="0">
+              <a:rPr lang="en-US" noProof="0" dirty="0">
                 <a:latin typeface="Consolas"/>
                 <a:ea typeface="Consolas"/>
                 <a:cs typeface="Consolas"/>
@@ -9480,12 +9885,6 @@
               </a:rPr>
               <a:t>T1: Make 3 User Stories</a:t>
             </a:r>
-            <a:endParaRPr dirty="0">
-              <a:latin typeface="Consolas"/>
-              <a:ea typeface="Consolas"/>
-              <a:cs typeface="Consolas"/>
-              <a:sym typeface="Consolas"/>
-            </a:endParaRPr>
           </a:p>
         </p:txBody>
       </p:sp>
@@ -9494,7 +9893,7 @@
           <p:cNvPr id="3" name="Google Shape;90;p15">
             <a:extLst>
               <a:ext uri="{FF2B5EF4-FFF2-40B4-BE49-F238E27FC236}">
-                <a16:creationId xmlns:a16="http://schemas.microsoft.com/office/drawing/2014/main" id="{D88B46FF-7411-BD90-007B-73357DC0A224}"/>
+                <a16:creationId xmlns:a16="http://schemas.microsoft.com/office/drawing/2014/main" id="{D36928F2-E37D-D44D-3CCF-006176069F47}"/>
               </a:ext>
             </a:extLst>
           </p:cNvPr>
@@ -9540,7 +9939,7 @@
               <a:buNone/>
             </a:pPr>
             <a:r>
-              <a:rPr lang="en-GB" dirty="0">
+              <a:rPr lang="en-US" noProof="0" dirty="0">
                 <a:latin typeface="Consolas"/>
                 <a:ea typeface="Consolas"/>
                 <a:cs typeface="Consolas"/>
@@ -9548,12 +9947,6 @@
               </a:rPr>
               <a:t>T2: Everyone: Playing the game so we can experience the user’s needs.</a:t>
             </a:r>
-            <a:endParaRPr dirty="0">
-              <a:latin typeface="Consolas"/>
-              <a:ea typeface="Consolas"/>
-              <a:cs typeface="Consolas"/>
-              <a:sym typeface="Consolas"/>
-            </a:endParaRPr>
           </a:p>
         </p:txBody>
       </p:sp>
@@ -9562,7 +9955,7 @@
           <p:cNvPr id="4" name="Google Shape;88;p15">
             <a:extLst>
               <a:ext uri="{FF2B5EF4-FFF2-40B4-BE49-F238E27FC236}">
-                <a16:creationId xmlns:a16="http://schemas.microsoft.com/office/drawing/2014/main" id="{1D38C6BA-D637-2226-9135-574BF5689915}"/>
+                <a16:creationId xmlns:a16="http://schemas.microsoft.com/office/drawing/2014/main" id="{020FA878-6F75-BC13-0F8F-7C9B8E857757}"/>
               </a:ext>
             </a:extLst>
           </p:cNvPr>
@@ -9600,7 +9993,7 @@
           <a:p>
             <a:pPr lvl="0"/>
             <a:r>
-              <a:rPr lang="en-GB" dirty="0">
+              <a:rPr lang="en-US" noProof="0" dirty="0">
                 <a:latin typeface="Consolas" panose="020B0609020204030204" pitchFamily="49" charset="0"/>
                 <a:ea typeface="Consolas"/>
                 <a:cs typeface="Consolas"/>
@@ -9609,28 +10002,28 @@
               <a:t>US 3:</a:t>
             </a:r>
             <a:r>
-              <a:rPr lang="en-GB" dirty="0">
+              <a:rPr lang="en-US" noProof="0" dirty="0">
                 <a:latin typeface="Consolas" panose="020B0609020204030204" pitchFamily="49" charset="0"/>
               </a:rPr>
               <a:t>As a player brand new to </a:t>
             </a:r>
             <a:r>
-              <a:rPr lang="en-GB" dirty="0" err="1">
+              <a:rPr lang="en-US" noProof="0" dirty="0" err="1">
                 <a:latin typeface="Consolas" panose="020B0609020204030204" pitchFamily="49" charset="0"/>
               </a:rPr>
               <a:t>Mindustry</a:t>
             </a:r>
             <a:r>
-              <a:rPr lang="en-GB" dirty="0">
+              <a:rPr lang="en-US" noProof="0" dirty="0">
                 <a:latin typeface="Consolas" panose="020B0609020204030204" pitchFamily="49" charset="0"/>
               </a:rPr>
               <a:t>, I want a more intuitive game tutorial so that I don't get lost and demotivated</a:t>
             </a:r>
             <a:r>
-              <a:rPr lang="en-GB" dirty="0"/>
+              <a:rPr lang="en-US" noProof="0" dirty="0"/>
               <a:t>.</a:t>
             </a:r>
-            <a:endParaRPr dirty="0">
+            <a:endParaRPr lang="en-US" noProof="0" dirty="0">
               <a:latin typeface="Consolas"/>
               <a:ea typeface="Consolas"/>
               <a:cs typeface="Consolas"/>
@@ -9644,7 +10037,7 @@
           <p:cNvPr id="5" name="Google Shape;88;p15">
             <a:extLst>
               <a:ext uri="{FF2B5EF4-FFF2-40B4-BE49-F238E27FC236}">
-                <a16:creationId xmlns:a16="http://schemas.microsoft.com/office/drawing/2014/main" id="{785E36BD-4181-7E9A-9747-D8049CA0431D}"/>
+                <a16:creationId xmlns:a16="http://schemas.microsoft.com/office/drawing/2014/main" id="{C8475DDC-BCA7-4D04-6967-87F49C271038}"/>
               </a:ext>
             </a:extLst>
           </p:cNvPr>
@@ -9690,7 +10083,7 @@
               <a:buNone/>
             </a:pPr>
             <a:r>
-              <a:rPr lang="en-GB" dirty="0">
+              <a:rPr lang="en-US" noProof="0" dirty="0">
                 <a:latin typeface="Consolas"/>
                 <a:ea typeface="Consolas"/>
                 <a:cs typeface="Consolas"/>
@@ -9698,12 +10091,6 @@
               </a:rPr>
               <a:t>US 2: As an experienced player I think we should have a greater diversity of towers that can help us automate the way we defend order</a:t>
             </a:r>
-            <a:endParaRPr dirty="0">
-              <a:latin typeface="Consolas"/>
-              <a:ea typeface="Consolas"/>
-              <a:cs typeface="Consolas"/>
-              <a:sym typeface="Consolas"/>
-            </a:endParaRPr>
           </a:p>
         </p:txBody>
       </p:sp>
@@ -9712,7 +10099,7 @@
           <p:cNvPr id="6" name="Google Shape;88;p15">
             <a:extLst>
               <a:ext uri="{FF2B5EF4-FFF2-40B4-BE49-F238E27FC236}">
-                <a16:creationId xmlns:a16="http://schemas.microsoft.com/office/drawing/2014/main" id="{F013D15B-437E-B68A-AB6B-D29EC9FFCF1F}"/>
+                <a16:creationId xmlns:a16="http://schemas.microsoft.com/office/drawing/2014/main" id="{63B8A8B6-5C43-9F46-127C-BCC52E60DB8F}"/>
               </a:ext>
             </a:extLst>
           </p:cNvPr>
@@ -9758,7 +10145,7 @@
               <a:buNone/>
             </a:pPr>
             <a:r>
-              <a:rPr lang="en-GB" dirty="0">
+              <a:rPr lang="en-US" noProof="0" dirty="0">
                 <a:latin typeface="Consolas"/>
                 <a:ea typeface="Consolas"/>
                 <a:cs typeface="Consolas"/>
@@ -9766,7 +10153,266 @@
               </a:rPr>
               <a:t>US 1: As Player, I want to have access to a sandbox (free play) so that I can freely experiment with different constructions and strategies without enemies or attack waves.</a:t>
             </a:r>
-            <a:endParaRPr dirty="0">
+          </a:p>
+        </p:txBody>
+      </p:sp>
+      <p:sp>
+        <p:nvSpPr>
+          <p:cNvPr id="7" name="Google Shape;88;p15">
+            <a:extLst>
+              <a:ext uri="{FF2B5EF4-FFF2-40B4-BE49-F238E27FC236}">
+                <a16:creationId xmlns:a16="http://schemas.microsoft.com/office/drawing/2014/main" id="{4354345E-C1E7-3CB9-028D-F059E00C1C36}"/>
+              </a:ext>
+            </a:extLst>
+          </p:cNvPr>
+          <p:cNvSpPr/>
+          <p:nvPr/>
+        </p:nvSpPr>
+        <p:spPr>
+          <a:xfrm>
+            <a:off x="9365775" y="694221"/>
+            <a:ext cx="2410800" cy="1648500"/>
+          </a:xfrm>
+          <a:prstGeom prst="roundRect">
+            <a:avLst>
+              <a:gd name="adj" fmla="val 16667"/>
+            </a:avLst>
+          </a:prstGeom>
+          <a:solidFill>
+            <a:srgbClr val="D9EAD3"/>
+          </a:solidFill>
+          <a:ln w="28575" cap="flat" cmpd="sng">
+            <a:solidFill>
+              <a:srgbClr val="274E13"/>
+            </a:solidFill>
+            <a:prstDash val="solid"/>
+            <a:round/>
+            <a:headEnd type="none" w="sm" len="sm"/>
+            <a:tailEnd type="none" w="sm" len="sm"/>
+          </a:ln>
+        </p:spPr>
+        <p:txBody>
+          <a:bodyPr spcFirstLastPara="1" wrap="square" lIns="91425" tIns="91425" rIns="91425" bIns="91425" anchor="t" anchorCtr="0">
+            <a:noAutofit/>
+          </a:bodyPr>
+          <a:lstStyle/>
+          <a:p>
+            <a:pPr marL="0" lvl="0" indent="0" algn="l" rtl="0">
+              <a:spcBef>
+                <a:spcPts val="0"/>
+              </a:spcBef>
+              <a:spcAft>
+                <a:spcPts val="0"/>
+              </a:spcAft>
+              <a:buNone/>
+            </a:pPr>
+            <a:r>
+              <a:rPr lang="en-US" sz="2000" noProof="0" dirty="0">
+                <a:latin typeface="Consolas"/>
+                <a:ea typeface="Consolas"/>
+                <a:cs typeface="Consolas"/>
+                <a:sym typeface="Consolas"/>
+              </a:rPr>
+              <a:t>Create Use Case Diagrams</a:t>
+            </a:r>
+          </a:p>
+        </p:txBody>
+      </p:sp>
+      <p:sp>
+        <p:nvSpPr>
+          <p:cNvPr id="8" name="Google Shape;88;p15">
+            <a:extLst>
+              <a:ext uri="{FF2B5EF4-FFF2-40B4-BE49-F238E27FC236}">
+                <a16:creationId xmlns:a16="http://schemas.microsoft.com/office/drawing/2014/main" id="{E04773C8-A955-1BE5-A0D8-CC148EDC3197}"/>
+              </a:ext>
+            </a:extLst>
+          </p:cNvPr>
+          <p:cNvSpPr/>
+          <p:nvPr/>
+        </p:nvSpPr>
+        <p:spPr>
+          <a:xfrm>
+            <a:off x="9365775" y="1618255"/>
+            <a:ext cx="2410800" cy="1648500"/>
+          </a:xfrm>
+          <a:prstGeom prst="roundRect">
+            <a:avLst>
+              <a:gd name="adj" fmla="val 16667"/>
+            </a:avLst>
+          </a:prstGeom>
+          <a:solidFill>
+            <a:srgbClr val="D9EAD3"/>
+          </a:solidFill>
+          <a:ln w="28575" cap="flat" cmpd="sng">
+            <a:solidFill>
+              <a:srgbClr val="274E13"/>
+            </a:solidFill>
+            <a:prstDash val="solid"/>
+            <a:round/>
+            <a:headEnd type="none" w="sm" len="sm"/>
+            <a:tailEnd type="none" w="sm" len="sm"/>
+          </a:ln>
+        </p:spPr>
+        <p:txBody>
+          <a:bodyPr spcFirstLastPara="1" wrap="square" lIns="91425" tIns="91425" rIns="91425" bIns="91425" anchor="t" anchorCtr="0">
+            <a:noAutofit/>
+          </a:bodyPr>
+          <a:lstStyle/>
+          <a:p>
+            <a:pPr marL="0" lvl="0" indent="0" algn="l" rtl="0">
+              <a:spcBef>
+                <a:spcPts val="0"/>
+              </a:spcBef>
+              <a:spcAft>
+                <a:spcPts val="0"/>
+              </a:spcAft>
+              <a:buNone/>
+            </a:pPr>
+            <a:r>
+              <a:rPr lang="en-US" sz="2000" noProof="0" dirty="0">
+                <a:latin typeface="Consolas"/>
+                <a:ea typeface="Consolas"/>
+                <a:cs typeface="Consolas"/>
+                <a:sym typeface="Consolas"/>
+              </a:rPr>
+              <a:t>Review Use Case Diagrams</a:t>
+            </a:r>
+          </a:p>
+        </p:txBody>
+      </p:sp>
+      <p:sp>
+        <p:nvSpPr>
+          <p:cNvPr id="9" name="Google Shape;88;p15">
+            <a:extLst>
+              <a:ext uri="{FF2B5EF4-FFF2-40B4-BE49-F238E27FC236}">
+                <a16:creationId xmlns:a16="http://schemas.microsoft.com/office/drawing/2014/main" id="{9B10D6E7-29A9-27D5-D3C6-926FD51AA649}"/>
+              </a:ext>
+            </a:extLst>
+          </p:cNvPr>
+          <p:cNvSpPr/>
+          <p:nvPr/>
+        </p:nvSpPr>
+        <p:spPr>
+          <a:xfrm>
+            <a:off x="9365775" y="2542289"/>
+            <a:ext cx="2410800" cy="1648500"/>
+          </a:xfrm>
+          <a:prstGeom prst="roundRect">
+            <a:avLst>
+              <a:gd name="adj" fmla="val 16667"/>
+            </a:avLst>
+          </a:prstGeom>
+          <a:solidFill>
+            <a:srgbClr val="D9EAD3"/>
+          </a:solidFill>
+          <a:ln w="28575" cap="flat" cmpd="sng">
+            <a:solidFill>
+              <a:srgbClr val="274E13"/>
+            </a:solidFill>
+            <a:prstDash val="solid"/>
+            <a:round/>
+            <a:headEnd type="none" w="sm" len="sm"/>
+            <a:tailEnd type="none" w="sm" len="sm"/>
+          </a:ln>
+        </p:spPr>
+        <p:txBody>
+          <a:bodyPr spcFirstLastPara="1" wrap="square" lIns="91425" tIns="91425" rIns="91425" bIns="91425" anchor="t" anchorCtr="0">
+            <a:noAutofit/>
+          </a:bodyPr>
+          <a:lstStyle/>
+          <a:p>
+            <a:pPr marL="0" lvl="0" indent="0" algn="l" rtl="0">
+              <a:spcBef>
+                <a:spcPts val="0"/>
+              </a:spcBef>
+              <a:spcAft>
+                <a:spcPts val="0"/>
+              </a:spcAft>
+              <a:buNone/>
+            </a:pPr>
+            <a:r>
+              <a:rPr lang="en-US" sz="2000" noProof="0" dirty="0">
+                <a:latin typeface="Consolas"/>
+                <a:ea typeface="Consolas"/>
+                <a:cs typeface="Consolas"/>
+                <a:sym typeface="Consolas"/>
+              </a:rPr>
+              <a:t>Identify Design Patterns</a:t>
+            </a:r>
+          </a:p>
+        </p:txBody>
+      </p:sp>
+      <p:sp>
+        <p:nvSpPr>
+          <p:cNvPr id="11" name="Google Shape;90;p15">
+            <a:extLst>
+              <a:ext uri="{FF2B5EF4-FFF2-40B4-BE49-F238E27FC236}">
+                <a16:creationId xmlns:a16="http://schemas.microsoft.com/office/drawing/2014/main" id="{F84A1ECE-C35E-18E2-B591-D77E77BAA5DD}"/>
+              </a:ext>
+            </a:extLst>
+          </p:cNvPr>
+          <p:cNvSpPr/>
+          <p:nvPr/>
+        </p:nvSpPr>
+        <p:spPr>
+          <a:xfrm>
+            <a:off x="9365775" y="3701554"/>
+            <a:ext cx="2410800" cy="1648500"/>
+          </a:xfrm>
+          <a:prstGeom prst="roundRect">
+            <a:avLst>
+              <a:gd name="adj" fmla="val 16667"/>
+            </a:avLst>
+          </a:prstGeom>
+          <a:solidFill>
+            <a:srgbClr val="D0E0E3"/>
+          </a:solidFill>
+          <a:ln w="28575" cap="flat" cmpd="sng">
+            <a:solidFill>
+              <a:srgbClr val="134F5C"/>
+            </a:solidFill>
+            <a:prstDash val="solid"/>
+            <a:round/>
+            <a:headEnd type="none" w="sm" len="sm"/>
+            <a:tailEnd type="none" w="sm" len="sm"/>
+          </a:ln>
+        </p:spPr>
+        <p:txBody>
+          <a:bodyPr spcFirstLastPara="1" wrap="square" lIns="91425" tIns="91425" rIns="91425" bIns="91425" anchor="t" anchorCtr="0">
+            <a:noAutofit/>
+          </a:bodyPr>
+          <a:lstStyle/>
+          <a:p>
+            <a:pPr marL="0" lvl="0" indent="0" algn="l" rtl="0">
+              <a:spcBef>
+                <a:spcPts val="0"/>
+              </a:spcBef>
+              <a:spcAft>
+                <a:spcPts val="0"/>
+              </a:spcAft>
+              <a:buNone/>
+            </a:pPr>
+            <a:r>
+              <a:rPr lang="en-US" sz="2000" noProof="0" dirty="0">
+                <a:latin typeface="Consolas"/>
+                <a:ea typeface="Consolas"/>
+                <a:cs typeface="Consolas"/>
+                <a:sym typeface="Consolas"/>
+              </a:rPr>
+              <a:t>Review Design Patterns</a:t>
+            </a:r>
+          </a:p>
+          <a:p>
+            <a:pPr marL="0" lvl="0" indent="0" algn="l" rtl="0">
+              <a:spcBef>
+                <a:spcPts val="0"/>
+              </a:spcBef>
+              <a:spcAft>
+                <a:spcPts val="0"/>
+              </a:spcAft>
+              <a:buNone/>
+            </a:pPr>
+            <a:endParaRPr lang="en-US" sz="2000" noProof="0" dirty="0">
               <a:latin typeface="Consolas"/>
               <a:ea typeface="Consolas"/>
               <a:cs typeface="Consolas"/>
@@ -9775,10 +10421,72 @@
           </a:p>
         </p:txBody>
       </p:sp>
+      <p:sp>
+        <p:nvSpPr>
+          <p:cNvPr id="12" name="Google Shape;90;p15">
+            <a:extLst>
+              <a:ext uri="{FF2B5EF4-FFF2-40B4-BE49-F238E27FC236}">
+                <a16:creationId xmlns:a16="http://schemas.microsoft.com/office/drawing/2014/main" id="{8FAF9743-C4E2-3265-34FE-1B9D9E4B11EA}"/>
+              </a:ext>
+            </a:extLst>
+          </p:cNvPr>
+          <p:cNvSpPr/>
+          <p:nvPr/>
+        </p:nvSpPr>
+        <p:spPr>
+          <a:xfrm>
+            <a:off x="9365775" y="4625588"/>
+            <a:ext cx="2410800" cy="2184131"/>
+          </a:xfrm>
+          <a:prstGeom prst="roundRect">
+            <a:avLst>
+              <a:gd name="adj" fmla="val 16667"/>
+            </a:avLst>
+          </a:prstGeom>
+          <a:solidFill>
+            <a:srgbClr val="D0E0E3"/>
+          </a:solidFill>
+          <a:ln w="28575" cap="flat" cmpd="sng">
+            <a:solidFill>
+              <a:srgbClr val="134F5C"/>
+            </a:solidFill>
+            <a:prstDash val="solid"/>
+            <a:round/>
+            <a:headEnd type="none" w="sm" len="sm"/>
+            <a:tailEnd type="none" w="sm" len="sm"/>
+          </a:ln>
+        </p:spPr>
+        <p:txBody>
+          <a:bodyPr spcFirstLastPara="1" wrap="square" lIns="91425" tIns="91425" rIns="91425" bIns="91425" anchor="t" anchorCtr="0">
+            <a:noAutofit/>
+          </a:bodyPr>
+          <a:lstStyle/>
+          <a:p>
+            <a:pPr marL="0" lvl="0" indent="0" algn="l" rtl="0">
+              <a:spcBef>
+                <a:spcPts val="0"/>
+              </a:spcBef>
+              <a:spcAft>
+                <a:spcPts val="0"/>
+              </a:spcAft>
+              <a:buNone/>
+            </a:pPr>
+            <a:r>
+              <a:rPr lang="en-US" sz="2000" noProof="0" dirty="0">
+                <a:latin typeface="Consolas"/>
+                <a:ea typeface="Consolas"/>
+                <a:cs typeface="Consolas"/>
+                <a:sym typeface="Consolas"/>
+              </a:rPr>
+              <a:t>Produce a report with the metrics – based overview of the code base</a:t>
+            </a:r>
+          </a:p>
+        </p:txBody>
+      </p:sp>
     </p:spTree>
     <p:extLst>
       <p:ext uri="{BB962C8B-B14F-4D97-AF65-F5344CB8AC3E}">
-        <p14:creationId xmlns:p14="http://schemas.microsoft.com/office/powerpoint/2010/main" val="3128206758"/>
+        <p14:creationId xmlns:p14="http://schemas.microsoft.com/office/powerpoint/2010/main" val="713522504"/>
       </p:ext>
     </p:extLst>
   </p:cSld>
@@ -9789,6 +10497,4137 @@
 </file>
 
 <file path=ppt/slides/slide6.xml><?xml version="1.0" encoding="utf-8"?>
+<p:sld xmlns:a="http://schemas.openxmlformats.org/drawingml/2006/main" xmlns:r="http://schemas.openxmlformats.org/officeDocument/2006/relationships" xmlns:p="http://schemas.openxmlformats.org/presentationml/2006/main">
+  <p:cSld>
+    <p:spTree>
+      <p:nvGrpSpPr>
+        <p:cNvPr id="1" name="Shape 65">
+          <a:extLst>
+            <a:ext uri="{FF2B5EF4-FFF2-40B4-BE49-F238E27FC236}">
+              <a16:creationId xmlns:a16="http://schemas.microsoft.com/office/drawing/2014/main" id="{9359A2AA-065A-0DFE-4CBE-6D131E18FC5A}"/>
+            </a:ext>
+          </a:extLst>
+        </p:cNvPr>
+        <p:cNvGrpSpPr/>
+        <p:nvPr/>
+      </p:nvGrpSpPr>
+      <p:grpSpPr>
+        <a:xfrm>
+          <a:off x="0" y="0"/>
+          <a:ext cx="0" cy="0"/>
+          <a:chOff x="0" y="0"/>
+          <a:chExt cx="0" cy="0"/>
+        </a:xfrm>
+      </p:grpSpPr>
+      <p:cxnSp>
+        <p:nvCxnSpPr>
+          <p:cNvPr id="66" name="Google Shape;66;p15">
+            <a:extLst>
+              <a:ext uri="{FF2B5EF4-FFF2-40B4-BE49-F238E27FC236}">
+                <a16:creationId xmlns:a16="http://schemas.microsoft.com/office/drawing/2014/main" id="{31C624B8-100B-69A2-E673-5032F9ACCC06}"/>
+              </a:ext>
+            </a:extLst>
+          </p:cNvPr>
+          <p:cNvCxnSpPr/>
+          <p:nvPr/>
+        </p:nvCxnSpPr>
+        <p:spPr>
+          <a:xfrm>
+            <a:off x="5944724" y="-31500"/>
+            <a:ext cx="0" cy="10857000"/>
+          </a:xfrm>
+          <a:prstGeom prst="straightConnector1">
+            <a:avLst/>
+          </a:prstGeom>
+          <a:noFill/>
+          <a:ln w="38100" cap="flat" cmpd="sng">
+            <a:solidFill>
+              <a:srgbClr val="5B0F00"/>
+            </a:solidFill>
+            <a:prstDash val="solid"/>
+            <a:round/>
+            <a:headEnd type="none" w="med" len="med"/>
+            <a:tailEnd type="none" w="med" len="med"/>
+          </a:ln>
+        </p:spPr>
+      </p:cxnSp>
+      <p:sp>
+        <p:nvSpPr>
+          <p:cNvPr id="67" name="Google Shape;67;p15">
+            <a:extLst>
+              <a:ext uri="{FF2B5EF4-FFF2-40B4-BE49-F238E27FC236}">
+                <a16:creationId xmlns:a16="http://schemas.microsoft.com/office/drawing/2014/main" id="{2DC21DD7-08FA-B8DA-2A52-93179D61B08E}"/>
+              </a:ext>
+            </a:extLst>
+          </p:cNvPr>
+          <p:cNvSpPr/>
+          <p:nvPr/>
+        </p:nvSpPr>
+        <p:spPr>
+          <a:xfrm>
+            <a:off x="3197186" y="84312"/>
+            <a:ext cx="2410800" cy="480900"/>
+          </a:xfrm>
+          <a:prstGeom prst="roundRect">
+            <a:avLst>
+              <a:gd name="adj" fmla="val 16667"/>
+            </a:avLst>
+          </a:prstGeom>
+          <a:solidFill>
+            <a:srgbClr val="F9CB9C"/>
+          </a:solidFill>
+          <a:ln w="28575" cap="flat" cmpd="sng">
+            <a:solidFill>
+              <a:srgbClr val="B45F06"/>
+            </a:solidFill>
+            <a:prstDash val="solid"/>
+            <a:round/>
+            <a:headEnd type="none" w="sm" len="sm"/>
+            <a:tailEnd type="none" w="sm" len="sm"/>
+          </a:ln>
+        </p:spPr>
+        <p:txBody>
+          <a:bodyPr spcFirstLastPara="1" wrap="square" lIns="91425" tIns="91425" rIns="91425" bIns="91425" anchor="ctr" anchorCtr="0">
+            <a:noAutofit/>
+          </a:bodyPr>
+          <a:lstStyle/>
+          <a:p>
+            <a:pPr marL="0" lvl="0" indent="0" algn="ctr" rtl="0">
+              <a:spcBef>
+                <a:spcPts val="0"/>
+              </a:spcBef>
+              <a:spcAft>
+                <a:spcPts val="0"/>
+              </a:spcAft>
+              <a:buNone/>
+            </a:pPr>
+            <a:r>
+              <a:rPr lang="en-US" sz="1800" b="1" noProof="0" dirty="0">
+                <a:latin typeface="Consolas"/>
+                <a:ea typeface="Consolas"/>
+                <a:cs typeface="Consolas"/>
+                <a:sym typeface="Consolas"/>
+              </a:rPr>
+              <a:t>Student ID</a:t>
+            </a:r>
+          </a:p>
+        </p:txBody>
+      </p:sp>
+      <p:sp>
+        <p:nvSpPr>
+          <p:cNvPr id="68" name="Google Shape;68;p15">
+            <a:extLst>
+              <a:ext uri="{FF2B5EF4-FFF2-40B4-BE49-F238E27FC236}">
+                <a16:creationId xmlns:a16="http://schemas.microsoft.com/office/drawing/2014/main" id="{95173A21-0202-99DF-7AD9-BAD992B18188}"/>
+              </a:ext>
+            </a:extLst>
+          </p:cNvPr>
+          <p:cNvSpPr/>
+          <p:nvPr/>
+        </p:nvSpPr>
+        <p:spPr>
+          <a:xfrm>
+            <a:off x="6281636" y="84312"/>
+            <a:ext cx="2410800" cy="480900"/>
+          </a:xfrm>
+          <a:prstGeom prst="roundRect">
+            <a:avLst>
+              <a:gd name="adj" fmla="val 16667"/>
+            </a:avLst>
+          </a:prstGeom>
+          <a:solidFill>
+            <a:srgbClr val="F9CB9C"/>
+          </a:solidFill>
+          <a:ln w="28575" cap="flat" cmpd="sng">
+            <a:solidFill>
+              <a:srgbClr val="B45F06"/>
+            </a:solidFill>
+            <a:prstDash val="solid"/>
+            <a:round/>
+            <a:headEnd type="none" w="sm" len="sm"/>
+            <a:tailEnd type="none" w="sm" len="sm"/>
+          </a:ln>
+        </p:spPr>
+        <p:txBody>
+          <a:bodyPr spcFirstLastPara="1" wrap="square" lIns="91425" tIns="91425" rIns="91425" bIns="91425" anchor="ctr" anchorCtr="0">
+            <a:noAutofit/>
+          </a:bodyPr>
+          <a:lstStyle/>
+          <a:p>
+            <a:pPr marL="0" lvl="0" indent="0" algn="ctr" rtl="0">
+              <a:spcBef>
+                <a:spcPts val="0"/>
+              </a:spcBef>
+              <a:spcAft>
+                <a:spcPts val="0"/>
+              </a:spcAft>
+              <a:buNone/>
+            </a:pPr>
+            <a:r>
+              <a:rPr lang="en-US" sz="1800" b="1" noProof="0" dirty="0">
+                <a:latin typeface="Consolas"/>
+                <a:ea typeface="Consolas"/>
+                <a:cs typeface="Consolas"/>
+                <a:sym typeface="Consolas"/>
+              </a:rPr>
+              <a:t>Story</a:t>
+            </a:r>
+          </a:p>
+        </p:txBody>
+      </p:sp>
+      <p:sp>
+        <p:nvSpPr>
+          <p:cNvPr id="69" name="Google Shape;69;p15">
+            <a:extLst>
+              <a:ext uri="{FF2B5EF4-FFF2-40B4-BE49-F238E27FC236}">
+                <a16:creationId xmlns:a16="http://schemas.microsoft.com/office/drawing/2014/main" id="{2B66B760-E71C-5EA8-DDE7-41763F064AEF}"/>
+              </a:ext>
+            </a:extLst>
+          </p:cNvPr>
+          <p:cNvSpPr/>
+          <p:nvPr/>
+        </p:nvSpPr>
+        <p:spPr>
+          <a:xfrm>
+            <a:off x="9366071" y="84312"/>
+            <a:ext cx="2410800" cy="480900"/>
+          </a:xfrm>
+          <a:prstGeom prst="roundRect">
+            <a:avLst>
+              <a:gd name="adj" fmla="val 16667"/>
+            </a:avLst>
+          </a:prstGeom>
+          <a:solidFill>
+            <a:srgbClr val="F9CB9C"/>
+          </a:solidFill>
+          <a:ln w="28575" cap="flat" cmpd="sng">
+            <a:solidFill>
+              <a:srgbClr val="B45F06"/>
+            </a:solidFill>
+            <a:prstDash val="solid"/>
+            <a:round/>
+            <a:headEnd type="none" w="sm" len="sm"/>
+            <a:tailEnd type="none" w="sm" len="sm"/>
+          </a:ln>
+        </p:spPr>
+        <p:txBody>
+          <a:bodyPr spcFirstLastPara="1" wrap="square" lIns="91425" tIns="91425" rIns="91425" bIns="91425" anchor="ctr" anchorCtr="0">
+            <a:noAutofit/>
+          </a:bodyPr>
+          <a:lstStyle/>
+          <a:p>
+            <a:pPr marL="0" lvl="0" indent="0" algn="ctr" rtl="0">
+              <a:spcBef>
+                <a:spcPts val="0"/>
+              </a:spcBef>
+              <a:spcAft>
+                <a:spcPts val="0"/>
+              </a:spcAft>
+              <a:buNone/>
+            </a:pPr>
+            <a:r>
+              <a:rPr lang="en-US" sz="1800" b="1" noProof="0" dirty="0">
+                <a:latin typeface="Consolas"/>
+                <a:ea typeface="Consolas"/>
+                <a:cs typeface="Consolas"/>
+                <a:sym typeface="Consolas"/>
+              </a:rPr>
+              <a:t>To Do</a:t>
+            </a:r>
+          </a:p>
+        </p:txBody>
+      </p:sp>
+      <p:sp>
+        <p:nvSpPr>
+          <p:cNvPr id="70" name="Google Shape;70;p15">
+            <a:extLst>
+              <a:ext uri="{FF2B5EF4-FFF2-40B4-BE49-F238E27FC236}">
+                <a16:creationId xmlns:a16="http://schemas.microsoft.com/office/drawing/2014/main" id="{E06FC34F-1313-0F1C-22DF-4CF9D0A5C0DF}"/>
+              </a:ext>
+            </a:extLst>
+          </p:cNvPr>
+          <p:cNvSpPr/>
+          <p:nvPr/>
+        </p:nvSpPr>
+        <p:spPr>
+          <a:xfrm>
+            <a:off x="12395940" y="84312"/>
+            <a:ext cx="2410800" cy="480900"/>
+          </a:xfrm>
+          <a:prstGeom prst="roundRect">
+            <a:avLst>
+              <a:gd name="adj" fmla="val 16667"/>
+            </a:avLst>
+          </a:prstGeom>
+          <a:solidFill>
+            <a:srgbClr val="F9CB9C"/>
+          </a:solidFill>
+          <a:ln w="28575" cap="flat" cmpd="sng">
+            <a:solidFill>
+              <a:srgbClr val="B45F06"/>
+            </a:solidFill>
+            <a:prstDash val="solid"/>
+            <a:round/>
+            <a:headEnd type="none" w="sm" len="sm"/>
+            <a:tailEnd type="none" w="sm" len="sm"/>
+          </a:ln>
+        </p:spPr>
+        <p:txBody>
+          <a:bodyPr spcFirstLastPara="1" wrap="square" lIns="91425" tIns="91425" rIns="91425" bIns="91425" anchor="ctr" anchorCtr="0">
+            <a:noAutofit/>
+          </a:bodyPr>
+          <a:lstStyle/>
+          <a:p>
+            <a:pPr marL="0" lvl="0" indent="0" algn="ctr" rtl="0">
+              <a:spcBef>
+                <a:spcPts val="0"/>
+              </a:spcBef>
+              <a:spcAft>
+                <a:spcPts val="0"/>
+              </a:spcAft>
+              <a:buNone/>
+            </a:pPr>
+            <a:r>
+              <a:rPr lang="en-US" sz="1800" b="1" noProof="0" dirty="0">
+                <a:latin typeface="Consolas"/>
+                <a:ea typeface="Consolas"/>
+                <a:cs typeface="Consolas"/>
+                <a:sym typeface="Consolas"/>
+              </a:rPr>
+              <a:t>Doing</a:t>
+            </a:r>
+          </a:p>
+        </p:txBody>
+      </p:sp>
+      <p:sp>
+        <p:nvSpPr>
+          <p:cNvPr id="71" name="Google Shape;71;p15">
+            <a:extLst>
+              <a:ext uri="{FF2B5EF4-FFF2-40B4-BE49-F238E27FC236}">
+                <a16:creationId xmlns:a16="http://schemas.microsoft.com/office/drawing/2014/main" id="{2599AA9D-9590-1C68-2418-06AC6F1C82B5}"/>
+              </a:ext>
+            </a:extLst>
+          </p:cNvPr>
+          <p:cNvSpPr/>
+          <p:nvPr/>
+        </p:nvSpPr>
+        <p:spPr>
+          <a:xfrm>
+            <a:off x="15532407" y="84312"/>
+            <a:ext cx="2410800" cy="480900"/>
+          </a:xfrm>
+          <a:prstGeom prst="roundRect">
+            <a:avLst>
+              <a:gd name="adj" fmla="val 16667"/>
+            </a:avLst>
+          </a:prstGeom>
+          <a:solidFill>
+            <a:srgbClr val="F9CB9C"/>
+          </a:solidFill>
+          <a:ln w="28575" cap="flat" cmpd="sng">
+            <a:solidFill>
+              <a:srgbClr val="B45F06"/>
+            </a:solidFill>
+            <a:prstDash val="solid"/>
+            <a:round/>
+            <a:headEnd type="none" w="sm" len="sm"/>
+            <a:tailEnd type="none" w="sm" len="sm"/>
+          </a:ln>
+        </p:spPr>
+        <p:txBody>
+          <a:bodyPr spcFirstLastPara="1" wrap="square" lIns="91425" tIns="91425" rIns="91425" bIns="91425" anchor="ctr" anchorCtr="0">
+            <a:noAutofit/>
+          </a:bodyPr>
+          <a:lstStyle/>
+          <a:p>
+            <a:pPr marL="0" lvl="0" indent="0" algn="ctr" rtl="0">
+              <a:spcBef>
+                <a:spcPts val="0"/>
+              </a:spcBef>
+              <a:spcAft>
+                <a:spcPts val="0"/>
+              </a:spcAft>
+              <a:buNone/>
+            </a:pPr>
+            <a:r>
+              <a:rPr lang="en-US" sz="1800" b="1" noProof="0" dirty="0">
+                <a:latin typeface="Consolas"/>
+                <a:ea typeface="Consolas"/>
+                <a:cs typeface="Consolas"/>
+                <a:sym typeface="Consolas"/>
+              </a:rPr>
+              <a:t>Review</a:t>
+            </a:r>
+          </a:p>
+        </p:txBody>
+      </p:sp>
+      <p:sp>
+        <p:nvSpPr>
+          <p:cNvPr id="72" name="Google Shape;72;p15">
+            <a:extLst>
+              <a:ext uri="{FF2B5EF4-FFF2-40B4-BE49-F238E27FC236}">
+                <a16:creationId xmlns:a16="http://schemas.microsoft.com/office/drawing/2014/main" id="{BEF5B18D-5B67-B3A0-6CAB-FCEE73538CA9}"/>
+              </a:ext>
+            </a:extLst>
+          </p:cNvPr>
+          <p:cNvSpPr/>
+          <p:nvPr/>
+        </p:nvSpPr>
+        <p:spPr>
+          <a:xfrm>
+            <a:off x="18668888" y="84312"/>
+            <a:ext cx="2410800" cy="480900"/>
+          </a:xfrm>
+          <a:prstGeom prst="roundRect">
+            <a:avLst>
+              <a:gd name="adj" fmla="val 16667"/>
+            </a:avLst>
+          </a:prstGeom>
+          <a:solidFill>
+            <a:srgbClr val="F9CB9C"/>
+          </a:solidFill>
+          <a:ln w="28575" cap="flat" cmpd="sng">
+            <a:solidFill>
+              <a:srgbClr val="B45F06"/>
+            </a:solidFill>
+            <a:prstDash val="solid"/>
+            <a:round/>
+            <a:headEnd type="none" w="sm" len="sm"/>
+            <a:tailEnd type="none" w="sm" len="sm"/>
+          </a:ln>
+        </p:spPr>
+        <p:txBody>
+          <a:bodyPr spcFirstLastPara="1" wrap="square" lIns="91425" tIns="91425" rIns="91425" bIns="91425" anchor="ctr" anchorCtr="0">
+            <a:noAutofit/>
+          </a:bodyPr>
+          <a:lstStyle/>
+          <a:p>
+            <a:pPr marL="0" lvl="0" indent="0" algn="ctr" rtl="0">
+              <a:spcBef>
+                <a:spcPts val="0"/>
+              </a:spcBef>
+              <a:spcAft>
+                <a:spcPts val="0"/>
+              </a:spcAft>
+              <a:buNone/>
+            </a:pPr>
+            <a:r>
+              <a:rPr lang="en-US" sz="1800" b="1" noProof="0" dirty="0">
+                <a:latin typeface="Consolas"/>
+                <a:ea typeface="Consolas"/>
+                <a:cs typeface="Consolas"/>
+                <a:sym typeface="Consolas"/>
+              </a:rPr>
+              <a:t>Done</a:t>
+            </a:r>
+          </a:p>
+        </p:txBody>
+      </p:sp>
+      <p:sp>
+        <p:nvSpPr>
+          <p:cNvPr id="73" name="Google Shape;73;p15">
+            <a:extLst>
+              <a:ext uri="{FF2B5EF4-FFF2-40B4-BE49-F238E27FC236}">
+                <a16:creationId xmlns:a16="http://schemas.microsoft.com/office/drawing/2014/main" id="{07528E09-7872-0C47-C047-CA9CF555AD44}"/>
+              </a:ext>
+            </a:extLst>
+          </p:cNvPr>
+          <p:cNvSpPr/>
+          <p:nvPr/>
+        </p:nvSpPr>
+        <p:spPr>
+          <a:xfrm>
+            <a:off x="167288" y="84312"/>
+            <a:ext cx="2410800" cy="480900"/>
+          </a:xfrm>
+          <a:prstGeom prst="roundRect">
+            <a:avLst>
+              <a:gd name="adj" fmla="val 16667"/>
+            </a:avLst>
+          </a:prstGeom>
+          <a:solidFill>
+            <a:srgbClr val="F9CB9C"/>
+          </a:solidFill>
+          <a:ln w="28575" cap="flat" cmpd="sng">
+            <a:solidFill>
+              <a:srgbClr val="B45F06"/>
+            </a:solidFill>
+            <a:prstDash val="solid"/>
+            <a:round/>
+            <a:headEnd type="none" w="sm" len="sm"/>
+            <a:tailEnd type="none" w="sm" len="sm"/>
+          </a:ln>
+        </p:spPr>
+        <p:txBody>
+          <a:bodyPr spcFirstLastPara="1" wrap="square" lIns="91425" tIns="91425" rIns="91425" bIns="91425" anchor="ctr" anchorCtr="0">
+            <a:noAutofit/>
+          </a:bodyPr>
+          <a:lstStyle/>
+          <a:p>
+            <a:pPr marL="0" lvl="0" indent="0" algn="ctr" rtl="0">
+              <a:spcBef>
+                <a:spcPts val="0"/>
+              </a:spcBef>
+              <a:spcAft>
+                <a:spcPts val="0"/>
+              </a:spcAft>
+              <a:buNone/>
+            </a:pPr>
+            <a:r>
+              <a:rPr lang="en-US" sz="1800" b="1" noProof="0" dirty="0">
+                <a:latin typeface="Consolas"/>
+                <a:ea typeface="Consolas"/>
+                <a:cs typeface="Consolas"/>
+                <a:sym typeface="Consolas"/>
+              </a:rPr>
+              <a:t>Backlog</a:t>
+            </a:r>
+          </a:p>
+        </p:txBody>
+      </p:sp>
+      <p:sp>
+        <p:nvSpPr>
+          <p:cNvPr id="74" name="Google Shape;74;p15">
+            <a:extLst>
+              <a:ext uri="{FF2B5EF4-FFF2-40B4-BE49-F238E27FC236}">
+                <a16:creationId xmlns:a16="http://schemas.microsoft.com/office/drawing/2014/main" id="{6C1FCD54-807A-5687-1D12-A1969A87FA80}"/>
+              </a:ext>
+            </a:extLst>
+          </p:cNvPr>
+          <p:cNvSpPr/>
+          <p:nvPr/>
+        </p:nvSpPr>
+        <p:spPr>
+          <a:xfrm>
+            <a:off x="3211113" y="5397000"/>
+            <a:ext cx="2410800" cy="480900"/>
+          </a:xfrm>
+          <a:prstGeom prst="roundRect">
+            <a:avLst>
+              <a:gd name="adj" fmla="val 16667"/>
+            </a:avLst>
+          </a:prstGeom>
+          <a:solidFill>
+            <a:srgbClr val="E6B8AF"/>
+          </a:solidFill>
+          <a:ln w="28575" cap="flat" cmpd="sng">
+            <a:solidFill>
+              <a:srgbClr val="5B0F00"/>
+            </a:solidFill>
+            <a:prstDash val="solid"/>
+            <a:round/>
+            <a:headEnd type="none" w="sm" len="sm"/>
+            <a:tailEnd type="none" w="sm" len="sm"/>
+          </a:ln>
+        </p:spPr>
+        <p:txBody>
+          <a:bodyPr spcFirstLastPara="1" wrap="square" lIns="91425" tIns="91425" rIns="91425" bIns="91425" anchor="ctr" anchorCtr="0">
+            <a:noAutofit/>
+          </a:bodyPr>
+          <a:lstStyle/>
+          <a:p>
+            <a:pPr marL="0" lvl="0" indent="0" algn="ctr" rtl="0">
+              <a:spcBef>
+                <a:spcPts val="0"/>
+              </a:spcBef>
+              <a:spcAft>
+                <a:spcPts val="0"/>
+              </a:spcAft>
+              <a:buNone/>
+            </a:pPr>
+            <a:r>
+              <a:rPr lang="en-US" sz="1800" b="1" noProof="0" dirty="0">
+                <a:latin typeface="Consolas"/>
+                <a:ea typeface="Consolas"/>
+                <a:cs typeface="Consolas"/>
+                <a:sym typeface="Consolas"/>
+              </a:rPr>
+              <a:t>Everyone</a:t>
+            </a:r>
+          </a:p>
+        </p:txBody>
+      </p:sp>
+      <p:sp>
+        <p:nvSpPr>
+          <p:cNvPr id="88" name="Google Shape;88;p15">
+            <a:extLst>
+              <a:ext uri="{FF2B5EF4-FFF2-40B4-BE49-F238E27FC236}">
+                <a16:creationId xmlns:a16="http://schemas.microsoft.com/office/drawing/2014/main" id="{E28B3F7A-B157-46AE-93A2-45608354E4DF}"/>
+              </a:ext>
+            </a:extLst>
+          </p:cNvPr>
+          <p:cNvSpPr/>
+          <p:nvPr/>
+        </p:nvSpPr>
+        <p:spPr>
+          <a:xfrm>
+            <a:off x="12395940" y="849419"/>
+            <a:ext cx="2410800" cy="1648500"/>
+          </a:xfrm>
+          <a:prstGeom prst="roundRect">
+            <a:avLst>
+              <a:gd name="adj" fmla="val 16667"/>
+            </a:avLst>
+          </a:prstGeom>
+          <a:solidFill>
+            <a:srgbClr val="D9EAD3"/>
+          </a:solidFill>
+          <a:ln w="28575" cap="flat" cmpd="sng">
+            <a:solidFill>
+              <a:srgbClr val="274E13"/>
+            </a:solidFill>
+            <a:prstDash val="solid"/>
+            <a:round/>
+            <a:headEnd type="none" w="sm" len="sm"/>
+            <a:tailEnd type="none" w="sm" len="sm"/>
+          </a:ln>
+        </p:spPr>
+        <p:txBody>
+          <a:bodyPr spcFirstLastPara="1" wrap="square" lIns="91425" tIns="91425" rIns="91425" bIns="91425" anchor="t" anchorCtr="0">
+            <a:noAutofit/>
+          </a:bodyPr>
+          <a:lstStyle/>
+          <a:p>
+            <a:pPr marL="0" lvl="0" indent="0" algn="l" rtl="0">
+              <a:spcBef>
+                <a:spcPts val="0"/>
+              </a:spcBef>
+              <a:spcAft>
+                <a:spcPts val="0"/>
+              </a:spcAft>
+              <a:buNone/>
+            </a:pPr>
+            <a:r>
+              <a:rPr lang="en-US" sz="2000" noProof="0" dirty="0">
+                <a:latin typeface="Consolas"/>
+                <a:ea typeface="Consolas"/>
+                <a:cs typeface="Consolas"/>
+                <a:sym typeface="Consolas"/>
+              </a:rPr>
+              <a:t>Find code smells</a:t>
+            </a:r>
+          </a:p>
+        </p:txBody>
+      </p:sp>
+      <p:sp>
+        <p:nvSpPr>
+          <p:cNvPr id="90" name="Google Shape;90;p15">
+            <a:extLst>
+              <a:ext uri="{FF2B5EF4-FFF2-40B4-BE49-F238E27FC236}">
+                <a16:creationId xmlns:a16="http://schemas.microsoft.com/office/drawing/2014/main" id="{B128199B-83BE-A08A-B302-142A4311EE77}"/>
+              </a:ext>
+            </a:extLst>
+          </p:cNvPr>
+          <p:cNvSpPr/>
+          <p:nvPr/>
+        </p:nvSpPr>
+        <p:spPr>
+          <a:xfrm>
+            <a:off x="12395940" y="1673669"/>
+            <a:ext cx="2410800" cy="1648500"/>
+          </a:xfrm>
+          <a:prstGeom prst="roundRect">
+            <a:avLst>
+              <a:gd name="adj" fmla="val 16667"/>
+            </a:avLst>
+          </a:prstGeom>
+          <a:solidFill>
+            <a:srgbClr val="D0E0E3"/>
+          </a:solidFill>
+          <a:ln w="28575" cap="flat" cmpd="sng">
+            <a:solidFill>
+              <a:srgbClr val="134F5C"/>
+            </a:solidFill>
+            <a:prstDash val="solid"/>
+            <a:round/>
+            <a:headEnd type="none" w="sm" len="sm"/>
+            <a:tailEnd type="none" w="sm" len="sm"/>
+          </a:ln>
+        </p:spPr>
+        <p:txBody>
+          <a:bodyPr spcFirstLastPara="1" wrap="square" lIns="91425" tIns="91425" rIns="91425" bIns="91425" anchor="t" anchorCtr="0">
+            <a:noAutofit/>
+          </a:bodyPr>
+          <a:lstStyle/>
+          <a:p>
+            <a:pPr marL="0" lvl="0" indent="0" algn="l" rtl="0">
+              <a:spcBef>
+                <a:spcPts val="0"/>
+              </a:spcBef>
+              <a:spcAft>
+                <a:spcPts val="0"/>
+              </a:spcAft>
+              <a:buNone/>
+            </a:pPr>
+            <a:r>
+              <a:rPr lang="en-US" sz="2000" noProof="0" dirty="0">
+                <a:latin typeface="Consolas"/>
+                <a:ea typeface="Consolas"/>
+                <a:cs typeface="Consolas"/>
+                <a:sym typeface="Consolas"/>
+              </a:rPr>
+              <a:t>Review other’s  code smells</a:t>
+            </a:r>
+          </a:p>
+        </p:txBody>
+      </p:sp>
+      <p:cxnSp>
+        <p:nvCxnSpPr>
+          <p:cNvPr id="91" name="Google Shape;91;p15">
+            <a:extLst>
+              <a:ext uri="{FF2B5EF4-FFF2-40B4-BE49-F238E27FC236}">
+                <a16:creationId xmlns:a16="http://schemas.microsoft.com/office/drawing/2014/main" id="{3F3DE950-95FF-2AC7-F4D0-6444E1F473D2}"/>
+              </a:ext>
+            </a:extLst>
+          </p:cNvPr>
+          <p:cNvCxnSpPr/>
+          <p:nvPr/>
+        </p:nvCxnSpPr>
+        <p:spPr>
+          <a:xfrm>
+            <a:off x="2874374" y="-28500"/>
+            <a:ext cx="0" cy="10857000"/>
+          </a:xfrm>
+          <a:prstGeom prst="straightConnector1">
+            <a:avLst/>
+          </a:prstGeom>
+          <a:noFill/>
+          <a:ln w="38100" cap="flat" cmpd="sng">
+            <a:solidFill>
+              <a:srgbClr val="5B0F00"/>
+            </a:solidFill>
+            <a:prstDash val="solid"/>
+            <a:round/>
+            <a:headEnd type="none" w="med" len="med"/>
+            <a:tailEnd type="none" w="med" len="med"/>
+          </a:ln>
+        </p:spPr>
+      </p:cxnSp>
+      <p:sp>
+        <p:nvSpPr>
+          <p:cNvPr id="2" name="Google Shape;88;p15">
+            <a:extLst>
+              <a:ext uri="{FF2B5EF4-FFF2-40B4-BE49-F238E27FC236}">
+                <a16:creationId xmlns:a16="http://schemas.microsoft.com/office/drawing/2014/main" id="{79586811-2CD6-6FDE-C736-8598861CBD6A}"/>
+              </a:ext>
+            </a:extLst>
+          </p:cNvPr>
+          <p:cNvSpPr/>
+          <p:nvPr/>
+        </p:nvSpPr>
+        <p:spPr>
+          <a:xfrm>
+            <a:off x="18668888" y="2497919"/>
+            <a:ext cx="2410800" cy="1648500"/>
+          </a:xfrm>
+          <a:prstGeom prst="roundRect">
+            <a:avLst>
+              <a:gd name="adj" fmla="val 16667"/>
+            </a:avLst>
+          </a:prstGeom>
+          <a:solidFill>
+            <a:srgbClr val="D9EAD3"/>
+          </a:solidFill>
+          <a:ln w="28575" cap="flat" cmpd="sng">
+            <a:solidFill>
+              <a:srgbClr val="274E13"/>
+            </a:solidFill>
+            <a:prstDash val="solid"/>
+            <a:round/>
+            <a:headEnd type="none" w="sm" len="sm"/>
+            <a:tailEnd type="none" w="sm" len="sm"/>
+          </a:ln>
+        </p:spPr>
+        <p:txBody>
+          <a:bodyPr spcFirstLastPara="1" wrap="square" lIns="91425" tIns="91425" rIns="91425" bIns="91425" anchor="t" anchorCtr="0">
+            <a:noAutofit/>
+          </a:bodyPr>
+          <a:lstStyle/>
+          <a:p>
+            <a:pPr marL="0" lvl="0" indent="0" algn="l" rtl="0">
+              <a:spcBef>
+                <a:spcPts val="0"/>
+              </a:spcBef>
+              <a:spcAft>
+                <a:spcPts val="0"/>
+              </a:spcAft>
+              <a:buNone/>
+            </a:pPr>
+            <a:r>
+              <a:rPr lang="en-US" noProof="0" dirty="0">
+                <a:latin typeface="Consolas"/>
+                <a:ea typeface="Consolas"/>
+                <a:cs typeface="Consolas"/>
+                <a:sym typeface="Consolas"/>
+              </a:rPr>
+              <a:t>T1: Make 3 User Stories</a:t>
+            </a:r>
+          </a:p>
+        </p:txBody>
+      </p:sp>
+      <p:sp>
+        <p:nvSpPr>
+          <p:cNvPr id="3" name="Google Shape;90;p15">
+            <a:extLst>
+              <a:ext uri="{FF2B5EF4-FFF2-40B4-BE49-F238E27FC236}">
+                <a16:creationId xmlns:a16="http://schemas.microsoft.com/office/drawing/2014/main" id="{027A55D1-662F-D612-80CD-5228F3BC7DF9}"/>
+              </a:ext>
+            </a:extLst>
+          </p:cNvPr>
+          <p:cNvSpPr/>
+          <p:nvPr/>
+        </p:nvSpPr>
+        <p:spPr>
+          <a:xfrm>
+            <a:off x="18668888" y="849419"/>
+            <a:ext cx="2410800" cy="1648500"/>
+          </a:xfrm>
+          <a:prstGeom prst="roundRect">
+            <a:avLst>
+              <a:gd name="adj" fmla="val 16667"/>
+            </a:avLst>
+          </a:prstGeom>
+          <a:solidFill>
+            <a:srgbClr val="D0E0E3"/>
+          </a:solidFill>
+          <a:ln w="28575" cap="flat" cmpd="sng">
+            <a:solidFill>
+              <a:srgbClr val="134F5C"/>
+            </a:solidFill>
+            <a:prstDash val="solid"/>
+            <a:round/>
+            <a:headEnd type="none" w="sm" len="sm"/>
+            <a:tailEnd type="none" w="sm" len="sm"/>
+          </a:ln>
+        </p:spPr>
+        <p:txBody>
+          <a:bodyPr spcFirstLastPara="1" wrap="square" lIns="91425" tIns="91425" rIns="91425" bIns="91425" anchor="t" anchorCtr="0">
+            <a:noAutofit/>
+          </a:bodyPr>
+          <a:lstStyle/>
+          <a:p>
+            <a:pPr marL="0" lvl="0" indent="0" algn="l" rtl="0">
+              <a:spcBef>
+                <a:spcPts val="0"/>
+              </a:spcBef>
+              <a:spcAft>
+                <a:spcPts val="0"/>
+              </a:spcAft>
+              <a:buNone/>
+            </a:pPr>
+            <a:r>
+              <a:rPr lang="en-US" noProof="0" dirty="0">
+                <a:latin typeface="Consolas"/>
+                <a:ea typeface="Consolas"/>
+                <a:cs typeface="Consolas"/>
+                <a:sym typeface="Consolas"/>
+              </a:rPr>
+              <a:t>T2: Everyone: Playing the game so we can experience the user’s needs.</a:t>
+            </a:r>
+          </a:p>
+        </p:txBody>
+      </p:sp>
+      <p:sp>
+        <p:nvSpPr>
+          <p:cNvPr id="4" name="Google Shape;88;p15">
+            <a:extLst>
+              <a:ext uri="{FF2B5EF4-FFF2-40B4-BE49-F238E27FC236}">
+                <a16:creationId xmlns:a16="http://schemas.microsoft.com/office/drawing/2014/main" id="{C286036D-3038-1961-61AD-66542410400F}"/>
+              </a:ext>
+            </a:extLst>
+          </p:cNvPr>
+          <p:cNvSpPr/>
+          <p:nvPr/>
+        </p:nvSpPr>
+        <p:spPr>
+          <a:xfrm>
+            <a:off x="405410" y="694221"/>
+            <a:ext cx="1867580" cy="3160613"/>
+          </a:xfrm>
+          <a:prstGeom prst="roundRect">
+            <a:avLst>
+              <a:gd name="adj" fmla="val 16667"/>
+            </a:avLst>
+          </a:prstGeom>
+          <a:solidFill>
+            <a:srgbClr val="D9EAD3"/>
+          </a:solidFill>
+          <a:ln w="28575" cap="flat" cmpd="sng">
+            <a:solidFill>
+              <a:srgbClr val="274E13"/>
+            </a:solidFill>
+            <a:prstDash val="solid"/>
+            <a:round/>
+            <a:headEnd type="none" w="sm" len="sm"/>
+            <a:tailEnd type="none" w="sm" len="sm"/>
+          </a:ln>
+        </p:spPr>
+        <p:txBody>
+          <a:bodyPr spcFirstLastPara="1" wrap="square" lIns="91425" tIns="91425" rIns="91425" bIns="91425" anchor="t" anchorCtr="0">
+            <a:noAutofit/>
+          </a:bodyPr>
+          <a:lstStyle/>
+          <a:p>
+            <a:pPr lvl="0"/>
+            <a:r>
+              <a:rPr lang="en-US" noProof="0" dirty="0">
+                <a:latin typeface="Consolas" panose="020B0609020204030204" pitchFamily="49" charset="0"/>
+                <a:ea typeface="Consolas"/>
+                <a:cs typeface="Consolas"/>
+                <a:sym typeface="Consolas"/>
+              </a:rPr>
+              <a:t>US 3:</a:t>
+            </a:r>
+            <a:r>
+              <a:rPr lang="en-US" noProof="0" dirty="0">
+                <a:latin typeface="Consolas" panose="020B0609020204030204" pitchFamily="49" charset="0"/>
+              </a:rPr>
+              <a:t>As a player brand new to </a:t>
+            </a:r>
+            <a:r>
+              <a:rPr lang="en-US" noProof="0" dirty="0" err="1">
+                <a:latin typeface="Consolas" panose="020B0609020204030204" pitchFamily="49" charset="0"/>
+              </a:rPr>
+              <a:t>Mindustry</a:t>
+            </a:r>
+            <a:r>
+              <a:rPr lang="en-US" noProof="0" dirty="0">
+                <a:latin typeface="Consolas" panose="020B0609020204030204" pitchFamily="49" charset="0"/>
+              </a:rPr>
+              <a:t>, I want a more intuitive game tutorial so that I don't get lost and demotivated</a:t>
+            </a:r>
+            <a:r>
+              <a:rPr lang="en-US" noProof="0" dirty="0"/>
+              <a:t>.</a:t>
+            </a:r>
+            <a:endParaRPr lang="en-US" noProof="0" dirty="0">
+              <a:latin typeface="Consolas"/>
+              <a:ea typeface="Consolas"/>
+              <a:cs typeface="Consolas"/>
+              <a:sym typeface="Consolas"/>
+            </a:endParaRPr>
+          </a:p>
+        </p:txBody>
+      </p:sp>
+      <p:sp>
+        <p:nvSpPr>
+          <p:cNvPr id="5" name="Google Shape;88;p15">
+            <a:extLst>
+              <a:ext uri="{FF2B5EF4-FFF2-40B4-BE49-F238E27FC236}">
+                <a16:creationId xmlns:a16="http://schemas.microsoft.com/office/drawing/2014/main" id="{A8D7AE54-AEC6-8E4B-820D-31D4AE588596}"/>
+              </a:ext>
+            </a:extLst>
+          </p:cNvPr>
+          <p:cNvSpPr/>
+          <p:nvPr/>
+        </p:nvSpPr>
+        <p:spPr>
+          <a:xfrm>
+            <a:off x="438912" y="4038458"/>
+            <a:ext cx="1867552" cy="2826314"/>
+          </a:xfrm>
+          <a:prstGeom prst="roundRect">
+            <a:avLst>
+              <a:gd name="adj" fmla="val 16667"/>
+            </a:avLst>
+          </a:prstGeom>
+          <a:solidFill>
+            <a:srgbClr val="D9EAD3"/>
+          </a:solidFill>
+          <a:ln w="28575" cap="flat" cmpd="sng">
+            <a:solidFill>
+              <a:srgbClr val="274E13"/>
+            </a:solidFill>
+            <a:prstDash val="solid"/>
+            <a:round/>
+            <a:headEnd type="none" w="sm" len="sm"/>
+            <a:tailEnd type="none" w="sm" len="sm"/>
+          </a:ln>
+        </p:spPr>
+        <p:txBody>
+          <a:bodyPr spcFirstLastPara="1" wrap="square" lIns="91425" tIns="91425" rIns="91425" bIns="91425" anchor="t" anchorCtr="0">
+            <a:noAutofit/>
+          </a:bodyPr>
+          <a:lstStyle/>
+          <a:p>
+            <a:pPr marL="0" lvl="0" indent="0" algn="l" rtl="0">
+              <a:spcBef>
+                <a:spcPts val="0"/>
+              </a:spcBef>
+              <a:spcAft>
+                <a:spcPts val="0"/>
+              </a:spcAft>
+              <a:buNone/>
+            </a:pPr>
+            <a:r>
+              <a:rPr lang="en-US" noProof="0" dirty="0">
+                <a:latin typeface="Consolas"/>
+                <a:ea typeface="Consolas"/>
+                <a:cs typeface="Consolas"/>
+                <a:sym typeface="Consolas"/>
+              </a:rPr>
+              <a:t>US 2: As an experienced player I think we should have a greater diversity of towers that can help us automate the way we defend order</a:t>
+            </a:r>
+          </a:p>
+        </p:txBody>
+      </p:sp>
+      <p:sp>
+        <p:nvSpPr>
+          <p:cNvPr id="6" name="Google Shape;88;p15">
+            <a:extLst>
+              <a:ext uri="{FF2B5EF4-FFF2-40B4-BE49-F238E27FC236}">
+                <a16:creationId xmlns:a16="http://schemas.microsoft.com/office/drawing/2014/main" id="{E968B264-AF91-1582-CB3D-679079B2F34E}"/>
+              </a:ext>
+            </a:extLst>
+          </p:cNvPr>
+          <p:cNvSpPr/>
+          <p:nvPr/>
+        </p:nvSpPr>
+        <p:spPr>
+          <a:xfrm>
+            <a:off x="405410" y="6982925"/>
+            <a:ext cx="1867580" cy="3160613"/>
+          </a:xfrm>
+          <a:prstGeom prst="roundRect">
+            <a:avLst>
+              <a:gd name="adj" fmla="val 16667"/>
+            </a:avLst>
+          </a:prstGeom>
+          <a:solidFill>
+            <a:srgbClr val="D9EAD3"/>
+          </a:solidFill>
+          <a:ln w="28575" cap="flat" cmpd="sng">
+            <a:solidFill>
+              <a:srgbClr val="274E13"/>
+            </a:solidFill>
+            <a:prstDash val="solid"/>
+            <a:round/>
+            <a:headEnd type="none" w="sm" len="sm"/>
+            <a:tailEnd type="none" w="sm" len="sm"/>
+          </a:ln>
+        </p:spPr>
+        <p:txBody>
+          <a:bodyPr spcFirstLastPara="1" wrap="square" lIns="91425" tIns="91425" rIns="91425" bIns="91425" anchor="t" anchorCtr="0">
+            <a:noAutofit/>
+          </a:bodyPr>
+          <a:lstStyle/>
+          <a:p>
+            <a:pPr marL="0" lvl="0" indent="0" algn="l" rtl="0">
+              <a:spcBef>
+                <a:spcPts val="0"/>
+              </a:spcBef>
+              <a:spcAft>
+                <a:spcPts val="0"/>
+              </a:spcAft>
+              <a:buNone/>
+            </a:pPr>
+            <a:r>
+              <a:rPr lang="en-US" noProof="0" dirty="0">
+                <a:latin typeface="Consolas"/>
+                <a:ea typeface="Consolas"/>
+                <a:cs typeface="Consolas"/>
+                <a:sym typeface="Consolas"/>
+              </a:rPr>
+              <a:t>US 1: As Player, I want to have access to a sandbox (free play) so that I can freely experiment with different constructions and strategies without enemies or attack waves.</a:t>
+            </a:r>
+          </a:p>
+        </p:txBody>
+      </p:sp>
+      <p:sp>
+        <p:nvSpPr>
+          <p:cNvPr id="7" name="Google Shape;88;p15">
+            <a:extLst>
+              <a:ext uri="{FF2B5EF4-FFF2-40B4-BE49-F238E27FC236}">
+                <a16:creationId xmlns:a16="http://schemas.microsoft.com/office/drawing/2014/main" id="{BDB57AA3-C8D7-42BB-3997-016150EA9AD2}"/>
+              </a:ext>
+            </a:extLst>
+          </p:cNvPr>
+          <p:cNvSpPr/>
+          <p:nvPr/>
+        </p:nvSpPr>
+        <p:spPr>
+          <a:xfrm>
+            <a:off x="9365775" y="694221"/>
+            <a:ext cx="2410800" cy="1648500"/>
+          </a:xfrm>
+          <a:prstGeom prst="roundRect">
+            <a:avLst>
+              <a:gd name="adj" fmla="val 16667"/>
+            </a:avLst>
+          </a:prstGeom>
+          <a:solidFill>
+            <a:srgbClr val="D9EAD3"/>
+          </a:solidFill>
+          <a:ln w="28575" cap="flat" cmpd="sng">
+            <a:solidFill>
+              <a:srgbClr val="274E13"/>
+            </a:solidFill>
+            <a:prstDash val="solid"/>
+            <a:round/>
+            <a:headEnd type="none" w="sm" len="sm"/>
+            <a:tailEnd type="none" w="sm" len="sm"/>
+          </a:ln>
+        </p:spPr>
+        <p:txBody>
+          <a:bodyPr spcFirstLastPara="1" wrap="square" lIns="91425" tIns="91425" rIns="91425" bIns="91425" anchor="t" anchorCtr="0">
+            <a:noAutofit/>
+          </a:bodyPr>
+          <a:lstStyle/>
+          <a:p>
+            <a:pPr marL="0" lvl="0" indent="0" algn="l" rtl="0">
+              <a:spcBef>
+                <a:spcPts val="0"/>
+              </a:spcBef>
+              <a:spcAft>
+                <a:spcPts val="0"/>
+              </a:spcAft>
+              <a:buNone/>
+            </a:pPr>
+            <a:r>
+              <a:rPr lang="en-US" sz="2000" noProof="0" dirty="0">
+                <a:latin typeface="Consolas"/>
+                <a:ea typeface="Consolas"/>
+                <a:cs typeface="Consolas"/>
+                <a:sym typeface="Consolas"/>
+              </a:rPr>
+              <a:t>Create Use Case Diagrams</a:t>
+            </a:r>
+          </a:p>
+        </p:txBody>
+      </p:sp>
+      <p:sp>
+        <p:nvSpPr>
+          <p:cNvPr id="8" name="Google Shape;88;p15">
+            <a:extLst>
+              <a:ext uri="{FF2B5EF4-FFF2-40B4-BE49-F238E27FC236}">
+                <a16:creationId xmlns:a16="http://schemas.microsoft.com/office/drawing/2014/main" id="{D269075B-C3E5-3C27-1049-78F77E5BDB74}"/>
+              </a:ext>
+            </a:extLst>
+          </p:cNvPr>
+          <p:cNvSpPr/>
+          <p:nvPr/>
+        </p:nvSpPr>
+        <p:spPr>
+          <a:xfrm>
+            <a:off x="9365775" y="1618255"/>
+            <a:ext cx="2410800" cy="1648500"/>
+          </a:xfrm>
+          <a:prstGeom prst="roundRect">
+            <a:avLst>
+              <a:gd name="adj" fmla="val 16667"/>
+            </a:avLst>
+          </a:prstGeom>
+          <a:solidFill>
+            <a:srgbClr val="D9EAD3"/>
+          </a:solidFill>
+          <a:ln w="28575" cap="flat" cmpd="sng">
+            <a:solidFill>
+              <a:srgbClr val="274E13"/>
+            </a:solidFill>
+            <a:prstDash val="solid"/>
+            <a:round/>
+            <a:headEnd type="none" w="sm" len="sm"/>
+            <a:tailEnd type="none" w="sm" len="sm"/>
+          </a:ln>
+        </p:spPr>
+        <p:txBody>
+          <a:bodyPr spcFirstLastPara="1" wrap="square" lIns="91425" tIns="91425" rIns="91425" bIns="91425" anchor="t" anchorCtr="0">
+            <a:noAutofit/>
+          </a:bodyPr>
+          <a:lstStyle/>
+          <a:p>
+            <a:pPr marL="0" lvl="0" indent="0" algn="l" rtl="0">
+              <a:spcBef>
+                <a:spcPts val="0"/>
+              </a:spcBef>
+              <a:spcAft>
+                <a:spcPts val="0"/>
+              </a:spcAft>
+              <a:buNone/>
+            </a:pPr>
+            <a:r>
+              <a:rPr lang="en-US" sz="2000" noProof="0" dirty="0">
+                <a:latin typeface="Consolas"/>
+                <a:ea typeface="Consolas"/>
+                <a:cs typeface="Consolas"/>
+                <a:sym typeface="Consolas"/>
+              </a:rPr>
+              <a:t>Review Use Case Diagrams</a:t>
+            </a:r>
+          </a:p>
+        </p:txBody>
+      </p:sp>
+      <p:sp>
+        <p:nvSpPr>
+          <p:cNvPr id="9" name="Google Shape;88;p15">
+            <a:extLst>
+              <a:ext uri="{FF2B5EF4-FFF2-40B4-BE49-F238E27FC236}">
+                <a16:creationId xmlns:a16="http://schemas.microsoft.com/office/drawing/2014/main" id="{62FF8793-E26B-2FC5-7643-62C53BA29670}"/>
+              </a:ext>
+            </a:extLst>
+          </p:cNvPr>
+          <p:cNvSpPr/>
+          <p:nvPr/>
+        </p:nvSpPr>
+        <p:spPr>
+          <a:xfrm>
+            <a:off x="9365775" y="2542289"/>
+            <a:ext cx="2410800" cy="1648500"/>
+          </a:xfrm>
+          <a:prstGeom prst="roundRect">
+            <a:avLst>
+              <a:gd name="adj" fmla="val 16667"/>
+            </a:avLst>
+          </a:prstGeom>
+          <a:solidFill>
+            <a:srgbClr val="D9EAD3"/>
+          </a:solidFill>
+          <a:ln w="28575" cap="flat" cmpd="sng">
+            <a:solidFill>
+              <a:srgbClr val="274E13"/>
+            </a:solidFill>
+            <a:prstDash val="solid"/>
+            <a:round/>
+            <a:headEnd type="none" w="sm" len="sm"/>
+            <a:tailEnd type="none" w="sm" len="sm"/>
+          </a:ln>
+        </p:spPr>
+        <p:txBody>
+          <a:bodyPr spcFirstLastPara="1" wrap="square" lIns="91425" tIns="91425" rIns="91425" bIns="91425" anchor="t" anchorCtr="0">
+            <a:noAutofit/>
+          </a:bodyPr>
+          <a:lstStyle/>
+          <a:p>
+            <a:pPr marL="0" lvl="0" indent="0" algn="l" rtl="0">
+              <a:spcBef>
+                <a:spcPts val="0"/>
+              </a:spcBef>
+              <a:spcAft>
+                <a:spcPts val="0"/>
+              </a:spcAft>
+              <a:buNone/>
+            </a:pPr>
+            <a:r>
+              <a:rPr lang="en-US" sz="2000" noProof="0" dirty="0">
+                <a:latin typeface="Consolas"/>
+                <a:ea typeface="Consolas"/>
+                <a:cs typeface="Consolas"/>
+                <a:sym typeface="Consolas"/>
+              </a:rPr>
+              <a:t>Identify Design Patterns</a:t>
+            </a:r>
+          </a:p>
+        </p:txBody>
+      </p:sp>
+      <p:sp>
+        <p:nvSpPr>
+          <p:cNvPr id="11" name="Google Shape;90;p15">
+            <a:extLst>
+              <a:ext uri="{FF2B5EF4-FFF2-40B4-BE49-F238E27FC236}">
+                <a16:creationId xmlns:a16="http://schemas.microsoft.com/office/drawing/2014/main" id="{609A4FCE-97AA-CB48-EDA7-962058AF2B1E}"/>
+              </a:ext>
+            </a:extLst>
+          </p:cNvPr>
+          <p:cNvSpPr/>
+          <p:nvPr/>
+        </p:nvSpPr>
+        <p:spPr>
+          <a:xfrm>
+            <a:off x="9365775" y="3701554"/>
+            <a:ext cx="2410800" cy="1648500"/>
+          </a:xfrm>
+          <a:prstGeom prst="roundRect">
+            <a:avLst>
+              <a:gd name="adj" fmla="val 16667"/>
+            </a:avLst>
+          </a:prstGeom>
+          <a:solidFill>
+            <a:srgbClr val="D0E0E3"/>
+          </a:solidFill>
+          <a:ln w="28575" cap="flat" cmpd="sng">
+            <a:solidFill>
+              <a:srgbClr val="134F5C"/>
+            </a:solidFill>
+            <a:prstDash val="solid"/>
+            <a:round/>
+            <a:headEnd type="none" w="sm" len="sm"/>
+            <a:tailEnd type="none" w="sm" len="sm"/>
+          </a:ln>
+        </p:spPr>
+        <p:txBody>
+          <a:bodyPr spcFirstLastPara="1" wrap="square" lIns="91425" tIns="91425" rIns="91425" bIns="91425" anchor="t" anchorCtr="0">
+            <a:noAutofit/>
+          </a:bodyPr>
+          <a:lstStyle/>
+          <a:p>
+            <a:pPr marL="0" lvl="0" indent="0" algn="l" rtl="0">
+              <a:spcBef>
+                <a:spcPts val="0"/>
+              </a:spcBef>
+              <a:spcAft>
+                <a:spcPts val="0"/>
+              </a:spcAft>
+              <a:buNone/>
+            </a:pPr>
+            <a:r>
+              <a:rPr lang="en-US" sz="2000" noProof="0" dirty="0">
+                <a:latin typeface="Consolas"/>
+                <a:ea typeface="Consolas"/>
+                <a:cs typeface="Consolas"/>
+                <a:sym typeface="Consolas"/>
+              </a:rPr>
+              <a:t>Review Design Patterns</a:t>
+            </a:r>
+          </a:p>
+          <a:p>
+            <a:pPr marL="0" lvl="0" indent="0" algn="l" rtl="0">
+              <a:spcBef>
+                <a:spcPts val="0"/>
+              </a:spcBef>
+              <a:spcAft>
+                <a:spcPts val="0"/>
+              </a:spcAft>
+              <a:buNone/>
+            </a:pPr>
+            <a:endParaRPr lang="en-US" sz="2000" noProof="0" dirty="0">
+              <a:latin typeface="Consolas"/>
+              <a:ea typeface="Consolas"/>
+              <a:cs typeface="Consolas"/>
+              <a:sym typeface="Consolas"/>
+            </a:endParaRPr>
+          </a:p>
+        </p:txBody>
+      </p:sp>
+      <p:sp>
+        <p:nvSpPr>
+          <p:cNvPr id="12" name="Google Shape;90;p15">
+            <a:extLst>
+              <a:ext uri="{FF2B5EF4-FFF2-40B4-BE49-F238E27FC236}">
+                <a16:creationId xmlns:a16="http://schemas.microsoft.com/office/drawing/2014/main" id="{B2414523-C954-5C38-1DD3-7D91F900459C}"/>
+              </a:ext>
+            </a:extLst>
+          </p:cNvPr>
+          <p:cNvSpPr/>
+          <p:nvPr/>
+        </p:nvSpPr>
+        <p:spPr>
+          <a:xfrm>
+            <a:off x="9365775" y="4625588"/>
+            <a:ext cx="2410800" cy="2184131"/>
+          </a:xfrm>
+          <a:prstGeom prst="roundRect">
+            <a:avLst>
+              <a:gd name="adj" fmla="val 16667"/>
+            </a:avLst>
+          </a:prstGeom>
+          <a:solidFill>
+            <a:srgbClr val="D0E0E3"/>
+          </a:solidFill>
+          <a:ln w="28575" cap="flat" cmpd="sng">
+            <a:solidFill>
+              <a:srgbClr val="134F5C"/>
+            </a:solidFill>
+            <a:prstDash val="solid"/>
+            <a:round/>
+            <a:headEnd type="none" w="sm" len="sm"/>
+            <a:tailEnd type="none" w="sm" len="sm"/>
+          </a:ln>
+        </p:spPr>
+        <p:txBody>
+          <a:bodyPr spcFirstLastPara="1" wrap="square" lIns="91425" tIns="91425" rIns="91425" bIns="91425" anchor="t" anchorCtr="0">
+            <a:noAutofit/>
+          </a:bodyPr>
+          <a:lstStyle/>
+          <a:p>
+            <a:pPr marL="0" lvl="0" indent="0" algn="l" rtl="0">
+              <a:spcBef>
+                <a:spcPts val="0"/>
+              </a:spcBef>
+              <a:spcAft>
+                <a:spcPts val="0"/>
+              </a:spcAft>
+              <a:buNone/>
+            </a:pPr>
+            <a:r>
+              <a:rPr lang="en-US" sz="2000" noProof="0" dirty="0">
+                <a:latin typeface="Consolas"/>
+                <a:ea typeface="Consolas"/>
+                <a:cs typeface="Consolas"/>
+                <a:sym typeface="Consolas"/>
+              </a:rPr>
+              <a:t>Produce a report with the metrics – based overview of the code base</a:t>
+            </a:r>
+          </a:p>
+        </p:txBody>
+      </p:sp>
+    </p:spTree>
+    <p:extLst>
+      <p:ext uri="{BB962C8B-B14F-4D97-AF65-F5344CB8AC3E}">
+        <p14:creationId xmlns:p14="http://schemas.microsoft.com/office/powerpoint/2010/main" val="3616960503"/>
+      </p:ext>
+    </p:extLst>
+  </p:cSld>
+  <p:clrMapOvr>
+    <a:masterClrMapping/>
+  </p:clrMapOvr>
+</p:sld>
+</file>
+
+<file path=ppt/slides/slide7.xml><?xml version="1.0" encoding="utf-8"?>
+<p:sld xmlns:a="http://schemas.openxmlformats.org/drawingml/2006/main" xmlns:r="http://schemas.openxmlformats.org/officeDocument/2006/relationships" xmlns:p="http://schemas.openxmlformats.org/presentationml/2006/main">
+  <p:cSld>
+    <p:spTree>
+      <p:nvGrpSpPr>
+        <p:cNvPr id="1" name="Shape 65">
+          <a:extLst>
+            <a:ext uri="{FF2B5EF4-FFF2-40B4-BE49-F238E27FC236}">
+              <a16:creationId xmlns:a16="http://schemas.microsoft.com/office/drawing/2014/main" id="{DFFBE6D0-F0C3-8697-B40B-B1BE5A90039B}"/>
+            </a:ext>
+          </a:extLst>
+        </p:cNvPr>
+        <p:cNvGrpSpPr/>
+        <p:nvPr/>
+      </p:nvGrpSpPr>
+      <p:grpSpPr>
+        <a:xfrm>
+          <a:off x="0" y="0"/>
+          <a:ext cx="0" cy="0"/>
+          <a:chOff x="0" y="0"/>
+          <a:chExt cx="0" cy="0"/>
+        </a:xfrm>
+      </p:grpSpPr>
+      <p:cxnSp>
+        <p:nvCxnSpPr>
+          <p:cNvPr id="66" name="Google Shape;66;p15">
+            <a:extLst>
+              <a:ext uri="{FF2B5EF4-FFF2-40B4-BE49-F238E27FC236}">
+                <a16:creationId xmlns:a16="http://schemas.microsoft.com/office/drawing/2014/main" id="{668A5DAF-1620-D692-FC31-7BE5188F2A4E}"/>
+              </a:ext>
+            </a:extLst>
+          </p:cNvPr>
+          <p:cNvCxnSpPr/>
+          <p:nvPr/>
+        </p:nvCxnSpPr>
+        <p:spPr>
+          <a:xfrm>
+            <a:off x="5944724" y="-31500"/>
+            <a:ext cx="0" cy="10857000"/>
+          </a:xfrm>
+          <a:prstGeom prst="straightConnector1">
+            <a:avLst/>
+          </a:prstGeom>
+          <a:noFill/>
+          <a:ln w="38100" cap="flat" cmpd="sng">
+            <a:solidFill>
+              <a:srgbClr val="5B0F00"/>
+            </a:solidFill>
+            <a:prstDash val="solid"/>
+            <a:round/>
+            <a:headEnd type="none" w="med" len="med"/>
+            <a:tailEnd type="none" w="med" len="med"/>
+          </a:ln>
+        </p:spPr>
+      </p:cxnSp>
+      <p:sp>
+        <p:nvSpPr>
+          <p:cNvPr id="67" name="Google Shape;67;p15">
+            <a:extLst>
+              <a:ext uri="{FF2B5EF4-FFF2-40B4-BE49-F238E27FC236}">
+                <a16:creationId xmlns:a16="http://schemas.microsoft.com/office/drawing/2014/main" id="{24E3F17F-3BD8-16B7-B07E-79253B70B4A4}"/>
+              </a:ext>
+            </a:extLst>
+          </p:cNvPr>
+          <p:cNvSpPr/>
+          <p:nvPr/>
+        </p:nvSpPr>
+        <p:spPr>
+          <a:xfrm>
+            <a:off x="3197186" y="84312"/>
+            <a:ext cx="2410800" cy="480900"/>
+          </a:xfrm>
+          <a:prstGeom prst="roundRect">
+            <a:avLst>
+              <a:gd name="adj" fmla="val 16667"/>
+            </a:avLst>
+          </a:prstGeom>
+          <a:solidFill>
+            <a:srgbClr val="F9CB9C"/>
+          </a:solidFill>
+          <a:ln w="28575" cap="flat" cmpd="sng">
+            <a:solidFill>
+              <a:srgbClr val="B45F06"/>
+            </a:solidFill>
+            <a:prstDash val="solid"/>
+            <a:round/>
+            <a:headEnd type="none" w="sm" len="sm"/>
+            <a:tailEnd type="none" w="sm" len="sm"/>
+          </a:ln>
+        </p:spPr>
+        <p:txBody>
+          <a:bodyPr spcFirstLastPara="1" wrap="square" lIns="91425" tIns="91425" rIns="91425" bIns="91425" anchor="ctr" anchorCtr="0">
+            <a:noAutofit/>
+          </a:bodyPr>
+          <a:lstStyle/>
+          <a:p>
+            <a:pPr marL="0" lvl="0" indent="0" algn="ctr" rtl="0">
+              <a:spcBef>
+                <a:spcPts val="0"/>
+              </a:spcBef>
+              <a:spcAft>
+                <a:spcPts val="0"/>
+              </a:spcAft>
+              <a:buNone/>
+            </a:pPr>
+            <a:r>
+              <a:rPr lang="en-US" sz="1800" b="1" noProof="0" dirty="0">
+                <a:latin typeface="Consolas"/>
+                <a:ea typeface="Consolas"/>
+                <a:cs typeface="Consolas"/>
+                <a:sym typeface="Consolas"/>
+              </a:rPr>
+              <a:t>Student ID</a:t>
+            </a:r>
+          </a:p>
+        </p:txBody>
+      </p:sp>
+      <p:sp>
+        <p:nvSpPr>
+          <p:cNvPr id="68" name="Google Shape;68;p15">
+            <a:extLst>
+              <a:ext uri="{FF2B5EF4-FFF2-40B4-BE49-F238E27FC236}">
+                <a16:creationId xmlns:a16="http://schemas.microsoft.com/office/drawing/2014/main" id="{A46FD775-93CC-6AD3-34C7-3150A9C0391C}"/>
+              </a:ext>
+            </a:extLst>
+          </p:cNvPr>
+          <p:cNvSpPr/>
+          <p:nvPr/>
+        </p:nvSpPr>
+        <p:spPr>
+          <a:xfrm>
+            <a:off x="6281636" y="84312"/>
+            <a:ext cx="2410800" cy="480900"/>
+          </a:xfrm>
+          <a:prstGeom prst="roundRect">
+            <a:avLst>
+              <a:gd name="adj" fmla="val 16667"/>
+            </a:avLst>
+          </a:prstGeom>
+          <a:solidFill>
+            <a:srgbClr val="F9CB9C"/>
+          </a:solidFill>
+          <a:ln w="28575" cap="flat" cmpd="sng">
+            <a:solidFill>
+              <a:srgbClr val="B45F06"/>
+            </a:solidFill>
+            <a:prstDash val="solid"/>
+            <a:round/>
+            <a:headEnd type="none" w="sm" len="sm"/>
+            <a:tailEnd type="none" w="sm" len="sm"/>
+          </a:ln>
+        </p:spPr>
+        <p:txBody>
+          <a:bodyPr spcFirstLastPara="1" wrap="square" lIns="91425" tIns="91425" rIns="91425" bIns="91425" anchor="ctr" anchorCtr="0">
+            <a:noAutofit/>
+          </a:bodyPr>
+          <a:lstStyle/>
+          <a:p>
+            <a:pPr marL="0" lvl="0" indent="0" algn="ctr" rtl="0">
+              <a:spcBef>
+                <a:spcPts val="0"/>
+              </a:spcBef>
+              <a:spcAft>
+                <a:spcPts val="0"/>
+              </a:spcAft>
+              <a:buNone/>
+            </a:pPr>
+            <a:r>
+              <a:rPr lang="en-US" sz="1800" b="1" noProof="0" dirty="0">
+                <a:latin typeface="Consolas"/>
+                <a:ea typeface="Consolas"/>
+                <a:cs typeface="Consolas"/>
+                <a:sym typeface="Consolas"/>
+              </a:rPr>
+              <a:t>Story</a:t>
+            </a:r>
+          </a:p>
+        </p:txBody>
+      </p:sp>
+      <p:sp>
+        <p:nvSpPr>
+          <p:cNvPr id="69" name="Google Shape;69;p15">
+            <a:extLst>
+              <a:ext uri="{FF2B5EF4-FFF2-40B4-BE49-F238E27FC236}">
+                <a16:creationId xmlns:a16="http://schemas.microsoft.com/office/drawing/2014/main" id="{3BC04968-40B6-D2BC-72B0-648A96F494DC}"/>
+              </a:ext>
+            </a:extLst>
+          </p:cNvPr>
+          <p:cNvSpPr/>
+          <p:nvPr/>
+        </p:nvSpPr>
+        <p:spPr>
+          <a:xfrm>
+            <a:off x="9366071" y="84312"/>
+            <a:ext cx="2410800" cy="480900"/>
+          </a:xfrm>
+          <a:prstGeom prst="roundRect">
+            <a:avLst>
+              <a:gd name="adj" fmla="val 16667"/>
+            </a:avLst>
+          </a:prstGeom>
+          <a:solidFill>
+            <a:srgbClr val="F9CB9C"/>
+          </a:solidFill>
+          <a:ln w="28575" cap="flat" cmpd="sng">
+            <a:solidFill>
+              <a:srgbClr val="B45F06"/>
+            </a:solidFill>
+            <a:prstDash val="solid"/>
+            <a:round/>
+            <a:headEnd type="none" w="sm" len="sm"/>
+            <a:tailEnd type="none" w="sm" len="sm"/>
+          </a:ln>
+        </p:spPr>
+        <p:txBody>
+          <a:bodyPr spcFirstLastPara="1" wrap="square" lIns="91425" tIns="91425" rIns="91425" bIns="91425" anchor="ctr" anchorCtr="0">
+            <a:noAutofit/>
+          </a:bodyPr>
+          <a:lstStyle/>
+          <a:p>
+            <a:pPr marL="0" lvl="0" indent="0" algn="ctr" rtl="0">
+              <a:spcBef>
+                <a:spcPts val="0"/>
+              </a:spcBef>
+              <a:spcAft>
+                <a:spcPts val="0"/>
+              </a:spcAft>
+              <a:buNone/>
+            </a:pPr>
+            <a:r>
+              <a:rPr lang="en-US" sz="1800" b="1" noProof="0" dirty="0">
+                <a:latin typeface="Consolas"/>
+                <a:ea typeface="Consolas"/>
+                <a:cs typeface="Consolas"/>
+                <a:sym typeface="Consolas"/>
+              </a:rPr>
+              <a:t>To Do</a:t>
+            </a:r>
+          </a:p>
+        </p:txBody>
+      </p:sp>
+      <p:sp>
+        <p:nvSpPr>
+          <p:cNvPr id="70" name="Google Shape;70;p15">
+            <a:extLst>
+              <a:ext uri="{FF2B5EF4-FFF2-40B4-BE49-F238E27FC236}">
+                <a16:creationId xmlns:a16="http://schemas.microsoft.com/office/drawing/2014/main" id="{EBE60861-9149-7627-A353-11C9C0247202}"/>
+              </a:ext>
+            </a:extLst>
+          </p:cNvPr>
+          <p:cNvSpPr/>
+          <p:nvPr/>
+        </p:nvSpPr>
+        <p:spPr>
+          <a:xfrm>
+            <a:off x="12395940" y="84312"/>
+            <a:ext cx="2410800" cy="480900"/>
+          </a:xfrm>
+          <a:prstGeom prst="roundRect">
+            <a:avLst>
+              <a:gd name="adj" fmla="val 16667"/>
+            </a:avLst>
+          </a:prstGeom>
+          <a:solidFill>
+            <a:srgbClr val="F9CB9C"/>
+          </a:solidFill>
+          <a:ln w="28575" cap="flat" cmpd="sng">
+            <a:solidFill>
+              <a:srgbClr val="B45F06"/>
+            </a:solidFill>
+            <a:prstDash val="solid"/>
+            <a:round/>
+            <a:headEnd type="none" w="sm" len="sm"/>
+            <a:tailEnd type="none" w="sm" len="sm"/>
+          </a:ln>
+        </p:spPr>
+        <p:txBody>
+          <a:bodyPr spcFirstLastPara="1" wrap="square" lIns="91425" tIns="91425" rIns="91425" bIns="91425" anchor="ctr" anchorCtr="0">
+            <a:noAutofit/>
+          </a:bodyPr>
+          <a:lstStyle/>
+          <a:p>
+            <a:pPr marL="0" lvl="0" indent="0" algn="ctr" rtl="0">
+              <a:spcBef>
+                <a:spcPts val="0"/>
+              </a:spcBef>
+              <a:spcAft>
+                <a:spcPts val="0"/>
+              </a:spcAft>
+              <a:buNone/>
+            </a:pPr>
+            <a:r>
+              <a:rPr lang="en-US" sz="1800" b="1" noProof="0" dirty="0">
+                <a:latin typeface="Consolas"/>
+                <a:ea typeface="Consolas"/>
+                <a:cs typeface="Consolas"/>
+                <a:sym typeface="Consolas"/>
+              </a:rPr>
+              <a:t>Doing</a:t>
+            </a:r>
+          </a:p>
+        </p:txBody>
+      </p:sp>
+      <p:sp>
+        <p:nvSpPr>
+          <p:cNvPr id="71" name="Google Shape;71;p15">
+            <a:extLst>
+              <a:ext uri="{FF2B5EF4-FFF2-40B4-BE49-F238E27FC236}">
+                <a16:creationId xmlns:a16="http://schemas.microsoft.com/office/drawing/2014/main" id="{AF3C5994-02BC-E0FB-7251-A24BAE602E50}"/>
+              </a:ext>
+            </a:extLst>
+          </p:cNvPr>
+          <p:cNvSpPr/>
+          <p:nvPr/>
+        </p:nvSpPr>
+        <p:spPr>
+          <a:xfrm>
+            <a:off x="15532407" y="84312"/>
+            <a:ext cx="2410800" cy="480900"/>
+          </a:xfrm>
+          <a:prstGeom prst="roundRect">
+            <a:avLst>
+              <a:gd name="adj" fmla="val 16667"/>
+            </a:avLst>
+          </a:prstGeom>
+          <a:solidFill>
+            <a:srgbClr val="F9CB9C"/>
+          </a:solidFill>
+          <a:ln w="28575" cap="flat" cmpd="sng">
+            <a:solidFill>
+              <a:srgbClr val="B45F06"/>
+            </a:solidFill>
+            <a:prstDash val="solid"/>
+            <a:round/>
+            <a:headEnd type="none" w="sm" len="sm"/>
+            <a:tailEnd type="none" w="sm" len="sm"/>
+          </a:ln>
+        </p:spPr>
+        <p:txBody>
+          <a:bodyPr spcFirstLastPara="1" wrap="square" lIns="91425" tIns="91425" rIns="91425" bIns="91425" anchor="ctr" anchorCtr="0">
+            <a:noAutofit/>
+          </a:bodyPr>
+          <a:lstStyle/>
+          <a:p>
+            <a:pPr marL="0" lvl="0" indent="0" algn="ctr" rtl="0">
+              <a:spcBef>
+                <a:spcPts val="0"/>
+              </a:spcBef>
+              <a:spcAft>
+                <a:spcPts val="0"/>
+              </a:spcAft>
+              <a:buNone/>
+            </a:pPr>
+            <a:r>
+              <a:rPr lang="en-US" sz="1800" b="1" noProof="0" dirty="0">
+                <a:latin typeface="Consolas"/>
+                <a:ea typeface="Consolas"/>
+                <a:cs typeface="Consolas"/>
+                <a:sym typeface="Consolas"/>
+              </a:rPr>
+              <a:t>Review</a:t>
+            </a:r>
+          </a:p>
+        </p:txBody>
+      </p:sp>
+      <p:sp>
+        <p:nvSpPr>
+          <p:cNvPr id="72" name="Google Shape;72;p15">
+            <a:extLst>
+              <a:ext uri="{FF2B5EF4-FFF2-40B4-BE49-F238E27FC236}">
+                <a16:creationId xmlns:a16="http://schemas.microsoft.com/office/drawing/2014/main" id="{0C9A6EB7-EC3A-E30A-6658-47E156C70A23}"/>
+              </a:ext>
+            </a:extLst>
+          </p:cNvPr>
+          <p:cNvSpPr/>
+          <p:nvPr/>
+        </p:nvSpPr>
+        <p:spPr>
+          <a:xfrm>
+            <a:off x="18668888" y="84312"/>
+            <a:ext cx="2410800" cy="480900"/>
+          </a:xfrm>
+          <a:prstGeom prst="roundRect">
+            <a:avLst>
+              <a:gd name="adj" fmla="val 16667"/>
+            </a:avLst>
+          </a:prstGeom>
+          <a:solidFill>
+            <a:srgbClr val="F9CB9C"/>
+          </a:solidFill>
+          <a:ln w="28575" cap="flat" cmpd="sng">
+            <a:solidFill>
+              <a:srgbClr val="B45F06"/>
+            </a:solidFill>
+            <a:prstDash val="solid"/>
+            <a:round/>
+            <a:headEnd type="none" w="sm" len="sm"/>
+            <a:tailEnd type="none" w="sm" len="sm"/>
+          </a:ln>
+        </p:spPr>
+        <p:txBody>
+          <a:bodyPr spcFirstLastPara="1" wrap="square" lIns="91425" tIns="91425" rIns="91425" bIns="91425" anchor="ctr" anchorCtr="0">
+            <a:noAutofit/>
+          </a:bodyPr>
+          <a:lstStyle/>
+          <a:p>
+            <a:pPr marL="0" lvl="0" indent="0" algn="ctr" rtl="0">
+              <a:spcBef>
+                <a:spcPts val="0"/>
+              </a:spcBef>
+              <a:spcAft>
+                <a:spcPts val="0"/>
+              </a:spcAft>
+              <a:buNone/>
+            </a:pPr>
+            <a:r>
+              <a:rPr lang="en-US" sz="1800" b="1" noProof="0" dirty="0">
+                <a:latin typeface="Consolas"/>
+                <a:ea typeface="Consolas"/>
+                <a:cs typeface="Consolas"/>
+                <a:sym typeface="Consolas"/>
+              </a:rPr>
+              <a:t>Done</a:t>
+            </a:r>
+          </a:p>
+        </p:txBody>
+      </p:sp>
+      <p:sp>
+        <p:nvSpPr>
+          <p:cNvPr id="73" name="Google Shape;73;p15">
+            <a:extLst>
+              <a:ext uri="{FF2B5EF4-FFF2-40B4-BE49-F238E27FC236}">
+                <a16:creationId xmlns:a16="http://schemas.microsoft.com/office/drawing/2014/main" id="{3D9FCEF7-9639-0E16-F86C-9E81B75A3EA4}"/>
+              </a:ext>
+            </a:extLst>
+          </p:cNvPr>
+          <p:cNvSpPr/>
+          <p:nvPr/>
+        </p:nvSpPr>
+        <p:spPr>
+          <a:xfrm>
+            <a:off x="167288" y="84312"/>
+            <a:ext cx="2410800" cy="480900"/>
+          </a:xfrm>
+          <a:prstGeom prst="roundRect">
+            <a:avLst>
+              <a:gd name="adj" fmla="val 16667"/>
+            </a:avLst>
+          </a:prstGeom>
+          <a:solidFill>
+            <a:srgbClr val="F9CB9C"/>
+          </a:solidFill>
+          <a:ln w="28575" cap="flat" cmpd="sng">
+            <a:solidFill>
+              <a:srgbClr val="B45F06"/>
+            </a:solidFill>
+            <a:prstDash val="solid"/>
+            <a:round/>
+            <a:headEnd type="none" w="sm" len="sm"/>
+            <a:tailEnd type="none" w="sm" len="sm"/>
+          </a:ln>
+        </p:spPr>
+        <p:txBody>
+          <a:bodyPr spcFirstLastPara="1" wrap="square" lIns="91425" tIns="91425" rIns="91425" bIns="91425" anchor="ctr" anchorCtr="0">
+            <a:noAutofit/>
+          </a:bodyPr>
+          <a:lstStyle/>
+          <a:p>
+            <a:pPr marL="0" lvl="0" indent="0" algn="ctr" rtl="0">
+              <a:spcBef>
+                <a:spcPts val="0"/>
+              </a:spcBef>
+              <a:spcAft>
+                <a:spcPts val="0"/>
+              </a:spcAft>
+              <a:buNone/>
+            </a:pPr>
+            <a:r>
+              <a:rPr lang="en-US" sz="1800" b="1" noProof="0" dirty="0">
+                <a:latin typeface="Consolas"/>
+                <a:ea typeface="Consolas"/>
+                <a:cs typeface="Consolas"/>
+                <a:sym typeface="Consolas"/>
+              </a:rPr>
+              <a:t>Backlog</a:t>
+            </a:r>
+          </a:p>
+        </p:txBody>
+      </p:sp>
+      <p:sp>
+        <p:nvSpPr>
+          <p:cNvPr id="74" name="Google Shape;74;p15">
+            <a:extLst>
+              <a:ext uri="{FF2B5EF4-FFF2-40B4-BE49-F238E27FC236}">
+                <a16:creationId xmlns:a16="http://schemas.microsoft.com/office/drawing/2014/main" id="{2E14F6A2-ECD7-8D68-AC51-0B22A18002D3}"/>
+              </a:ext>
+            </a:extLst>
+          </p:cNvPr>
+          <p:cNvSpPr/>
+          <p:nvPr/>
+        </p:nvSpPr>
+        <p:spPr>
+          <a:xfrm>
+            <a:off x="3211113" y="5397000"/>
+            <a:ext cx="2410800" cy="480900"/>
+          </a:xfrm>
+          <a:prstGeom prst="roundRect">
+            <a:avLst>
+              <a:gd name="adj" fmla="val 16667"/>
+            </a:avLst>
+          </a:prstGeom>
+          <a:solidFill>
+            <a:srgbClr val="E6B8AF"/>
+          </a:solidFill>
+          <a:ln w="28575" cap="flat" cmpd="sng">
+            <a:solidFill>
+              <a:srgbClr val="5B0F00"/>
+            </a:solidFill>
+            <a:prstDash val="solid"/>
+            <a:round/>
+            <a:headEnd type="none" w="sm" len="sm"/>
+            <a:tailEnd type="none" w="sm" len="sm"/>
+          </a:ln>
+        </p:spPr>
+        <p:txBody>
+          <a:bodyPr spcFirstLastPara="1" wrap="square" lIns="91425" tIns="91425" rIns="91425" bIns="91425" anchor="ctr" anchorCtr="0">
+            <a:noAutofit/>
+          </a:bodyPr>
+          <a:lstStyle/>
+          <a:p>
+            <a:pPr marL="0" lvl="0" indent="0" algn="ctr" rtl="0">
+              <a:spcBef>
+                <a:spcPts val="0"/>
+              </a:spcBef>
+              <a:spcAft>
+                <a:spcPts val="0"/>
+              </a:spcAft>
+              <a:buNone/>
+            </a:pPr>
+            <a:r>
+              <a:rPr lang="en-US" sz="1800" b="1" noProof="0" dirty="0">
+                <a:latin typeface="Consolas"/>
+                <a:ea typeface="Consolas"/>
+                <a:cs typeface="Consolas"/>
+                <a:sym typeface="Consolas"/>
+              </a:rPr>
+              <a:t>Everyone</a:t>
+            </a:r>
+          </a:p>
+        </p:txBody>
+      </p:sp>
+      <p:sp>
+        <p:nvSpPr>
+          <p:cNvPr id="88" name="Google Shape;88;p15">
+            <a:extLst>
+              <a:ext uri="{FF2B5EF4-FFF2-40B4-BE49-F238E27FC236}">
+                <a16:creationId xmlns:a16="http://schemas.microsoft.com/office/drawing/2014/main" id="{E1454A32-9761-D751-8E66-D00F82F0435E}"/>
+              </a:ext>
+            </a:extLst>
+          </p:cNvPr>
+          <p:cNvSpPr/>
+          <p:nvPr/>
+        </p:nvSpPr>
+        <p:spPr>
+          <a:xfrm>
+            <a:off x="12395940" y="849419"/>
+            <a:ext cx="2410800" cy="1648500"/>
+          </a:xfrm>
+          <a:prstGeom prst="roundRect">
+            <a:avLst>
+              <a:gd name="adj" fmla="val 16667"/>
+            </a:avLst>
+          </a:prstGeom>
+          <a:solidFill>
+            <a:srgbClr val="D9EAD3"/>
+          </a:solidFill>
+          <a:ln w="28575" cap="flat" cmpd="sng">
+            <a:solidFill>
+              <a:srgbClr val="274E13"/>
+            </a:solidFill>
+            <a:prstDash val="solid"/>
+            <a:round/>
+            <a:headEnd type="none" w="sm" len="sm"/>
+            <a:tailEnd type="none" w="sm" len="sm"/>
+          </a:ln>
+        </p:spPr>
+        <p:txBody>
+          <a:bodyPr spcFirstLastPara="1" wrap="square" lIns="91425" tIns="91425" rIns="91425" bIns="91425" anchor="t" anchorCtr="0">
+            <a:noAutofit/>
+          </a:bodyPr>
+          <a:lstStyle/>
+          <a:p>
+            <a:pPr marL="0" lvl="0" indent="0" algn="l" rtl="0">
+              <a:spcBef>
+                <a:spcPts val="0"/>
+              </a:spcBef>
+              <a:spcAft>
+                <a:spcPts val="0"/>
+              </a:spcAft>
+              <a:buNone/>
+            </a:pPr>
+            <a:r>
+              <a:rPr lang="en-US" sz="2000" noProof="0" dirty="0">
+                <a:latin typeface="Consolas"/>
+                <a:ea typeface="Consolas"/>
+                <a:cs typeface="Consolas"/>
+                <a:sym typeface="Consolas"/>
+              </a:rPr>
+              <a:t>Find code smells</a:t>
+            </a:r>
+          </a:p>
+        </p:txBody>
+      </p:sp>
+      <p:sp>
+        <p:nvSpPr>
+          <p:cNvPr id="90" name="Google Shape;90;p15">
+            <a:extLst>
+              <a:ext uri="{FF2B5EF4-FFF2-40B4-BE49-F238E27FC236}">
+                <a16:creationId xmlns:a16="http://schemas.microsoft.com/office/drawing/2014/main" id="{E8433FA2-1899-165E-E984-98D64DFC0CD0}"/>
+              </a:ext>
+            </a:extLst>
+          </p:cNvPr>
+          <p:cNvSpPr/>
+          <p:nvPr/>
+        </p:nvSpPr>
+        <p:spPr>
+          <a:xfrm>
+            <a:off x="12395940" y="1673669"/>
+            <a:ext cx="2410800" cy="1648500"/>
+          </a:xfrm>
+          <a:prstGeom prst="roundRect">
+            <a:avLst>
+              <a:gd name="adj" fmla="val 16667"/>
+            </a:avLst>
+          </a:prstGeom>
+          <a:solidFill>
+            <a:srgbClr val="D0E0E3"/>
+          </a:solidFill>
+          <a:ln w="28575" cap="flat" cmpd="sng">
+            <a:solidFill>
+              <a:srgbClr val="134F5C"/>
+            </a:solidFill>
+            <a:prstDash val="solid"/>
+            <a:round/>
+            <a:headEnd type="none" w="sm" len="sm"/>
+            <a:tailEnd type="none" w="sm" len="sm"/>
+          </a:ln>
+        </p:spPr>
+        <p:txBody>
+          <a:bodyPr spcFirstLastPara="1" wrap="square" lIns="91425" tIns="91425" rIns="91425" bIns="91425" anchor="t" anchorCtr="0">
+            <a:noAutofit/>
+          </a:bodyPr>
+          <a:lstStyle/>
+          <a:p>
+            <a:pPr marL="0" lvl="0" indent="0" algn="l" rtl="0">
+              <a:spcBef>
+                <a:spcPts val="0"/>
+              </a:spcBef>
+              <a:spcAft>
+                <a:spcPts val="0"/>
+              </a:spcAft>
+              <a:buNone/>
+            </a:pPr>
+            <a:r>
+              <a:rPr lang="en-US" sz="2000" noProof="0" dirty="0">
+                <a:latin typeface="Consolas"/>
+                <a:ea typeface="Consolas"/>
+                <a:cs typeface="Consolas"/>
+                <a:sym typeface="Consolas"/>
+              </a:rPr>
+              <a:t>Review other’s  code smells</a:t>
+            </a:r>
+          </a:p>
+        </p:txBody>
+      </p:sp>
+      <p:cxnSp>
+        <p:nvCxnSpPr>
+          <p:cNvPr id="91" name="Google Shape;91;p15">
+            <a:extLst>
+              <a:ext uri="{FF2B5EF4-FFF2-40B4-BE49-F238E27FC236}">
+                <a16:creationId xmlns:a16="http://schemas.microsoft.com/office/drawing/2014/main" id="{95D6A1B6-CD21-F065-E8DC-BAD91CA17214}"/>
+              </a:ext>
+            </a:extLst>
+          </p:cNvPr>
+          <p:cNvCxnSpPr/>
+          <p:nvPr/>
+        </p:nvCxnSpPr>
+        <p:spPr>
+          <a:xfrm>
+            <a:off x="2874374" y="-28500"/>
+            <a:ext cx="0" cy="10857000"/>
+          </a:xfrm>
+          <a:prstGeom prst="straightConnector1">
+            <a:avLst/>
+          </a:prstGeom>
+          <a:noFill/>
+          <a:ln w="38100" cap="flat" cmpd="sng">
+            <a:solidFill>
+              <a:srgbClr val="5B0F00"/>
+            </a:solidFill>
+            <a:prstDash val="solid"/>
+            <a:round/>
+            <a:headEnd type="none" w="med" len="med"/>
+            <a:tailEnd type="none" w="med" len="med"/>
+          </a:ln>
+        </p:spPr>
+      </p:cxnSp>
+      <p:sp>
+        <p:nvSpPr>
+          <p:cNvPr id="2" name="Google Shape;88;p15">
+            <a:extLst>
+              <a:ext uri="{FF2B5EF4-FFF2-40B4-BE49-F238E27FC236}">
+                <a16:creationId xmlns:a16="http://schemas.microsoft.com/office/drawing/2014/main" id="{74EDE7A2-ABCA-A684-0A7B-217D3B7509BF}"/>
+              </a:ext>
+            </a:extLst>
+          </p:cNvPr>
+          <p:cNvSpPr/>
+          <p:nvPr/>
+        </p:nvSpPr>
+        <p:spPr>
+          <a:xfrm>
+            <a:off x="18668888" y="2497919"/>
+            <a:ext cx="2410800" cy="1648500"/>
+          </a:xfrm>
+          <a:prstGeom prst="roundRect">
+            <a:avLst>
+              <a:gd name="adj" fmla="val 16667"/>
+            </a:avLst>
+          </a:prstGeom>
+          <a:solidFill>
+            <a:srgbClr val="D9EAD3"/>
+          </a:solidFill>
+          <a:ln w="28575" cap="flat" cmpd="sng">
+            <a:solidFill>
+              <a:srgbClr val="274E13"/>
+            </a:solidFill>
+            <a:prstDash val="solid"/>
+            <a:round/>
+            <a:headEnd type="none" w="sm" len="sm"/>
+            <a:tailEnd type="none" w="sm" len="sm"/>
+          </a:ln>
+        </p:spPr>
+        <p:txBody>
+          <a:bodyPr spcFirstLastPara="1" wrap="square" lIns="91425" tIns="91425" rIns="91425" bIns="91425" anchor="t" anchorCtr="0">
+            <a:noAutofit/>
+          </a:bodyPr>
+          <a:lstStyle/>
+          <a:p>
+            <a:pPr marL="0" lvl="0" indent="0" algn="l" rtl="0">
+              <a:spcBef>
+                <a:spcPts val="0"/>
+              </a:spcBef>
+              <a:spcAft>
+                <a:spcPts val="0"/>
+              </a:spcAft>
+              <a:buNone/>
+            </a:pPr>
+            <a:r>
+              <a:rPr lang="en-US" noProof="0" dirty="0">
+                <a:latin typeface="Consolas"/>
+                <a:ea typeface="Consolas"/>
+                <a:cs typeface="Consolas"/>
+                <a:sym typeface="Consolas"/>
+              </a:rPr>
+              <a:t>T1: Make 3 User Stories</a:t>
+            </a:r>
+          </a:p>
+        </p:txBody>
+      </p:sp>
+      <p:sp>
+        <p:nvSpPr>
+          <p:cNvPr id="3" name="Google Shape;90;p15">
+            <a:extLst>
+              <a:ext uri="{FF2B5EF4-FFF2-40B4-BE49-F238E27FC236}">
+                <a16:creationId xmlns:a16="http://schemas.microsoft.com/office/drawing/2014/main" id="{9B5100A7-A017-8DA1-296D-6867A1D8D1B7}"/>
+              </a:ext>
+            </a:extLst>
+          </p:cNvPr>
+          <p:cNvSpPr/>
+          <p:nvPr/>
+        </p:nvSpPr>
+        <p:spPr>
+          <a:xfrm>
+            <a:off x="18668888" y="849419"/>
+            <a:ext cx="2410800" cy="1648500"/>
+          </a:xfrm>
+          <a:prstGeom prst="roundRect">
+            <a:avLst>
+              <a:gd name="adj" fmla="val 16667"/>
+            </a:avLst>
+          </a:prstGeom>
+          <a:solidFill>
+            <a:srgbClr val="D0E0E3"/>
+          </a:solidFill>
+          <a:ln w="28575" cap="flat" cmpd="sng">
+            <a:solidFill>
+              <a:srgbClr val="134F5C"/>
+            </a:solidFill>
+            <a:prstDash val="solid"/>
+            <a:round/>
+            <a:headEnd type="none" w="sm" len="sm"/>
+            <a:tailEnd type="none" w="sm" len="sm"/>
+          </a:ln>
+        </p:spPr>
+        <p:txBody>
+          <a:bodyPr spcFirstLastPara="1" wrap="square" lIns="91425" tIns="91425" rIns="91425" bIns="91425" anchor="t" anchorCtr="0">
+            <a:noAutofit/>
+          </a:bodyPr>
+          <a:lstStyle/>
+          <a:p>
+            <a:pPr marL="0" lvl="0" indent="0" algn="l" rtl="0">
+              <a:spcBef>
+                <a:spcPts val="0"/>
+              </a:spcBef>
+              <a:spcAft>
+                <a:spcPts val="0"/>
+              </a:spcAft>
+              <a:buNone/>
+            </a:pPr>
+            <a:r>
+              <a:rPr lang="en-US" noProof="0" dirty="0">
+                <a:latin typeface="Consolas"/>
+                <a:ea typeface="Consolas"/>
+                <a:cs typeface="Consolas"/>
+                <a:sym typeface="Consolas"/>
+              </a:rPr>
+              <a:t>T2: Everyone: Playing the game so we can experience the user’s needs.</a:t>
+            </a:r>
+          </a:p>
+        </p:txBody>
+      </p:sp>
+      <p:sp>
+        <p:nvSpPr>
+          <p:cNvPr id="4" name="Google Shape;88;p15">
+            <a:extLst>
+              <a:ext uri="{FF2B5EF4-FFF2-40B4-BE49-F238E27FC236}">
+                <a16:creationId xmlns:a16="http://schemas.microsoft.com/office/drawing/2014/main" id="{B9227468-2ABE-5811-B995-038E9FEBEC57}"/>
+              </a:ext>
+            </a:extLst>
+          </p:cNvPr>
+          <p:cNvSpPr/>
+          <p:nvPr/>
+        </p:nvSpPr>
+        <p:spPr>
+          <a:xfrm>
+            <a:off x="405410" y="694221"/>
+            <a:ext cx="1867580" cy="3160613"/>
+          </a:xfrm>
+          <a:prstGeom prst="roundRect">
+            <a:avLst>
+              <a:gd name="adj" fmla="val 16667"/>
+            </a:avLst>
+          </a:prstGeom>
+          <a:solidFill>
+            <a:srgbClr val="D9EAD3"/>
+          </a:solidFill>
+          <a:ln w="28575" cap="flat" cmpd="sng">
+            <a:solidFill>
+              <a:srgbClr val="274E13"/>
+            </a:solidFill>
+            <a:prstDash val="solid"/>
+            <a:round/>
+            <a:headEnd type="none" w="sm" len="sm"/>
+            <a:tailEnd type="none" w="sm" len="sm"/>
+          </a:ln>
+        </p:spPr>
+        <p:txBody>
+          <a:bodyPr spcFirstLastPara="1" wrap="square" lIns="91425" tIns="91425" rIns="91425" bIns="91425" anchor="t" anchorCtr="0">
+            <a:noAutofit/>
+          </a:bodyPr>
+          <a:lstStyle/>
+          <a:p>
+            <a:pPr lvl="0"/>
+            <a:r>
+              <a:rPr lang="en-US" noProof="0" dirty="0">
+                <a:latin typeface="Consolas" panose="020B0609020204030204" pitchFamily="49" charset="0"/>
+                <a:ea typeface="Consolas"/>
+                <a:cs typeface="Consolas"/>
+                <a:sym typeface="Consolas"/>
+              </a:rPr>
+              <a:t>US 3:</a:t>
+            </a:r>
+            <a:r>
+              <a:rPr lang="en-US" noProof="0" dirty="0">
+                <a:latin typeface="Consolas" panose="020B0609020204030204" pitchFamily="49" charset="0"/>
+              </a:rPr>
+              <a:t>As a player brand new to </a:t>
+            </a:r>
+            <a:r>
+              <a:rPr lang="en-US" noProof="0" dirty="0" err="1">
+                <a:latin typeface="Consolas" panose="020B0609020204030204" pitchFamily="49" charset="0"/>
+              </a:rPr>
+              <a:t>Mindustry</a:t>
+            </a:r>
+            <a:r>
+              <a:rPr lang="en-US" noProof="0" dirty="0">
+                <a:latin typeface="Consolas" panose="020B0609020204030204" pitchFamily="49" charset="0"/>
+              </a:rPr>
+              <a:t>, I want a more intuitive game tutorial so that I don't get lost and demotivated</a:t>
+            </a:r>
+            <a:r>
+              <a:rPr lang="en-US" noProof="0" dirty="0"/>
+              <a:t>.</a:t>
+            </a:r>
+            <a:endParaRPr lang="en-US" noProof="0" dirty="0">
+              <a:latin typeface="Consolas"/>
+              <a:ea typeface="Consolas"/>
+              <a:cs typeface="Consolas"/>
+              <a:sym typeface="Consolas"/>
+            </a:endParaRPr>
+          </a:p>
+        </p:txBody>
+      </p:sp>
+      <p:sp>
+        <p:nvSpPr>
+          <p:cNvPr id="5" name="Google Shape;88;p15">
+            <a:extLst>
+              <a:ext uri="{FF2B5EF4-FFF2-40B4-BE49-F238E27FC236}">
+                <a16:creationId xmlns:a16="http://schemas.microsoft.com/office/drawing/2014/main" id="{5B7DA75B-F9ED-2752-E223-C2AE46D9FC41}"/>
+              </a:ext>
+            </a:extLst>
+          </p:cNvPr>
+          <p:cNvSpPr/>
+          <p:nvPr/>
+        </p:nvSpPr>
+        <p:spPr>
+          <a:xfrm>
+            <a:off x="438912" y="4038458"/>
+            <a:ext cx="1867552" cy="2826314"/>
+          </a:xfrm>
+          <a:prstGeom prst="roundRect">
+            <a:avLst>
+              <a:gd name="adj" fmla="val 16667"/>
+            </a:avLst>
+          </a:prstGeom>
+          <a:solidFill>
+            <a:srgbClr val="D9EAD3"/>
+          </a:solidFill>
+          <a:ln w="28575" cap="flat" cmpd="sng">
+            <a:solidFill>
+              <a:srgbClr val="274E13"/>
+            </a:solidFill>
+            <a:prstDash val="solid"/>
+            <a:round/>
+            <a:headEnd type="none" w="sm" len="sm"/>
+            <a:tailEnd type="none" w="sm" len="sm"/>
+          </a:ln>
+        </p:spPr>
+        <p:txBody>
+          <a:bodyPr spcFirstLastPara="1" wrap="square" lIns="91425" tIns="91425" rIns="91425" bIns="91425" anchor="t" anchorCtr="0">
+            <a:noAutofit/>
+          </a:bodyPr>
+          <a:lstStyle/>
+          <a:p>
+            <a:pPr marL="0" lvl="0" indent="0" algn="l" rtl="0">
+              <a:spcBef>
+                <a:spcPts val="0"/>
+              </a:spcBef>
+              <a:spcAft>
+                <a:spcPts val="0"/>
+              </a:spcAft>
+              <a:buNone/>
+            </a:pPr>
+            <a:r>
+              <a:rPr lang="en-US" noProof="0" dirty="0">
+                <a:latin typeface="Consolas"/>
+                <a:ea typeface="Consolas"/>
+                <a:cs typeface="Consolas"/>
+                <a:sym typeface="Consolas"/>
+              </a:rPr>
+              <a:t>US 2: As an experienced player I think we should have a greater diversity of towers that can help us automate the way we defend order</a:t>
+            </a:r>
+          </a:p>
+        </p:txBody>
+      </p:sp>
+      <p:sp>
+        <p:nvSpPr>
+          <p:cNvPr id="6" name="Google Shape;88;p15">
+            <a:extLst>
+              <a:ext uri="{FF2B5EF4-FFF2-40B4-BE49-F238E27FC236}">
+                <a16:creationId xmlns:a16="http://schemas.microsoft.com/office/drawing/2014/main" id="{FB147562-4E90-B7C4-9C9C-C600C3209396}"/>
+              </a:ext>
+            </a:extLst>
+          </p:cNvPr>
+          <p:cNvSpPr/>
+          <p:nvPr/>
+        </p:nvSpPr>
+        <p:spPr>
+          <a:xfrm>
+            <a:off x="405410" y="6982925"/>
+            <a:ext cx="1867580" cy="3160613"/>
+          </a:xfrm>
+          <a:prstGeom prst="roundRect">
+            <a:avLst>
+              <a:gd name="adj" fmla="val 16667"/>
+            </a:avLst>
+          </a:prstGeom>
+          <a:solidFill>
+            <a:srgbClr val="D9EAD3"/>
+          </a:solidFill>
+          <a:ln w="28575" cap="flat" cmpd="sng">
+            <a:solidFill>
+              <a:srgbClr val="274E13"/>
+            </a:solidFill>
+            <a:prstDash val="solid"/>
+            <a:round/>
+            <a:headEnd type="none" w="sm" len="sm"/>
+            <a:tailEnd type="none" w="sm" len="sm"/>
+          </a:ln>
+        </p:spPr>
+        <p:txBody>
+          <a:bodyPr spcFirstLastPara="1" wrap="square" lIns="91425" tIns="91425" rIns="91425" bIns="91425" anchor="t" anchorCtr="0">
+            <a:noAutofit/>
+          </a:bodyPr>
+          <a:lstStyle/>
+          <a:p>
+            <a:pPr marL="0" lvl="0" indent="0" algn="l" rtl="0">
+              <a:spcBef>
+                <a:spcPts val="0"/>
+              </a:spcBef>
+              <a:spcAft>
+                <a:spcPts val="0"/>
+              </a:spcAft>
+              <a:buNone/>
+            </a:pPr>
+            <a:r>
+              <a:rPr lang="en-US" noProof="0" dirty="0">
+                <a:latin typeface="Consolas"/>
+                <a:ea typeface="Consolas"/>
+                <a:cs typeface="Consolas"/>
+                <a:sym typeface="Consolas"/>
+              </a:rPr>
+              <a:t>US 1: As Player, I want to have access to a sandbox (free play) so that I can freely experiment with different constructions and strategies without enemies or attack waves.</a:t>
+            </a:r>
+          </a:p>
+        </p:txBody>
+      </p:sp>
+      <p:sp>
+        <p:nvSpPr>
+          <p:cNvPr id="7" name="Google Shape;88;p15">
+            <a:extLst>
+              <a:ext uri="{FF2B5EF4-FFF2-40B4-BE49-F238E27FC236}">
+                <a16:creationId xmlns:a16="http://schemas.microsoft.com/office/drawing/2014/main" id="{B0B2AFE7-0FB3-BB80-D17C-411C674071B0}"/>
+              </a:ext>
+            </a:extLst>
+          </p:cNvPr>
+          <p:cNvSpPr/>
+          <p:nvPr/>
+        </p:nvSpPr>
+        <p:spPr>
+          <a:xfrm>
+            <a:off x="9365775" y="694221"/>
+            <a:ext cx="2410800" cy="1648500"/>
+          </a:xfrm>
+          <a:prstGeom prst="roundRect">
+            <a:avLst>
+              <a:gd name="adj" fmla="val 16667"/>
+            </a:avLst>
+          </a:prstGeom>
+          <a:solidFill>
+            <a:srgbClr val="D9EAD3"/>
+          </a:solidFill>
+          <a:ln w="28575" cap="flat" cmpd="sng">
+            <a:solidFill>
+              <a:srgbClr val="274E13"/>
+            </a:solidFill>
+            <a:prstDash val="solid"/>
+            <a:round/>
+            <a:headEnd type="none" w="sm" len="sm"/>
+            <a:tailEnd type="none" w="sm" len="sm"/>
+          </a:ln>
+        </p:spPr>
+        <p:txBody>
+          <a:bodyPr spcFirstLastPara="1" wrap="square" lIns="91425" tIns="91425" rIns="91425" bIns="91425" anchor="t" anchorCtr="0">
+            <a:noAutofit/>
+          </a:bodyPr>
+          <a:lstStyle/>
+          <a:p>
+            <a:pPr marL="0" lvl="0" indent="0" algn="l" rtl="0">
+              <a:spcBef>
+                <a:spcPts val="0"/>
+              </a:spcBef>
+              <a:spcAft>
+                <a:spcPts val="0"/>
+              </a:spcAft>
+              <a:buNone/>
+            </a:pPr>
+            <a:r>
+              <a:rPr lang="en-US" sz="2000" noProof="0" dirty="0">
+                <a:latin typeface="Consolas"/>
+                <a:ea typeface="Consolas"/>
+                <a:cs typeface="Consolas"/>
+                <a:sym typeface="Consolas"/>
+              </a:rPr>
+              <a:t>Create Use Case Diagrams</a:t>
+            </a:r>
+          </a:p>
+        </p:txBody>
+      </p:sp>
+      <p:sp>
+        <p:nvSpPr>
+          <p:cNvPr id="8" name="Google Shape;88;p15">
+            <a:extLst>
+              <a:ext uri="{FF2B5EF4-FFF2-40B4-BE49-F238E27FC236}">
+                <a16:creationId xmlns:a16="http://schemas.microsoft.com/office/drawing/2014/main" id="{E8F76E6F-9129-E678-7626-B78CA53C2A87}"/>
+              </a:ext>
+            </a:extLst>
+          </p:cNvPr>
+          <p:cNvSpPr/>
+          <p:nvPr/>
+        </p:nvSpPr>
+        <p:spPr>
+          <a:xfrm>
+            <a:off x="9365775" y="1618255"/>
+            <a:ext cx="2410800" cy="1648500"/>
+          </a:xfrm>
+          <a:prstGeom prst="roundRect">
+            <a:avLst>
+              <a:gd name="adj" fmla="val 16667"/>
+            </a:avLst>
+          </a:prstGeom>
+          <a:solidFill>
+            <a:srgbClr val="D9EAD3"/>
+          </a:solidFill>
+          <a:ln w="28575" cap="flat" cmpd="sng">
+            <a:solidFill>
+              <a:srgbClr val="274E13"/>
+            </a:solidFill>
+            <a:prstDash val="solid"/>
+            <a:round/>
+            <a:headEnd type="none" w="sm" len="sm"/>
+            <a:tailEnd type="none" w="sm" len="sm"/>
+          </a:ln>
+        </p:spPr>
+        <p:txBody>
+          <a:bodyPr spcFirstLastPara="1" wrap="square" lIns="91425" tIns="91425" rIns="91425" bIns="91425" anchor="t" anchorCtr="0">
+            <a:noAutofit/>
+          </a:bodyPr>
+          <a:lstStyle/>
+          <a:p>
+            <a:pPr marL="0" lvl="0" indent="0" algn="l" rtl="0">
+              <a:spcBef>
+                <a:spcPts val="0"/>
+              </a:spcBef>
+              <a:spcAft>
+                <a:spcPts val="0"/>
+              </a:spcAft>
+              <a:buNone/>
+            </a:pPr>
+            <a:r>
+              <a:rPr lang="en-US" sz="2000" noProof="0" dirty="0">
+                <a:latin typeface="Consolas"/>
+                <a:ea typeface="Consolas"/>
+                <a:cs typeface="Consolas"/>
+                <a:sym typeface="Consolas"/>
+              </a:rPr>
+              <a:t>Review Use Case Diagrams</a:t>
+            </a:r>
+          </a:p>
+        </p:txBody>
+      </p:sp>
+      <p:sp>
+        <p:nvSpPr>
+          <p:cNvPr id="9" name="Google Shape;88;p15">
+            <a:extLst>
+              <a:ext uri="{FF2B5EF4-FFF2-40B4-BE49-F238E27FC236}">
+                <a16:creationId xmlns:a16="http://schemas.microsoft.com/office/drawing/2014/main" id="{35FE2DCE-6498-10E9-F09A-1DD4B635BF39}"/>
+              </a:ext>
+            </a:extLst>
+          </p:cNvPr>
+          <p:cNvSpPr/>
+          <p:nvPr/>
+        </p:nvSpPr>
+        <p:spPr>
+          <a:xfrm>
+            <a:off x="9365775" y="2542289"/>
+            <a:ext cx="2410800" cy="1648500"/>
+          </a:xfrm>
+          <a:prstGeom prst="roundRect">
+            <a:avLst>
+              <a:gd name="adj" fmla="val 16667"/>
+            </a:avLst>
+          </a:prstGeom>
+          <a:solidFill>
+            <a:srgbClr val="D9EAD3"/>
+          </a:solidFill>
+          <a:ln w="28575" cap="flat" cmpd="sng">
+            <a:solidFill>
+              <a:srgbClr val="274E13"/>
+            </a:solidFill>
+            <a:prstDash val="solid"/>
+            <a:round/>
+            <a:headEnd type="none" w="sm" len="sm"/>
+            <a:tailEnd type="none" w="sm" len="sm"/>
+          </a:ln>
+        </p:spPr>
+        <p:txBody>
+          <a:bodyPr spcFirstLastPara="1" wrap="square" lIns="91425" tIns="91425" rIns="91425" bIns="91425" anchor="t" anchorCtr="0">
+            <a:noAutofit/>
+          </a:bodyPr>
+          <a:lstStyle/>
+          <a:p>
+            <a:pPr marL="0" lvl="0" indent="0" algn="l" rtl="0">
+              <a:spcBef>
+                <a:spcPts val="0"/>
+              </a:spcBef>
+              <a:spcAft>
+                <a:spcPts val="0"/>
+              </a:spcAft>
+              <a:buNone/>
+            </a:pPr>
+            <a:r>
+              <a:rPr lang="en-US" sz="2000" noProof="0" dirty="0">
+                <a:latin typeface="Consolas"/>
+                <a:ea typeface="Consolas"/>
+                <a:cs typeface="Consolas"/>
+                <a:sym typeface="Consolas"/>
+              </a:rPr>
+              <a:t>Identify Design Patterns</a:t>
+            </a:r>
+          </a:p>
+        </p:txBody>
+      </p:sp>
+      <p:sp>
+        <p:nvSpPr>
+          <p:cNvPr id="11" name="Google Shape;90;p15">
+            <a:extLst>
+              <a:ext uri="{FF2B5EF4-FFF2-40B4-BE49-F238E27FC236}">
+                <a16:creationId xmlns:a16="http://schemas.microsoft.com/office/drawing/2014/main" id="{E8C4B402-9C0E-3E30-E033-A2D9F15323A6}"/>
+              </a:ext>
+            </a:extLst>
+          </p:cNvPr>
+          <p:cNvSpPr/>
+          <p:nvPr/>
+        </p:nvSpPr>
+        <p:spPr>
+          <a:xfrm>
+            <a:off x="9365775" y="3701554"/>
+            <a:ext cx="2410800" cy="1648500"/>
+          </a:xfrm>
+          <a:prstGeom prst="roundRect">
+            <a:avLst>
+              <a:gd name="adj" fmla="val 16667"/>
+            </a:avLst>
+          </a:prstGeom>
+          <a:solidFill>
+            <a:srgbClr val="D0E0E3"/>
+          </a:solidFill>
+          <a:ln w="28575" cap="flat" cmpd="sng">
+            <a:solidFill>
+              <a:srgbClr val="134F5C"/>
+            </a:solidFill>
+            <a:prstDash val="solid"/>
+            <a:round/>
+            <a:headEnd type="none" w="sm" len="sm"/>
+            <a:tailEnd type="none" w="sm" len="sm"/>
+          </a:ln>
+        </p:spPr>
+        <p:txBody>
+          <a:bodyPr spcFirstLastPara="1" wrap="square" lIns="91425" tIns="91425" rIns="91425" bIns="91425" anchor="t" anchorCtr="0">
+            <a:noAutofit/>
+          </a:bodyPr>
+          <a:lstStyle/>
+          <a:p>
+            <a:pPr marL="0" lvl="0" indent="0" algn="l" rtl="0">
+              <a:spcBef>
+                <a:spcPts val="0"/>
+              </a:spcBef>
+              <a:spcAft>
+                <a:spcPts val="0"/>
+              </a:spcAft>
+              <a:buNone/>
+            </a:pPr>
+            <a:r>
+              <a:rPr lang="en-US" sz="2000" noProof="0" dirty="0">
+                <a:latin typeface="Consolas"/>
+                <a:ea typeface="Consolas"/>
+                <a:cs typeface="Consolas"/>
+                <a:sym typeface="Consolas"/>
+              </a:rPr>
+              <a:t>Review Design Patterns</a:t>
+            </a:r>
+          </a:p>
+          <a:p>
+            <a:pPr marL="0" lvl="0" indent="0" algn="l" rtl="0">
+              <a:spcBef>
+                <a:spcPts val="0"/>
+              </a:spcBef>
+              <a:spcAft>
+                <a:spcPts val="0"/>
+              </a:spcAft>
+              <a:buNone/>
+            </a:pPr>
+            <a:endParaRPr lang="en-US" sz="2000" noProof="0" dirty="0">
+              <a:latin typeface="Consolas"/>
+              <a:ea typeface="Consolas"/>
+              <a:cs typeface="Consolas"/>
+              <a:sym typeface="Consolas"/>
+            </a:endParaRPr>
+          </a:p>
+        </p:txBody>
+      </p:sp>
+      <p:sp>
+        <p:nvSpPr>
+          <p:cNvPr id="12" name="Google Shape;90;p15">
+            <a:extLst>
+              <a:ext uri="{FF2B5EF4-FFF2-40B4-BE49-F238E27FC236}">
+                <a16:creationId xmlns:a16="http://schemas.microsoft.com/office/drawing/2014/main" id="{73E292EB-E1AA-6C46-5214-CE406F0CCE60}"/>
+              </a:ext>
+            </a:extLst>
+          </p:cNvPr>
+          <p:cNvSpPr/>
+          <p:nvPr/>
+        </p:nvSpPr>
+        <p:spPr>
+          <a:xfrm>
+            <a:off x="9365775" y="4625588"/>
+            <a:ext cx="2410800" cy="2184131"/>
+          </a:xfrm>
+          <a:prstGeom prst="roundRect">
+            <a:avLst>
+              <a:gd name="adj" fmla="val 16667"/>
+            </a:avLst>
+          </a:prstGeom>
+          <a:solidFill>
+            <a:srgbClr val="D0E0E3"/>
+          </a:solidFill>
+          <a:ln w="28575" cap="flat" cmpd="sng">
+            <a:solidFill>
+              <a:srgbClr val="134F5C"/>
+            </a:solidFill>
+            <a:prstDash val="solid"/>
+            <a:round/>
+            <a:headEnd type="none" w="sm" len="sm"/>
+            <a:tailEnd type="none" w="sm" len="sm"/>
+          </a:ln>
+        </p:spPr>
+        <p:txBody>
+          <a:bodyPr spcFirstLastPara="1" wrap="square" lIns="91425" tIns="91425" rIns="91425" bIns="91425" anchor="t" anchorCtr="0">
+            <a:noAutofit/>
+          </a:bodyPr>
+          <a:lstStyle/>
+          <a:p>
+            <a:pPr marL="0" lvl="0" indent="0" algn="l" rtl="0">
+              <a:spcBef>
+                <a:spcPts val="0"/>
+              </a:spcBef>
+              <a:spcAft>
+                <a:spcPts val="0"/>
+              </a:spcAft>
+              <a:buNone/>
+            </a:pPr>
+            <a:r>
+              <a:rPr lang="en-US" sz="2000" noProof="0" dirty="0">
+                <a:latin typeface="Consolas"/>
+                <a:ea typeface="Consolas"/>
+                <a:cs typeface="Consolas"/>
+                <a:sym typeface="Consolas"/>
+              </a:rPr>
+              <a:t>Produce a report with the metrics – based overview of the code base</a:t>
+            </a:r>
+          </a:p>
+        </p:txBody>
+      </p:sp>
+    </p:spTree>
+    <p:extLst>
+      <p:ext uri="{BB962C8B-B14F-4D97-AF65-F5344CB8AC3E}">
+        <p14:creationId xmlns:p14="http://schemas.microsoft.com/office/powerpoint/2010/main" val="1076899124"/>
+      </p:ext>
+    </p:extLst>
+  </p:cSld>
+  <p:clrMapOvr>
+    <a:masterClrMapping/>
+  </p:clrMapOvr>
+</p:sld>
+</file>
+
+<file path=ppt/slides/slide8.xml><?xml version="1.0" encoding="utf-8"?>
+<p:sld xmlns:a="http://schemas.openxmlformats.org/drawingml/2006/main" xmlns:r="http://schemas.openxmlformats.org/officeDocument/2006/relationships" xmlns:p="http://schemas.openxmlformats.org/presentationml/2006/main">
+  <p:cSld>
+    <p:spTree>
+      <p:nvGrpSpPr>
+        <p:cNvPr id="1" name="Shape 65">
+          <a:extLst>
+            <a:ext uri="{FF2B5EF4-FFF2-40B4-BE49-F238E27FC236}">
+              <a16:creationId xmlns:a16="http://schemas.microsoft.com/office/drawing/2014/main" id="{82A5E3FA-9CA5-D507-15DB-7C9586DE0D6D}"/>
+            </a:ext>
+          </a:extLst>
+        </p:cNvPr>
+        <p:cNvGrpSpPr/>
+        <p:nvPr/>
+      </p:nvGrpSpPr>
+      <p:grpSpPr>
+        <a:xfrm>
+          <a:off x="0" y="0"/>
+          <a:ext cx="0" cy="0"/>
+          <a:chOff x="0" y="0"/>
+          <a:chExt cx="0" cy="0"/>
+        </a:xfrm>
+      </p:grpSpPr>
+      <p:cxnSp>
+        <p:nvCxnSpPr>
+          <p:cNvPr id="66" name="Google Shape;66;p15">
+            <a:extLst>
+              <a:ext uri="{FF2B5EF4-FFF2-40B4-BE49-F238E27FC236}">
+                <a16:creationId xmlns:a16="http://schemas.microsoft.com/office/drawing/2014/main" id="{16869B69-51AB-454A-D10A-BC4FA6F34ED8}"/>
+              </a:ext>
+            </a:extLst>
+          </p:cNvPr>
+          <p:cNvCxnSpPr/>
+          <p:nvPr/>
+        </p:nvCxnSpPr>
+        <p:spPr>
+          <a:xfrm>
+            <a:off x="5944724" y="-31500"/>
+            <a:ext cx="0" cy="10857000"/>
+          </a:xfrm>
+          <a:prstGeom prst="straightConnector1">
+            <a:avLst/>
+          </a:prstGeom>
+          <a:noFill/>
+          <a:ln w="38100" cap="flat" cmpd="sng">
+            <a:solidFill>
+              <a:srgbClr val="5B0F00"/>
+            </a:solidFill>
+            <a:prstDash val="solid"/>
+            <a:round/>
+            <a:headEnd type="none" w="med" len="med"/>
+            <a:tailEnd type="none" w="med" len="med"/>
+          </a:ln>
+        </p:spPr>
+      </p:cxnSp>
+      <p:sp>
+        <p:nvSpPr>
+          <p:cNvPr id="67" name="Google Shape;67;p15">
+            <a:extLst>
+              <a:ext uri="{FF2B5EF4-FFF2-40B4-BE49-F238E27FC236}">
+                <a16:creationId xmlns:a16="http://schemas.microsoft.com/office/drawing/2014/main" id="{CA9F4770-2EDD-BB5A-3C21-8BE0E30C7345}"/>
+              </a:ext>
+            </a:extLst>
+          </p:cNvPr>
+          <p:cNvSpPr/>
+          <p:nvPr/>
+        </p:nvSpPr>
+        <p:spPr>
+          <a:xfrm>
+            <a:off x="3197186" y="84312"/>
+            <a:ext cx="2410800" cy="480900"/>
+          </a:xfrm>
+          <a:prstGeom prst="roundRect">
+            <a:avLst>
+              <a:gd name="adj" fmla="val 16667"/>
+            </a:avLst>
+          </a:prstGeom>
+          <a:solidFill>
+            <a:srgbClr val="F9CB9C"/>
+          </a:solidFill>
+          <a:ln w="28575" cap="flat" cmpd="sng">
+            <a:solidFill>
+              <a:srgbClr val="B45F06"/>
+            </a:solidFill>
+            <a:prstDash val="solid"/>
+            <a:round/>
+            <a:headEnd type="none" w="sm" len="sm"/>
+            <a:tailEnd type="none" w="sm" len="sm"/>
+          </a:ln>
+        </p:spPr>
+        <p:txBody>
+          <a:bodyPr spcFirstLastPara="1" wrap="square" lIns="91425" tIns="91425" rIns="91425" bIns="91425" anchor="ctr" anchorCtr="0">
+            <a:noAutofit/>
+          </a:bodyPr>
+          <a:lstStyle/>
+          <a:p>
+            <a:pPr marL="0" lvl="0" indent="0" algn="ctr" rtl="0">
+              <a:spcBef>
+                <a:spcPts val="0"/>
+              </a:spcBef>
+              <a:spcAft>
+                <a:spcPts val="0"/>
+              </a:spcAft>
+              <a:buNone/>
+            </a:pPr>
+            <a:r>
+              <a:rPr lang="en-US" sz="1800" b="1" noProof="0" dirty="0">
+                <a:latin typeface="Consolas"/>
+                <a:ea typeface="Consolas"/>
+                <a:cs typeface="Consolas"/>
+                <a:sym typeface="Consolas"/>
+              </a:rPr>
+              <a:t>Student ID</a:t>
+            </a:r>
+          </a:p>
+        </p:txBody>
+      </p:sp>
+      <p:sp>
+        <p:nvSpPr>
+          <p:cNvPr id="68" name="Google Shape;68;p15">
+            <a:extLst>
+              <a:ext uri="{FF2B5EF4-FFF2-40B4-BE49-F238E27FC236}">
+                <a16:creationId xmlns:a16="http://schemas.microsoft.com/office/drawing/2014/main" id="{4A86A9F5-8A1B-1A89-F576-027A4218A631}"/>
+              </a:ext>
+            </a:extLst>
+          </p:cNvPr>
+          <p:cNvSpPr/>
+          <p:nvPr/>
+        </p:nvSpPr>
+        <p:spPr>
+          <a:xfrm>
+            <a:off x="6281636" y="84312"/>
+            <a:ext cx="2410800" cy="480900"/>
+          </a:xfrm>
+          <a:prstGeom prst="roundRect">
+            <a:avLst>
+              <a:gd name="adj" fmla="val 16667"/>
+            </a:avLst>
+          </a:prstGeom>
+          <a:solidFill>
+            <a:srgbClr val="F9CB9C"/>
+          </a:solidFill>
+          <a:ln w="28575" cap="flat" cmpd="sng">
+            <a:solidFill>
+              <a:srgbClr val="B45F06"/>
+            </a:solidFill>
+            <a:prstDash val="solid"/>
+            <a:round/>
+            <a:headEnd type="none" w="sm" len="sm"/>
+            <a:tailEnd type="none" w="sm" len="sm"/>
+          </a:ln>
+        </p:spPr>
+        <p:txBody>
+          <a:bodyPr spcFirstLastPara="1" wrap="square" lIns="91425" tIns="91425" rIns="91425" bIns="91425" anchor="ctr" anchorCtr="0">
+            <a:noAutofit/>
+          </a:bodyPr>
+          <a:lstStyle/>
+          <a:p>
+            <a:pPr marL="0" lvl="0" indent="0" algn="ctr" rtl="0">
+              <a:spcBef>
+                <a:spcPts val="0"/>
+              </a:spcBef>
+              <a:spcAft>
+                <a:spcPts val="0"/>
+              </a:spcAft>
+              <a:buNone/>
+            </a:pPr>
+            <a:r>
+              <a:rPr lang="en-US" sz="1800" b="1" noProof="0" dirty="0">
+                <a:latin typeface="Consolas"/>
+                <a:ea typeface="Consolas"/>
+                <a:cs typeface="Consolas"/>
+                <a:sym typeface="Consolas"/>
+              </a:rPr>
+              <a:t>Story</a:t>
+            </a:r>
+          </a:p>
+        </p:txBody>
+      </p:sp>
+      <p:sp>
+        <p:nvSpPr>
+          <p:cNvPr id="69" name="Google Shape;69;p15">
+            <a:extLst>
+              <a:ext uri="{FF2B5EF4-FFF2-40B4-BE49-F238E27FC236}">
+                <a16:creationId xmlns:a16="http://schemas.microsoft.com/office/drawing/2014/main" id="{ABE2D921-A41E-0218-8268-B086C839E0B1}"/>
+              </a:ext>
+            </a:extLst>
+          </p:cNvPr>
+          <p:cNvSpPr/>
+          <p:nvPr/>
+        </p:nvSpPr>
+        <p:spPr>
+          <a:xfrm>
+            <a:off x="9366071" y="84312"/>
+            <a:ext cx="2410800" cy="480900"/>
+          </a:xfrm>
+          <a:prstGeom prst="roundRect">
+            <a:avLst>
+              <a:gd name="adj" fmla="val 16667"/>
+            </a:avLst>
+          </a:prstGeom>
+          <a:solidFill>
+            <a:srgbClr val="F9CB9C"/>
+          </a:solidFill>
+          <a:ln w="28575" cap="flat" cmpd="sng">
+            <a:solidFill>
+              <a:srgbClr val="B45F06"/>
+            </a:solidFill>
+            <a:prstDash val="solid"/>
+            <a:round/>
+            <a:headEnd type="none" w="sm" len="sm"/>
+            <a:tailEnd type="none" w="sm" len="sm"/>
+          </a:ln>
+        </p:spPr>
+        <p:txBody>
+          <a:bodyPr spcFirstLastPara="1" wrap="square" lIns="91425" tIns="91425" rIns="91425" bIns="91425" anchor="ctr" anchorCtr="0">
+            <a:noAutofit/>
+          </a:bodyPr>
+          <a:lstStyle/>
+          <a:p>
+            <a:pPr marL="0" lvl="0" indent="0" algn="ctr" rtl="0">
+              <a:spcBef>
+                <a:spcPts val="0"/>
+              </a:spcBef>
+              <a:spcAft>
+                <a:spcPts val="0"/>
+              </a:spcAft>
+              <a:buNone/>
+            </a:pPr>
+            <a:r>
+              <a:rPr lang="en-US" sz="1800" b="1" noProof="0" dirty="0">
+                <a:latin typeface="Consolas"/>
+                <a:ea typeface="Consolas"/>
+                <a:cs typeface="Consolas"/>
+                <a:sym typeface="Consolas"/>
+              </a:rPr>
+              <a:t>To Do</a:t>
+            </a:r>
+          </a:p>
+        </p:txBody>
+      </p:sp>
+      <p:sp>
+        <p:nvSpPr>
+          <p:cNvPr id="70" name="Google Shape;70;p15">
+            <a:extLst>
+              <a:ext uri="{FF2B5EF4-FFF2-40B4-BE49-F238E27FC236}">
+                <a16:creationId xmlns:a16="http://schemas.microsoft.com/office/drawing/2014/main" id="{39588FB4-B96A-A6C2-EDAC-9FC35E0ED572}"/>
+              </a:ext>
+            </a:extLst>
+          </p:cNvPr>
+          <p:cNvSpPr/>
+          <p:nvPr/>
+        </p:nvSpPr>
+        <p:spPr>
+          <a:xfrm>
+            <a:off x="12395940" y="84312"/>
+            <a:ext cx="2410800" cy="480900"/>
+          </a:xfrm>
+          <a:prstGeom prst="roundRect">
+            <a:avLst>
+              <a:gd name="adj" fmla="val 16667"/>
+            </a:avLst>
+          </a:prstGeom>
+          <a:solidFill>
+            <a:srgbClr val="F9CB9C"/>
+          </a:solidFill>
+          <a:ln w="28575" cap="flat" cmpd="sng">
+            <a:solidFill>
+              <a:srgbClr val="B45F06"/>
+            </a:solidFill>
+            <a:prstDash val="solid"/>
+            <a:round/>
+            <a:headEnd type="none" w="sm" len="sm"/>
+            <a:tailEnd type="none" w="sm" len="sm"/>
+          </a:ln>
+        </p:spPr>
+        <p:txBody>
+          <a:bodyPr spcFirstLastPara="1" wrap="square" lIns="91425" tIns="91425" rIns="91425" bIns="91425" anchor="ctr" anchorCtr="0">
+            <a:noAutofit/>
+          </a:bodyPr>
+          <a:lstStyle/>
+          <a:p>
+            <a:pPr marL="0" lvl="0" indent="0" algn="ctr" rtl="0">
+              <a:spcBef>
+                <a:spcPts val="0"/>
+              </a:spcBef>
+              <a:spcAft>
+                <a:spcPts val="0"/>
+              </a:spcAft>
+              <a:buNone/>
+            </a:pPr>
+            <a:r>
+              <a:rPr lang="en-US" sz="1800" b="1" noProof="0" dirty="0">
+                <a:latin typeface="Consolas"/>
+                <a:ea typeface="Consolas"/>
+                <a:cs typeface="Consolas"/>
+                <a:sym typeface="Consolas"/>
+              </a:rPr>
+              <a:t>Doing</a:t>
+            </a:r>
+          </a:p>
+        </p:txBody>
+      </p:sp>
+      <p:sp>
+        <p:nvSpPr>
+          <p:cNvPr id="71" name="Google Shape;71;p15">
+            <a:extLst>
+              <a:ext uri="{FF2B5EF4-FFF2-40B4-BE49-F238E27FC236}">
+                <a16:creationId xmlns:a16="http://schemas.microsoft.com/office/drawing/2014/main" id="{58435FF5-4D58-FF61-35F4-E673B6100CFF}"/>
+              </a:ext>
+            </a:extLst>
+          </p:cNvPr>
+          <p:cNvSpPr/>
+          <p:nvPr/>
+        </p:nvSpPr>
+        <p:spPr>
+          <a:xfrm>
+            <a:off x="15532407" y="84312"/>
+            <a:ext cx="2410800" cy="480900"/>
+          </a:xfrm>
+          <a:prstGeom prst="roundRect">
+            <a:avLst>
+              <a:gd name="adj" fmla="val 16667"/>
+            </a:avLst>
+          </a:prstGeom>
+          <a:solidFill>
+            <a:srgbClr val="F9CB9C"/>
+          </a:solidFill>
+          <a:ln w="28575" cap="flat" cmpd="sng">
+            <a:solidFill>
+              <a:srgbClr val="B45F06"/>
+            </a:solidFill>
+            <a:prstDash val="solid"/>
+            <a:round/>
+            <a:headEnd type="none" w="sm" len="sm"/>
+            <a:tailEnd type="none" w="sm" len="sm"/>
+          </a:ln>
+        </p:spPr>
+        <p:txBody>
+          <a:bodyPr spcFirstLastPara="1" wrap="square" lIns="91425" tIns="91425" rIns="91425" bIns="91425" anchor="ctr" anchorCtr="0">
+            <a:noAutofit/>
+          </a:bodyPr>
+          <a:lstStyle/>
+          <a:p>
+            <a:pPr marL="0" lvl="0" indent="0" algn="ctr" rtl="0">
+              <a:spcBef>
+                <a:spcPts val="0"/>
+              </a:spcBef>
+              <a:spcAft>
+                <a:spcPts val="0"/>
+              </a:spcAft>
+              <a:buNone/>
+            </a:pPr>
+            <a:r>
+              <a:rPr lang="en-US" sz="1800" b="1" noProof="0" dirty="0">
+                <a:latin typeface="Consolas"/>
+                <a:ea typeface="Consolas"/>
+                <a:cs typeface="Consolas"/>
+                <a:sym typeface="Consolas"/>
+              </a:rPr>
+              <a:t>Review</a:t>
+            </a:r>
+          </a:p>
+        </p:txBody>
+      </p:sp>
+      <p:sp>
+        <p:nvSpPr>
+          <p:cNvPr id="72" name="Google Shape;72;p15">
+            <a:extLst>
+              <a:ext uri="{FF2B5EF4-FFF2-40B4-BE49-F238E27FC236}">
+                <a16:creationId xmlns:a16="http://schemas.microsoft.com/office/drawing/2014/main" id="{C8A8DEA7-AEB1-32F3-D4C1-2DA74D89A637}"/>
+              </a:ext>
+            </a:extLst>
+          </p:cNvPr>
+          <p:cNvSpPr/>
+          <p:nvPr/>
+        </p:nvSpPr>
+        <p:spPr>
+          <a:xfrm>
+            <a:off x="18668888" y="84312"/>
+            <a:ext cx="2410800" cy="480900"/>
+          </a:xfrm>
+          <a:prstGeom prst="roundRect">
+            <a:avLst>
+              <a:gd name="adj" fmla="val 16667"/>
+            </a:avLst>
+          </a:prstGeom>
+          <a:solidFill>
+            <a:srgbClr val="F9CB9C"/>
+          </a:solidFill>
+          <a:ln w="28575" cap="flat" cmpd="sng">
+            <a:solidFill>
+              <a:srgbClr val="B45F06"/>
+            </a:solidFill>
+            <a:prstDash val="solid"/>
+            <a:round/>
+            <a:headEnd type="none" w="sm" len="sm"/>
+            <a:tailEnd type="none" w="sm" len="sm"/>
+          </a:ln>
+        </p:spPr>
+        <p:txBody>
+          <a:bodyPr spcFirstLastPara="1" wrap="square" lIns="91425" tIns="91425" rIns="91425" bIns="91425" anchor="ctr" anchorCtr="0">
+            <a:noAutofit/>
+          </a:bodyPr>
+          <a:lstStyle/>
+          <a:p>
+            <a:pPr marL="0" lvl="0" indent="0" algn="ctr" rtl="0">
+              <a:spcBef>
+                <a:spcPts val="0"/>
+              </a:spcBef>
+              <a:spcAft>
+                <a:spcPts val="0"/>
+              </a:spcAft>
+              <a:buNone/>
+            </a:pPr>
+            <a:r>
+              <a:rPr lang="en-US" sz="1800" b="1" noProof="0" dirty="0">
+                <a:latin typeface="Consolas"/>
+                <a:ea typeface="Consolas"/>
+                <a:cs typeface="Consolas"/>
+                <a:sym typeface="Consolas"/>
+              </a:rPr>
+              <a:t>Done</a:t>
+            </a:r>
+          </a:p>
+        </p:txBody>
+      </p:sp>
+      <p:sp>
+        <p:nvSpPr>
+          <p:cNvPr id="73" name="Google Shape;73;p15">
+            <a:extLst>
+              <a:ext uri="{FF2B5EF4-FFF2-40B4-BE49-F238E27FC236}">
+                <a16:creationId xmlns:a16="http://schemas.microsoft.com/office/drawing/2014/main" id="{40AA57B6-970C-41F9-17EF-B98BFF12FC3C}"/>
+              </a:ext>
+            </a:extLst>
+          </p:cNvPr>
+          <p:cNvSpPr/>
+          <p:nvPr/>
+        </p:nvSpPr>
+        <p:spPr>
+          <a:xfrm>
+            <a:off x="167288" y="84312"/>
+            <a:ext cx="2410800" cy="480900"/>
+          </a:xfrm>
+          <a:prstGeom prst="roundRect">
+            <a:avLst>
+              <a:gd name="adj" fmla="val 16667"/>
+            </a:avLst>
+          </a:prstGeom>
+          <a:solidFill>
+            <a:srgbClr val="F9CB9C"/>
+          </a:solidFill>
+          <a:ln w="28575" cap="flat" cmpd="sng">
+            <a:solidFill>
+              <a:srgbClr val="B45F06"/>
+            </a:solidFill>
+            <a:prstDash val="solid"/>
+            <a:round/>
+            <a:headEnd type="none" w="sm" len="sm"/>
+            <a:tailEnd type="none" w="sm" len="sm"/>
+          </a:ln>
+        </p:spPr>
+        <p:txBody>
+          <a:bodyPr spcFirstLastPara="1" wrap="square" lIns="91425" tIns="91425" rIns="91425" bIns="91425" anchor="ctr" anchorCtr="0">
+            <a:noAutofit/>
+          </a:bodyPr>
+          <a:lstStyle/>
+          <a:p>
+            <a:pPr marL="0" lvl="0" indent="0" algn="ctr" rtl="0">
+              <a:spcBef>
+                <a:spcPts val="0"/>
+              </a:spcBef>
+              <a:spcAft>
+                <a:spcPts val="0"/>
+              </a:spcAft>
+              <a:buNone/>
+            </a:pPr>
+            <a:r>
+              <a:rPr lang="en-US" sz="1800" b="1" noProof="0" dirty="0">
+                <a:latin typeface="Consolas"/>
+                <a:ea typeface="Consolas"/>
+                <a:cs typeface="Consolas"/>
+                <a:sym typeface="Consolas"/>
+              </a:rPr>
+              <a:t>Backlog</a:t>
+            </a:r>
+          </a:p>
+        </p:txBody>
+      </p:sp>
+      <p:sp>
+        <p:nvSpPr>
+          <p:cNvPr id="74" name="Google Shape;74;p15">
+            <a:extLst>
+              <a:ext uri="{FF2B5EF4-FFF2-40B4-BE49-F238E27FC236}">
+                <a16:creationId xmlns:a16="http://schemas.microsoft.com/office/drawing/2014/main" id="{A2DF286B-10A4-3F41-5D59-84E41AC1A8D3}"/>
+              </a:ext>
+            </a:extLst>
+          </p:cNvPr>
+          <p:cNvSpPr/>
+          <p:nvPr/>
+        </p:nvSpPr>
+        <p:spPr>
+          <a:xfrm>
+            <a:off x="3211113" y="5397000"/>
+            <a:ext cx="2410800" cy="480900"/>
+          </a:xfrm>
+          <a:prstGeom prst="roundRect">
+            <a:avLst>
+              <a:gd name="adj" fmla="val 16667"/>
+            </a:avLst>
+          </a:prstGeom>
+          <a:solidFill>
+            <a:srgbClr val="E6B8AF"/>
+          </a:solidFill>
+          <a:ln w="28575" cap="flat" cmpd="sng">
+            <a:solidFill>
+              <a:srgbClr val="5B0F00"/>
+            </a:solidFill>
+            <a:prstDash val="solid"/>
+            <a:round/>
+            <a:headEnd type="none" w="sm" len="sm"/>
+            <a:tailEnd type="none" w="sm" len="sm"/>
+          </a:ln>
+        </p:spPr>
+        <p:txBody>
+          <a:bodyPr spcFirstLastPara="1" wrap="square" lIns="91425" tIns="91425" rIns="91425" bIns="91425" anchor="ctr" anchorCtr="0">
+            <a:noAutofit/>
+          </a:bodyPr>
+          <a:lstStyle/>
+          <a:p>
+            <a:pPr marL="0" lvl="0" indent="0" algn="ctr" rtl="0">
+              <a:spcBef>
+                <a:spcPts val="0"/>
+              </a:spcBef>
+              <a:spcAft>
+                <a:spcPts val="0"/>
+              </a:spcAft>
+              <a:buNone/>
+            </a:pPr>
+            <a:r>
+              <a:rPr lang="en-US" sz="1800" b="1" noProof="0" dirty="0">
+                <a:latin typeface="Consolas"/>
+                <a:ea typeface="Consolas"/>
+                <a:cs typeface="Consolas"/>
+                <a:sym typeface="Consolas"/>
+              </a:rPr>
+              <a:t>Everyone</a:t>
+            </a:r>
+          </a:p>
+        </p:txBody>
+      </p:sp>
+      <p:sp>
+        <p:nvSpPr>
+          <p:cNvPr id="88" name="Google Shape;88;p15">
+            <a:extLst>
+              <a:ext uri="{FF2B5EF4-FFF2-40B4-BE49-F238E27FC236}">
+                <a16:creationId xmlns:a16="http://schemas.microsoft.com/office/drawing/2014/main" id="{8BA409A1-767C-45F1-9DFC-DD5A791507BC}"/>
+              </a:ext>
+            </a:extLst>
+          </p:cNvPr>
+          <p:cNvSpPr/>
+          <p:nvPr/>
+        </p:nvSpPr>
+        <p:spPr>
+          <a:xfrm>
+            <a:off x="12395940" y="849419"/>
+            <a:ext cx="2410800" cy="1648500"/>
+          </a:xfrm>
+          <a:prstGeom prst="roundRect">
+            <a:avLst>
+              <a:gd name="adj" fmla="val 16667"/>
+            </a:avLst>
+          </a:prstGeom>
+          <a:solidFill>
+            <a:srgbClr val="D9EAD3"/>
+          </a:solidFill>
+          <a:ln w="28575" cap="flat" cmpd="sng">
+            <a:solidFill>
+              <a:srgbClr val="274E13"/>
+            </a:solidFill>
+            <a:prstDash val="solid"/>
+            <a:round/>
+            <a:headEnd type="none" w="sm" len="sm"/>
+            <a:tailEnd type="none" w="sm" len="sm"/>
+          </a:ln>
+        </p:spPr>
+        <p:txBody>
+          <a:bodyPr spcFirstLastPara="1" wrap="square" lIns="91425" tIns="91425" rIns="91425" bIns="91425" anchor="t" anchorCtr="0">
+            <a:noAutofit/>
+          </a:bodyPr>
+          <a:lstStyle/>
+          <a:p>
+            <a:pPr marL="0" lvl="0" indent="0" algn="l" rtl="0">
+              <a:spcBef>
+                <a:spcPts val="0"/>
+              </a:spcBef>
+              <a:spcAft>
+                <a:spcPts val="0"/>
+              </a:spcAft>
+              <a:buNone/>
+            </a:pPr>
+            <a:r>
+              <a:rPr lang="en-US" sz="2000" noProof="0" dirty="0">
+                <a:latin typeface="Consolas"/>
+                <a:ea typeface="Consolas"/>
+                <a:cs typeface="Consolas"/>
+                <a:sym typeface="Consolas"/>
+              </a:rPr>
+              <a:t>Find code smells</a:t>
+            </a:r>
+          </a:p>
+        </p:txBody>
+      </p:sp>
+      <p:sp>
+        <p:nvSpPr>
+          <p:cNvPr id="90" name="Google Shape;90;p15">
+            <a:extLst>
+              <a:ext uri="{FF2B5EF4-FFF2-40B4-BE49-F238E27FC236}">
+                <a16:creationId xmlns:a16="http://schemas.microsoft.com/office/drawing/2014/main" id="{305F5A41-E805-D7D9-7E76-45FF6908361D}"/>
+              </a:ext>
+            </a:extLst>
+          </p:cNvPr>
+          <p:cNvSpPr/>
+          <p:nvPr/>
+        </p:nvSpPr>
+        <p:spPr>
+          <a:xfrm>
+            <a:off x="12395940" y="1673669"/>
+            <a:ext cx="2410800" cy="1648500"/>
+          </a:xfrm>
+          <a:prstGeom prst="roundRect">
+            <a:avLst>
+              <a:gd name="adj" fmla="val 16667"/>
+            </a:avLst>
+          </a:prstGeom>
+          <a:solidFill>
+            <a:srgbClr val="D0E0E3"/>
+          </a:solidFill>
+          <a:ln w="28575" cap="flat" cmpd="sng">
+            <a:solidFill>
+              <a:srgbClr val="134F5C"/>
+            </a:solidFill>
+            <a:prstDash val="solid"/>
+            <a:round/>
+            <a:headEnd type="none" w="sm" len="sm"/>
+            <a:tailEnd type="none" w="sm" len="sm"/>
+          </a:ln>
+        </p:spPr>
+        <p:txBody>
+          <a:bodyPr spcFirstLastPara="1" wrap="square" lIns="91425" tIns="91425" rIns="91425" bIns="91425" anchor="t" anchorCtr="0">
+            <a:noAutofit/>
+          </a:bodyPr>
+          <a:lstStyle/>
+          <a:p>
+            <a:pPr marL="0" lvl="0" indent="0" algn="l" rtl="0">
+              <a:spcBef>
+                <a:spcPts val="0"/>
+              </a:spcBef>
+              <a:spcAft>
+                <a:spcPts val="0"/>
+              </a:spcAft>
+              <a:buNone/>
+            </a:pPr>
+            <a:r>
+              <a:rPr lang="en-US" sz="2000" noProof="0" dirty="0">
+                <a:latin typeface="Consolas"/>
+                <a:ea typeface="Consolas"/>
+                <a:cs typeface="Consolas"/>
+                <a:sym typeface="Consolas"/>
+              </a:rPr>
+              <a:t>Review other’s  code smells</a:t>
+            </a:r>
+          </a:p>
+        </p:txBody>
+      </p:sp>
+      <p:cxnSp>
+        <p:nvCxnSpPr>
+          <p:cNvPr id="91" name="Google Shape;91;p15">
+            <a:extLst>
+              <a:ext uri="{FF2B5EF4-FFF2-40B4-BE49-F238E27FC236}">
+                <a16:creationId xmlns:a16="http://schemas.microsoft.com/office/drawing/2014/main" id="{454BC3EC-8B77-19EF-B43A-777407A08B24}"/>
+              </a:ext>
+            </a:extLst>
+          </p:cNvPr>
+          <p:cNvCxnSpPr/>
+          <p:nvPr/>
+        </p:nvCxnSpPr>
+        <p:spPr>
+          <a:xfrm>
+            <a:off x="2874374" y="-28500"/>
+            <a:ext cx="0" cy="10857000"/>
+          </a:xfrm>
+          <a:prstGeom prst="straightConnector1">
+            <a:avLst/>
+          </a:prstGeom>
+          <a:noFill/>
+          <a:ln w="38100" cap="flat" cmpd="sng">
+            <a:solidFill>
+              <a:srgbClr val="5B0F00"/>
+            </a:solidFill>
+            <a:prstDash val="solid"/>
+            <a:round/>
+            <a:headEnd type="none" w="med" len="med"/>
+            <a:tailEnd type="none" w="med" len="med"/>
+          </a:ln>
+        </p:spPr>
+      </p:cxnSp>
+      <p:sp>
+        <p:nvSpPr>
+          <p:cNvPr id="2" name="Google Shape;88;p15">
+            <a:extLst>
+              <a:ext uri="{FF2B5EF4-FFF2-40B4-BE49-F238E27FC236}">
+                <a16:creationId xmlns:a16="http://schemas.microsoft.com/office/drawing/2014/main" id="{7D24DD12-A261-5FE1-8C4F-737229A6A150}"/>
+              </a:ext>
+            </a:extLst>
+          </p:cNvPr>
+          <p:cNvSpPr/>
+          <p:nvPr/>
+        </p:nvSpPr>
+        <p:spPr>
+          <a:xfrm>
+            <a:off x="18668888" y="2497919"/>
+            <a:ext cx="2410800" cy="1648500"/>
+          </a:xfrm>
+          <a:prstGeom prst="roundRect">
+            <a:avLst>
+              <a:gd name="adj" fmla="val 16667"/>
+            </a:avLst>
+          </a:prstGeom>
+          <a:solidFill>
+            <a:srgbClr val="D9EAD3"/>
+          </a:solidFill>
+          <a:ln w="28575" cap="flat" cmpd="sng">
+            <a:solidFill>
+              <a:srgbClr val="274E13"/>
+            </a:solidFill>
+            <a:prstDash val="solid"/>
+            <a:round/>
+            <a:headEnd type="none" w="sm" len="sm"/>
+            <a:tailEnd type="none" w="sm" len="sm"/>
+          </a:ln>
+        </p:spPr>
+        <p:txBody>
+          <a:bodyPr spcFirstLastPara="1" wrap="square" lIns="91425" tIns="91425" rIns="91425" bIns="91425" anchor="t" anchorCtr="0">
+            <a:noAutofit/>
+          </a:bodyPr>
+          <a:lstStyle/>
+          <a:p>
+            <a:pPr marL="0" lvl="0" indent="0" algn="l" rtl="0">
+              <a:spcBef>
+                <a:spcPts val="0"/>
+              </a:spcBef>
+              <a:spcAft>
+                <a:spcPts val="0"/>
+              </a:spcAft>
+              <a:buNone/>
+            </a:pPr>
+            <a:r>
+              <a:rPr lang="en-US" noProof="0" dirty="0">
+                <a:latin typeface="Consolas"/>
+                <a:ea typeface="Consolas"/>
+                <a:cs typeface="Consolas"/>
+                <a:sym typeface="Consolas"/>
+              </a:rPr>
+              <a:t>T1: Make 3 User Stories</a:t>
+            </a:r>
+          </a:p>
+        </p:txBody>
+      </p:sp>
+      <p:sp>
+        <p:nvSpPr>
+          <p:cNvPr id="3" name="Google Shape;90;p15">
+            <a:extLst>
+              <a:ext uri="{FF2B5EF4-FFF2-40B4-BE49-F238E27FC236}">
+                <a16:creationId xmlns:a16="http://schemas.microsoft.com/office/drawing/2014/main" id="{DF9C2926-5CEF-BC66-E6F0-7CAE2DCEC0A8}"/>
+              </a:ext>
+            </a:extLst>
+          </p:cNvPr>
+          <p:cNvSpPr/>
+          <p:nvPr/>
+        </p:nvSpPr>
+        <p:spPr>
+          <a:xfrm>
+            <a:off x="18668888" y="849419"/>
+            <a:ext cx="2410800" cy="1648500"/>
+          </a:xfrm>
+          <a:prstGeom prst="roundRect">
+            <a:avLst>
+              <a:gd name="adj" fmla="val 16667"/>
+            </a:avLst>
+          </a:prstGeom>
+          <a:solidFill>
+            <a:srgbClr val="D0E0E3"/>
+          </a:solidFill>
+          <a:ln w="28575" cap="flat" cmpd="sng">
+            <a:solidFill>
+              <a:srgbClr val="134F5C"/>
+            </a:solidFill>
+            <a:prstDash val="solid"/>
+            <a:round/>
+            <a:headEnd type="none" w="sm" len="sm"/>
+            <a:tailEnd type="none" w="sm" len="sm"/>
+          </a:ln>
+        </p:spPr>
+        <p:txBody>
+          <a:bodyPr spcFirstLastPara="1" wrap="square" lIns="91425" tIns="91425" rIns="91425" bIns="91425" anchor="t" anchorCtr="0">
+            <a:noAutofit/>
+          </a:bodyPr>
+          <a:lstStyle/>
+          <a:p>
+            <a:pPr marL="0" lvl="0" indent="0" algn="l" rtl="0">
+              <a:spcBef>
+                <a:spcPts val="0"/>
+              </a:spcBef>
+              <a:spcAft>
+                <a:spcPts val="0"/>
+              </a:spcAft>
+              <a:buNone/>
+            </a:pPr>
+            <a:r>
+              <a:rPr lang="en-US" noProof="0" dirty="0">
+                <a:latin typeface="Consolas"/>
+                <a:ea typeface="Consolas"/>
+                <a:cs typeface="Consolas"/>
+                <a:sym typeface="Consolas"/>
+              </a:rPr>
+              <a:t>T2: Everyone: Playing the game so we can experience the user’s needs.</a:t>
+            </a:r>
+          </a:p>
+        </p:txBody>
+      </p:sp>
+      <p:sp>
+        <p:nvSpPr>
+          <p:cNvPr id="4" name="Google Shape;88;p15">
+            <a:extLst>
+              <a:ext uri="{FF2B5EF4-FFF2-40B4-BE49-F238E27FC236}">
+                <a16:creationId xmlns:a16="http://schemas.microsoft.com/office/drawing/2014/main" id="{CB359605-36EF-6509-AEFB-52845532E962}"/>
+              </a:ext>
+            </a:extLst>
+          </p:cNvPr>
+          <p:cNvSpPr/>
+          <p:nvPr/>
+        </p:nvSpPr>
+        <p:spPr>
+          <a:xfrm>
+            <a:off x="405410" y="694221"/>
+            <a:ext cx="1867580" cy="3160613"/>
+          </a:xfrm>
+          <a:prstGeom prst="roundRect">
+            <a:avLst>
+              <a:gd name="adj" fmla="val 16667"/>
+            </a:avLst>
+          </a:prstGeom>
+          <a:solidFill>
+            <a:srgbClr val="D9EAD3"/>
+          </a:solidFill>
+          <a:ln w="28575" cap="flat" cmpd="sng">
+            <a:solidFill>
+              <a:srgbClr val="274E13"/>
+            </a:solidFill>
+            <a:prstDash val="solid"/>
+            <a:round/>
+            <a:headEnd type="none" w="sm" len="sm"/>
+            <a:tailEnd type="none" w="sm" len="sm"/>
+          </a:ln>
+        </p:spPr>
+        <p:txBody>
+          <a:bodyPr spcFirstLastPara="1" wrap="square" lIns="91425" tIns="91425" rIns="91425" bIns="91425" anchor="t" anchorCtr="0">
+            <a:noAutofit/>
+          </a:bodyPr>
+          <a:lstStyle/>
+          <a:p>
+            <a:pPr lvl="0"/>
+            <a:r>
+              <a:rPr lang="en-US" noProof="0" dirty="0">
+                <a:latin typeface="Consolas" panose="020B0609020204030204" pitchFamily="49" charset="0"/>
+                <a:ea typeface="Consolas"/>
+                <a:cs typeface="Consolas"/>
+                <a:sym typeface="Consolas"/>
+              </a:rPr>
+              <a:t>US 3:</a:t>
+            </a:r>
+            <a:r>
+              <a:rPr lang="en-US" noProof="0" dirty="0">
+                <a:latin typeface="Consolas" panose="020B0609020204030204" pitchFamily="49" charset="0"/>
+              </a:rPr>
+              <a:t>As a player brand new to </a:t>
+            </a:r>
+            <a:r>
+              <a:rPr lang="en-US" noProof="0" dirty="0" err="1">
+                <a:latin typeface="Consolas" panose="020B0609020204030204" pitchFamily="49" charset="0"/>
+              </a:rPr>
+              <a:t>Mindustry</a:t>
+            </a:r>
+            <a:r>
+              <a:rPr lang="en-US" noProof="0" dirty="0">
+                <a:latin typeface="Consolas" panose="020B0609020204030204" pitchFamily="49" charset="0"/>
+              </a:rPr>
+              <a:t>, I want a more intuitive game tutorial so that I don't get lost and demotivated</a:t>
+            </a:r>
+            <a:r>
+              <a:rPr lang="en-US" noProof="0" dirty="0"/>
+              <a:t>.</a:t>
+            </a:r>
+            <a:endParaRPr lang="en-US" noProof="0" dirty="0">
+              <a:latin typeface="Consolas"/>
+              <a:ea typeface="Consolas"/>
+              <a:cs typeface="Consolas"/>
+              <a:sym typeface="Consolas"/>
+            </a:endParaRPr>
+          </a:p>
+        </p:txBody>
+      </p:sp>
+      <p:sp>
+        <p:nvSpPr>
+          <p:cNvPr id="5" name="Google Shape;88;p15">
+            <a:extLst>
+              <a:ext uri="{FF2B5EF4-FFF2-40B4-BE49-F238E27FC236}">
+                <a16:creationId xmlns:a16="http://schemas.microsoft.com/office/drawing/2014/main" id="{E53BC3C0-F352-8901-5416-8E96B76877F6}"/>
+              </a:ext>
+            </a:extLst>
+          </p:cNvPr>
+          <p:cNvSpPr/>
+          <p:nvPr/>
+        </p:nvSpPr>
+        <p:spPr>
+          <a:xfrm>
+            <a:off x="438912" y="4038458"/>
+            <a:ext cx="1867552" cy="2826314"/>
+          </a:xfrm>
+          <a:prstGeom prst="roundRect">
+            <a:avLst>
+              <a:gd name="adj" fmla="val 16667"/>
+            </a:avLst>
+          </a:prstGeom>
+          <a:solidFill>
+            <a:srgbClr val="D9EAD3"/>
+          </a:solidFill>
+          <a:ln w="28575" cap="flat" cmpd="sng">
+            <a:solidFill>
+              <a:srgbClr val="274E13"/>
+            </a:solidFill>
+            <a:prstDash val="solid"/>
+            <a:round/>
+            <a:headEnd type="none" w="sm" len="sm"/>
+            <a:tailEnd type="none" w="sm" len="sm"/>
+          </a:ln>
+        </p:spPr>
+        <p:txBody>
+          <a:bodyPr spcFirstLastPara="1" wrap="square" lIns="91425" tIns="91425" rIns="91425" bIns="91425" anchor="t" anchorCtr="0">
+            <a:noAutofit/>
+          </a:bodyPr>
+          <a:lstStyle/>
+          <a:p>
+            <a:pPr marL="0" lvl="0" indent="0" algn="l" rtl="0">
+              <a:spcBef>
+                <a:spcPts val="0"/>
+              </a:spcBef>
+              <a:spcAft>
+                <a:spcPts val="0"/>
+              </a:spcAft>
+              <a:buNone/>
+            </a:pPr>
+            <a:r>
+              <a:rPr lang="en-US" noProof="0" dirty="0">
+                <a:latin typeface="Consolas"/>
+                <a:ea typeface="Consolas"/>
+                <a:cs typeface="Consolas"/>
+                <a:sym typeface="Consolas"/>
+              </a:rPr>
+              <a:t>US 2: As an experienced player I think we should have a greater diversity of towers that can help us automate the way we defend order</a:t>
+            </a:r>
+          </a:p>
+        </p:txBody>
+      </p:sp>
+      <p:sp>
+        <p:nvSpPr>
+          <p:cNvPr id="6" name="Google Shape;88;p15">
+            <a:extLst>
+              <a:ext uri="{FF2B5EF4-FFF2-40B4-BE49-F238E27FC236}">
+                <a16:creationId xmlns:a16="http://schemas.microsoft.com/office/drawing/2014/main" id="{BE0DD081-8730-57BF-82D8-D008CD00D4EB}"/>
+              </a:ext>
+            </a:extLst>
+          </p:cNvPr>
+          <p:cNvSpPr/>
+          <p:nvPr/>
+        </p:nvSpPr>
+        <p:spPr>
+          <a:xfrm>
+            <a:off x="405410" y="6982925"/>
+            <a:ext cx="1867580" cy="3160613"/>
+          </a:xfrm>
+          <a:prstGeom prst="roundRect">
+            <a:avLst>
+              <a:gd name="adj" fmla="val 16667"/>
+            </a:avLst>
+          </a:prstGeom>
+          <a:solidFill>
+            <a:srgbClr val="D9EAD3"/>
+          </a:solidFill>
+          <a:ln w="28575" cap="flat" cmpd="sng">
+            <a:solidFill>
+              <a:srgbClr val="274E13"/>
+            </a:solidFill>
+            <a:prstDash val="solid"/>
+            <a:round/>
+            <a:headEnd type="none" w="sm" len="sm"/>
+            <a:tailEnd type="none" w="sm" len="sm"/>
+          </a:ln>
+        </p:spPr>
+        <p:txBody>
+          <a:bodyPr spcFirstLastPara="1" wrap="square" lIns="91425" tIns="91425" rIns="91425" bIns="91425" anchor="t" anchorCtr="0">
+            <a:noAutofit/>
+          </a:bodyPr>
+          <a:lstStyle/>
+          <a:p>
+            <a:pPr marL="0" lvl="0" indent="0" algn="l" rtl="0">
+              <a:spcBef>
+                <a:spcPts val="0"/>
+              </a:spcBef>
+              <a:spcAft>
+                <a:spcPts val="0"/>
+              </a:spcAft>
+              <a:buNone/>
+            </a:pPr>
+            <a:r>
+              <a:rPr lang="en-US" noProof="0" dirty="0">
+                <a:latin typeface="Consolas"/>
+                <a:ea typeface="Consolas"/>
+                <a:cs typeface="Consolas"/>
+                <a:sym typeface="Consolas"/>
+              </a:rPr>
+              <a:t>US 1: As Player, I want to have access to a sandbox (free play) so that I can freely experiment with different constructions and strategies without enemies or attack waves.</a:t>
+            </a:r>
+          </a:p>
+        </p:txBody>
+      </p:sp>
+      <p:sp>
+        <p:nvSpPr>
+          <p:cNvPr id="7" name="Google Shape;88;p15">
+            <a:extLst>
+              <a:ext uri="{FF2B5EF4-FFF2-40B4-BE49-F238E27FC236}">
+                <a16:creationId xmlns:a16="http://schemas.microsoft.com/office/drawing/2014/main" id="{0FF83569-B8AD-3817-B1F6-A1FA70D48BD4}"/>
+              </a:ext>
+            </a:extLst>
+          </p:cNvPr>
+          <p:cNvSpPr/>
+          <p:nvPr/>
+        </p:nvSpPr>
+        <p:spPr>
+          <a:xfrm>
+            <a:off x="9365775" y="694221"/>
+            <a:ext cx="2410800" cy="1648500"/>
+          </a:xfrm>
+          <a:prstGeom prst="roundRect">
+            <a:avLst>
+              <a:gd name="adj" fmla="val 16667"/>
+            </a:avLst>
+          </a:prstGeom>
+          <a:solidFill>
+            <a:srgbClr val="D9EAD3"/>
+          </a:solidFill>
+          <a:ln w="28575" cap="flat" cmpd="sng">
+            <a:solidFill>
+              <a:srgbClr val="274E13"/>
+            </a:solidFill>
+            <a:prstDash val="solid"/>
+            <a:round/>
+            <a:headEnd type="none" w="sm" len="sm"/>
+            <a:tailEnd type="none" w="sm" len="sm"/>
+          </a:ln>
+        </p:spPr>
+        <p:txBody>
+          <a:bodyPr spcFirstLastPara="1" wrap="square" lIns="91425" tIns="91425" rIns="91425" bIns="91425" anchor="t" anchorCtr="0">
+            <a:noAutofit/>
+          </a:bodyPr>
+          <a:lstStyle/>
+          <a:p>
+            <a:pPr marL="0" lvl="0" indent="0" algn="l" rtl="0">
+              <a:spcBef>
+                <a:spcPts val="0"/>
+              </a:spcBef>
+              <a:spcAft>
+                <a:spcPts val="0"/>
+              </a:spcAft>
+              <a:buNone/>
+            </a:pPr>
+            <a:r>
+              <a:rPr lang="en-US" sz="2000" noProof="0" dirty="0">
+                <a:latin typeface="Consolas"/>
+                <a:ea typeface="Consolas"/>
+                <a:cs typeface="Consolas"/>
+                <a:sym typeface="Consolas"/>
+              </a:rPr>
+              <a:t>Create Use Case Diagrams</a:t>
+            </a:r>
+          </a:p>
+        </p:txBody>
+      </p:sp>
+      <p:sp>
+        <p:nvSpPr>
+          <p:cNvPr id="8" name="Google Shape;88;p15">
+            <a:extLst>
+              <a:ext uri="{FF2B5EF4-FFF2-40B4-BE49-F238E27FC236}">
+                <a16:creationId xmlns:a16="http://schemas.microsoft.com/office/drawing/2014/main" id="{19880AAF-FA4F-1E83-03EB-00C9904B2F86}"/>
+              </a:ext>
+            </a:extLst>
+          </p:cNvPr>
+          <p:cNvSpPr/>
+          <p:nvPr/>
+        </p:nvSpPr>
+        <p:spPr>
+          <a:xfrm>
+            <a:off x="9365775" y="1618255"/>
+            <a:ext cx="2410800" cy="1648500"/>
+          </a:xfrm>
+          <a:prstGeom prst="roundRect">
+            <a:avLst>
+              <a:gd name="adj" fmla="val 16667"/>
+            </a:avLst>
+          </a:prstGeom>
+          <a:solidFill>
+            <a:srgbClr val="D9EAD3"/>
+          </a:solidFill>
+          <a:ln w="28575" cap="flat" cmpd="sng">
+            <a:solidFill>
+              <a:srgbClr val="274E13"/>
+            </a:solidFill>
+            <a:prstDash val="solid"/>
+            <a:round/>
+            <a:headEnd type="none" w="sm" len="sm"/>
+            <a:tailEnd type="none" w="sm" len="sm"/>
+          </a:ln>
+        </p:spPr>
+        <p:txBody>
+          <a:bodyPr spcFirstLastPara="1" wrap="square" lIns="91425" tIns="91425" rIns="91425" bIns="91425" anchor="t" anchorCtr="0">
+            <a:noAutofit/>
+          </a:bodyPr>
+          <a:lstStyle/>
+          <a:p>
+            <a:pPr marL="0" lvl="0" indent="0" algn="l" rtl="0">
+              <a:spcBef>
+                <a:spcPts val="0"/>
+              </a:spcBef>
+              <a:spcAft>
+                <a:spcPts val="0"/>
+              </a:spcAft>
+              <a:buNone/>
+            </a:pPr>
+            <a:r>
+              <a:rPr lang="en-US" sz="2000" noProof="0" dirty="0">
+                <a:latin typeface="Consolas"/>
+                <a:ea typeface="Consolas"/>
+                <a:cs typeface="Consolas"/>
+                <a:sym typeface="Consolas"/>
+              </a:rPr>
+              <a:t>Review Use Case Diagrams</a:t>
+            </a:r>
+          </a:p>
+        </p:txBody>
+      </p:sp>
+      <p:sp>
+        <p:nvSpPr>
+          <p:cNvPr id="9" name="Google Shape;88;p15">
+            <a:extLst>
+              <a:ext uri="{FF2B5EF4-FFF2-40B4-BE49-F238E27FC236}">
+                <a16:creationId xmlns:a16="http://schemas.microsoft.com/office/drawing/2014/main" id="{36625B37-BBF5-80B1-3149-733BA890FFB6}"/>
+              </a:ext>
+            </a:extLst>
+          </p:cNvPr>
+          <p:cNvSpPr/>
+          <p:nvPr/>
+        </p:nvSpPr>
+        <p:spPr>
+          <a:xfrm>
+            <a:off x="9365775" y="2542289"/>
+            <a:ext cx="2410800" cy="1648500"/>
+          </a:xfrm>
+          <a:prstGeom prst="roundRect">
+            <a:avLst>
+              <a:gd name="adj" fmla="val 16667"/>
+            </a:avLst>
+          </a:prstGeom>
+          <a:solidFill>
+            <a:srgbClr val="D9EAD3"/>
+          </a:solidFill>
+          <a:ln w="28575" cap="flat" cmpd="sng">
+            <a:solidFill>
+              <a:srgbClr val="274E13"/>
+            </a:solidFill>
+            <a:prstDash val="solid"/>
+            <a:round/>
+            <a:headEnd type="none" w="sm" len="sm"/>
+            <a:tailEnd type="none" w="sm" len="sm"/>
+          </a:ln>
+        </p:spPr>
+        <p:txBody>
+          <a:bodyPr spcFirstLastPara="1" wrap="square" lIns="91425" tIns="91425" rIns="91425" bIns="91425" anchor="t" anchorCtr="0">
+            <a:noAutofit/>
+          </a:bodyPr>
+          <a:lstStyle/>
+          <a:p>
+            <a:pPr marL="0" lvl="0" indent="0" algn="l" rtl="0">
+              <a:spcBef>
+                <a:spcPts val="0"/>
+              </a:spcBef>
+              <a:spcAft>
+                <a:spcPts val="0"/>
+              </a:spcAft>
+              <a:buNone/>
+            </a:pPr>
+            <a:r>
+              <a:rPr lang="en-US" sz="2000" noProof="0" dirty="0">
+                <a:latin typeface="Consolas"/>
+                <a:ea typeface="Consolas"/>
+                <a:cs typeface="Consolas"/>
+                <a:sym typeface="Consolas"/>
+              </a:rPr>
+              <a:t>Identify Design Patterns</a:t>
+            </a:r>
+          </a:p>
+        </p:txBody>
+      </p:sp>
+      <p:sp>
+        <p:nvSpPr>
+          <p:cNvPr id="11" name="Google Shape;90;p15">
+            <a:extLst>
+              <a:ext uri="{FF2B5EF4-FFF2-40B4-BE49-F238E27FC236}">
+                <a16:creationId xmlns:a16="http://schemas.microsoft.com/office/drawing/2014/main" id="{68C7474D-9835-4EA2-5027-3BE180DD9F90}"/>
+              </a:ext>
+            </a:extLst>
+          </p:cNvPr>
+          <p:cNvSpPr/>
+          <p:nvPr/>
+        </p:nvSpPr>
+        <p:spPr>
+          <a:xfrm>
+            <a:off x="9365775" y="3701554"/>
+            <a:ext cx="2410800" cy="1648500"/>
+          </a:xfrm>
+          <a:prstGeom prst="roundRect">
+            <a:avLst>
+              <a:gd name="adj" fmla="val 16667"/>
+            </a:avLst>
+          </a:prstGeom>
+          <a:solidFill>
+            <a:srgbClr val="D0E0E3"/>
+          </a:solidFill>
+          <a:ln w="28575" cap="flat" cmpd="sng">
+            <a:solidFill>
+              <a:srgbClr val="134F5C"/>
+            </a:solidFill>
+            <a:prstDash val="solid"/>
+            <a:round/>
+            <a:headEnd type="none" w="sm" len="sm"/>
+            <a:tailEnd type="none" w="sm" len="sm"/>
+          </a:ln>
+        </p:spPr>
+        <p:txBody>
+          <a:bodyPr spcFirstLastPara="1" wrap="square" lIns="91425" tIns="91425" rIns="91425" bIns="91425" anchor="t" anchorCtr="0">
+            <a:noAutofit/>
+          </a:bodyPr>
+          <a:lstStyle/>
+          <a:p>
+            <a:pPr marL="0" lvl="0" indent="0" algn="l" rtl="0">
+              <a:spcBef>
+                <a:spcPts val="0"/>
+              </a:spcBef>
+              <a:spcAft>
+                <a:spcPts val="0"/>
+              </a:spcAft>
+              <a:buNone/>
+            </a:pPr>
+            <a:r>
+              <a:rPr lang="en-US" sz="2000" noProof="0" dirty="0">
+                <a:latin typeface="Consolas"/>
+                <a:ea typeface="Consolas"/>
+                <a:cs typeface="Consolas"/>
+                <a:sym typeface="Consolas"/>
+              </a:rPr>
+              <a:t>Review Design Patterns</a:t>
+            </a:r>
+          </a:p>
+          <a:p>
+            <a:pPr marL="0" lvl="0" indent="0" algn="l" rtl="0">
+              <a:spcBef>
+                <a:spcPts val="0"/>
+              </a:spcBef>
+              <a:spcAft>
+                <a:spcPts val="0"/>
+              </a:spcAft>
+              <a:buNone/>
+            </a:pPr>
+            <a:endParaRPr lang="en-US" sz="2000" noProof="0" dirty="0">
+              <a:latin typeface="Consolas"/>
+              <a:ea typeface="Consolas"/>
+              <a:cs typeface="Consolas"/>
+              <a:sym typeface="Consolas"/>
+            </a:endParaRPr>
+          </a:p>
+        </p:txBody>
+      </p:sp>
+      <p:sp>
+        <p:nvSpPr>
+          <p:cNvPr id="12" name="Google Shape;90;p15">
+            <a:extLst>
+              <a:ext uri="{FF2B5EF4-FFF2-40B4-BE49-F238E27FC236}">
+                <a16:creationId xmlns:a16="http://schemas.microsoft.com/office/drawing/2014/main" id="{7D287031-BBC6-F71F-FA01-597FA53DF904}"/>
+              </a:ext>
+            </a:extLst>
+          </p:cNvPr>
+          <p:cNvSpPr/>
+          <p:nvPr/>
+        </p:nvSpPr>
+        <p:spPr>
+          <a:xfrm>
+            <a:off x="9365775" y="4625588"/>
+            <a:ext cx="2410800" cy="2184131"/>
+          </a:xfrm>
+          <a:prstGeom prst="roundRect">
+            <a:avLst>
+              <a:gd name="adj" fmla="val 16667"/>
+            </a:avLst>
+          </a:prstGeom>
+          <a:solidFill>
+            <a:srgbClr val="D0E0E3"/>
+          </a:solidFill>
+          <a:ln w="28575" cap="flat" cmpd="sng">
+            <a:solidFill>
+              <a:srgbClr val="134F5C"/>
+            </a:solidFill>
+            <a:prstDash val="solid"/>
+            <a:round/>
+            <a:headEnd type="none" w="sm" len="sm"/>
+            <a:tailEnd type="none" w="sm" len="sm"/>
+          </a:ln>
+        </p:spPr>
+        <p:txBody>
+          <a:bodyPr spcFirstLastPara="1" wrap="square" lIns="91425" tIns="91425" rIns="91425" bIns="91425" anchor="t" anchorCtr="0">
+            <a:noAutofit/>
+          </a:bodyPr>
+          <a:lstStyle/>
+          <a:p>
+            <a:pPr marL="0" lvl="0" indent="0" algn="l" rtl="0">
+              <a:spcBef>
+                <a:spcPts val="0"/>
+              </a:spcBef>
+              <a:spcAft>
+                <a:spcPts val="0"/>
+              </a:spcAft>
+              <a:buNone/>
+            </a:pPr>
+            <a:r>
+              <a:rPr lang="en-US" sz="2000" noProof="0" dirty="0">
+                <a:latin typeface="Consolas"/>
+                <a:ea typeface="Consolas"/>
+                <a:cs typeface="Consolas"/>
+                <a:sym typeface="Consolas"/>
+              </a:rPr>
+              <a:t>Produce a report with the metrics – based overview of the code base</a:t>
+            </a:r>
+          </a:p>
+        </p:txBody>
+      </p:sp>
+    </p:spTree>
+    <p:extLst>
+      <p:ext uri="{BB962C8B-B14F-4D97-AF65-F5344CB8AC3E}">
+        <p14:creationId xmlns:p14="http://schemas.microsoft.com/office/powerpoint/2010/main" val="3898486005"/>
+      </p:ext>
+    </p:extLst>
+  </p:cSld>
+  <p:clrMapOvr>
+    <a:masterClrMapping/>
+  </p:clrMapOvr>
+</p:sld>
+</file>
+
+<file path=ppt/slides/slide9.xml><?xml version="1.0" encoding="utf-8"?>
 <p:sld xmlns:a="http://schemas.openxmlformats.org/drawingml/2006/main" xmlns:r="http://schemas.openxmlformats.org/officeDocument/2006/relationships" xmlns:p="http://schemas.openxmlformats.org/presentationml/2006/main">
   <p:cSld>
     <p:spTree>

--- a/SE202526/Management/Sprint3/Scrum_Board_Sprint 3.pptx
+++ b/SE202526/Management/Sprint3/Scrum_Board_Sprint 3.pptx
@@ -5,7 +5,7 @@
     <p:sldMasterId id="2147483659" r:id="rId1"/>
   </p:sldMasterIdLst>
   <p:notesMasterIdLst>
-    <p:notesMasterId r:id="rId11"/>
+    <p:notesMasterId r:id="rId12"/>
   </p:notesMasterIdLst>
   <p:sldIdLst>
     <p:sldId id="256" r:id="rId2"/>
@@ -16,7 +16,8 @@
     <p:sldId id="268" r:id="rId7"/>
     <p:sldId id="269" r:id="rId8"/>
     <p:sldId id="270" r:id="rId9"/>
-    <p:sldId id="263" r:id="rId10"/>
+    <p:sldId id="271" r:id="rId10"/>
+    <p:sldId id="263" r:id="rId11"/>
   </p:sldIdLst>
   <p:sldSz cx="21599525" cy="10799763"/>
   <p:notesSz cx="6858000" cy="9144000"/>
@@ -813,6 +814,110 @@
 </p:notes>
 </file>
 
+<file path=ppt/notesSlides/notesSlide10.xml><?xml version="1.0" encoding="utf-8"?>
+<p:notes xmlns:a="http://schemas.openxmlformats.org/drawingml/2006/main" xmlns:r="http://schemas.openxmlformats.org/officeDocument/2006/relationships" xmlns:p="http://schemas.openxmlformats.org/presentationml/2006/main" showMasterSp="0" showMasterPhAnim="0">
+  <p:cSld>
+    <p:spTree>
+      <p:nvGrpSpPr>
+        <p:cNvPr id="1" name="Shape 217"/>
+        <p:cNvGrpSpPr/>
+        <p:nvPr/>
+      </p:nvGrpSpPr>
+      <p:grpSpPr>
+        <a:xfrm>
+          <a:off x="0" y="0"/>
+          <a:ext cx="0" cy="0"/>
+          <a:chOff x="0" y="0"/>
+          <a:chExt cx="0" cy="0"/>
+        </a:xfrm>
+      </p:grpSpPr>
+      <p:sp>
+        <p:nvSpPr>
+          <p:cNvPr id="218" name="Google Shape;218;g3850b307b58_0_258:notes"/>
+          <p:cNvSpPr>
+            <a:spLocks noGrp="1" noRot="1" noChangeAspect="1"/>
+          </p:cNvSpPr>
+          <p:nvPr>
+            <p:ph type="sldImg" idx="2"/>
+          </p:nvPr>
+        </p:nvSpPr>
+        <p:spPr>
+          <a:xfrm>
+            <a:off x="0" y="685800"/>
+            <a:ext cx="6858000" cy="3429000"/>
+          </a:xfrm>
+          <a:custGeom>
+            <a:avLst/>
+            <a:gdLst/>
+            <a:ahLst/>
+            <a:cxnLst/>
+            <a:rect l="l" t="t" r="r" b="b"/>
+            <a:pathLst>
+              <a:path w="120000" h="120000" extrusionOk="0">
+                <a:moveTo>
+                  <a:pt x="0" y="0"/>
+                </a:moveTo>
+                <a:lnTo>
+                  <a:pt x="120000" y="0"/>
+                </a:lnTo>
+                <a:lnTo>
+                  <a:pt x="120000" y="120000"/>
+                </a:lnTo>
+                <a:lnTo>
+                  <a:pt x="0" y="120000"/>
+                </a:lnTo>
+                <a:close/>
+              </a:path>
+            </a:pathLst>
+          </a:custGeom>
+        </p:spPr>
+      </p:sp>
+      <p:sp>
+        <p:nvSpPr>
+          <p:cNvPr id="219" name="Google Shape;219;g3850b307b58_0_258:notes"/>
+          <p:cNvSpPr txBox="1">
+            <a:spLocks noGrp="1"/>
+          </p:cNvSpPr>
+          <p:nvPr>
+            <p:ph type="body" idx="1"/>
+          </p:nvPr>
+        </p:nvSpPr>
+        <p:spPr>
+          <a:xfrm>
+            <a:off x="685800" y="4343400"/>
+            <a:ext cx="5486400" cy="4114800"/>
+          </a:xfrm>
+          <a:prstGeom prst="rect">
+            <a:avLst/>
+          </a:prstGeom>
+        </p:spPr>
+        <p:txBody>
+          <a:bodyPr spcFirstLastPara="1" wrap="square" lIns="91425" tIns="91425" rIns="91425" bIns="91425" anchor="t" anchorCtr="0">
+            <a:noAutofit/>
+          </a:bodyPr>
+          <a:lstStyle/>
+          <a:p>
+            <a:pPr marL="0" lvl="0" indent="0" algn="l" rtl="0">
+              <a:spcBef>
+                <a:spcPts val="0"/>
+              </a:spcBef>
+              <a:spcAft>
+                <a:spcPts val="0"/>
+              </a:spcAft>
+              <a:buNone/>
+            </a:pPr>
+            <a:endParaRPr/>
+          </a:p>
+        </p:txBody>
+      </p:sp>
+    </p:spTree>
+  </p:cSld>
+  <p:clrMapOvr>
+    <a:masterClrMapping/>
+  </p:clrMapOvr>
+</p:notes>
+</file>
+
 <file path=ppt/notesSlides/notesSlide2.xml><?xml version="1.0" encoding="utf-8"?>
 <p:notes xmlns:a="http://schemas.openxmlformats.org/drawingml/2006/main" xmlns:r="http://schemas.openxmlformats.org/officeDocument/2006/relationships" xmlns:p="http://schemas.openxmlformats.org/presentationml/2006/main" showMasterSp="0" showMasterPhAnim="0">
   <p:cSld>
@@ -1684,7 +1789,13 @@
   <p:cSld>
     <p:spTree>
       <p:nvGrpSpPr>
-        <p:cNvPr id="1" name="Shape 217"/>
+        <p:cNvPr id="1" name="Shape 62">
+          <a:extLst>
+            <a:ext uri="{FF2B5EF4-FFF2-40B4-BE49-F238E27FC236}">
+              <a16:creationId xmlns:a16="http://schemas.microsoft.com/office/drawing/2014/main" id="{C155A5FF-F0A7-8688-56DE-CBC590BAEFEE}"/>
+            </a:ext>
+          </a:extLst>
+        </p:cNvPr>
         <p:cNvGrpSpPr/>
         <p:nvPr/>
       </p:nvGrpSpPr>
@@ -1698,7 +1809,13 @@
       </p:grpSpPr>
       <p:sp>
         <p:nvSpPr>
-          <p:cNvPr id="218" name="Google Shape;218;g3850b307b58_0_258:notes"/>
+          <p:cNvPr id="63" name="Google Shape;63;g3850b307b58_0_0:notes">
+            <a:extLst>
+              <a:ext uri="{FF2B5EF4-FFF2-40B4-BE49-F238E27FC236}">
+                <a16:creationId xmlns:a16="http://schemas.microsoft.com/office/drawing/2014/main" id="{2667F0A5-074A-1F89-D8AA-2F72C553FB5F}"/>
+              </a:ext>
+            </a:extLst>
+          </p:cNvPr>
           <p:cNvSpPr>
             <a:spLocks noGrp="1" noRot="1" noChangeAspect="1"/>
           </p:cNvSpPr>
@@ -1739,7 +1856,13 @@
       </p:sp>
       <p:sp>
         <p:nvSpPr>
-          <p:cNvPr id="219" name="Google Shape;219;g3850b307b58_0_258:notes"/>
+          <p:cNvPr id="64" name="Google Shape;64;g3850b307b58_0_0:notes">
+            <a:extLst>
+              <a:ext uri="{FF2B5EF4-FFF2-40B4-BE49-F238E27FC236}">
+                <a16:creationId xmlns:a16="http://schemas.microsoft.com/office/drawing/2014/main" id="{E8B9BEE9-2445-1101-D419-27AE4B48F204}"/>
+              </a:ext>
+            </a:extLst>
+          </p:cNvPr>
           <p:cNvSpPr txBox="1">
             <a:spLocks noGrp="1"/>
           </p:cNvSpPr>
@@ -1776,6 +1899,11 @@
         </p:txBody>
       </p:sp>
     </p:spTree>
+    <p:extLst>
+      <p:ext uri="{BB962C8B-B14F-4D97-AF65-F5344CB8AC3E}">
+        <p14:creationId xmlns:p14="http://schemas.microsoft.com/office/powerpoint/2010/main" val="2697163263"/>
+      </p:ext>
+    </p:extLst>
   </p:cSld>
   <p:clrMapOvr>
     <a:masterClrMapping/>
@@ -6613,6 +6741,137 @@
 </p:sld>
 </file>
 
+<file path=ppt/slides/slide10.xml><?xml version="1.0" encoding="utf-8"?>
+<p:sld xmlns:a="http://schemas.openxmlformats.org/drawingml/2006/main" xmlns:r="http://schemas.openxmlformats.org/officeDocument/2006/relationships" xmlns:p="http://schemas.openxmlformats.org/presentationml/2006/main">
+  <p:cSld>
+    <p:spTree>
+      <p:nvGrpSpPr>
+        <p:cNvPr id="1" name="Shape 220"/>
+        <p:cNvGrpSpPr/>
+        <p:nvPr/>
+      </p:nvGrpSpPr>
+      <p:grpSpPr>
+        <a:xfrm>
+          <a:off x="0" y="0"/>
+          <a:ext cx="0" cy="0"/>
+          <a:chOff x="0" y="0"/>
+          <a:chExt cx="0" cy="0"/>
+        </a:xfrm>
+      </p:grpSpPr>
+      <p:pic>
+        <p:nvPicPr>
+          <p:cNvPr id="221" name="Google Shape;221;p20" title="Vmw_I2.png"/>
+          <p:cNvPicPr preferRelativeResize="0"/>
+          <p:nvPr/>
+        </p:nvPicPr>
+        <p:blipFill>
+          <a:blip r:embed="rId3">
+            <a:alphaModFix amt="51000"/>
+          </a:blip>
+          <a:stretch>
+            <a:fillRect/>
+          </a:stretch>
+        </p:blipFill>
+        <p:spPr>
+          <a:xfrm>
+            <a:off x="0" y="0"/>
+            <a:ext cx="21600000" cy="10800000"/>
+          </a:xfrm>
+          <a:prstGeom prst="rect">
+            <a:avLst/>
+          </a:prstGeom>
+          <a:noFill/>
+          <a:ln>
+            <a:noFill/>
+          </a:ln>
+        </p:spPr>
+      </p:pic>
+      <p:sp>
+        <p:nvSpPr>
+          <p:cNvPr id="222" name="Google Shape;222;p20"/>
+          <p:cNvSpPr/>
+          <p:nvPr/>
+        </p:nvSpPr>
+        <p:spPr>
+          <a:xfrm>
+            <a:off x="814250" y="3300663"/>
+            <a:ext cx="19957567" cy="4198675"/>
+          </a:xfrm>
+          <a:prstGeom prst="rect">
+            <a:avLst/>
+          </a:prstGeom>
+        </p:spPr>
+        <p:txBody>
+          <a:bodyPr>
+            <a:prstTxWarp prst="textPlain">
+              <a:avLst/>
+            </a:prstTxWarp>
+          </a:bodyPr>
+          <a:lstStyle/>
+          <a:p>
+            <a:pPr lvl="0" algn="ctr"/>
+            <a:r>
+              <a:rPr b="1" i="0" dirty="0">
+                <a:ln w="114300" cap="flat" cmpd="sng">
+                  <a:solidFill>
+                    <a:srgbClr val="434343"/>
+                  </a:solidFill>
+                  <a:prstDash val="solid"/>
+                  <a:round/>
+                  <a:headEnd type="none" w="sm" len="sm"/>
+                  <a:tailEnd type="none" w="sm" len="sm"/>
+                </a:ln>
+                <a:solidFill>
+                  <a:schemeClr val="lt1"/>
+                </a:solidFill>
+                <a:latin typeface="Consolas"/>
+              </a:rPr>
+              <a:t>Sprint </a:t>
+            </a:r>
+            <a:r>
+              <a:rPr lang="pt-PT" b="1" i="0" dirty="0">
+                <a:ln w="114300" cap="flat" cmpd="sng">
+                  <a:solidFill>
+                    <a:srgbClr val="434343"/>
+                  </a:solidFill>
+                  <a:prstDash val="solid"/>
+                  <a:round/>
+                  <a:headEnd type="none" w="sm" len="sm"/>
+                  <a:tailEnd type="none" w="sm" len="sm"/>
+                </a:ln>
+                <a:solidFill>
+                  <a:schemeClr val="lt1"/>
+                </a:solidFill>
+                <a:latin typeface="Consolas"/>
+              </a:rPr>
+              <a:t>3</a:t>
+            </a:r>
+            <a:endParaRPr b="1" i="0" dirty="0">
+              <a:ln w="114300" cap="flat" cmpd="sng">
+                <a:solidFill>
+                  <a:srgbClr val="434343"/>
+                </a:solidFill>
+                <a:prstDash val="solid"/>
+                <a:round/>
+                <a:headEnd type="none" w="sm" len="sm"/>
+                <a:tailEnd type="none" w="sm" len="sm"/>
+              </a:ln>
+              <a:solidFill>
+                <a:schemeClr val="lt1"/>
+              </a:solidFill>
+              <a:latin typeface="Consolas"/>
+            </a:endParaRPr>
+          </a:p>
+        </p:txBody>
+      </p:sp>
+    </p:spTree>
+  </p:cSld>
+  <p:clrMapOvr>
+    <a:masterClrMapping/>
+  </p:clrMapOvr>
+</p:sld>
+</file>
+
 <file path=ppt/slides/slide2.xml><?xml version="1.0" encoding="utf-8"?>
 <p:sld xmlns:a="http://schemas.openxmlformats.org/drawingml/2006/main" xmlns:r="http://schemas.openxmlformats.org/officeDocument/2006/relationships" xmlns:p="http://schemas.openxmlformats.org/presentationml/2006/main">
   <p:cSld>
@@ -14632,7 +14891,13 @@
   <p:cSld>
     <p:spTree>
       <p:nvGrpSpPr>
-        <p:cNvPr id="1" name="Shape 220"/>
+        <p:cNvPr id="1" name="Shape 65">
+          <a:extLst>
+            <a:ext uri="{FF2B5EF4-FFF2-40B4-BE49-F238E27FC236}">
+              <a16:creationId xmlns:a16="http://schemas.microsoft.com/office/drawing/2014/main" id="{5A2A595E-89C9-DBFE-54A6-F0BDBD2127B4}"/>
+            </a:ext>
+          </a:extLst>
+        </p:cNvPr>
         <p:cNvGrpSpPr/>
         <p:nvPr/>
       </p:nvGrpSpPr>
@@ -14644,113 +14909,1353 @@
           <a:chExt cx="0" cy="0"/>
         </a:xfrm>
       </p:grpSpPr>
-      <p:pic>
-        <p:nvPicPr>
-          <p:cNvPr id="221" name="Google Shape;221;p20" title="Vmw_I2.png"/>
-          <p:cNvPicPr preferRelativeResize="0"/>
+      <p:cxnSp>
+        <p:nvCxnSpPr>
+          <p:cNvPr id="66" name="Google Shape;66;p15">
+            <a:extLst>
+              <a:ext uri="{FF2B5EF4-FFF2-40B4-BE49-F238E27FC236}">
+                <a16:creationId xmlns:a16="http://schemas.microsoft.com/office/drawing/2014/main" id="{C8169670-FEA0-998F-603A-26E5E3C3CED2}"/>
+              </a:ext>
+            </a:extLst>
+          </p:cNvPr>
+          <p:cNvCxnSpPr/>
           <p:nvPr/>
-        </p:nvPicPr>
-        <p:blipFill>
-          <a:blip r:embed="rId3">
-            <a:alphaModFix amt="51000"/>
-          </a:blip>
-          <a:stretch>
-            <a:fillRect/>
-          </a:stretch>
-        </p:blipFill>
-        <p:spPr>
-          <a:xfrm>
-            <a:off x="0" y="0"/>
-            <a:ext cx="21600000" cy="10800000"/>
-          </a:xfrm>
-          <a:prstGeom prst="rect">
+        </p:nvCxnSpPr>
+        <p:spPr>
+          <a:xfrm>
+            <a:off x="5944724" y="-31500"/>
+            <a:ext cx="0" cy="10857000"/>
+          </a:xfrm>
+          <a:prstGeom prst="straightConnector1">
             <a:avLst/>
           </a:prstGeom>
           <a:noFill/>
-          <a:ln>
-            <a:noFill/>
+          <a:ln w="38100" cap="flat" cmpd="sng">
+            <a:solidFill>
+              <a:srgbClr val="5B0F00"/>
+            </a:solidFill>
+            <a:prstDash val="solid"/>
+            <a:round/>
+            <a:headEnd type="none" w="med" len="med"/>
+            <a:tailEnd type="none" w="med" len="med"/>
           </a:ln>
         </p:spPr>
-      </p:pic>
-      <p:sp>
-        <p:nvSpPr>
-          <p:cNvPr id="222" name="Google Shape;222;p20"/>
+      </p:cxnSp>
+      <p:sp>
+        <p:nvSpPr>
+          <p:cNvPr id="67" name="Google Shape;67;p15">
+            <a:extLst>
+              <a:ext uri="{FF2B5EF4-FFF2-40B4-BE49-F238E27FC236}">
+                <a16:creationId xmlns:a16="http://schemas.microsoft.com/office/drawing/2014/main" id="{2E7A4788-B51D-F9D7-5273-8D8E32E0EF89}"/>
+              </a:ext>
+            </a:extLst>
+          </p:cNvPr>
           <p:cNvSpPr/>
           <p:nvPr/>
         </p:nvSpPr>
         <p:spPr>
           <a:xfrm>
-            <a:off x="814250" y="3300663"/>
-            <a:ext cx="19957567" cy="4198675"/>
-          </a:xfrm>
-          <a:prstGeom prst="rect">
+            <a:off x="3197186" y="84312"/>
+            <a:ext cx="2410800" cy="480900"/>
+          </a:xfrm>
+          <a:prstGeom prst="roundRect">
+            <a:avLst>
+              <a:gd name="adj" fmla="val 16667"/>
+            </a:avLst>
+          </a:prstGeom>
+          <a:solidFill>
+            <a:srgbClr val="F9CB9C"/>
+          </a:solidFill>
+          <a:ln w="28575" cap="flat" cmpd="sng">
+            <a:solidFill>
+              <a:srgbClr val="B45F06"/>
+            </a:solidFill>
+            <a:prstDash val="solid"/>
+            <a:round/>
+            <a:headEnd type="none" w="sm" len="sm"/>
+            <a:tailEnd type="none" w="sm" len="sm"/>
+          </a:ln>
+        </p:spPr>
+        <p:txBody>
+          <a:bodyPr spcFirstLastPara="1" wrap="square" lIns="91425" tIns="91425" rIns="91425" bIns="91425" anchor="ctr" anchorCtr="0">
+            <a:noAutofit/>
+          </a:bodyPr>
+          <a:lstStyle/>
+          <a:p>
+            <a:pPr marL="0" lvl="0" indent="0" algn="ctr" rtl="0">
+              <a:spcBef>
+                <a:spcPts val="0"/>
+              </a:spcBef>
+              <a:spcAft>
+                <a:spcPts val="0"/>
+              </a:spcAft>
+              <a:buNone/>
+            </a:pPr>
+            <a:r>
+              <a:rPr lang="en-US" sz="1800" b="1" noProof="0" dirty="0">
+                <a:latin typeface="Consolas"/>
+                <a:ea typeface="Consolas"/>
+                <a:cs typeface="Consolas"/>
+                <a:sym typeface="Consolas"/>
+              </a:rPr>
+              <a:t>Student ID</a:t>
+            </a:r>
+          </a:p>
+        </p:txBody>
+      </p:sp>
+      <p:sp>
+        <p:nvSpPr>
+          <p:cNvPr id="68" name="Google Shape;68;p15">
+            <a:extLst>
+              <a:ext uri="{FF2B5EF4-FFF2-40B4-BE49-F238E27FC236}">
+                <a16:creationId xmlns:a16="http://schemas.microsoft.com/office/drawing/2014/main" id="{6212ABA5-F19C-A888-5574-52016D0310E4}"/>
+              </a:ext>
+            </a:extLst>
+          </p:cNvPr>
+          <p:cNvSpPr/>
+          <p:nvPr/>
+        </p:nvSpPr>
+        <p:spPr>
+          <a:xfrm>
+            <a:off x="6281636" y="84312"/>
+            <a:ext cx="2410800" cy="480900"/>
+          </a:xfrm>
+          <a:prstGeom prst="roundRect">
+            <a:avLst>
+              <a:gd name="adj" fmla="val 16667"/>
+            </a:avLst>
+          </a:prstGeom>
+          <a:solidFill>
+            <a:srgbClr val="F9CB9C"/>
+          </a:solidFill>
+          <a:ln w="28575" cap="flat" cmpd="sng">
+            <a:solidFill>
+              <a:srgbClr val="B45F06"/>
+            </a:solidFill>
+            <a:prstDash val="solid"/>
+            <a:round/>
+            <a:headEnd type="none" w="sm" len="sm"/>
+            <a:tailEnd type="none" w="sm" len="sm"/>
+          </a:ln>
+        </p:spPr>
+        <p:txBody>
+          <a:bodyPr spcFirstLastPara="1" wrap="square" lIns="91425" tIns="91425" rIns="91425" bIns="91425" anchor="ctr" anchorCtr="0">
+            <a:noAutofit/>
+          </a:bodyPr>
+          <a:lstStyle/>
+          <a:p>
+            <a:pPr marL="0" lvl="0" indent="0" algn="ctr" rtl="0">
+              <a:spcBef>
+                <a:spcPts val="0"/>
+              </a:spcBef>
+              <a:spcAft>
+                <a:spcPts val="0"/>
+              </a:spcAft>
+              <a:buNone/>
+            </a:pPr>
+            <a:r>
+              <a:rPr lang="en-US" sz="1800" b="1" noProof="0" dirty="0">
+                <a:latin typeface="Consolas"/>
+                <a:ea typeface="Consolas"/>
+                <a:cs typeface="Consolas"/>
+                <a:sym typeface="Consolas"/>
+              </a:rPr>
+              <a:t>Story</a:t>
+            </a:r>
+          </a:p>
+        </p:txBody>
+      </p:sp>
+      <p:sp>
+        <p:nvSpPr>
+          <p:cNvPr id="69" name="Google Shape;69;p15">
+            <a:extLst>
+              <a:ext uri="{FF2B5EF4-FFF2-40B4-BE49-F238E27FC236}">
+                <a16:creationId xmlns:a16="http://schemas.microsoft.com/office/drawing/2014/main" id="{87146C62-CBA4-107E-6E2B-FD96ABD0EE6E}"/>
+              </a:ext>
+            </a:extLst>
+          </p:cNvPr>
+          <p:cNvSpPr/>
+          <p:nvPr/>
+        </p:nvSpPr>
+        <p:spPr>
+          <a:xfrm>
+            <a:off x="9366071" y="84312"/>
+            <a:ext cx="2410800" cy="480900"/>
+          </a:xfrm>
+          <a:prstGeom prst="roundRect">
+            <a:avLst>
+              <a:gd name="adj" fmla="val 16667"/>
+            </a:avLst>
+          </a:prstGeom>
+          <a:solidFill>
+            <a:srgbClr val="F9CB9C"/>
+          </a:solidFill>
+          <a:ln w="28575" cap="flat" cmpd="sng">
+            <a:solidFill>
+              <a:srgbClr val="B45F06"/>
+            </a:solidFill>
+            <a:prstDash val="solid"/>
+            <a:round/>
+            <a:headEnd type="none" w="sm" len="sm"/>
+            <a:tailEnd type="none" w="sm" len="sm"/>
+          </a:ln>
+        </p:spPr>
+        <p:txBody>
+          <a:bodyPr spcFirstLastPara="1" wrap="square" lIns="91425" tIns="91425" rIns="91425" bIns="91425" anchor="ctr" anchorCtr="0">
+            <a:noAutofit/>
+          </a:bodyPr>
+          <a:lstStyle/>
+          <a:p>
+            <a:pPr marL="0" lvl="0" indent="0" algn="ctr" rtl="0">
+              <a:spcBef>
+                <a:spcPts val="0"/>
+              </a:spcBef>
+              <a:spcAft>
+                <a:spcPts val="0"/>
+              </a:spcAft>
+              <a:buNone/>
+            </a:pPr>
+            <a:r>
+              <a:rPr lang="en-US" sz="1800" b="1" noProof="0" dirty="0">
+                <a:latin typeface="Consolas"/>
+                <a:ea typeface="Consolas"/>
+                <a:cs typeface="Consolas"/>
+                <a:sym typeface="Consolas"/>
+              </a:rPr>
+              <a:t>To Do</a:t>
+            </a:r>
+          </a:p>
+        </p:txBody>
+      </p:sp>
+      <p:sp>
+        <p:nvSpPr>
+          <p:cNvPr id="70" name="Google Shape;70;p15">
+            <a:extLst>
+              <a:ext uri="{FF2B5EF4-FFF2-40B4-BE49-F238E27FC236}">
+                <a16:creationId xmlns:a16="http://schemas.microsoft.com/office/drawing/2014/main" id="{459E98A4-48F8-E73F-1959-BB7B2395E257}"/>
+              </a:ext>
+            </a:extLst>
+          </p:cNvPr>
+          <p:cNvSpPr/>
+          <p:nvPr/>
+        </p:nvSpPr>
+        <p:spPr>
+          <a:xfrm>
+            <a:off x="12395940" y="84312"/>
+            <a:ext cx="2410800" cy="480900"/>
+          </a:xfrm>
+          <a:prstGeom prst="roundRect">
+            <a:avLst>
+              <a:gd name="adj" fmla="val 16667"/>
+            </a:avLst>
+          </a:prstGeom>
+          <a:solidFill>
+            <a:srgbClr val="F9CB9C"/>
+          </a:solidFill>
+          <a:ln w="28575" cap="flat" cmpd="sng">
+            <a:solidFill>
+              <a:srgbClr val="B45F06"/>
+            </a:solidFill>
+            <a:prstDash val="solid"/>
+            <a:round/>
+            <a:headEnd type="none" w="sm" len="sm"/>
+            <a:tailEnd type="none" w="sm" len="sm"/>
+          </a:ln>
+        </p:spPr>
+        <p:txBody>
+          <a:bodyPr spcFirstLastPara="1" wrap="square" lIns="91425" tIns="91425" rIns="91425" bIns="91425" anchor="ctr" anchorCtr="0">
+            <a:noAutofit/>
+          </a:bodyPr>
+          <a:lstStyle/>
+          <a:p>
+            <a:pPr marL="0" lvl="0" indent="0" algn="ctr" rtl="0">
+              <a:spcBef>
+                <a:spcPts val="0"/>
+              </a:spcBef>
+              <a:spcAft>
+                <a:spcPts val="0"/>
+              </a:spcAft>
+              <a:buNone/>
+            </a:pPr>
+            <a:r>
+              <a:rPr lang="en-US" sz="1800" b="1" noProof="0" dirty="0">
+                <a:latin typeface="Consolas"/>
+                <a:ea typeface="Consolas"/>
+                <a:cs typeface="Consolas"/>
+                <a:sym typeface="Consolas"/>
+              </a:rPr>
+              <a:t>Doing</a:t>
+            </a:r>
+          </a:p>
+        </p:txBody>
+      </p:sp>
+      <p:sp>
+        <p:nvSpPr>
+          <p:cNvPr id="71" name="Google Shape;71;p15">
+            <a:extLst>
+              <a:ext uri="{FF2B5EF4-FFF2-40B4-BE49-F238E27FC236}">
+                <a16:creationId xmlns:a16="http://schemas.microsoft.com/office/drawing/2014/main" id="{2DCE664E-A4E1-B8FA-803A-4640222CE990}"/>
+              </a:ext>
+            </a:extLst>
+          </p:cNvPr>
+          <p:cNvSpPr/>
+          <p:nvPr/>
+        </p:nvSpPr>
+        <p:spPr>
+          <a:xfrm>
+            <a:off x="15532407" y="84312"/>
+            <a:ext cx="2410800" cy="480900"/>
+          </a:xfrm>
+          <a:prstGeom prst="roundRect">
+            <a:avLst>
+              <a:gd name="adj" fmla="val 16667"/>
+            </a:avLst>
+          </a:prstGeom>
+          <a:solidFill>
+            <a:srgbClr val="F9CB9C"/>
+          </a:solidFill>
+          <a:ln w="28575" cap="flat" cmpd="sng">
+            <a:solidFill>
+              <a:srgbClr val="B45F06"/>
+            </a:solidFill>
+            <a:prstDash val="solid"/>
+            <a:round/>
+            <a:headEnd type="none" w="sm" len="sm"/>
+            <a:tailEnd type="none" w="sm" len="sm"/>
+          </a:ln>
+        </p:spPr>
+        <p:txBody>
+          <a:bodyPr spcFirstLastPara="1" wrap="square" lIns="91425" tIns="91425" rIns="91425" bIns="91425" anchor="ctr" anchorCtr="0">
+            <a:noAutofit/>
+          </a:bodyPr>
+          <a:lstStyle/>
+          <a:p>
+            <a:pPr marL="0" lvl="0" indent="0" algn="ctr" rtl="0">
+              <a:spcBef>
+                <a:spcPts val="0"/>
+              </a:spcBef>
+              <a:spcAft>
+                <a:spcPts val="0"/>
+              </a:spcAft>
+              <a:buNone/>
+            </a:pPr>
+            <a:r>
+              <a:rPr lang="en-US" sz="1800" b="1" noProof="0" dirty="0">
+                <a:latin typeface="Consolas"/>
+                <a:ea typeface="Consolas"/>
+                <a:cs typeface="Consolas"/>
+                <a:sym typeface="Consolas"/>
+              </a:rPr>
+              <a:t>Review</a:t>
+            </a:r>
+          </a:p>
+        </p:txBody>
+      </p:sp>
+      <p:sp>
+        <p:nvSpPr>
+          <p:cNvPr id="72" name="Google Shape;72;p15">
+            <a:extLst>
+              <a:ext uri="{FF2B5EF4-FFF2-40B4-BE49-F238E27FC236}">
+                <a16:creationId xmlns:a16="http://schemas.microsoft.com/office/drawing/2014/main" id="{472DE61C-1E4C-B2D8-38E5-C316A0538140}"/>
+              </a:ext>
+            </a:extLst>
+          </p:cNvPr>
+          <p:cNvSpPr/>
+          <p:nvPr/>
+        </p:nvSpPr>
+        <p:spPr>
+          <a:xfrm>
+            <a:off x="18668888" y="84312"/>
+            <a:ext cx="2410800" cy="480900"/>
+          </a:xfrm>
+          <a:prstGeom prst="roundRect">
+            <a:avLst>
+              <a:gd name="adj" fmla="val 16667"/>
+            </a:avLst>
+          </a:prstGeom>
+          <a:solidFill>
+            <a:srgbClr val="F9CB9C"/>
+          </a:solidFill>
+          <a:ln w="28575" cap="flat" cmpd="sng">
+            <a:solidFill>
+              <a:srgbClr val="B45F06"/>
+            </a:solidFill>
+            <a:prstDash val="solid"/>
+            <a:round/>
+            <a:headEnd type="none" w="sm" len="sm"/>
+            <a:tailEnd type="none" w="sm" len="sm"/>
+          </a:ln>
+        </p:spPr>
+        <p:txBody>
+          <a:bodyPr spcFirstLastPara="1" wrap="square" lIns="91425" tIns="91425" rIns="91425" bIns="91425" anchor="ctr" anchorCtr="0">
+            <a:noAutofit/>
+          </a:bodyPr>
+          <a:lstStyle/>
+          <a:p>
+            <a:pPr marL="0" lvl="0" indent="0" algn="ctr" rtl="0">
+              <a:spcBef>
+                <a:spcPts val="0"/>
+              </a:spcBef>
+              <a:spcAft>
+                <a:spcPts val="0"/>
+              </a:spcAft>
+              <a:buNone/>
+            </a:pPr>
+            <a:r>
+              <a:rPr lang="en-US" sz="1800" b="1" noProof="0" dirty="0">
+                <a:latin typeface="Consolas"/>
+                <a:ea typeface="Consolas"/>
+                <a:cs typeface="Consolas"/>
+                <a:sym typeface="Consolas"/>
+              </a:rPr>
+              <a:t>Done</a:t>
+            </a:r>
+          </a:p>
+        </p:txBody>
+      </p:sp>
+      <p:sp>
+        <p:nvSpPr>
+          <p:cNvPr id="73" name="Google Shape;73;p15">
+            <a:extLst>
+              <a:ext uri="{FF2B5EF4-FFF2-40B4-BE49-F238E27FC236}">
+                <a16:creationId xmlns:a16="http://schemas.microsoft.com/office/drawing/2014/main" id="{364018F4-A097-A648-8B2B-3AE55AF3E00F}"/>
+              </a:ext>
+            </a:extLst>
+          </p:cNvPr>
+          <p:cNvSpPr/>
+          <p:nvPr/>
+        </p:nvSpPr>
+        <p:spPr>
+          <a:xfrm>
+            <a:off x="167288" y="84312"/>
+            <a:ext cx="2410800" cy="480900"/>
+          </a:xfrm>
+          <a:prstGeom prst="roundRect">
+            <a:avLst>
+              <a:gd name="adj" fmla="val 16667"/>
+            </a:avLst>
+          </a:prstGeom>
+          <a:solidFill>
+            <a:srgbClr val="F9CB9C"/>
+          </a:solidFill>
+          <a:ln w="28575" cap="flat" cmpd="sng">
+            <a:solidFill>
+              <a:srgbClr val="B45F06"/>
+            </a:solidFill>
+            <a:prstDash val="solid"/>
+            <a:round/>
+            <a:headEnd type="none" w="sm" len="sm"/>
+            <a:tailEnd type="none" w="sm" len="sm"/>
+          </a:ln>
+        </p:spPr>
+        <p:txBody>
+          <a:bodyPr spcFirstLastPara="1" wrap="square" lIns="91425" tIns="91425" rIns="91425" bIns="91425" anchor="ctr" anchorCtr="0">
+            <a:noAutofit/>
+          </a:bodyPr>
+          <a:lstStyle/>
+          <a:p>
+            <a:pPr marL="0" lvl="0" indent="0" algn="ctr" rtl="0">
+              <a:spcBef>
+                <a:spcPts val="0"/>
+              </a:spcBef>
+              <a:spcAft>
+                <a:spcPts val="0"/>
+              </a:spcAft>
+              <a:buNone/>
+            </a:pPr>
+            <a:r>
+              <a:rPr lang="en-US" sz="1800" b="1" noProof="0" dirty="0">
+                <a:latin typeface="Consolas"/>
+                <a:ea typeface="Consolas"/>
+                <a:cs typeface="Consolas"/>
+                <a:sym typeface="Consolas"/>
+              </a:rPr>
+              <a:t>Backlog</a:t>
+            </a:r>
+          </a:p>
+        </p:txBody>
+      </p:sp>
+      <p:sp>
+        <p:nvSpPr>
+          <p:cNvPr id="74" name="Google Shape;74;p15">
+            <a:extLst>
+              <a:ext uri="{FF2B5EF4-FFF2-40B4-BE49-F238E27FC236}">
+                <a16:creationId xmlns:a16="http://schemas.microsoft.com/office/drawing/2014/main" id="{12932627-CBEA-6C2D-97C6-F581FA27081E}"/>
+              </a:ext>
+            </a:extLst>
+          </p:cNvPr>
+          <p:cNvSpPr/>
+          <p:nvPr/>
+        </p:nvSpPr>
+        <p:spPr>
+          <a:xfrm>
+            <a:off x="3211113" y="5397000"/>
+            <a:ext cx="2410800" cy="480900"/>
+          </a:xfrm>
+          <a:prstGeom prst="roundRect">
+            <a:avLst>
+              <a:gd name="adj" fmla="val 16667"/>
+            </a:avLst>
+          </a:prstGeom>
+          <a:solidFill>
+            <a:srgbClr val="E6B8AF"/>
+          </a:solidFill>
+          <a:ln w="28575" cap="flat" cmpd="sng">
+            <a:solidFill>
+              <a:srgbClr val="5B0F00"/>
+            </a:solidFill>
+            <a:prstDash val="solid"/>
+            <a:round/>
+            <a:headEnd type="none" w="sm" len="sm"/>
+            <a:tailEnd type="none" w="sm" len="sm"/>
+          </a:ln>
+        </p:spPr>
+        <p:txBody>
+          <a:bodyPr spcFirstLastPara="1" wrap="square" lIns="91425" tIns="91425" rIns="91425" bIns="91425" anchor="ctr" anchorCtr="0">
+            <a:noAutofit/>
+          </a:bodyPr>
+          <a:lstStyle/>
+          <a:p>
+            <a:pPr marL="0" lvl="0" indent="0" algn="ctr" rtl="0">
+              <a:spcBef>
+                <a:spcPts val="0"/>
+              </a:spcBef>
+              <a:spcAft>
+                <a:spcPts val="0"/>
+              </a:spcAft>
+              <a:buNone/>
+            </a:pPr>
+            <a:r>
+              <a:rPr lang="en-US" sz="1800" b="1" noProof="0" dirty="0">
+                <a:latin typeface="Consolas"/>
+                <a:ea typeface="Consolas"/>
+                <a:cs typeface="Consolas"/>
+                <a:sym typeface="Consolas"/>
+              </a:rPr>
+              <a:t>Everyone</a:t>
+            </a:r>
+          </a:p>
+        </p:txBody>
+      </p:sp>
+      <p:sp>
+        <p:nvSpPr>
+          <p:cNvPr id="3" name="Google Shape;90;p15">
+            <a:extLst>
+              <a:ext uri="{FF2B5EF4-FFF2-40B4-BE49-F238E27FC236}">
+                <a16:creationId xmlns:a16="http://schemas.microsoft.com/office/drawing/2014/main" id="{FC6F0988-99FB-137D-67F7-05B5A9816499}"/>
+              </a:ext>
+            </a:extLst>
+          </p:cNvPr>
+          <p:cNvSpPr/>
+          <p:nvPr/>
+        </p:nvSpPr>
+        <p:spPr>
+          <a:xfrm>
+            <a:off x="18668888" y="849419"/>
+            <a:ext cx="2410800" cy="1648500"/>
+          </a:xfrm>
+          <a:prstGeom prst="roundRect">
+            <a:avLst>
+              <a:gd name="adj" fmla="val 16667"/>
+            </a:avLst>
+          </a:prstGeom>
+          <a:solidFill>
+            <a:srgbClr val="D0E0E3"/>
+          </a:solidFill>
+          <a:ln w="28575" cap="flat" cmpd="sng">
+            <a:solidFill>
+              <a:srgbClr val="134F5C"/>
+            </a:solidFill>
+            <a:prstDash val="solid"/>
+            <a:round/>
+            <a:headEnd type="none" w="sm" len="sm"/>
+            <a:tailEnd type="none" w="sm" len="sm"/>
+          </a:ln>
+        </p:spPr>
+        <p:txBody>
+          <a:bodyPr spcFirstLastPara="1" wrap="square" lIns="91425" tIns="91425" rIns="91425" bIns="91425" anchor="t" anchorCtr="0">
+            <a:noAutofit/>
+          </a:bodyPr>
+          <a:lstStyle/>
+          <a:p>
+            <a:pPr marL="0" lvl="0" indent="0" algn="l" rtl="0">
+              <a:spcBef>
+                <a:spcPts val="0"/>
+              </a:spcBef>
+              <a:spcAft>
+                <a:spcPts val="0"/>
+              </a:spcAft>
+              <a:buNone/>
+            </a:pPr>
+            <a:r>
+              <a:rPr lang="en-US" noProof="0" dirty="0">
+                <a:latin typeface="Consolas"/>
+                <a:ea typeface="Consolas"/>
+                <a:cs typeface="Consolas"/>
+                <a:sym typeface="Consolas"/>
+              </a:rPr>
+              <a:t>T2: Everyone: Playing the game so we can experience the user’s needs.</a:t>
+            </a:r>
+          </a:p>
+        </p:txBody>
+      </p:sp>
+      <p:sp>
+        <p:nvSpPr>
+          <p:cNvPr id="2" name="Google Shape;88;p15">
+            <a:extLst>
+              <a:ext uri="{FF2B5EF4-FFF2-40B4-BE49-F238E27FC236}">
+                <a16:creationId xmlns:a16="http://schemas.microsoft.com/office/drawing/2014/main" id="{89980944-1942-2BC2-8162-F5502E2D3D32}"/>
+              </a:ext>
+            </a:extLst>
+          </p:cNvPr>
+          <p:cNvSpPr/>
+          <p:nvPr/>
+        </p:nvSpPr>
+        <p:spPr>
+          <a:xfrm>
+            <a:off x="18668888" y="1957876"/>
+            <a:ext cx="2410800" cy="1648500"/>
+          </a:xfrm>
+          <a:prstGeom prst="roundRect">
+            <a:avLst>
+              <a:gd name="adj" fmla="val 16667"/>
+            </a:avLst>
+          </a:prstGeom>
+          <a:solidFill>
+            <a:srgbClr val="D9EAD3"/>
+          </a:solidFill>
+          <a:ln w="28575" cap="flat" cmpd="sng">
+            <a:solidFill>
+              <a:srgbClr val="274E13"/>
+            </a:solidFill>
+            <a:prstDash val="solid"/>
+            <a:round/>
+            <a:headEnd type="none" w="sm" len="sm"/>
+            <a:tailEnd type="none" w="sm" len="sm"/>
+          </a:ln>
+        </p:spPr>
+        <p:txBody>
+          <a:bodyPr spcFirstLastPara="1" wrap="square" lIns="91425" tIns="91425" rIns="91425" bIns="91425" anchor="t" anchorCtr="0">
+            <a:noAutofit/>
+          </a:bodyPr>
+          <a:lstStyle/>
+          <a:p>
+            <a:pPr marL="0" lvl="0" indent="0" algn="l" rtl="0">
+              <a:spcBef>
+                <a:spcPts val="0"/>
+              </a:spcBef>
+              <a:spcAft>
+                <a:spcPts val="0"/>
+              </a:spcAft>
+              <a:buNone/>
+            </a:pPr>
+            <a:r>
+              <a:rPr lang="en-US" noProof="0" dirty="0">
+                <a:latin typeface="Consolas"/>
+                <a:ea typeface="Consolas"/>
+                <a:cs typeface="Consolas"/>
+                <a:sym typeface="Consolas"/>
+              </a:rPr>
+              <a:t>T1: Make 3 User Stories</a:t>
+            </a:r>
+          </a:p>
+        </p:txBody>
+      </p:sp>
+      <p:sp>
+        <p:nvSpPr>
+          <p:cNvPr id="88" name="Google Shape;88;p15">
+            <a:extLst>
+              <a:ext uri="{FF2B5EF4-FFF2-40B4-BE49-F238E27FC236}">
+                <a16:creationId xmlns:a16="http://schemas.microsoft.com/office/drawing/2014/main" id="{5D6F3F5E-E672-0C1D-FBBB-FCE8D53D094D}"/>
+              </a:ext>
+            </a:extLst>
+          </p:cNvPr>
+          <p:cNvSpPr/>
+          <p:nvPr/>
+        </p:nvSpPr>
+        <p:spPr>
+          <a:xfrm>
+            <a:off x="18668888" y="2681513"/>
+            <a:ext cx="2410800" cy="1648500"/>
+          </a:xfrm>
+          <a:prstGeom prst="roundRect">
+            <a:avLst>
+              <a:gd name="adj" fmla="val 16667"/>
+            </a:avLst>
+          </a:prstGeom>
+          <a:solidFill>
+            <a:srgbClr val="D9EAD3"/>
+          </a:solidFill>
+          <a:ln w="28575" cap="flat" cmpd="sng">
+            <a:solidFill>
+              <a:srgbClr val="274E13"/>
+            </a:solidFill>
+            <a:prstDash val="solid"/>
+            <a:round/>
+            <a:headEnd type="none" w="sm" len="sm"/>
+            <a:tailEnd type="none" w="sm" len="sm"/>
+          </a:ln>
+        </p:spPr>
+        <p:txBody>
+          <a:bodyPr spcFirstLastPara="1" wrap="square" lIns="91425" tIns="91425" rIns="91425" bIns="91425" anchor="t" anchorCtr="0">
+            <a:noAutofit/>
+          </a:bodyPr>
+          <a:lstStyle/>
+          <a:p>
+            <a:pPr marL="0" lvl="0" indent="0" algn="l" rtl="0">
+              <a:spcBef>
+                <a:spcPts val="0"/>
+              </a:spcBef>
+              <a:spcAft>
+                <a:spcPts val="0"/>
+              </a:spcAft>
+              <a:buNone/>
+            </a:pPr>
+            <a:r>
+              <a:rPr lang="en-US" sz="2000" noProof="0" dirty="0">
+                <a:latin typeface="Consolas"/>
+                <a:ea typeface="Consolas"/>
+                <a:cs typeface="Consolas"/>
+                <a:sym typeface="Consolas"/>
+              </a:rPr>
+              <a:t>Find code smells</a:t>
+            </a:r>
+          </a:p>
+        </p:txBody>
+      </p:sp>
+      <p:cxnSp>
+        <p:nvCxnSpPr>
+          <p:cNvPr id="91" name="Google Shape;91;p15">
+            <a:extLst>
+              <a:ext uri="{FF2B5EF4-FFF2-40B4-BE49-F238E27FC236}">
+                <a16:creationId xmlns:a16="http://schemas.microsoft.com/office/drawing/2014/main" id="{2F352622-5E9D-BB9A-73AC-7E20E4193F56}"/>
+              </a:ext>
+            </a:extLst>
+          </p:cNvPr>
+          <p:cNvCxnSpPr/>
+          <p:nvPr/>
+        </p:nvCxnSpPr>
+        <p:spPr>
+          <a:xfrm>
+            <a:off x="2874374" y="-28500"/>
+            <a:ext cx="0" cy="10857000"/>
+          </a:xfrm>
+          <a:prstGeom prst="straightConnector1">
             <a:avLst/>
           </a:prstGeom>
-        </p:spPr>
-        <p:txBody>
-          <a:bodyPr>
-            <a:prstTxWarp prst="textPlain">
-              <a:avLst/>
-            </a:prstTxWarp>
+          <a:noFill/>
+          <a:ln w="38100" cap="flat" cmpd="sng">
+            <a:solidFill>
+              <a:srgbClr val="5B0F00"/>
+            </a:solidFill>
+            <a:prstDash val="solid"/>
+            <a:round/>
+            <a:headEnd type="none" w="med" len="med"/>
+            <a:tailEnd type="none" w="med" len="med"/>
+          </a:ln>
+        </p:spPr>
+      </p:cxnSp>
+      <p:sp>
+        <p:nvSpPr>
+          <p:cNvPr id="4" name="Google Shape;88;p15">
+            <a:extLst>
+              <a:ext uri="{FF2B5EF4-FFF2-40B4-BE49-F238E27FC236}">
+                <a16:creationId xmlns:a16="http://schemas.microsoft.com/office/drawing/2014/main" id="{4211F125-61A1-8CF4-7715-5F6FE1C31FE1}"/>
+              </a:ext>
+            </a:extLst>
+          </p:cNvPr>
+          <p:cNvSpPr/>
+          <p:nvPr/>
+        </p:nvSpPr>
+        <p:spPr>
+          <a:xfrm>
+            <a:off x="405410" y="694221"/>
+            <a:ext cx="1867580" cy="3160613"/>
+          </a:xfrm>
+          <a:prstGeom prst="roundRect">
+            <a:avLst>
+              <a:gd name="adj" fmla="val 16667"/>
+            </a:avLst>
+          </a:prstGeom>
+          <a:solidFill>
+            <a:srgbClr val="D9EAD3"/>
+          </a:solidFill>
+          <a:ln w="28575" cap="flat" cmpd="sng">
+            <a:solidFill>
+              <a:srgbClr val="274E13"/>
+            </a:solidFill>
+            <a:prstDash val="solid"/>
+            <a:round/>
+            <a:headEnd type="none" w="sm" len="sm"/>
+            <a:tailEnd type="none" w="sm" len="sm"/>
+          </a:ln>
+        </p:spPr>
+        <p:txBody>
+          <a:bodyPr spcFirstLastPara="1" wrap="square" lIns="91425" tIns="91425" rIns="91425" bIns="91425" anchor="t" anchorCtr="0">
+            <a:noAutofit/>
           </a:bodyPr>
           <a:lstStyle/>
           <a:p>
-            <a:pPr lvl="0" algn="ctr"/>
+            <a:pPr lvl="0"/>
             <a:r>
-              <a:rPr b="1" i="0" dirty="0">
-                <a:ln w="114300" cap="flat" cmpd="sng">
-                  <a:solidFill>
-                    <a:srgbClr val="434343"/>
-                  </a:solidFill>
-                  <a:prstDash val="solid"/>
-                  <a:round/>
-                  <a:headEnd type="none" w="sm" len="sm"/>
-                  <a:tailEnd type="none" w="sm" len="sm"/>
-                </a:ln>
-                <a:solidFill>
-                  <a:schemeClr val="lt1"/>
-                </a:solidFill>
-                <a:latin typeface="Consolas"/>
+              <a:rPr lang="en-US" noProof="0" dirty="0">
+                <a:latin typeface="Consolas" panose="020B0609020204030204" pitchFamily="49" charset="0"/>
+                <a:ea typeface="Consolas"/>
+                <a:cs typeface="Consolas"/>
+                <a:sym typeface="Consolas"/>
               </a:rPr>
-              <a:t>Sprint </a:t>
+              <a:t>US 3:</a:t>
             </a:r>
             <a:r>
-              <a:rPr lang="pt-PT" b="1" i="0" dirty="0">
-                <a:ln w="114300" cap="flat" cmpd="sng">
-                  <a:solidFill>
-                    <a:srgbClr val="434343"/>
-                  </a:solidFill>
-                  <a:prstDash val="solid"/>
-                  <a:round/>
-                  <a:headEnd type="none" w="sm" len="sm"/>
-                  <a:tailEnd type="none" w="sm" len="sm"/>
-                </a:ln>
-                <a:solidFill>
-                  <a:schemeClr val="lt1"/>
-                </a:solidFill>
+              <a:rPr lang="en-US" noProof="0" dirty="0">
+                <a:latin typeface="Consolas" panose="020B0609020204030204" pitchFamily="49" charset="0"/>
+              </a:rPr>
+              <a:t>As a player brand new to </a:t>
+            </a:r>
+            <a:r>
+              <a:rPr lang="en-US" noProof="0" dirty="0" err="1">
+                <a:latin typeface="Consolas" panose="020B0609020204030204" pitchFamily="49" charset="0"/>
+              </a:rPr>
+              <a:t>Mindustry</a:t>
+            </a:r>
+            <a:r>
+              <a:rPr lang="en-US" noProof="0" dirty="0">
+                <a:latin typeface="Consolas" panose="020B0609020204030204" pitchFamily="49" charset="0"/>
+              </a:rPr>
+              <a:t>, I want a more intuitive game tutorial so that I don't get lost and demotivated</a:t>
+            </a:r>
+            <a:r>
+              <a:rPr lang="en-US" noProof="0" dirty="0"/>
+              <a:t>.</a:t>
+            </a:r>
+            <a:endParaRPr lang="en-US" noProof="0" dirty="0">
+              <a:latin typeface="Consolas"/>
+              <a:ea typeface="Consolas"/>
+              <a:cs typeface="Consolas"/>
+              <a:sym typeface="Consolas"/>
+            </a:endParaRPr>
+          </a:p>
+        </p:txBody>
+      </p:sp>
+      <p:sp>
+        <p:nvSpPr>
+          <p:cNvPr id="90" name="Google Shape;90;p15">
+            <a:extLst>
+              <a:ext uri="{FF2B5EF4-FFF2-40B4-BE49-F238E27FC236}">
+                <a16:creationId xmlns:a16="http://schemas.microsoft.com/office/drawing/2014/main" id="{E2712A31-AE8E-A156-8193-B4CCF85ADE07}"/>
+              </a:ext>
+            </a:extLst>
+          </p:cNvPr>
+          <p:cNvSpPr/>
+          <p:nvPr/>
+        </p:nvSpPr>
+        <p:spPr>
+          <a:xfrm>
+            <a:off x="18668888" y="3523043"/>
+            <a:ext cx="2410800" cy="1648500"/>
+          </a:xfrm>
+          <a:prstGeom prst="roundRect">
+            <a:avLst>
+              <a:gd name="adj" fmla="val 16667"/>
+            </a:avLst>
+          </a:prstGeom>
+          <a:solidFill>
+            <a:srgbClr val="D0E0E3"/>
+          </a:solidFill>
+          <a:ln w="28575" cap="flat" cmpd="sng">
+            <a:solidFill>
+              <a:srgbClr val="134F5C"/>
+            </a:solidFill>
+            <a:prstDash val="solid"/>
+            <a:round/>
+            <a:headEnd type="none" w="sm" len="sm"/>
+            <a:tailEnd type="none" w="sm" len="sm"/>
+          </a:ln>
+        </p:spPr>
+        <p:txBody>
+          <a:bodyPr spcFirstLastPara="1" wrap="square" lIns="91425" tIns="91425" rIns="91425" bIns="91425" anchor="t" anchorCtr="0">
+            <a:noAutofit/>
+          </a:bodyPr>
+          <a:lstStyle/>
+          <a:p>
+            <a:pPr marL="0" lvl="0" indent="0" algn="l" rtl="0">
+              <a:spcBef>
+                <a:spcPts val="0"/>
+              </a:spcBef>
+              <a:spcAft>
+                <a:spcPts val="0"/>
+              </a:spcAft>
+              <a:buNone/>
+            </a:pPr>
+            <a:r>
+              <a:rPr lang="en-US" sz="2000" noProof="0" dirty="0">
                 <a:latin typeface="Consolas"/>
+                <a:ea typeface="Consolas"/>
+                <a:cs typeface="Consolas"/>
+                <a:sym typeface="Consolas"/>
               </a:rPr>
-              <a:t>3</a:t>
+              <a:t>Review other’s  code smells</a:t>
             </a:r>
-            <a:endParaRPr b="1" i="0" dirty="0">
-              <a:ln w="114300" cap="flat" cmpd="sng">
-                <a:solidFill>
-                  <a:srgbClr val="434343"/>
-                </a:solidFill>
-                <a:prstDash val="solid"/>
-                <a:round/>
-                <a:headEnd type="none" w="sm" len="sm"/>
-                <a:tailEnd type="none" w="sm" len="sm"/>
-              </a:ln>
-              <a:solidFill>
-                <a:schemeClr val="lt1"/>
-              </a:solidFill>
+          </a:p>
+        </p:txBody>
+      </p:sp>
+      <p:sp>
+        <p:nvSpPr>
+          <p:cNvPr id="5" name="Google Shape;88;p15">
+            <a:extLst>
+              <a:ext uri="{FF2B5EF4-FFF2-40B4-BE49-F238E27FC236}">
+                <a16:creationId xmlns:a16="http://schemas.microsoft.com/office/drawing/2014/main" id="{8098C960-FCB1-E6C9-566A-1DB5525C240C}"/>
+              </a:ext>
+            </a:extLst>
+          </p:cNvPr>
+          <p:cNvSpPr/>
+          <p:nvPr/>
+        </p:nvSpPr>
+        <p:spPr>
+          <a:xfrm>
+            <a:off x="438912" y="4038458"/>
+            <a:ext cx="1867552" cy="2826314"/>
+          </a:xfrm>
+          <a:prstGeom prst="roundRect">
+            <a:avLst>
+              <a:gd name="adj" fmla="val 16667"/>
+            </a:avLst>
+          </a:prstGeom>
+          <a:solidFill>
+            <a:srgbClr val="D9EAD3"/>
+          </a:solidFill>
+          <a:ln w="28575" cap="flat" cmpd="sng">
+            <a:solidFill>
+              <a:srgbClr val="274E13"/>
+            </a:solidFill>
+            <a:prstDash val="solid"/>
+            <a:round/>
+            <a:headEnd type="none" w="sm" len="sm"/>
+            <a:tailEnd type="none" w="sm" len="sm"/>
+          </a:ln>
+        </p:spPr>
+        <p:txBody>
+          <a:bodyPr spcFirstLastPara="1" wrap="square" lIns="91425" tIns="91425" rIns="91425" bIns="91425" anchor="t" anchorCtr="0">
+            <a:noAutofit/>
+          </a:bodyPr>
+          <a:lstStyle/>
+          <a:p>
+            <a:pPr marL="0" lvl="0" indent="0" algn="l" rtl="0">
+              <a:spcBef>
+                <a:spcPts val="0"/>
+              </a:spcBef>
+              <a:spcAft>
+                <a:spcPts val="0"/>
+              </a:spcAft>
+              <a:buNone/>
+            </a:pPr>
+            <a:r>
+              <a:rPr lang="en-US" noProof="0" dirty="0">
+                <a:latin typeface="Consolas"/>
+                <a:ea typeface="Consolas"/>
+                <a:cs typeface="Consolas"/>
+                <a:sym typeface="Consolas"/>
+              </a:rPr>
+              <a:t>US 2: As an experienced player I think we should have a greater diversity of towers that can help us automate the way we defend order</a:t>
+            </a:r>
+          </a:p>
+        </p:txBody>
+      </p:sp>
+      <p:sp>
+        <p:nvSpPr>
+          <p:cNvPr id="6" name="Google Shape;88;p15">
+            <a:extLst>
+              <a:ext uri="{FF2B5EF4-FFF2-40B4-BE49-F238E27FC236}">
+                <a16:creationId xmlns:a16="http://schemas.microsoft.com/office/drawing/2014/main" id="{81153B3B-2390-0930-C067-7B7BC2246080}"/>
+              </a:ext>
+            </a:extLst>
+          </p:cNvPr>
+          <p:cNvSpPr/>
+          <p:nvPr/>
+        </p:nvSpPr>
+        <p:spPr>
+          <a:xfrm>
+            <a:off x="405410" y="6982925"/>
+            <a:ext cx="1867580" cy="3160613"/>
+          </a:xfrm>
+          <a:prstGeom prst="roundRect">
+            <a:avLst>
+              <a:gd name="adj" fmla="val 16667"/>
+            </a:avLst>
+          </a:prstGeom>
+          <a:solidFill>
+            <a:srgbClr val="D9EAD3"/>
+          </a:solidFill>
+          <a:ln w="28575" cap="flat" cmpd="sng">
+            <a:solidFill>
+              <a:srgbClr val="274E13"/>
+            </a:solidFill>
+            <a:prstDash val="solid"/>
+            <a:round/>
+            <a:headEnd type="none" w="sm" len="sm"/>
+            <a:tailEnd type="none" w="sm" len="sm"/>
+          </a:ln>
+        </p:spPr>
+        <p:txBody>
+          <a:bodyPr spcFirstLastPara="1" wrap="square" lIns="91425" tIns="91425" rIns="91425" bIns="91425" anchor="t" anchorCtr="0">
+            <a:noAutofit/>
+          </a:bodyPr>
+          <a:lstStyle/>
+          <a:p>
+            <a:pPr marL="0" lvl="0" indent="0" algn="l" rtl="0">
+              <a:spcBef>
+                <a:spcPts val="0"/>
+              </a:spcBef>
+              <a:spcAft>
+                <a:spcPts val="0"/>
+              </a:spcAft>
+              <a:buNone/>
+            </a:pPr>
+            <a:r>
+              <a:rPr lang="en-US" noProof="0" dirty="0">
+                <a:latin typeface="Consolas"/>
+                <a:ea typeface="Consolas"/>
+                <a:cs typeface="Consolas"/>
+                <a:sym typeface="Consolas"/>
+              </a:rPr>
+              <a:t>US 1: As Player, I want to have access to a sandbox (free play) so that I can freely experiment with different constructions and strategies without enemies or attack waves.</a:t>
+            </a:r>
+          </a:p>
+        </p:txBody>
+      </p:sp>
+      <p:sp>
+        <p:nvSpPr>
+          <p:cNvPr id="7" name="Google Shape;88;p15">
+            <a:extLst>
+              <a:ext uri="{FF2B5EF4-FFF2-40B4-BE49-F238E27FC236}">
+                <a16:creationId xmlns:a16="http://schemas.microsoft.com/office/drawing/2014/main" id="{4F7D583C-A2C8-DD42-D239-3D883247C0EA}"/>
+              </a:ext>
+            </a:extLst>
+          </p:cNvPr>
+          <p:cNvSpPr/>
+          <p:nvPr/>
+        </p:nvSpPr>
+        <p:spPr>
+          <a:xfrm>
+            <a:off x="9365775" y="694221"/>
+            <a:ext cx="2410800" cy="1648500"/>
+          </a:xfrm>
+          <a:prstGeom prst="roundRect">
+            <a:avLst>
+              <a:gd name="adj" fmla="val 16667"/>
+            </a:avLst>
+          </a:prstGeom>
+          <a:solidFill>
+            <a:srgbClr val="D9EAD3"/>
+          </a:solidFill>
+          <a:ln w="28575" cap="flat" cmpd="sng">
+            <a:solidFill>
+              <a:srgbClr val="274E13"/>
+            </a:solidFill>
+            <a:prstDash val="solid"/>
+            <a:round/>
+            <a:headEnd type="none" w="sm" len="sm"/>
+            <a:tailEnd type="none" w="sm" len="sm"/>
+          </a:ln>
+        </p:spPr>
+        <p:txBody>
+          <a:bodyPr spcFirstLastPara="1" wrap="square" lIns="91425" tIns="91425" rIns="91425" bIns="91425" anchor="t" anchorCtr="0">
+            <a:noAutofit/>
+          </a:bodyPr>
+          <a:lstStyle/>
+          <a:p>
+            <a:pPr marL="0" lvl="0" indent="0" algn="l" rtl="0">
+              <a:spcBef>
+                <a:spcPts val="0"/>
+              </a:spcBef>
+              <a:spcAft>
+                <a:spcPts val="0"/>
+              </a:spcAft>
+              <a:buNone/>
+            </a:pPr>
+            <a:r>
+              <a:rPr lang="en-US" sz="2000" noProof="0" dirty="0">
+                <a:latin typeface="Consolas"/>
+                <a:ea typeface="Consolas"/>
+                <a:cs typeface="Consolas"/>
+                <a:sym typeface="Consolas"/>
+              </a:rPr>
+              <a:t>Create Use Case Diagrams</a:t>
+            </a:r>
+          </a:p>
+        </p:txBody>
+      </p:sp>
+      <p:sp>
+        <p:nvSpPr>
+          <p:cNvPr id="8" name="Google Shape;88;p15">
+            <a:extLst>
+              <a:ext uri="{FF2B5EF4-FFF2-40B4-BE49-F238E27FC236}">
+                <a16:creationId xmlns:a16="http://schemas.microsoft.com/office/drawing/2014/main" id="{B465E629-5EFB-25C0-FE86-860DCEA99BFD}"/>
+              </a:ext>
+            </a:extLst>
+          </p:cNvPr>
+          <p:cNvSpPr/>
+          <p:nvPr/>
+        </p:nvSpPr>
+        <p:spPr>
+          <a:xfrm>
+            <a:off x="9365775" y="1618255"/>
+            <a:ext cx="2410800" cy="1648500"/>
+          </a:xfrm>
+          <a:prstGeom prst="roundRect">
+            <a:avLst>
+              <a:gd name="adj" fmla="val 16667"/>
+            </a:avLst>
+          </a:prstGeom>
+          <a:solidFill>
+            <a:srgbClr val="D9EAD3"/>
+          </a:solidFill>
+          <a:ln w="28575" cap="flat" cmpd="sng">
+            <a:solidFill>
+              <a:srgbClr val="274E13"/>
+            </a:solidFill>
+            <a:prstDash val="solid"/>
+            <a:round/>
+            <a:headEnd type="none" w="sm" len="sm"/>
+            <a:tailEnd type="none" w="sm" len="sm"/>
+          </a:ln>
+        </p:spPr>
+        <p:txBody>
+          <a:bodyPr spcFirstLastPara="1" wrap="square" lIns="91425" tIns="91425" rIns="91425" bIns="91425" anchor="t" anchorCtr="0">
+            <a:noAutofit/>
+          </a:bodyPr>
+          <a:lstStyle/>
+          <a:p>
+            <a:pPr marL="0" lvl="0" indent="0" algn="l" rtl="0">
+              <a:spcBef>
+                <a:spcPts val="0"/>
+              </a:spcBef>
+              <a:spcAft>
+                <a:spcPts val="0"/>
+              </a:spcAft>
+              <a:buNone/>
+            </a:pPr>
+            <a:r>
+              <a:rPr lang="en-US" sz="2000" noProof="0" dirty="0">
+                <a:latin typeface="Consolas"/>
+                <a:ea typeface="Consolas"/>
+                <a:cs typeface="Consolas"/>
+                <a:sym typeface="Consolas"/>
+              </a:rPr>
+              <a:t>Review Use Case Diagrams</a:t>
+            </a:r>
+          </a:p>
+        </p:txBody>
+      </p:sp>
+      <p:sp>
+        <p:nvSpPr>
+          <p:cNvPr id="9" name="Google Shape;88;p15">
+            <a:extLst>
+              <a:ext uri="{FF2B5EF4-FFF2-40B4-BE49-F238E27FC236}">
+                <a16:creationId xmlns:a16="http://schemas.microsoft.com/office/drawing/2014/main" id="{5B61E9F2-9E12-E52B-3343-BE899E701A1F}"/>
+              </a:ext>
+            </a:extLst>
+          </p:cNvPr>
+          <p:cNvSpPr/>
+          <p:nvPr/>
+        </p:nvSpPr>
+        <p:spPr>
+          <a:xfrm>
+            <a:off x="9365775" y="2542289"/>
+            <a:ext cx="2410800" cy="1648500"/>
+          </a:xfrm>
+          <a:prstGeom prst="roundRect">
+            <a:avLst>
+              <a:gd name="adj" fmla="val 16667"/>
+            </a:avLst>
+          </a:prstGeom>
+          <a:solidFill>
+            <a:srgbClr val="D9EAD3"/>
+          </a:solidFill>
+          <a:ln w="28575" cap="flat" cmpd="sng">
+            <a:solidFill>
+              <a:srgbClr val="274E13"/>
+            </a:solidFill>
+            <a:prstDash val="solid"/>
+            <a:round/>
+            <a:headEnd type="none" w="sm" len="sm"/>
+            <a:tailEnd type="none" w="sm" len="sm"/>
+          </a:ln>
+        </p:spPr>
+        <p:txBody>
+          <a:bodyPr spcFirstLastPara="1" wrap="square" lIns="91425" tIns="91425" rIns="91425" bIns="91425" anchor="t" anchorCtr="0">
+            <a:noAutofit/>
+          </a:bodyPr>
+          <a:lstStyle/>
+          <a:p>
+            <a:pPr marL="0" lvl="0" indent="0" algn="l" rtl="0">
+              <a:spcBef>
+                <a:spcPts val="0"/>
+              </a:spcBef>
+              <a:spcAft>
+                <a:spcPts val="0"/>
+              </a:spcAft>
+              <a:buNone/>
+            </a:pPr>
+            <a:r>
+              <a:rPr lang="en-US" sz="2000" noProof="0" dirty="0">
+                <a:latin typeface="Consolas"/>
+                <a:ea typeface="Consolas"/>
+                <a:cs typeface="Consolas"/>
+                <a:sym typeface="Consolas"/>
+              </a:rPr>
+              <a:t>Identify Design Patterns</a:t>
+            </a:r>
+          </a:p>
+        </p:txBody>
+      </p:sp>
+      <p:sp>
+        <p:nvSpPr>
+          <p:cNvPr id="11" name="Google Shape;90;p15">
+            <a:extLst>
+              <a:ext uri="{FF2B5EF4-FFF2-40B4-BE49-F238E27FC236}">
+                <a16:creationId xmlns:a16="http://schemas.microsoft.com/office/drawing/2014/main" id="{A795FE8B-862C-9793-F732-7485D7AA04D2}"/>
+              </a:ext>
+            </a:extLst>
+          </p:cNvPr>
+          <p:cNvSpPr/>
+          <p:nvPr/>
+        </p:nvSpPr>
+        <p:spPr>
+          <a:xfrm>
+            <a:off x="9365775" y="3701554"/>
+            <a:ext cx="2410800" cy="1648500"/>
+          </a:xfrm>
+          <a:prstGeom prst="roundRect">
+            <a:avLst>
+              <a:gd name="adj" fmla="val 16667"/>
+            </a:avLst>
+          </a:prstGeom>
+          <a:solidFill>
+            <a:srgbClr val="D0E0E3"/>
+          </a:solidFill>
+          <a:ln w="28575" cap="flat" cmpd="sng">
+            <a:solidFill>
+              <a:srgbClr val="134F5C"/>
+            </a:solidFill>
+            <a:prstDash val="solid"/>
+            <a:round/>
+            <a:headEnd type="none" w="sm" len="sm"/>
+            <a:tailEnd type="none" w="sm" len="sm"/>
+          </a:ln>
+        </p:spPr>
+        <p:txBody>
+          <a:bodyPr spcFirstLastPara="1" wrap="square" lIns="91425" tIns="91425" rIns="91425" bIns="91425" anchor="t" anchorCtr="0">
+            <a:noAutofit/>
+          </a:bodyPr>
+          <a:lstStyle/>
+          <a:p>
+            <a:pPr marL="0" lvl="0" indent="0" algn="l" rtl="0">
+              <a:spcBef>
+                <a:spcPts val="0"/>
+              </a:spcBef>
+              <a:spcAft>
+                <a:spcPts val="0"/>
+              </a:spcAft>
+              <a:buNone/>
+            </a:pPr>
+            <a:r>
+              <a:rPr lang="en-US" sz="2000" noProof="0" dirty="0">
+                <a:latin typeface="Consolas"/>
+                <a:ea typeface="Consolas"/>
+                <a:cs typeface="Consolas"/>
+                <a:sym typeface="Consolas"/>
+              </a:rPr>
+              <a:t>Review Design Patterns</a:t>
+            </a:r>
+          </a:p>
+          <a:p>
+            <a:pPr marL="0" lvl="0" indent="0" algn="l" rtl="0">
+              <a:spcBef>
+                <a:spcPts val="0"/>
+              </a:spcBef>
+              <a:spcAft>
+                <a:spcPts val="0"/>
+              </a:spcAft>
+              <a:buNone/>
+            </a:pPr>
+            <a:endParaRPr lang="en-US" sz="2000" noProof="0" dirty="0">
               <a:latin typeface="Consolas"/>
+              <a:ea typeface="Consolas"/>
+              <a:cs typeface="Consolas"/>
+              <a:sym typeface="Consolas"/>
             </a:endParaRPr>
           </a:p>
         </p:txBody>
       </p:sp>
+      <p:sp>
+        <p:nvSpPr>
+          <p:cNvPr id="12" name="Google Shape;90;p15">
+            <a:extLst>
+              <a:ext uri="{FF2B5EF4-FFF2-40B4-BE49-F238E27FC236}">
+                <a16:creationId xmlns:a16="http://schemas.microsoft.com/office/drawing/2014/main" id="{909A9D16-5F73-8C63-470F-DCCD77FC0C03}"/>
+              </a:ext>
+            </a:extLst>
+          </p:cNvPr>
+          <p:cNvSpPr/>
+          <p:nvPr/>
+        </p:nvSpPr>
+        <p:spPr>
+          <a:xfrm>
+            <a:off x="9365775" y="4625588"/>
+            <a:ext cx="2410800" cy="2184131"/>
+          </a:xfrm>
+          <a:prstGeom prst="roundRect">
+            <a:avLst>
+              <a:gd name="adj" fmla="val 16667"/>
+            </a:avLst>
+          </a:prstGeom>
+          <a:solidFill>
+            <a:srgbClr val="D0E0E3"/>
+          </a:solidFill>
+          <a:ln w="28575" cap="flat" cmpd="sng">
+            <a:solidFill>
+              <a:srgbClr val="134F5C"/>
+            </a:solidFill>
+            <a:prstDash val="solid"/>
+            <a:round/>
+            <a:headEnd type="none" w="sm" len="sm"/>
+            <a:tailEnd type="none" w="sm" len="sm"/>
+          </a:ln>
+        </p:spPr>
+        <p:txBody>
+          <a:bodyPr spcFirstLastPara="1" wrap="square" lIns="91425" tIns="91425" rIns="91425" bIns="91425" anchor="t" anchorCtr="0">
+            <a:noAutofit/>
+          </a:bodyPr>
+          <a:lstStyle/>
+          <a:p>
+            <a:pPr marL="0" lvl="0" indent="0" algn="l" rtl="0">
+              <a:spcBef>
+                <a:spcPts val="0"/>
+              </a:spcBef>
+              <a:spcAft>
+                <a:spcPts val="0"/>
+              </a:spcAft>
+              <a:buNone/>
+            </a:pPr>
+            <a:r>
+              <a:rPr lang="en-US" sz="2000" noProof="0" dirty="0">
+                <a:latin typeface="Consolas"/>
+                <a:ea typeface="Consolas"/>
+                <a:cs typeface="Consolas"/>
+                <a:sym typeface="Consolas"/>
+              </a:rPr>
+              <a:t>Produce a report with the metrics – based overview of the code base</a:t>
+            </a:r>
+          </a:p>
+        </p:txBody>
+      </p:sp>
     </p:spTree>
+    <p:extLst>
+      <p:ext uri="{BB962C8B-B14F-4D97-AF65-F5344CB8AC3E}">
+        <p14:creationId xmlns:p14="http://schemas.microsoft.com/office/powerpoint/2010/main" val="2952492342"/>
+      </p:ext>
+    </p:extLst>
   </p:cSld>
   <p:clrMapOvr>
     <a:masterClrMapping/>
